--- a/PPT/B002_ProjectPPT.pptx
+++ b/PPT/B002_ProjectPPT.pptx
@@ -234,7 +234,7 @@
             <a:fld id="{693C5521-6ED6-48B0-8AA8-E7779A0DEDB4}" type="datetimeFigureOut">
               <a:rPr lang="en-IN" smtClean="0"/>
               <a:pPr/>
-              <a:t>28-01-2019</a:t>
+              <a:t>29-01-2019</a:t>
             </a:fld>
             <a:endParaRPr lang="en-IN"/>
           </a:p>
@@ -770,7 +770,7 @@
             <a:fld id="{461CA89B-73E9-4634-906A-372D7DAAEC88}" type="datetime3">
               <a:rPr lang="en-US" smtClean="0"/>
               <a:pPr/>
-              <a:t>28 January 2019</a:t>
+              <a:t>29 January 2019</a:t>
             </a:fld>
             <a:endParaRPr lang="en-US"/>
           </a:p>
@@ -941,7 +941,7 @@
             <a:fld id="{773ED50A-77A2-4209-A1D7-0C22C65C2A87}" type="datetime3">
               <a:rPr lang="en-US" smtClean="0"/>
               <a:pPr/>
-              <a:t>28 January 2019</a:t>
+              <a:t>29 January 2019</a:t>
             </a:fld>
             <a:endParaRPr lang="en-US"/>
           </a:p>
@@ -1122,7 +1122,7 @@
             <a:fld id="{F2D08FB2-9FE4-487D-965B-D0DA0A1DC7DD}" type="datetime3">
               <a:rPr lang="en-US" smtClean="0"/>
               <a:pPr/>
-              <a:t>28 January 2019</a:t>
+              <a:t>29 January 2019</a:t>
             </a:fld>
             <a:endParaRPr lang="en-US"/>
           </a:p>
@@ -1293,7 +1293,7 @@
             <a:fld id="{43EB6444-05C2-4DB9-99E3-3024D2735779}" type="datetime3">
               <a:rPr lang="en-US" smtClean="0"/>
               <a:pPr/>
-              <a:t>28 January 2019</a:t>
+              <a:t>29 January 2019</a:t>
             </a:fld>
             <a:endParaRPr lang="en-US"/>
           </a:p>
@@ -1540,7 +1540,7 @@
             <a:fld id="{33889CC6-BD01-4423-8B7B-6785AC6E038A}" type="datetime3">
               <a:rPr lang="en-US" smtClean="0"/>
               <a:pPr/>
-              <a:t>28 January 2019</a:t>
+              <a:t>29 January 2019</a:t>
             </a:fld>
             <a:endParaRPr lang="en-US"/>
           </a:p>
@@ -1829,7 +1829,7 @@
             <a:fld id="{0E0E605F-490B-452B-8B05-14314302746A}" type="datetime3">
               <a:rPr lang="en-US" smtClean="0"/>
               <a:pPr/>
-              <a:t>28 January 2019</a:t>
+              <a:t>29 January 2019</a:t>
             </a:fld>
             <a:endParaRPr lang="en-US"/>
           </a:p>
@@ -2252,7 +2252,7 @@
             <a:fld id="{5E198B09-D047-4D3B-9154-76668E802024}" type="datetime3">
               <a:rPr lang="en-US" smtClean="0"/>
               <a:pPr/>
-              <a:t>28 January 2019</a:t>
+              <a:t>29 January 2019</a:t>
             </a:fld>
             <a:endParaRPr lang="en-US"/>
           </a:p>
@@ -2371,7 +2371,7 @@
             <a:fld id="{8219AB13-D051-4954-9051-64825C74F75A}" type="datetime3">
               <a:rPr lang="en-US" smtClean="0"/>
               <a:pPr/>
-              <a:t>28 January 2019</a:t>
+              <a:t>29 January 2019</a:t>
             </a:fld>
             <a:endParaRPr lang="en-US"/>
           </a:p>
@@ -2467,7 +2467,7 @@
             <a:fld id="{11637D31-5CC0-4E67-88E7-00FF86610318}" type="datetime3">
               <a:rPr lang="en-US" smtClean="0"/>
               <a:pPr/>
-              <a:t>28 January 2019</a:t>
+              <a:t>29 January 2019</a:t>
             </a:fld>
             <a:endParaRPr lang="en-US"/>
           </a:p>
@@ -2745,7 +2745,7 @@
             <a:fld id="{56E2FCAE-7BB8-4D70-9DA7-22EB6F9CEFAD}" type="datetime3">
               <a:rPr lang="en-US" smtClean="0"/>
               <a:pPr/>
-              <a:t>28 January 2019</a:t>
+              <a:t>29 January 2019</a:t>
             </a:fld>
             <a:endParaRPr lang="en-US"/>
           </a:p>
@@ -3003,7 +3003,7 @@
             <a:fld id="{D6EB2C22-3D65-435D-9A2D-35A61489EA27}" type="datetime3">
               <a:rPr lang="en-US" smtClean="0"/>
               <a:pPr/>
-              <a:t>28 January 2019</a:t>
+              <a:t>29 January 2019</a:t>
             </a:fld>
             <a:endParaRPr lang="en-US"/>
           </a:p>
@@ -3226,7 +3226,7 @@
             <a:fld id="{2ECC0AC6-A0B5-4ADF-B745-250ADF97C92C}" type="datetime3">
               <a:rPr lang="en-US" smtClean="0"/>
               <a:pPr/>
-              <a:t>28 January 2019</a:t>
+              <a:t>29 January 2019</a:t>
             </a:fld>
             <a:endParaRPr lang="en-US" dirty="0"/>
           </a:p>
@@ -3727,7 +3727,7 @@
             <a:fld id="{461CA89B-73E9-4634-906A-372D7DAAEC88}" type="datetime3">
               <a:rPr lang="en-US" smtClean="0"/>
               <a:pPr/>
-              <a:t>28 January 2019</a:t>
+              <a:t>29 January 2019</a:t>
             </a:fld>
             <a:endParaRPr lang="en-US"/>
           </a:p>
@@ -3936,7 +3936,7 @@
             <a:fld id="{43EB6444-05C2-4DB9-99E3-3024D2735779}" type="datetime3">
               <a:rPr lang="en-US" smtClean="0"/>
               <a:pPr/>
-              <a:t>28 January 2019</a:t>
+              <a:t>29 January 2019</a:t>
             </a:fld>
             <a:endParaRPr lang="en-US"/>
           </a:p>
@@ -4193,7 +4193,7 @@
             <a:fld id="{43EB6444-05C2-4DB9-99E3-3024D2735779}" type="datetime3">
               <a:rPr lang="en-US" smtClean="0"/>
               <a:pPr/>
-              <a:t>28 January 2019</a:t>
+              <a:t>29 January 2019</a:t>
             </a:fld>
             <a:endParaRPr lang="en-US"/>
           </a:p>
@@ -4331,7 +4331,7 @@
             <a:fld id="{43EB6444-05C2-4DB9-99E3-3024D2735779}" type="datetime3">
               <a:rPr lang="en-US" smtClean="0"/>
               <a:pPr/>
-              <a:t>28 January 2019</a:t>
+              <a:t>29 January 2019</a:t>
             </a:fld>
             <a:endParaRPr lang="en-US"/>
           </a:p>
@@ -4520,7 +4520,6 @@
               <a:rPr lang="en-US" b="1" dirty="0" smtClean="0"/>
               <a:t>Dataset.py</a:t>
             </a:r>
-            <a:endParaRPr lang="en-US" b="1" dirty="0" smtClean="0"/>
           </a:p>
           <a:p>
             <a:pPr lvl="1"/>
@@ -4534,11 +4533,15 @@
             </a:r>
             <a:r>
               <a:rPr lang="en-US" dirty="0" smtClean="0"/>
-              <a:t>read, renamed, </a:t>
+              <a:t>read, renamed, copied and organized in the correct naming convention to a different folder, from where </a:t>
             </a:r>
             <a:r>
               <a:rPr lang="en-US" dirty="0" smtClean="0"/>
-              <a:t>copied and organized in the correct naming convention to a different folder, from where out system will use</a:t>
+              <a:t>our </a:t>
+            </a:r>
+            <a:r>
+              <a:rPr lang="en-US" dirty="0" smtClean="0"/>
+              <a:t>system will use</a:t>
             </a:r>
           </a:p>
           <a:p>
@@ -4722,7 +4725,7 @@
             <a:fld id="{43EB6444-05C2-4DB9-99E3-3024D2735779}" type="datetime3">
               <a:rPr lang="en-US" smtClean="0"/>
               <a:pPr/>
-              <a:t>28 January 2019</a:t>
+              <a:t>29 January 2019</a:t>
             </a:fld>
             <a:endParaRPr lang="en-US"/>
           </a:p>
@@ -4914,7 +4917,6 @@
               <a:rPr lang="en-US" sz="2000" b="1" dirty="0" smtClean="0"/>
               <a:t>Main.py</a:t>
             </a:r>
-            <a:endParaRPr lang="en-US" sz="2000" b="1" dirty="0" smtClean="0"/>
           </a:p>
           <a:p>
             <a:pPr lvl="1"/>
@@ -4922,7 +4924,6 @@
               <a:rPr lang="en-US" sz="1800" dirty="0" smtClean="0"/>
               <a:t>This is the main python file where the system working starts, calls the other functions, gives the appropriate results and ends.</a:t>
             </a:r>
-            <a:endParaRPr lang="en-US" sz="1800" dirty="0" smtClean="0"/>
           </a:p>
         </p:txBody>
       </p:sp>
@@ -5058,7 +5059,7 @@
             <a:fld id="{43EB6444-05C2-4DB9-99E3-3024D2735779}" type="datetime3">
               <a:rPr lang="en-US" smtClean="0"/>
               <a:pPr/>
-              <a:t>28 January 2019</a:t>
+              <a:t>29 January 2019</a:t>
             </a:fld>
             <a:endParaRPr lang="en-US"/>
           </a:p>
@@ -5218,7 +5219,6 @@
               <a:rPr lang="en-US" sz="2000" b="1" dirty="0" smtClean="0"/>
               <a:t>Preprocessing.py</a:t>
             </a:r>
-            <a:endParaRPr lang="en-US" sz="2000" b="1" dirty="0" smtClean="0"/>
           </a:p>
           <a:p>
             <a:pPr lvl="1"/>
@@ -5231,19 +5231,7 @@
             <a:pPr lvl="1"/>
             <a:r>
               <a:rPr lang="en-US" sz="1800" dirty="0" smtClean="0"/>
-              <a:t>Resize, RGB </a:t>
-            </a:r>
-            <a:r>
-              <a:rPr lang="en-US" sz="1800" dirty="0" smtClean="0"/>
-              <a:t>to Grey </a:t>
-            </a:r>
-            <a:r>
-              <a:rPr lang="en-US" sz="1800" dirty="0" smtClean="0"/>
-              <a:t>, </a:t>
-            </a:r>
-            <a:r>
-              <a:rPr lang="en-US" sz="1800" dirty="0" smtClean="0"/>
-              <a:t>Otsu </a:t>
+              <a:t>Resize, RGB to Grey , Otsu </a:t>
             </a:r>
             <a:r>
               <a:rPr lang="en-US" sz="1800" dirty="0" err="1" smtClean="0"/>
@@ -5253,7 +5241,6 @@
               <a:rPr lang="en-US" sz="1800" dirty="0" smtClean="0"/>
               <a:t>, boundary Box cropping</a:t>
             </a:r>
-            <a:endParaRPr lang="en-US" sz="1800" dirty="0" smtClean="0"/>
           </a:p>
         </p:txBody>
       </p:sp>
@@ -5515,7 +5502,7 @@
             <a:fld id="{43EB6444-05C2-4DB9-99E3-3024D2735779}" type="datetime3">
               <a:rPr lang="en-US" smtClean="0"/>
               <a:pPr/>
-              <a:t>28 January 2019</a:t>
+              <a:t>29 January 2019</a:t>
             </a:fld>
             <a:endParaRPr lang="en-US"/>
           </a:p>
@@ -5675,7 +5662,6 @@
               <a:rPr lang="en-US" sz="2000" b="1" dirty="0" smtClean="0"/>
               <a:t>shapeFeat.py</a:t>
             </a:r>
-            <a:endParaRPr lang="en-US" sz="2000" b="1" dirty="0" smtClean="0"/>
           </a:p>
           <a:p>
             <a:pPr lvl="1"/>
@@ -5766,8 +5752,8 @@
         </p:blipFill>
         <p:spPr>
           <a:xfrm>
-            <a:off x="5595542" y="4038600"/>
-            <a:ext cx="3396058" cy="2166310"/>
+            <a:off x="5562600" y="4017587"/>
+            <a:ext cx="3429000" cy="2187323"/>
           </a:xfrm>
           <a:prstGeom prst="rect">
             <a:avLst/>
@@ -5891,7 +5877,7 @@
             <a:fld id="{43EB6444-05C2-4DB9-99E3-3024D2735779}" type="datetime3">
               <a:rPr lang="en-US" smtClean="0"/>
               <a:pPr/>
-              <a:t>28 January 2019</a:t>
+              <a:t>29 January 2019</a:t>
             </a:fld>
             <a:endParaRPr lang="en-US"/>
           </a:p>
@@ -6051,7 +6037,6 @@
               <a:rPr lang="en-US" sz="2000" b="1" dirty="0" smtClean="0"/>
               <a:t>glcmFeat.py</a:t>
             </a:r>
-            <a:endParaRPr lang="en-US" sz="2000" b="1" dirty="0" smtClean="0"/>
           </a:p>
           <a:p>
             <a:pPr lvl="1"/>
@@ -6135,7 +6120,7 @@
       </p:sp>
       <p:pic>
         <p:nvPicPr>
-          <p:cNvPr id="11" name="Picture 10"/>
+          <p:cNvPr id="13" name="Picture 12"/>
           <p:cNvPicPr>
             <a:picLocks noChangeAspect="1"/>
           </p:cNvPicPr>
@@ -6149,8 +6134,36 @@
         </p:blipFill>
         <p:spPr>
           <a:xfrm>
-            <a:off x="5595542" y="4038600"/>
-            <a:ext cx="3396058" cy="2166310"/>
+            <a:off x="1523999" y="1433013"/>
+            <a:ext cx="1179809" cy="221447"/>
+          </a:xfrm>
+          <a:prstGeom prst="rect">
+            <a:avLst/>
+          </a:prstGeom>
+        </p:spPr>
+      </p:pic>
+      <p:pic>
+        <p:nvPicPr>
+          <p:cNvPr id="12" name="Picture 11"/>
+          <p:cNvPicPr/>
+          <p:nvPr/>
+        </p:nvPicPr>
+        <p:blipFill>
+          <a:blip r:embed="rId4" cstate="print">
+            <a:extLst>
+              <a:ext uri="{28A0092B-C50C-407E-A947-70E740481C1C}">
+                <a14:useLocalDpi xmlns:a14="http://schemas.microsoft.com/office/drawing/2010/main" val="0"/>
+              </a:ext>
+            </a:extLst>
+          </a:blip>
+          <a:stretch>
+            <a:fillRect/>
+          </a:stretch>
+        </p:blipFill>
+        <p:spPr>
+          <a:xfrm>
+            <a:off x="5562600" y="4038600"/>
+            <a:ext cx="3451638" cy="2145923"/>
           </a:xfrm>
           <a:prstGeom prst="rect">
             <a:avLst/>
@@ -6163,53 +6176,6 @@
               </a:schemeClr>
             </a:solidFill>
           </a:ln>
-        </p:spPr>
-      </p:pic>
-      <p:pic>
-        <p:nvPicPr>
-          <p:cNvPr id="8" name="Picture 7"/>
-          <p:cNvPicPr>
-            <a:picLocks noChangeAspect="1"/>
-          </p:cNvPicPr>
-          <p:nvPr/>
-        </p:nvPicPr>
-        <p:blipFill rotWithShape="1">
-          <a:blip r:embed="rId4"/>
-          <a:srcRect r="9360"/>
-          <a:stretch/>
-        </p:blipFill>
-        <p:spPr>
-          <a:xfrm>
-            <a:off x="5670697" y="4566420"/>
-            <a:ext cx="3179822" cy="1567680"/>
-          </a:xfrm>
-          <a:prstGeom prst="rect">
-            <a:avLst/>
-          </a:prstGeom>
-        </p:spPr>
-      </p:pic>
-      <p:pic>
-        <p:nvPicPr>
-          <p:cNvPr id="13" name="Picture 12"/>
-          <p:cNvPicPr>
-            <a:picLocks noChangeAspect="1"/>
-          </p:cNvPicPr>
-          <p:nvPr/>
-        </p:nvPicPr>
-        <p:blipFill>
-          <a:blip r:embed="rId5"/>
-          <a:stretch>
-            <a:fillRect/>
-          </a:stretch>
-        </p:blipFill>
-        <p:spPr>
-          <a:xfrm>
-            <a:off x="1523999" y="1433013"/>
-            <a:ext cx="1179809" cy="221447"/>
-          </a:xfrm>
-          <a:prstGeom prst="rect">
-            <a:avLst/>
-          </a:prstGeom>
         </p:spPr>
       </p:pic>
     </p:spTree>
@@ -6297,7 +6263,7 @@
             <a:fld id="{43EB6444-05C2-4DB9-99E3-3024D2735779}" type="datetime3">
               <a:rPr lang="en-US" smtClean="0"/>
               <a:pPr/>
-              <a:t>28 January 2019</a:t>
+              <a:t>29 January 2019</a:t>
             </a:fld>
             <a:endParaRPr lang="en-US"/>
           </a:p>
@@ -6457,7 +6423,6 @@
               <a:rPr lang="en-US" sz="2000" b="1" dirty="0" smtClean="0"/>
               <a:t>textureFeat.py</a:t>
             </a:r>
-            <a:endParaRPr lang="en-US" sz="2000" b="1" dirty="0" smtClean="0"/>
           </a:p>
           <a:p>
             <a:pPr lvl="1"/>
@@ -6527,7 +6492,7 @@
       </p:sp>
       <p:pic>
         <p:nvPicPr>
-          <p:cNvPr id="11" name="Picture 10"/>
+          <p:cNvPr id="13" name="Picture 12"/>
           <p:cNvPicPr>
             <a:picLocks noChangeAspect="1"/>
           </p:cNvPicPr>
@@ -6541,8 +6506,35 @@
         </p:blipFill>
         <p:spPr>
           <a:xfrm>
-            <a:off x="5595542" y="4038600"/>
-            <a:ext cx="3396058" cy="2166310"/>
+            <a:off x="1523999" y="1433013"/>
+            <a:ext cx="1179809" cy="221447"/>
+          </a:xfrm>
+          <a:prstGeom prst="rect">
+            <a:avLst/>
+          </a:prstGeom>
+        </p:spPr>
+      </p:pic>
+      <p:pic>
+        <p:nvPicPr>
+          <p:cNvPr id="14" name="Picture 13"/>
+          <p:cNvPicPr/>
+          <p:nvPr/>
+        </p:nvPicPr>
+        <p:blipFill rotWithShape="1">
+          <a:blip r:embed="rId4">
+            <a:extLst>
+              <a:ext uri="{28A0092B-C50C-407E-A947-70E740481C1C}">
+                <a14:useLocalDpi xmlns:a14="http://schemas.microsoft.com/office/drawing/2010/main" val="0"/>
+              </a:ext>
+            </a:extLst>
+          </a:blip>
+          <a:srcRect r="10349" b="5892"/>
+          <a:stretch/>
+        </p:blipFill>
+        <p:spPr bwMode="auto">
+          <a:xfrm>
+            <a:off x="5486400" y="4008109"/>
+            <a:ext cx="3491547" cy="2189491"/>
           </a:xfrm>
           <a:prstGeom prst="rect">
             <a:avLst/>
@@ -6555,76 +6547,11 @@
               </a:schemeClr>
             </a:solidFill>
           </a:ln>
-        </p:spPr>
-      </p:pic>
-      <p:pic>
-        <p:nvPicPr>
-          <p:cNvPr id="8" name="Picture 7"/>
-          <p:cNvPicPr>
-            <a:picLocks noChangeAspect="1"/>
-          </p:cNvPicPr>
-          <p:nvPr/>
-        </p:nvPicPr>
-        <p:blipFill rotWithShape="1">
-          <a:blip r:embed="rId4"/>
-          <a:srcRect r="9360"/>
-          <a:stretch/>
-        </p:blipFill>
-        <p:spPr>
-          <a:xfrm>
-            <a:off x="5670697" y="4566420"/>
-            <a:ext cx="3179822" cy="1567680"/>
-          </a:xfrm>
-          <a:prstGeom prst="rect">
-            <a:avLst/>
-          </a:prstGeom>
-        </p:spPr>
-      </p:pic>
-      <p:pic>
-        <p:nvPicPr>
-          <p:cNvPr id="12" name="Picture 11"/>
-          <p:cNvPicPr>
-            <a:picLocks noChangeAspect="1"/>
-          </p:cNvPicPr>
-          <p:nvPr/>
-        </p:nvPicPr>
-        <p:blipFill rotWithShape="1">
-          <a:blip r:embed="rId5"/>
-          <a:srcRect r="18527"/>
-          <a:stretch/>
-        </p:blipFill>
-        <p:spPr>
-          <a:xfrm>
-            <a:off x="5685937" y="4495610"/>
-            <a:ext cx="2948940" cy="1466850"/>
-          </a:xfrm>
-          <a:prstGeom prst="rect">
-            <a:avLst/>
-          </a:prstGeom>
-        </p:spPr>
-      </p:pic>
-      <p:pic>
-        <p:nvPicPr>
-          <p:cNvPr id="13" name="Picture 12"/>
-          <p:cNvPicPr>
-            <a:picLocks noChangeAspect="1"/>
-          </p:cNvPicPr>
-          <p:nvPr/>
-        </p:nvPicPr>
-        <p:blipFill>
-          <a:blip r:embed="rId6"/>
-          <a:stretch>
-            <a:fillRect/>
-          </a:stretch>
-        </p:blipFill>
-        <p:spPr>
-          <a:xfrm>
-            <a:off x="1523999" y="1433013"/>
-            <a:ext cx="1179809" cy="221447"/>
-          </a:xfrm>
-          <a:prstGeom prst="rect">
-            <a:avLst/>
-          </a:prstGeom>
+          <a:extLst>
+            <a:ext uri="{53640926-AAD7-44D8-BBD7-CCE9431645EC}">
+              <a14:shadowObscured xmlns:a14="http://schemas.microsoft.com/office/drawing/2010/main"/>
+            </a:ext>
+          </a:extLst>
         </p:spPr>
       </p:pic>
     </p:spTree>
@@ -6712,7 +6639,7 @@
             <a:fld id="{43EB6444-05C2-4DB9-99E3-3024D2735779}" type="datetime3">
               <a:rPr lang="en-US" smtClean="0"/>
               <a:pPr/>
-              <a:t>28 January 2019</a:t>
+              <a:t>29 January 2019</a:t>
             </a:fld>
             <a:endParaRPr lang="en-US"/>
           </a:p>
@@ -6849,7 +6776,6 @@
               <a:rPr lang="en-US" sz="2000" b="1" dirty="0" smtClean="0"/>
               <a:t>localBinaryPattern.py</a:t>
             </a:r>
-            <a:endParaRPr lang="en-US" sz="2000" b="1" dirty="0" smtClean="0"/>
           </a:p>
           <a:p>
             <a:pPr lvl="1"/>
@@ -7126,7 +7052,7 @@
             <a:fld id="{43EB6444-05C2-4DB9-99E3-3024D2735779}" type="datetime3">
               <a:rPr lang="en-US" smtClean="0"/>
               <a:pPr/>
-              <a:t>28 January 2019</a:t>
+              <a:t>29 January 2019</a:t>
             </a:fld>
             <a:endParaRPr lang="en-US"/>
           </a:p>
@@ -7286,7 +7212,6 @@
               <a:rPr lang="en-US" sz="2000" b="1" dirty="0" smtClean="0"/>
               <a:t>classification.py</a:t>
             </a:r>
-            <a:endParaRPr lang="en-US" sz="2000" b="1" dirty="0" smtClean="0"/>
           </a:p>
           <a:p>
             <a:pPr lvl="1"/>
@@ -7483,23 +7408,14 @@
             <a:pPr marL="692150" indent="-574675"/>
             <a:r>
               <a:rPr lang="en-IN" dirty="0" smtClean="0"/>
-              <a:t>Implementation Work </a:t>
-            </a:r>
+              <a:t>Implementation Work done </a:t>
+            </a:r>
+          </a:p>
+          <a:p>
+            <a:pPr marL="692150" indent="-574675"/>
             <a:r>
               <a:rPr lang="en-IN" dirty="0" smtClean="0"/>
-              <a:t>done </a:t>
-            </a:r>
-            <a:endParaRPr lang="en-IN" dirty="0" smtClean="0"/>
-          </a:p>
-          <a:p>
-            <a:pPr marL="692150" indent="-574675"/>
-            <a:r>
-              <a:rPr lang="en-IN" dirty="0" smtClean="0"/>
-              <a:t>Gantt </a:t>
-            </a:r>
-            <a:r>
-              <a:rPr lang="en-IN" dirty="0" smtClean="0"/>
-              <a:t>chart </a:t>
+              <a:t>Gantt chart </a:t>
             </a:r>
             <a:endParaRPr lang="en-IN" dirty="0"/>
           </a:p>
@@ -7531,7 +7447,7 @@
             <a:fld id="{43EB6444-05C2-4DB9-99E3-3024D2735779}" type="datetime3">
               <a:rPr lang="en-US" smtClean="0"/>
               <a:pPr/>
-              <a:t>28 January 2019</a:t>
+              <a:t>29 January 2019</a:t>
             </a:fld>
             <a:endParaRPr lang="en-US"/>
           </a:p>
@@ -7669,7 +7585,7 @@
             <a:fld id="{43EB6444-05C2-4DB9-99E3-3024D2735779}" type="datetime3">
               <a:rPr lang="en-US" smtClean="0"/>
               <a:pPr/>
-              <a:t>28 January 2019</a:t>
+              <a:t>29 January 2019</a:t>
             </a:fld>
             <a:endParaRPr lang="en-US"/>
           </a:p>
@@ -7826,8 +7742,8 @@
           <a:lstStyle/>
           <a:p>
             <a:r>
-              <a:rPr lang="en-US" sz="2000" b="1" dirty="0" smtClean="0"/>
-              <a:t>DATABASE</a:t>
+              <a:rPr lang="en-US" sz="2000" b="1" dirty="0" err="1" smtClean="0"/>
+              <a:t>signature_verifier.sql</a:t>
             </a:r>
             <a:endParaRPr lang="en-US" sz="2000" b="1" dirty="0" smtClean="0"/>
           </a:p>
@@ -7982,7 +7898,7 @@
             <a:fld id="{43EB6444-05C2-4DB9-99E3-3024D2735779}" type="datetime3">
               <a:rPr lang="en-US" smtClean="0"/>
               <a:pPr/>
-              <a:t>28 January 2019</a:t>
+              <a:t>29 January 2019</a:t>
             </a:fld>
             <a:endParaRPr lang="en-US"/>
           </a:p>
@@ -8844,7 +8760,7 @@
             <a:fld id="{43EB6444-05C2-4DB9-99E3-3024D2735779}" type="datetime3">
               <a:rPr lang="en-US" smtClean="0"/>
               <a:pPr/>
-              <a:t>28 January 2019</a:t>
+              <a:t>29 January 2019</a:t>
             </a:fld>
             <a:endParaRPr lang="en-US"/>
           </a:p>
@@ -9905,7 +9821,7 @@
             <a:fld id="{43EB6444-05C2-4DB9-99E3-3024D2735779}" type="datetime3">
               <a:rPr lang="en-US" smtClean="0"/>
               <a:pPr/>
-              <a:t>28 January 2019</a:t>
+              <a:t>29 January 2019</a:t>
             </a:fld>
             <a:endParaRPr lang="en-US"/>
           </a:p>
@@ -10731,7 +10647,7 @@
             <a:fld id="{43EB6444-05C2-4DB9-99E3-3024D2735779}" type="datetime3">
               <a:rPr lang="en-US" smtClean="0"/>
               <a:pPr/>
-              <a:t>28 January 2019</a:t>
+              <a:t>29 January 2019</a:t>
             </a:fld>
             <a:endParaRPr lang="en-US"/>
           </a:p>
@@ -11382,7 +11298,7 @@
             <a:fld id="{43EB6444-05C2-4DB9-99E3-3024D2735779}" type="datetime3">
               <a:rPr lang="en-US" smtClean="0"/>
               <a:pPr/>
-              <a:t>28 January 2019</a:t>
+              <a:t>29 January 2019</a:t>
             </a:fld>
             <a:endParaRPr lang="en-US"/>
           </a:p>
@@ -11592,7 +11508,7 @@
             <a:fld id="{43EB6444-05C2-4DB9-99E3-3024D2735779}" type="datetime3">
               <a:rPr lang="en-US" smtClean="0"/>
               <a:pPr/>
-              <a:t>28 January 2019</a:t>
+              <a:t>29 January 2019</a:t>
             </a:fld>
             <a:endParaRPr lang="en-US"/>
           </a:p>
@@ -11807,7 +11723,7 @@
             <a:fld id="{43EB6444-05C2-4DB9-99E3-3024D2735779}" type="datetime3">
               <a:rPr lang="en-US" smtClean="0"/>
               <a:pPr/>
-              <a:t>28 January 2019</a:t>
+              <a:t>29 January 2019</a:t>
             </a:fld>
             <a:endParaRPr lang="en-US"/>
           </a:p>
@@ -11944,7 +11860,7 @@
             <a:fld id="{43EB6444-05C2-4DB9-99E3-3024D2735779}" type="datetime3">
               <a:rPr lang="en-US" smtClean="0"/>
               <a:pPr/>
-              <a:t>28 January 2019</a:t>
+              <a:t>29 January 2019</a:t>
             </a:fld>
             <a:endParaRPr lang="en-US"/>
           </a:p>
@@ -12117,7 +12033,7 @@
           <a:graphicData uri="http://schemas.openxmlformats.org/presentationml/2006/ole">
             <mc:AlternateContent xmlns:mc="http://schemas.openxmlformats.org/markup-compatibility/2006">
               <mc:Choice xmlns:v="urn:schemas-microsoft-com:vml" Requires="v">
-                <p:oleObj spid="_x0000_s1181" name="Worksheet" showAsIcon="1" r:id="rId3" imgW="914400" imgH="792360" progId="Excel.Sheet.12">
+                <p:oleObj spid="_x0000_s1188" name="Worksheet" showAsIcon="1" r:id="rId3" imgW="914400" imgH="792360" progId="Excel.Sheet.12">
                   <p:embed/>
                 </p:oleObj>
               </mc:Choice>
@@ -12210,7 +12126,7 @@
             <a:fld id="{43EB6444-05C2-4DB9-99E3-3024D2735779}" type="datetime3">
               <a:rPr lang="en-US" sz="1100" smtClean="0"/>
               <a:pPr/>
-              <a:t>28 January 2019</a:t>
+              <a:t>29 January 2019</a:t>
             </a:fld>
             <a:endParaRPr lang="en-US" sz="1100"/>
           </a:p>
@@ -12352,22 +12268,28 @@
       </p:sp>
       <p:pic>
         <p:nvPicPr>
-          <p:cNvPr id="2" name="Picture 1"/>
+          <p:cNvPr id="3" name="Picture 2"/>
           <p:cNvPicPr>
             <a:picLocks noChangeAspect="1"/>
           </p:cNvPicPr>
           <p:nvPr/>
         </p:nvPicPr>
         <p:blipFill>
-          <a:blip r:embed="rId2"/>
+          <a:blip r:embed="rId2">
+            <a:extLst>
+              <a:ext uri="{28A0092B-C50C-407E-A947-70E740481C1C}">
+                <a14:useLocalDpi xmlns:a14="http://schemas.microsoft.com/office/drawing/2010/main" val="0"/>
+              </a:ext>
+            </a:extLst>
+          </a:blip>
           <a:stretch>
             <a:fillRect/>
           </a:stretch>
         </p:blipFill>
         <p:spPr>
           <a:xfrm>
-            <a:off x="596425" y="1541242"/>
-            <a:ext cx="7947725" cy="4997312"/>
+            <a:off x="685800" y="1512870"/>
+            <a:ext cx="7391400" cy="4728797"/>
           </a:xfrm>
           <a:prstGeom prst="rect">
             <a:avLst/>
@@ -12458,7 +12380,7 @@
             <a:fld id="{43EB6444-05C2-4DB9-99E3-3024D2735779}" type="datetime3">
               <a:rPr lang="en-US" smtClean="0"/>
               <a:pPr/>
-              <a:t>28 January 2019</a:t>
+              <a:t>29 January 2019</a:t>
             </a:fld>
             <a:endParaRPr lang="en-US"/>
           </a:p>
@@ -12915,7 +12837,7 @@
             <a:fld id="{43EB6444-05C2-4DB9-99E3-3024D2735779}" type="datetime3">
               <a:rPr lang="en-US" smtClean="0"/>
               <a:pPr/>
-              <a:t>28 January 2019</a:t>
+              <a:t>29 January 2019</a:t>
             </a:fld>
             <a:endParaRPr lang="en-US"/>
           </a:p>
@@ -13434,11 +13356,7 @@
             <a:pPr lvl="2"/>
             <a:r>
               <a:rPr lang="en-US" sz="2000" dirty="0" err="1" smtClean="0"/>
-              <a:t>O</a:t>
-            </a:r>
-            <a:r>
-              <a:rPr lang="en-US" sz="2000" dirty="0" err="1" smtClean="0"/>
-              <a:t>penCV</a:t>
+              <a:t>OpenCV</a:t>
             </a:r>
             <a:r>
               <a:rPr lang="en-US" sz="2000" dirty="0" smtClean="0"/>
@@ -13461,11 +13379,7 @@
             <a:pPr lvl="2"/>
             <a:r>
               <a:rPr lang="en-US" sz="2000" dirty="0" err="1" smtClean="0"/>
-              <a:t>N</a:t>
-            </a:r>
-            <a:r>
-              <a:rPr lang="en-US" sz="2000" dirty="0" err="1" smtClean="0"/>
-              <a:t>umPy</a:t>
+              <a:t>NumPy</a:t>
             </a:r>
             <a:r>
               <a:rPr lang="en-US" sz="2000" dirty="0" smtClean="0"/>
@@ -13580,7 +13494,7 @@
             <a:fld id="{43EB6444-05C2-4DB9-99E3-3024D2735779}" type="datetime3">
               <a:rPr lang="en-US" smtClean="0"/>
               <a:pPr/>
-              <a:t>28 January 2019</a:t>
+              <a:t>29 January 2019</a:t>
             </a:fld>
             <a:endParaRPr lang="en-US"/>
           </a:p>
@@ -14038,7 +13952,6 @@
               <a:rPr lang="en-US" b="1" dirty="0" smtClean="0"/>
               <a:t>SQL using MySQL </a:t>
             </a:r>
-            <a:endParaRPr lang="en-US" b="1" dirty="0" smtClean="0"/>
           </a:p>
           <a:p>
             <a:pPr lvl="1"/>
@@ -14088,7 +14001,7 @@
             <a:fld id="{43EB6444-05C2-4DB9-99E3-3024D2735779}" type="datetime3">
               <a:rPr lang="en-US" smtClean="0"/>
               <a:pPr/>
-              <a:t>28 January 2019</a:t>
+              <a:t>29 January 2019</a:t>
             </a:fld>
             <a:endParaRPr lang="en-US"/>
           </a:p>

--- a/PPT/B002_ProjectPPT.pptx
+++ b/PPT/B002_ProjectPPT.pptx
@@ -5,7 +5,7 @@
     <p:sldMasterId id="2147483660" r:id="rId1"/>
   </p:sldMasterIdLst>
   <p:notesMasterIdLst>
-    <p:notesMasterId r:id="rId28"/>
+    <p:notesMasterId r:id="rId27"/>
   </p:notesMasterIdLst>
   <p:sldIdLst>
     <p:sldId id="256" r:id="rId2"/>
@@ -16,24 +16,23 @@
     <p:sldId id="381" r:id="rId7"/>
     <p:sldId id="379" r:id="rId8"/>
     <p:sldId id="403" r:id="rId9"/>
-    <p:sldId id="401" r:id="rId10"/>
-    <p:sldId id="387" r:id="rId11"/>
-    <p:sldId id="390" r:id="rId12"/>
-    <p:sldId id="385" r:id="rId13"/>
-    <p:sldId id="405" r:id="rId14"/>
-    <p:sldId id="406" r:id="rId15"/>
-    <p:sldId id="407" r:id="rId16"/>
-    <p:sldId id="408" r:id="rId17"/>
-    <p:sldId id="409" r:id="rId18"/>
-    <p:sldId id="410" r:id="rId19"/>
-    <p:sldId id="411" r:id="rId20"/>
-    <p:sldId id="412" r:id="rId21"/>
-    <p:sldId id="373" r:id="rId22"/>
-    <p:sldId id="348" r:id="rId23"/>
-    <p:sldId id="393" r:id="rId24"/>
-    <p:sldId id="394" r:id="rId25"/>
-    <p:sldId id="395" r:id="rId26"/>
-    <p:sldId id="268" r:id="rId27"/>
+    <p:sldId id="387" r:id="rId10"/>
+    <p:sldId id="390" r:id="rId11"/>
+    <p:sldId id="385" r:id="rId12"/>
+    <p:sldId id="405" r:id="rId13"/>
+    <p:sldId id="406" r:id="rId14"/>
+    <p:sldId id="407" r:id="rId15"/>
+    <p:sldId id="408" r:id="rId16"/>
+    <p:sldId id="409" r:id="rId17"/>
+    <p:sldId id="410" r:id="rId18"/>
+    <p:sldId id="411" r:id="rId19"/>
+    <p:sldId id="412" r:id="rId20"/>
+    <p:sldId id="373" r:id="rId21"/>
+    <p:sldId id="348" r:id="rId22"/>
+    <p:sldId id="393" r:id="rId23"/>
+    <p:sldId id="394" r:id="rId24"/>
+    <p:sldId id="395" r:id="rId25"/>
+    <p:sldId id="268" r:id="rId26"/>
   </p:sldIdLst>
   <p:sldSz cx="9144000" cy="6858000" type="screen4x3"/>
   <p:notesSz cx="6858000" cy="9144000"/>
@@ -234,7 +233,7 @@
             <a:fld id="{693C5521-6ED6-48B0-8AA8-E7779A0DEDB4}" type="datetimeFigureOut">
               <a:rPr lang="en-IN" smtClean="0"/>
               <a:pPr/>
-              <a:t>29-01-2019</a:t>
+              <a:t>01-02-2019</a:t>
             </a:fld>
             <a:endParaRPr lang="en-IN"/>
           </a:p>
@@ -770,7 +769,7 @@
             <a:fld id="{461CA89B-73E9-4634-906A-372D7DAAEC88}" type="datetime3">
               <a:rPr lang="en-US" smtClean="0"/>
               <a:pPr/>
-              <a:t>29 January 2019</a:t>
+              <a:t>1 February 2019</a:t>
             </a:fld>
             <a:endParaRPr lang="en-US"/>
           </a:p>
@@ -941,7 +940,7 @@
             <a:fld id="{773ED50A-77A2-4209-A1D7-0C22C65C2A87}" type="datetime3">
               <a:rPr lang="en-US" smtClean="0"/>
               <a:pPr/>
-              <a:t>29 January 2019</a:t>
+              <a:t>1 February 2019</a:t>
             </a:fld>
             <a:endParaRPr lang="en-US"/>
           </a:p>
@@ -1122,7 +1121,7 @@
             <a:fld id="{F2D08FB2-9FE4-487D-965B-D0DA0A1DC7DD}" type="datetime3">
               <a:rPr lang="en-US" smtClean="0"/>
               <a:pPr/>
-              <a:t>29 January 2019</a:t>
+              <a:t>1 February 2019</a:t>
             </a:fld>
             <a:endParaRPr lang="en-US"/>
           </a:p>
@@ -1293,7 +1292,7 @@
             <a:fld id="{43EB6444-05C2-4DB9-99E3-3024D2735779}" type="datetime3">
               <a:rPr lang="en-US" smtClean="0"/>
               <a:pPr/>
-              <a:t>29 January 2019</a:t>
+              <a:t>1 February 2019</a:t>
             </a:fld>
             <a:endParaRPr lang="en-US"/>
           </a:p>
@@ -1540,7 +1539,7 @@
             <a:fld id="{33889CC6-BD01-4423-8B7B-6785AC6E038A}" type="datetime3">
               <a:rPr lang="en-US" smtClean="0"/>
               <a:pPr/>
-              <a:t>29 January 2019</a:t>
+              <a:t>1 February 2019</a:t>
             </a:fld>
             <a:endParaRPr lang="en-US"/>
           </a:p>
@@ -1829,7 +1828,7 @@
             <a:fld id="{0E0E605F-490B-452B-8B05-14314302746A}" type="datetime3">
               <a:rPr lang="en-US" smtClean="0"/>
               <a:pPr/>
-              <a:t>29 January 2019</a:t>
+              <a:t>1 February 2019</a:t>
             </a:fld>
             <a:endParaRPr lang="en-US"/>
           </a:p>
@@ -2252,7 +2251,7 @@
             <a:fld id="{5E198B09-D047-4D3B-9154-76668E802024}" type="datetime3">
               <a:rPr lang="en-US" smtClean="0"/>
               <a:pPr/>
-              <a:t>29 January 2019</a:t>
+              <a:t>1 February 2019</a:t>
             </a:fld>
             <a:endParaRPr lang="en-US"/>
           </a:p>
@@ -2371,7 +2370,7 @@
             <a:fld id="{8219AB13-D051-4954-9051-64825C74F75A}" type="datetime3">
               <a:rPr lang="en-US" smtClean="0"/>
               <a:pPr/>
-              <a:t>29 January 2019</a:t>
+              <a:t>1 February 2019</a:t>
             </a:fld>
             <a:endParaRPr lang="en-US"/>
           </a:p>
@@ -2467,7 +2466,7 @@
             <a:fld id="{11637D31-5CC0-4E67-88E7-00FF86610318}" type="datetime3">
               <a:rPr lang="en-US" smtClean="0"/>
               <a:pPr/>
-              <a:t>29 January 2019</a:t>
+              <a:t>1 February 2019</a:t>
             </a:fld>
             <a:endParaRPr lang="en-US"/>
           </a:p>
@@ -2745,7 +2744,7 @@
             <a:fld id="{56E2FCAE-7BB8-4D70-9DA7-22EB6F9CEFAD}" type="datetime3">
               <a:rPr lang="en-US" smtClean="0"/>
               <a:pPr/>
-              <a:t>29 January 2019</a:t>
+              <a:t>1 February 2019</a:t>
             </a:fld>
             <a:endParaRPr lang="en-US"/>
           </a:p>
@@ -3003,7 +3002,7 @@
             <a:fld id="{D6EB2C22-3D65-435D-9A2D-35A61489EA27}" type="datetime3">
               <a:rPr lang="en-US" smtClean="0"/>
               <a:pPr/>
-              <a:t>29 January 2019</a:t>
+              <a:t>1 February 2019</a:t>
             </a:fld>
             <a:endParaRPr lang="en-US"/>
           </a:p>
@@ -3226,7 +3225,7 @@
             <a:fld id="{2ECC0AC6-A0B5-4ADF-B745-250ADF97C92C}" type="datetime3">
               <a:rPr lang="en-US" smtClean="0"/>
               <a:pPr/>
-              <a:t>29 January 2019</a:t>
+              <a:t>1 February 2019</a:t>
             </a:fld>
             <a:endParaRPr lang="en-US" dirty="0"/>
           </a:p>
@@ -3727,7 +3726,7 @@
             <a:fld id="{461CA89B-73E9-4634-906A-372D7DAAEC88}" type="datetime3">
               <a:rPr lang="en-US" smtClean="0"/>
               <a:pPr/>
-              <a:t>29 January 2019</a:t>
+              <a:t>1 February 2019</a:t>
             </a:fld>
             <a:endParaRPr lang="en-US"/>
           </a:p>
@@ -3920,6 +3919,36 @@
       </p:grpSpPr>
       <p:sp>
         <p:nvSpPr>
+          <p:cNvPr id="2" name="Title 1"/>
+          <p:cNvSpPr>
+            <a:spLocks noGrp="1"/>
+          </p:cNvSpPr>
+          <p:nvPr>
+            <p:ph type="title"/>
+          </p:nvPr>
+        </p:nvSpPr>
+        <p:spPr>
+          <a:xfrm>
+            <a:off x="455488" y="2819400"/>
+            <a:ext cx="8229600" cy="914400"/>
+          </a:xfrm>
+        </p:spPr>
+        <p:txBody>
+          <a:bodyPr>
+            <a:normAutofit/>
+          </a:bodyPr>
+          <a:lstStyle/>
+          <a:p>
+            <a:r>
+              <a:rPr lang="en-US" sz="4000" dirty="0" smtClean="0"/>
+              <a:t>Implementation Work done</a:t>
+            </a:r>
+            <a:endParaRPr lang="en-US" sz="4000" dirty="0"/>
+          </a:p>
+        </p:txBody>
+      </p:sp>
+      <p:sp>
+        <p:nvSpPr>
           <p:cNvPr id="4" name="Date Placeholder 3"/>
           <p:cNvSpPr>
             <a:spLocks noGrp="1"/>
@@ -3936,7 +3965,7 @@
             <a:fld id="{43EB6444-05C2-4DB9-99E3-3024D2735779}" type="datetime3">
               <a:rPr lang="en-US" smtClean="0"/>
               <a:pPr/>
-              <a:t>29 January 2019</a:t>
+              <a:t>1 February 2019</a:t>
             </a:fld>
             <a:endParaRPr lang="en-US"/>
           </a:p>
@@ -3989,129 +4018,10 @@
           </a:p>
         </p:txBody>
       </p:sp>
-      <p:sp>
-        <p:nvSpPr>
-          <p:cNvPr id="8" name="Title 1"/>
-          <p:cNvSpPr txBox="1">
-            <a:spLocks/>
-          </p:cNvSpPr>
-          <p:nvPr/>
-        </p:nvSpPr>
-        <p:spPr>
-          <a:xfrm>
-            <a:off x="607888" y="685599"/>
-            <a:ext cx="7924800" cy="781694"/>
-          </a:xfrm>
-          <a:prstGeom prst="rect">
-            <a:avLst/>
-          </a:prstGeom>
-        </p:spPr>
-        <p:txBody>
-          <a:bodyPr vert="horz" lIns="91440" tIns="45720" rIns="91440" bIns="45720" rtlCol="0" anchor="ctr">
-            <a:normAutofit/>
-          </a:bodyPr>
-          <a:lstStyle>
-            <a:lvl1pPr algn="ctr" defTabSz="914400" rtl="0" eaLnBrk="1" latinLnBrk="0" hangingPunct="1">
-              <a:spcBef>
-                <a:spcPct val="0"/>
-              </a:spcBef>
-              <a:buNone/>
-              <a:defRPr sz="3600" b="1" kern="1200">
-                <a:solidFill>
-                  <a:schemeClr val="tx1"/>
-                </a:solidFill>
-                <a:latin typeface="+mj-lt"/>
-                <a:ea typeface="+mj-ea"/>
-                <a:cs typeface="+mj-cs"/>
-              </a:defRPr>
-            </a:lvl1pPr>
-          </a:lstStyle>
-          <a:p>
-            <a:r>
-              <a:rPr lang="en-US" dirty="0" smtClean="0"/>
-              <a:t>Dataset</a:t>
-            </a:r>
-            <a:endParaRPr lang="en-US" dirty="0"/>
-          </a:p>
-        </p:txBody>
-      </p:sp>
-      <p:sp>
-        <p:nvSpPr>
-          <p:cNvPr id="2" name="Rectangle 1"/>
-          <p:cNvSpPr/>
-          <p:nvPr/>
-        </p:nvSpPr>
-        <p:spPr>
-          <a:xfrm>
-            <a:off x="5486400" y="912086"/>
-            <a:ext cx="3581400" cy="923330"/>
-          </a:xfrm>
-          <a:prstGeom prst="rect">
-            <a:avLst/>
-          </a:prstGeom>
-        </p:spPr>
-        <p:txBody>
-          <a:bodyPr wrap="square">
-            <a:spAutoFit/>
-          </a:bodyPr>
-          <a:lstStyle/>
-          <a:p>
-            <a:r>
-              <a:rPr lang="en-US" dirty="0"/>
-              <a:t>25 Authors, 50 Classes, </a:t>
-            </a:r>
-            <a:r>
-              <a:rPr lang="en-US" b="1" dirty="0"/>
-              <a:t>826 Images</a:t>
-            </a:r>
-          </a:p>
-          <a:p>
-            <a:r>
-              <a:rPr lang="en-US" dirty="0"/>
-              <a:t>637 Training images (77.12%)</a:t>
-            </a:r>
-          </a:p>
-          <a:p>
-            <a:r>
-              <a:rPr lang="en-US" dirty="0"/>
-              <a:t>189 Testing images (22.88</a:t>
-            </a:r>
-            <a:r>
-              <a:rPr lang="en-US" dirty="0" smtClean="0"/>
-              <a:t>%)</a:t>
-            </a:r>
-            <a:endParaRPr lang="en-US" dirty="0"/>
-          </a:p>
-        </p:txBody>
-      </p:sp>
-      <p:pic>
-        <p:nvPicPr>
-          <p:cNvPr id="10" name="Picture 9"/>
-          <p:cNvPicPr>
-            <a:picLocks noChangeAspect="1"/>
-          </p:cNvPicPr>
-          <p:nvPr/>
-        </p:nvPicPr>
-        <p:blipFill>
-          <a:blip r:embed="rId2"/>
-          <a:stretch>
-            <a:fillRect/>
-          </a:stretch>
-        </p:blipFill>
-        <p:spPr>
-          <a:xfrm>
-            <a:off x="732168" y="1832312"/>
-            <a:ext cx="7676240" cy="4544338"/>
-          </a:xfrm>
-          <a:prstGeom prst="rect">
-            <a:avLst/>
-          </a:prstGeom>
-        </p:spPr>
-      </p:pic>
     </p:spTree>
     <p:extLst>
       <p:ext uri="{BB962C8B-B14F-4D97-AF65-F5344CB8AC3E}">
-        <p14:creationId xmlns:p14="http://schemas.microsoft.com/office/powerpoint/2010/main" val="1606300836"/>
+        <p14:creationId xmlns:p14="http://schemas.microsoft.com/office/powerpoint/2010/main" val="3579583725"/>
       </p:ext>
     </p:extLst>
   </p:cSld>
@@ -4157,8 +4067,8 @@
         </p:nvSpPr>
         <p:spPr>
           <a:xfrm>
-            <a:off x="455488" y="2819400"/>
-            <a:ext cx="8229600" cy="914400"/>
+            <a:off x="1432560" y="659432"/>
+            <a:ext cx="7239000" cy="662890"/>
           </a:xfrm>
         </p:spPr>
         <p:txBody>
@@ -4168,10 +4078,10 @@
           <a:lstStyle/>
           <a:p>
             <a:r>
-              <a:rPr lang="en-US" sz="4000" dirty="0" smtClean="0"/>
-              <a:t>Implementation Work done</a:t>
-            </a:r>
-            <a:endParaRPr lang="en-US" sz="4000" dirty="0"/>
+              <a:rPr lang="en-US" dirty="0" smtClean="0"/>
+              <a:t>Implementation</a:t>
+            </a:r>
+            <a:endParaRPr lang="en-US" dirty="0"/>
           </a:p>
         </p:txBody>
       </p:sp>
@@ -4193,7 +4103,7 @@
             <a:fld id="{43EB6444-05C2-4DB9-99E3-3024D2735779}" type="datetime3">
               <a:rPr lang="en-US" smtClean="0"/>
               <a:pPr/>
-              <a:t>29 January 2019</a:t>
+              <a:t>1 February 2019</a:t>
             </a:fld>
             <a:endParaRPr lang="en-US"/>
           </a:p>
@@ -4246,10 +4156,258 @@
           </a:p>
         </p:txBody>
       </p:sp>
+      <p:pic>
+        <p:nvPicPr>
+          <p:cNvPr id="3" name="Picture 2"/>
+          <p:cNvPicPr>
+            <a:picLocks noChangeAspect="1"/>
+          </p:cNvPicPr>
+          <p:nvPr/>
+        </p:nvPicPr>
+        <p:blipFill>
+          <a:blip r:embed="rId2">
+            <a:extLst>
+              <a:ext uri="{28A0092B-C50C-407E-A947-70E740481C1C}">
+                <a14:useLocalDpi xmlns:a14="http://schemas.microsoft.com/office/drawing/2010/main" val="0"/>
+              </a:ext>
+            </a:extLst>
+          </a:blip>
+          <a:stretch>
+            <a:fillRect/>
+          </a:stretch>
+        </p:blipFill>
+        <p:spPr>
+          <a:xfrm>
+            <a:off x="239918" y="1412062"/>
+            <a:ext cx="2568163" cy="5296359"/>
+          </a:xfrm>
+          <a:prstGeom prst="rect">
+            <a:avLst/>
+          </a:prstGeom>
+          <a:ln>
+            <a:solidFill>
+              <a:schemeClr val="accent1"/>
+            </a:solidFill>
+          </a:ln>
+        </p:spPr>
+      </p:pic>
+      <p:pic>
+        <p:nvPicPr>
+          <p:cNvPr id="11" name="Picture 10"/>
+          <p:cNvPicPr>
+            <a:picLocks noChangeAspect="1"/>
+          </p:cNvPicPr>
+          <p:nvPr/>
+        </p:nvPicPr>
+        <p:blipFill>
+          <a:blip r:embed="rId3"/>
+          <a:stretch>
+            <a:fillRect/>
+          </a:stretch>
+        </p:blipFill>
+        <p:spPr>
+          <a:xfrm>
+            <a:off x="2057401" y="4307147"/>
+            <a:ext cx="7010399" cy="1457112"/>
+          </a:xfrm>
+          <a:prstGeom prst="rect">
+            <a:avLst/>
+          </a:prstGeom>
+          <a:ln>
+            <a:solidFill>
+              <a:schemeClr val="accent1"/>
+            </a:solidFill>
+          </a:ln>
+        </p:spPr>
+      </p:pic>
+      <p:sp>
+        <p:nvSpPr>
+          <p:cNvPr id="13" name="Rectangle 12"/>
+          <p:cNvSpPr/>
+          <p:nvPr/>
+        </p:nvSpPr>
+        <p:spPr>
+          <a:xfrm>
+            <a:off x="838200" y="2895600"/>
+            <a:ext cx="1371600" cy="177040"/>
+          </a:xfrm>
+          <a:prstGeom prst="rect">
+            <a:avLst/>
+          </a:prstGeom>
+          <a:noFill/>
+          <a:ln w="12700">
+            <a:solidFill>
+              <a:srgbClr val="FF0000"/>
+            </a:solidFill>
+          </a:ln>
+        </p:spPr>
+        <p:style>
+          <a:lnRef idx="2">
+            <a:schemeClr val="accent1">
+              <a:shade val="50000"/>
+            </a:schemeClr>
+          </a:lnRef>
+          <a:fillRef idx="1">
+            <a:schemeClr val="accent1"/>
+          </a:fillRef>
+          <a:effectRef idx="0">
+            <a:schemeClr val="accent1"/>
+          </a:effectRef>
+          <a:fontRef idx="minor">
+            <a:schemeClr val="lt1"/>
+          </a:fontRef>
+        </p:style>
+        <p:txBody>
+          <a:bodyPr rtlCol="0" anchor="ctr"/>
+          <a:lstStyle/>
+          <a:p>
+            <a:pPr algn="ctr"/>
+            <a:endParaRPr lang="en-US"/>
+          </a:p>
+        </p:txBody>
+      </p:sp>
+      <p:sp>
+        <p:nvSpPr>
+          <p:cNvPr id="14" name="Content Placeholder 2"/>
+          <p:cNvSpPr>
+            <a:spLocks noGrp="1"/>
+          </p:cNvSpPr>
+          <p:nvPr>
+            <p:ph idx="1"/>
+          </p:nvPr>
+        </p:nvSpPr>
+        <p:spPr>
+          <a:xfrm>
+            <a:off x="2971800" y="1600200"/>
+            <a:ext cx="5943600" cy="2429069"/>
+          </a:xfrm>
+        </p:spPr>
+        <p:txBody>
+          <a:bodyPr>
+            <a:normAutofit/>
+          </a:bodyPr>
+          <a:lstStyle/>
+          <a:p>
+            <a:r>
+              <a:rPr lang="en-US" b="1" dirty="0" smtClean="0"/>
+              <a:t>Dataset.py</a:t>
+            </a:r>
+          </a:p>
+          <a:p>
+            <a:pPr lvl="1"/>
+            <a:r>
+              <a:rPr lang="en-US" dirty="0" smtClean="0"/>
+              <a:t>Our dataset </a:t>
+            </a:r>
+            <a:r>
+              <a:rPr lang="en-US" dirty="0"/>
+              <a:t>is </a:t>
+            </a:r>
+            <a:r>
+              <a:rPr lang="en-US" dirty="0" smtClean="0"/>
+              <a:t>read, renamed, copied and organized in the correct naming convention to a different folder, from where our system will use</a:t>
+            </a:r>
+          </a:p>
+          <a:p>
+            <a:pPr lvl="1"/>
+            <a:r>
+              <a:rPr lang="en-US" dirty="0" smtClean="0"/>
+              <a:t>xyz.png 		    A_genuine_7.png</a:t>
+            </a:r>
+          </a:p>
+          <a:p>
+            <a:pPr lvl="1"/>
+            <a:r>
+              <a:rPr lang="en-US" dirty="0" smtClean="0"/>
+              <a:t>Also gives an analysis of the count of dataset</a:t>
+            </a:r>
+          </a:p>
+        </p:txBody>
+      </p:sp>
+      <p:cxnSp>
+        <p:nvCxnSpPr>
+          <p:cNvPr id="16" name="Straight Arrow Connector 15"/>
+          <p:cNvCxnSpPr/>
+          <p:nvPr/>
+        </p:nvCxnSpPr>
+        <p:spPr>
+          <a:xfrm>
+            <a:off x="4800600" y="3200400"/>
+            <a:ext cx="1143000" cy="0"/>
+          </a:xfrm>
+          <a:prstGeom prst="straightConnector1">
+            <a:avLst/>
+          </a:prstGeom>
+          <a:ln w="38100">
+            <a:tailEnd type="triangle"/>
+          </a:ln>
+        </p:spPr>
+        <p:style>
+          <a:lnRef idx="1">
+            <a:schemeClr val="accent1"/>
+          </a:lnRef>
+          <a:fillRef idx="0">
+            <a:schemeClr val="accent1"/>
+          </a:fillRef>
+          <a:effectRef idx="0">
+            <a:schemeClr val="accent1"/>
+          </a:effectRef>
+          <a:fontRef idx="minor">
+            <a:schemeClr val="tx1"/>
+          </a:fontRef>
+        </p:style>
+      </p:cxnSp>
+      <p:pic>
+        <p:nvPicPr>
+          <p:cNvPr id="20" name="Picture 19"/>
+          <p:cNvPicPr>
+            <a:picLocks noChangeAspect="1"/>
+          </p:cNvPicPr>
+          <p:nvPr/>
+        </p:nvPicPr>
+        <p:blipFill rotWithShape="1">
+          <a:blip r:embed="rId4"/>
+          <a:srcRect l="-2310" t="13771" r="2310" b="14284"/>
+          <a:stretch/>
+        </p:blipFill>
+        <p:spPr>
+          <a:xfrm>
+            <a:off x="1470660" y="1447800"/>
+            <a:ext cx="1314450" cy="191875"/>
+          </a:xfrm>
+          <a:prstGeom prst="rect">
+            <a:avLst/>
+          </a:prstGeom>
+        </p:spPr>
+      </p:pic>
+      <p:pic>
+        <p:nvPicPr>
+          <p:cNvPr id="21" name="Picture 20"/>
+          <p:cNvPicPr>
+            <a:picLocks noChangeAspect="1"/>
+          </p:cNvPicPr>
+          <p:nvPr/>
+        </p:nvPicPr>
+        <p:blipFill>
+          <a:blip r:embed="rId5"/>
+          <a:stretch>
+            <a:fillRect/>
+          </a:stretch>
+        </p:blipFill>
+        <p:spPr>
+          <a:xfrm>
+            <a:off x="1523999" y="1433013"/>
+            <a:ext cx="1179809" cy="221447"/>
+          </a:xfrm>
+          <a:prstGeom prst="rect">
+            <a:avLst/>
+          </a:prstGeom>
+        </p:spPr>
+      </p:pic>
     </p:spTree>
     <p:extLst>
       <p:ext uri="{BB962C8B-B14F-4D97-AF65-F5344CB8AC3E}">
-        <p14:creationId xmlns:p14="http://schemas.microsoft.com/office/powerpoint/2010/main" val="3579583725"/>
+        <p14:creationId xmlns:p14="http://schemas.microsoft.com/office/powerpoint/2010/main" val="1019193319"/>
       </p:ext>
     </p:extLst>
   </p:cSld>
@@ -4331,7 +4489,7 @@
             <a:fld id="{43EB6444-05C2-4DB9-99E3-3024D2735779}" type="datetime3">
               <a:rPr lang="en-US" smtClean="0"/>
               <a:pPr/>
-              <a:t>29 January 2019</a:t>
+              <a:t>1 February 2019</a:t>
             </a:fld>
             <a:endParaRPr lang="en-US"/>
           </a:p>
@@ -4419,44 +4577,15 @@
           </a:ln>
         </p:spPr>
       </p:pic>
-      <p:pic>
-        <p:nvPicPr>
-          <p:cNvPr id="11" name="Picture 10"/>
-          <p:cNvPicPr>
-            <a:picLocks noChangeAspect="1"/>
-          </p:cNvPicPr>
-          <p:nvPr/>
-        </p:nvPicPr>
-        <p:blipFill>
-          <a:blip r:embed="rId3"/>
-          <a:stretch>
-            <a:fillRect/>
-          </a:stretch>
-        </p:blipFill>
-        <p:spPr>
-          <a:xfrm>
-            <a:off x="2209800" y="4724400"/>
-            <a:ext cx="6858000" cy="1288890"/>
-          </a:xfrm>
-          <a:prstGeom prst="rect">
-            <a:avLst/>
-          </a:prstGeom>
-          <a:ln>
-            <a:solidFill>
-              <a:schemeClr val="accent1"/>
-            </a:solidFill>
-          </a:ln>
-        </p:spPr>
-      </p:pic>
-      <p:sp>
-        <p:nvSpPr>
-          <p:cNvPr id="13" name="Rectangle 12"/>
+      <p:sp>
+        <p:nvSpPr>
+          <p:cNvPr id="7" name="Rectangle 6"/>
           <p:cNvSpPr/>
           <p:nvPr/>
         </p:nvSpPr>
         <p:spPr>
           <a:xfrm>
-            <a:off x="838200" y="2895600"/>
+            <a:off x="838200" y="3048000"/>
             <a:ext cx="1371600" cy="177040"/>
           </a:xfrm>
           <a:prstGeom prst="rect">
@@ -4494,9 +4623,41 @@
           </a:p>
         </p:txBody>
       </p:sp>
-      <p:sp>
-        <p:nvSpPr>
-          <p:cNvPr id="14" name="Content Placeholder 2"/>
+      <p:pic>
+        <p:nvPicPr>
+          <p:cNvPr id="8" name="Picture 7"/>
+          <p:cNvPicPr>
+            <a:picLocks noChangeAspect="1"/>
+          </p:cNvPicPr>
+          <p:nvPr/>
+        </p:nvPicPr>
+        <p:blipFill>
+          <a:blip r:embed="rId3"/>
+          <a:stretch>
+            <a:fillRect/>
+          </a:stretch>
+        </p:blipFill>
+        <p:spPr>
+          <a:xfrm>
+            <a:off x="2970088" y="2712945"/>
+            <a:ext cx="5716712" cy="3690856"/>
+          </a:xfrm>
+          <a:prstGeom prst="rect">
+            <a:avLst/>
+          </a:prstGeom>
+          <a:ln>
+            <a:solidFill>
+              <a:schemeClr val="tx2">
+                <a:lumMod val="60000"/>
+                <a:lumOff val="40000"/>
+              </a:schemeClr>
+            </a:solidFill>
+          </a:ln>
+        </p:spPr>
+      </p:pic>
+      <p:sp>
+        <p:nvSpPr>
+          <p:cNvPr id="10" name="Content Placeholder 2"/>
           <p:cNvSpPr>
             <a:spLocks noGrp="1"/>
           </p:cNvSpPr>
@@ -4506,8 +4667,8 @@
         </p:nvSpPr>
         <p:spPr>
           <a:xfrm>
-            <a:off x="2971800" y="1600200"/>
-            <a:ext cx="5943600" cy="2429069"/>
+            <a:off x="2895600" y="1465281"/>
+            <a:ext cx="5943600" cy="1277919"/>
           </a:xfrm>
         </p:spPr>
         <p:txBody>
@@ -4517,85 +4678,22 @@
           <a:lstStyle/>
           <a:p>
             <a:r>
-              <a:rPr lang="en-US" b="1" dirty="0" smtClean="0"/>
-              <a:t>Dataset.py</a:t>
+              <a:rPr lang="en-US" sz="2000" b="1" dirty="0" smtClean="0"/>
+              <a:t>Main.py</a:t>
             </a:r>
           </a:p>
           <a:p>
             <a:pPr lvl="1"/>
             <a:r>
-              <a:rPr lang="en-US" dirty="0" smtClean="0"/>
-              <a:t>Our dataset </a:t>
-            </a:r>
-            <a:r>
-              <a:rPr lang="en-US" dirty="0"/>
-              <a:t>is </a:t>
-            </a:r>
-            <a:r>
-              <a:rPr lang="en-US" dirty="0" smtClean="0"/>
-              <a:t>read, renamed, copied and organized in the correct naming convention to a different folder, from where </a:t>
-            </a:r>
-            <a:r>
-              <a:rPr lang="en-US" dirty="0" smtClean="0"/>
-              <a:t>our </a:t>
-            </a:r>
-            <a:r>
-              <a:rPr lang="en-US" dirty="0" smtClean="0"/>
-              <a:t>system will use</a:t>
-            </a:r>
-          </a:p>
-          <a:p>
-            <a:pPr lvl="1"/>
-            <a:r>
-              <a:rPr lang="en-US" dirty="0" smtClean="0"/>
-              <a:t>xyz.png 		    A_genuine_7.png</a:t>
-            </a:r>
-          </a:p>
-          <a:p>
-            <a:pPr lvl="1"/>
-            <a:r>
-              <a:rPr lang="en-US" dirty="0" smtClean="0"/>
-              <a:t>Also gives an analysis of the count of dataset</a:t>
-            </a:r>
-          </a:p>
-        </p:txBody>
-      </p:sp>
-      <p:cxnSp>
-        <p:nvCxnSpPr>
-          <p:cNvPr id="16" name="Straight Arrow Connector 15"/>
-          <p:cNvCxnSpPr/>
-          <p:nvPr/>
-        </p:nvCxnSpPr>
-        <p:spPr>
-          <a:xfrm>
-            <a:off x="4800600" y="3200400"/>
-            <a:ext cx="1143000" cy="0"/>
-          </a:xfrm>
-          <a:prstGeom prst="straightConnector1">
-            <a:avLst/>
-          </a:prstGeom>
-          <a:ln w="38100">
-            <a:tailEnd type="triangle"/>
-          </a:ln>
-        </p:spPr>
-        <p:style>
-          <a:lnRef idx="1">
-            <a:schemeClr val="accent1"/>
-          </a:lnRef>
-          <a:fillRef idx="0">
-            <a:schemeClr val="accent1"/>
-          </a:fillRef>
-          <a:effectRef idx="0">
-            <a:schemeClr val="accent1"/>
-          </a:effectRef>
-          <a:fontRef idx="minor">
-            <a:schemeClr val="tx1"/>
-          </a:fontRef>
-        </p:style>
-      </p:cxnSp>
+              <a:rPr lang="en-US" sz="1800" dirty="0" smtClean="0"/>
+              <a:t>This is the main python file where the system working starts, calls the other functions, gives the appropriate results and ends.</a:t>
+            </a:r>
+          </a:p>
+        </p:txBody>
+      </p:sp>
       <p:pic>
         <p:nvPicPr>
-          <p:cNvPr id="20" name="Picture 19"/>
+          <p:cNvPr id="11" name="Picture 10"/>
           <p:cNvPicPr>
             <a:picLocks noChangeAspect="1"/>
           </p:cNvPicPr>
@@ -4603,13 +4701,13 @@
         </p:nvPicPr>
         <p:blipFill rotWithShape="1">
           <a:blip r:embed="rId4"/>
-          <a:srcRect l="-2310" t="13771" r="2310" b="14284"/>
+          <a:srcRect t="15734" b="11110"/>
           <a:stretch/>
         </p:blipFill>
         <p:spPr>
           <a:xfrm>
-            <a:off x="1470660" y="1447800"/>
-            <a:ext cx="1314450" cy="191875"/>
+            <a:off x="1523999" y="1450162"/>
+            <a:ext cx="904875" cy="188138"/>
           </a:xfrm>
           <a:prstGeom prst="rect">
             <a:avLst/>
@@ -4618,7 +4716,7 @@
       </p:pic>
       <p:pic>
         <p:nvPicPr>
-          <p:cNvPr id="21" name="Picture 20"/>
+          <p:cNvPr id="12" name="Picture 11"/>
           <p:cNvPicPr>
             <a:picLocks noChangeAspect="1"/>
           </p:cNvPicPr>
@@ -4643,7 +4741,7 @@
     </p:spTree>
     <p:extLst>
       <p:ext uri="{BB962C8B-B14F-4D97-AF65-F5344CB8AC3E}">
-        <p14:creationId xmlns:p14="http://schemas.microsoft.com/office/powerpoint/2010/main" val="1019193319"/>
+        <p14:creationId xmlns:p14="http://schemas.microsoft.com/office/powerpoint/2010/main" val="2353883427"/>
       </p:ext>
     </p:extLst>
   </p:cSld>
@@ -4725,7 +4823,7 @@
             <a:fld id="{43EB6444-05C2-4DB9-99E3-3024D2735779}" type="datetime3">
               <a:rPr lang="en-US" smtClean="0"/>
               <a:pPr/>
-              <a:t>29 January 2019</a:t>
+              <a:t>1 February 2019</a:t>
             </a:fld>
             <a:endParaRPr lang="en-US"/>
           </a:p>
@@ -4821,7 +4919,7 @@
         </p:nvSpPr>
         <p:spPr>
           <a:xfrm>
-            <a:off x="838200" y="3048000"/>
+            <a:off x="838200" y="3276600"/>
             <a:ext cx="1371600" cy="177040"/>
           </a:xfrm>
           <a:prstGeom prst="rect">
@@ -4859,9 +4957,60 @@
           </a:p>
         </p:txBody>
       </p:sp>
+      <p:sp>
+        <p:nvSpPr>
+          <p:cNvPr id="10" name="Content Placeholder 2"/>
+          <p:cNvSpPr>
+            <a:spLocks noGrp="1"/>
+          </p:cNvSpPr>
+          <p:nvPr>
+            <p:ph idx="1"/>
+          </p:nvPr>
+        </p:nvSpPr>
+        <p:spPr>
+          <a:xfrm>
+            <a:off x="2895600" y="1465281"/>
+            <a:ext cx="5943600" cy="1277919"/>
+          </a:xfrm>
+        </p:spPr>
+        <p:txBody>
+          <a:bodyPr>
+            <a:normAutofit fontScale="92500" lnSpcReduction="20000"/>
+          </a:bodyPr>
+          <a:lstStyle/>
+          <a:p>
+            <a:r>
+              <a:rPr lang="en-US" sz="2000" b="1" dirty="0" smtClean="0"/>
+              <a:t>Preprocessing.py</a:t>
+            </a:r>
+          </a:p>
+          <a:p>
+            <a:pPr lvl="1"/>
+            <a:r>
+              <a:rPr lang="en-US" sz="1800" dirty="0" smtClean="0"/>
+              <a:t>This function takes the image in the raw format and converts into a pre-processed format.</a:t>
+            </a:r>
+          </a:p>
+          <a:p>
+            <a:pPr lvl="1"/>
+            <a:r>
+              <a:rPr lang="en-US" sz="1800" dirty="0" smtClean="0"/>
+              <a:t>Resize, RGB to Grey , Otsu </a:t>
+            </a:r>
+            <a:r>
+              <a:rPr lang="en-US" sz="1800" dirty="0" err="1" smtClean="0"/>
+              <a:t>thresholding</a:t>
+            </a:r>
+            <a:r>
+              <a:rPr lang="en-US" sz="1800" dirty="0" smtClean="0"/>
+              <a:t>, boundary Box cropping</a:t>
+            </a:r>
+          </a:p>
+        </p:txBody>
+      </p:sp>
       <p:pic>
         <p:nvPicPr>
-          <p:cNvPr id="8" name="Picture 7"/>
+          <p:cNvPr id="9" name="Picture 8"/>
           <p:cNvPicPr>
             <a:picLocks noChangeAspect="1"/>
           </p:cNvPicPr>
@@ -4875,8 +5024,8 @@
         </p:blipFill>
         <p:spPr>
           <a:xfrm>
-            <a:off x="3103613" y="2736714"/>
-            <a:ext cx="5716712" cy="3690856"/>
+            <a:off x="2819400" y="2909087"/>
+            <a:ext cx="4800600" cy="3398898"/>
           </a:xfrm>
           <a:prstGeom prst="rect">
             <a:avLst/>
@@ -4891,42 +5040,6 @@
           </a:ln>
         </p:spPr>
       </p:pic>
-      <p:sp>
-        <p:nvSpPr>
-          <p:cNvPr id="10" name="Content Placeholder 2"/>
-          <p:cNvSpPr>
-            <a:spLocks noGrp="1"/>
-          </p:cNvSpPr>
-          <p:nvPr>
-            <p:ph idx="1"/>
-          </p:nvPr>
-        </p:nvSpPr>
-        <p:spPr>
-          <a:xfrm>
-            <a:off x="2895600" y="1465281"/>
-            <a:ext cx="5943600" cy="1277919"/>
-          </a:xfrm>
-        </p:spPr>
-        <p:txBody>
-          <a:bodyPr>
-            <a:normAutofit/>
-          </a:bodyPr>
-          <a:lstStyle/>
-          <a:p>
-            <a:r>
-              <a:rPr lang="en-US" sz="2000" b="1" dirty="0" smtClean="0"/>
-              <a:t>Main.py</a:t>
-            </a:r>
-          </a:p>
-          <a:p>
-            <a:pPr lvl="1"/>
-            <a:r>
-              <a:rPr lang="en-US" sz="1800" dirty="0" smtClean="0"/>
-              <a:t>This is the main python file where the system working starts, calls the other functions, gives the appropriate results and ends.</a:t>
-            </a:r>
-          </a:p>
-        </p:txBody>
-      </p:sp>
       <p:pic>
         <p:nvPicPr>
           <p:cNvPr id="11" name="Picture 10"/>
@@ -4935,19 +5048,25 @@
           </p:cNvPicPr>
           <p:nvPr/>
         </p:nvPicPr>
-        <p:blipFill rotWithShape="1">
+        <p:blipFill>
           <a:blip r:embed="rId4"/>
-          <a:srcRect t="15734" b="11110"/>
-          <a:stretch/>
+          <a:stretch>
+            <a:fillRect/>
+          </a:stretch>
         </p:blipFill>
         <p:spPr>
           <a:xfrm>
-            <a:off x="1523999" y="1450162"/>
-            <a:ext cx="904875" cy="188138"/>
+            <a:off x="6265989" y="2909087"/>
+            <a:ext cx="2843756" cy="1202097"/>
           </a:xfrm>
           <a:prstGeom prst="rect">
             <a:avLst/>
           </a:prstGeom>
+          <a:ln>
+            <a:solidFill>
+              <a:schemeClr val="accent1"/>
+            </a:solidFill>
+          </a:ln>
         </p:spPr>
       </p:pic>
       <p:pic>
@@ -4966,6 +5085,94 @@
         </p:blipFill>
         <p:spPr>
           <a:xfrm>
+            <a:off x="6462124" y="5296079"/>
+            <a:ext cx="2451485" cy="1011906"/>
+          </a:xfrm>
+          <a:prstGeom prst="rect">
+            <a:avLst/>
+          </a:prstGeom>
+          <a:ln>
+            <a:solidFill>
+              <a:schemeClr val="accent1"/>
+            </a:solidFill>
+          </a:ln>
+        </p:spPr>
+      </p:pic>
+      <p:cxnSp>
+        <p:nvCxnSpPr>
+          <p:cNvPr id="13" name="Straight Arrow Connector 12"/>
+          <p:cNvCxnSpPr>
+            <a:stCxn id="11" idx="2"/>
+            <a:endCxn id="12" idx="0"/>
+          </p:cNvCxnSpPr>
+          <p:nvPr/>
+        </p:nvCxnSpPr>
+        <p:spPr>
+          <a:xfrm>
+            <a:off x="7687867" y="4111184"/>
+            <a:ext cx="0" cy="1184895"/>
+          </a:xfrm>
+          <a:prstGeom prst="straightConnector1">
+            <a:avLst/>
+          </a:prstGeom>
+          <a:ln>
+            <a:tailEnd type="triangle"/>
+          </a:ln>
+        </p:spPr>
+        <p:style>
+          <a:lnRef idx="2">
+            <a:schemeClr val="accent2"/>
+          </a:lnRef>
+          <a:fillRef idx="0">
+            <a:schemeClr val="accent2"/>
+          </a:fillRef>
+          <a:effectRef idx="1">
+            <a:schemeClr val="accent2"/>
+          </a:effectRef>
+          <a:fontRef idx="minor">
+            <a:schemeClr val="tx1"/>
+          </a:fontRef>
+        </p:style>
+      </p:cxnSp>
+      <p:pic>
+        <p:nvPicPr>
+          <p:cNvPr id="16" name="Picture 15"/>
+          <p:cNvPicPr>
+            <a:picLocks noChangeAspect="1"/>
+          </p:cNvPicPr>
+          <p:nvPr/>
+        </p:nvPicPr>
+        <p:blipFill rotWithShape="1">
+          <a:blip r:embed="rId6"/>
+          <a:srcRect l="2828" t="13896" r="9993" b="-2787"/>
+          <a:stretch/>
+        </p:blipFill>
+        <p:spPr>
+          <a:xfrm>
+            <a:off x="1512680" y="1431099"/>
+            <a:ext cx="1230520" cy="217152"/>
+          </a:xfrm>
+          <a:prstGeom prst="rect">
+            <a:avLst/>
+          </a:prstGeom>
+        </p:spPr>
+      </p:pic>
+      <p:pic>
+        <p:nvPicPr>
+          <p:cNvPr id="17" name="Picture 16"/>
+          <p:cNvPicPr>
+            <a:picLocks noChangeAspect="1"/>
+          </p:cNvPicPr>
+          <p:nvPr/>
+        </p:nvPicPr>
+        <p:blipFill>
+          <a:blip r:embed="rId7"/>
+          <a:stretch>
+            <a:fillRect/>
+          </a:stretch>
+        </p:blipFill>
+        <p:spPr>
+          <a:xfrm>
             <a:off x="1523999" y="1433013"/>
             <a:ext cx="1179809" cy="221447"/>
           </a:xfrm>
@@ -4977,7 +5184,7 @@
     </p:spTree>
     <p:extLst>
       <p:ext uri="{BB962C8B-B14F-4D97-AF65-F5344CB8AC3E}">
-        <p14:creationId xmlns:p14="http://schemas.microsoft.com/office/powerpoint/2010/main" val="2353883427"/>
+        <p14:creationId xmlns:p14="http://schemas.microsoft.com/office/powerpoint/2010/main" val="2361275868"/>
       </p:ext>
     </p:extLst>
   </p:cSld>
@@ -5059,7 +5266,7 @@
             <a:fld id="{43EB6444-05C2-4DB9-99E3-3024D2735779}" type="datetime3">
               <a:rPr lang="en-US" smtClean="0"/>
               <a:pPr/>
-              <a:t>29 January 2019</a:t>
+              <a:t>1 February 2019</a:t>
             </a:fld>
             <a:endParaRPr lang="en-US"/>
           </a:p>
@@ -5155,7 +5362,7 @@
         </p:nvSpPr>
         <p:spPr>
           <a:xfrm>
-            <a:off x="838200" y="3276600"/>
+            <a:off x="838200" y="3429000"/>
             <a:ext cx="1371600" cy="177040"/>
           </a:xfrm>
           <a:prstGeom prst="rect">
@@ -5206,47 +5413,96 @@
         <p:spPr>
           <a:xfrm>
             <a:off x="2895600" y="1465281"/>
-            <a:ext cx="5943600" cy="1277919"/>
+            <a:ext cx="5867400" cy="4249719"/>
           </a:xfrm>
         </p:spPr>
         <p:txBody>
           <a:bodyPr>
-            <a:normAutofit fontScale="92500" lnSpcReduction="20000"/>
+            <a:normAutofit/>
           </a:bodyPr>
           <a:lstStyle/>
           <a:p>
             <a:r>
               <a:rPr lang="en-US" sz="2000" b="1" dirty="0" smtClean="0"/>
-              <a:t>Preprocessing.py</a:t>
+              <a:t>shapeFeat.py</a:t>
             </a:r>
           </a:p>
           <a:p>
             <a:pPr lvl="1"/>
             <a:r>
               <a:rPr lang="en-US" sz="1800" dirty="0" smtClean="0"/>
-              <a:t>This function takes the image in the raw format and converts into a pre-processed format.</a:t>
+              <a:t>This function extracts shape based features of the signature from the images.</a:t>
             </a:r>
           </a:p>
           <a:p>
             <a:pPr lvl="1"/>
             <a:r>
               <a:rPr lang="en-US" sz="1800" dirty="0" smtClean="0"/>
-              <a:t>Resize, RGB to Grey , Otsu </a:t>
-            </a:r>
-            <a:r>
-              <a:rPr lang="en-US" sz="1800" dirty="0" err="1" smtClean="0"/>
-              <a:t>thresholding</a:t>
-            </a:r>
-            <a:r>
-              <a:rPr lang="en-US" sz="1800" dirty="0" smtClean="0"/>
-              <a:t>, boundary Box cropping</a:t>
-            </a:r>
+              <a:t>These includes:</a:t>
+            </a:r>
+          </a:p>
+          <a:p>
+            <a:pPr lvl="2"/>
+            <a:r>
+              <a:rPr lang="en-US" dirty="0" smtClean="0"/>
+              <a:t>Aspect Ratio</a:t>
+            </a:r>
+            <a:endParaRPr lang="en-US" dirty="0"/>
+          </a:p>
+          <a:p>
+            <a:pPr lvl="2"/>
+            <a:r>
+              <a:rPr lang="en-US" dirty="0" smtClean="0"/>
+              <a:t>Center of Gravity</a:t>
+            </a:r>
+          </a:p>
+          <a:p>
+            <a:pPr lvl="2"/>
+            <a:r>
+              <a:rPr lang="en-US" dirty="0" smtClean="0"/>
+              <a:t>Normalized Area</a:t>
+            </a:r>
+            <a:endParaRPr lang="en-US" dirty="0"/>
+          </a:p>
+          <a:p>
+            <a:pPr lvl="2"/>
+            <a:r>
+              <a:rPr lang="en-US" dirty="0" smtClean="0"/>
+              <a:t>Baseline Shift</a:t>
+            </a:r>
+            <a:endParaRPr lang="en-US" dirty="0"/>
+          </a:p>
+          <a:p>
+            <a:pPr lvl="2"/>
+            <a:r>
+              <a:rPr lang="en-US" dirty="0" smtClean="0"/>
+              <a:t>Eccentricity	</a:t>
+            </a:r>
+          </a:p>
+          <a:p>
+            <a:pPr lvl="2"/>
+            <a:r>
+              <a:rPr lang="en-US" dirty="0" err="1" smtClean="0"/>
+              <a:t>HuMoments</a:t>
+            </a:r>
+            <a:endParaRPr lang="en-US" dirty="0"/>
+          </a:p>
+          <a:p>
+            <a:pPr lvl="2"/>
+            <a:r>
+              <a:rPr lang="en-US" dirty="0" smtClean="0"/>
+              <a:t>No of Corners</a:t>
+            </a:r>
+          </a:p>
+          <a:p>
+            <a:pPr lvl="1"/>
+            <a:endParaRPr lang="en-US" sz="1800" dirty="0" smtClean="0"/>
           </a:p>
         </p:txBody>
       </p:sp>
       <p:pic>
         <p:nvPicPr>
-          <p:cNvPr id="9" name="Picture 8"/>
+          <p:cNvPr id="11" name="Picture 10"/>
           <p:cNvPicPr>
             <a:picLocks noChangeAspect="1"/>
           </p:cNvPicPr>
@@ -5260,8 +5516,8 @@
         </p:blipFill>
         <p:spPr>
           <a:xfrm>
-            <a:off x="2808080" y="2909087"/>
-            <a:ext cx="4811919" cy="3398898"/>
+            <a:off x="5562600" y="4017587"/>
+            <a:ext cx="3429000" cy="2187323"/>
           </a:xfrm>
           <a:prstGeom prst="rect">
             <a:avLst/>
@@ -5278,7 +5534,7 @@
       </p:pic>
       <p:pic>
         <p:nvPicPr>
-          <p:cNvPr id="11" name="Picture 10"/>
+          <p:cNvPr id="12" name="Picture 11"/>
           <p:cNvPicPr>
             <a:picLocks noChangeAspect="1"/>
           </p:cNvPicPr>
@@ -5292,123 +5548,6 @@
         </p:blipFill>
         <p:spPr>
           <a:xfrm>
-            <a:off x="6265989" y="2909087"/>
-            <a:ext cx="2843756" cy="1202097"/>
-          </a:xfrm>
-          <a:prstGeom prst="rect">
-            <a:avLst/>
-          </a:prstGeom>
-          <a:ln>
-            <a:solidFill>
-              <a:schemeClr val="accent1"/>
-            </a:solidFill>
-          </a:ln>
-        </p:spPr>
-      </p:pic>
-      <p:pic>
-        <p:nvPicPr>
-          <p:cNvPr id="12" name="Picture 11"/>
-          <p:cNvPicPr>
-            <a:picLocks noChangeAspect="1"/>
-          </p:cNvPicPr>
-          <p:nvPr/>
-        </p:nvPicPr>
-        <p:blipFill>
-          <a:blip r:embed="rId5"/>
-          <a:stretch>
-            <a:fillRect/>
-          </a:stretch>
-        </p:blipFill>
-        <p:spPr>
-          <a:xfrm>
-            <a:off x="6462125" y="5270912"/>
-            <a:ext cx="2451485" cy="1011906"/>
-          </a:xfrm>
-          <a:prstGeom prst="rect">
-            <a:avLst/>
-          </a:prstGeom>
-          <a:ln>
-            <a:solidFill>
-              <a:schemeClr val="accent1"/>
-            </a:solidFill>
-          </a:ln>
-        </p:spPr>
-      </p:pic>
-      <p:cxnSp>
-        <p:nvCxnSpPr>
-          <p:cNvPr id="13" name="Straight Arrow Connector 12"/>
-          <p:cNvCxnSpPr>
-            <a:stCxn id="11" idx="2"/>
-            <a:endCxn id="12" idx="0"/>
-          </p:cNvCxnSpPr>
-          <p:nvPr/>
-        </p:nvCxnSpPr>
-        <p:spPr>
-          <a:xfrm>
-            <a:off x="7687867" y="4111184"/>
-            <a:ext cx="1" cy="1159728"/>
-          </a:xfrm>
-          <a:prstGeom prst="straightConnector1">
-            <a:avLst/>
-          </a:prstGeom>
-          <a:ln>
-            <a:tailEnd type="triangle"/>
-          </a:ln>
-        </p:spPr>
-        <p:style>
-          <a:lnRef idx="2">
-            <a:schemeClr val="accent2"/>
-          </a:lnRef>
-          <a:fillRef idx="0">
-            <a:schemeClr val="accent2"/>
-          </a:fillRef>
-          <a:effectRef idx="1">
-            <a:schemeClr val="accent2"/>
-          </a:effectRef>
-          <a:fontRef idx="minor">
-            <a:schemeClr val="tx1"/>
-          </a:fontRef>
-        </p:style>
-      </p:cxnSp>
-      <p:pic>
-        <p:nvPicPr>
-          <p:cNvPr id="16" name="Picture 15"/>
-          <p:cNvPicPr>
-            <a:picLocks noChangeAspect="1"/>
-          </p:cNvPicPr>
-          <p:nvPr/>
-        </p:nvPicPr>
-        <p:blipFill rotWithShape="1">
-          <a:blip r:embed="rId6"/>
-          <a:srcRect l="2828" t="13896" r="9993" b="-2787"/>
-          <a:stretch/>
-        </p:blipFill>
-        <p:spPr>
-          <a:xfrm>
-            <a:off x="1512680" y="1431099"/>
-            <a:ext cx="1230520" cy="217152"/>
-          </a:xfrm>
-          <a:prstGeom prst="rect">
-            <a:avLst/>
-          </a:prstGeom>
-        </p:spPr>
-      </p:pic>
-      <p:pic>
-        <p:nvPicPr>
-          <p:cNvPr id="17" name="Picture 16"/>
-          <p:cNvPicPr>
-            <a:picLocks noChangeAspect="1"/>
-          </p:cNvPicPr>
-          <p:nvPr/>
-        </p:nvPicPr>
-        <p:blipFill>
-          <a:blip r:embed="rId7"/>
-          <a:stretch>
-            <a:fillRect/>
-          </a:stretch>
-        </p:blipFill>
-        <p:spPr>
-          <a:xfrm>
             <a:off x="1523999" y="1433013"/>
             <a:ext cx="1179809" cy="221447"/>
           </a:xfrm>
@@ -5420,7 +5559,7 @@
     </p:spTree>
     <p:extLst>
       <p:ext uri="{BB962C8B-B14F-4D97-AF65-F5344CB8AC3E}">
-        <p14:creationId xmlns:p14="http://schemas.microsoft.com/office/powerpoint/2010/main" val="2361275868"/>
+        <p14:creationId xmlns:p14="http://schemas.microsoft.com/office/powerpoint/2010/main" val="4193437587"/>
       </p:ext>
     </p:extLst>
   </p:cSld>
@@ -5502,7 +5641,7 @@
             <a:fld id="{43EB6444-05C2-4DB9-99E3-3024D2735779}" type="datetime3">
               <a:rPr lang="en-US" smtClean="0"/>
               <a:pPr/>
-              <a:t>29 January 2019</a:t>
+              <a:t>1 February 2019</a:t>
             </a:fld>
             <a:endParaRPr lang="en-US"/>
           </a:p>
@@ -5598,7 +5737,7 @@
         </p:nvSpPr>
         <p:spPr>
           <a:xfrm>
-            <a:off x="838200" y="3429000"/>
+            <a:off x="838200" y="3631169"/>
             <a:ext cx="1371600" cy="177040"/>
           </a:xfrm>
           <a:prstGeom prst="rect">
@@ -5660,14 +5799,29 @@
           <a:p>
             <a:r>
               <a:rPr lang="en-US" sz="2000" b="1" dirty="0" smtClean="0"/>
-              <a:t>shapeFeat.py</a:t>
+              <a:t>glcmFeat.py</a:t>
             </a:r>
           </a:p>
           <a:p>
             <a:pPr lvl="1"/>
             <a:r>
               <a:rPr lang="en-US" sz="1800" dirty="0" smtClean="0"/>
-              <a:t>This function extracts shape based features of the signature from the images.</a:t>
+              <a:t>This function extracts </a:t>
+            </a:r>
+            <a:r>
+              <a:rPr lang="en-US" sz="1800" dirty="0" err="1" smtClean="0"/>
+              <a:t>glcm</a:t>
+            </a:r>
+            <a:r>
+              <a:rPr lang="en-US" sz="1800" dirty="0" smtClean="0"/>
+              <a:t> based features of the signature from the images.</a:t>
+            </a:r>
+          </a:p>
+          <a:p>
+            <a:pPr lvl="1"/>
+            <a:r>
+              <a:rPr lang="en-US" sz="1800" dirty="0" smtClean="0"/>
+              <a:t>Gray Level Coherence Matrix</a:t>
             </a:r>
           </a:p>
           <a:p>
@@ -5681,7 +5835,7 @@
             <a:pPr lvl="2"/>
             <a:r>
               <a:rPr lang="en-US" dirty="0" smtClean="0"/>
-              <a:t>Aspect Ratio</a:t>
+              <a:t>Contrast</a:t>
             </a:r>
             <a:endParaRPr lang="en-US" dirty="0"/>
           </a:p>
@@ -5689,14 +5843,14 @@
             <a:pPr lvl="2"/>
             <a:r>
               <a:rPr lang="en-US" dirty="0" smtClean="0"/>
-              <a:t>Center of Gravity</a:t>
+              <a:t>Dissimilarity</a:t>
             </a:r>
           </a:p>
           <a:p>
             <a:pPr lvl="2"/>
             <a:r>
               <a:rPr lang="en-US" dirty="0" smtClean="0"/>
-              <a:t>Normalized Area</a:t>
+              <a:t>Homogeneity</a:t>
             </a:r>
             <a:endParaRPr lang="en-US" dirty="0"/>
           </a:p>
@@ -5704,7 +5858,7 @@
             <a:pPr lvl="2"/>
             <a:r>
               <a:rPr lang="en-US" dirty="0" smtClean="0"/>
-              <a:t>Baseline Shift</a:t>
+              <a:t>Energy</a:t>
             </a:r>
             <a:endParaRPr lang="en-US" dirty="0"/>
           </a:p>
@@ -5712,22 +5866,14 @@
             <a:pPr lvl="2"/>
             <a:r>
               <a:rPr lang="en-US" dirty="0" smtClean="0"/>
-              <a:t>Eccentricity	</a:t>
+              <a:t>Correlation	</a:t>
             </a:r>
           </a:p>
           <a:p>
             <a:pPr lvl="2"/>
             <a:r>
-              <a:rPr lang="en-US" dirty="0" err="1" smtClean="0"/>
-              <a:t>HuMoments</a:t>
-            </a:r>
-            <a:endParaRPr lang="en-US" dirty="0"/>
-          </a:p>
-          <a:p>
-            <a:pPr lvl="2"/>
-            <a:r>
               <a:rPr lang="en-US" dirty="0" smtClean="0"/>
-              <a:t>No of Corners</a:t>
+              <a:t>ASM</a:t>
             </a:r>
           </a:p>
           <a:p>
@@ -5738,7 +5884,7 @@
       </p:sp>
       <p:pic>
         <p:nvPicPr>
-          <p:cNvPr id="11" name="Picture 10"/>
+          <p:cNvPr id="13" name="Picture 12"/>
           <p:cNvPicPr>
             <a:picLocks noChangeAspect="1"/>
           </p:cNvPicPr>
@@ -5752,8 +5898,36 @@
         </p:blipFill>
         <p:spPr>
           <a:xfrm>
-            <a:off x="5562600" y="4017587"/>
-            <a:ext cx="3429000" cy="2187323"/>
+            <a:off x="1523999" y="1433013"/>
+            <a:ext cx="1179809" cy="221447"/>
+          </a:xfrm>
+          <a:prstGeom prst="rect">
+            <a:avLst/>
+          </a:prstGeom>
+        </p:spPr>
+      </p:pic>
+      <p:pic>
+        <p:nvPicPr>
+          <p:cNvPr id="12" name="Picture 11"/>
+          <p:cNvPicPr/>
+          <p:nvPr/>
+        </p:nvPicPr>
+        <p:blipFill>
+          <a:blip r:embed="rId4" cstate="print">
+            <a:extLst>
+              <a:ext uri="{28A0092B-C50C-407E-A947-70E740481C1C}">
+                <a14:useLocalDpi xmlns:a14="http://schemas.microsoft.com/office/drawing/2010/main" val="0"/>
+              </a:ext>
+            </a:extLst>
+          </a:blip>
+          <a:stretch>
+            <a:fillRect/>
+          </a:stretch>
+        </p:blipFill>
+        <p:spPr>
+          <a:xfrm>
+            <a:off x="5562600" y="4038600"/>
+            <a:ext cx="3451638" cy="2145923"/>
           </a:xfrm>
           <a:prstGeom prst="rect">
             <a:avLst/>
@@ -5768,34 +5942,10 @@
           </a:ln>
         </p:spPr>
       </p:pic>
-      <p:pic>
-        <p:nvPicPr>
-          <p:cNvPr id="12" name="Picture 11"/>
-          <p:cNvPicPr>
-            <a:picLocks noChangeAspect="1"/>
-          </p:cNvPicPr>
-          <p:nvPr/>
-        </p:nvPicPr>
-        <p:blipFill>
-          <a:blip r:embed="rId4"/>
-          <a:stretch>
-            <a:fillRect/>
-          </a:stretch>
-        </p:blipFill>
-        <p:spPr>
-          <a:xfrm>
-            <a:off x="1523999" y="1433013"/>
-            <a:ext cx="1179809" cy="221447"/>
-          </a:xfrm>
-          <a:prstGeom prst="rect">
-            <a:avLst/>
-          </a:prstGeom>
-        </p:spPr>
-      </p:pic>
     </p:spTree>
     <p:extLst>
       <p:ext uri="{BB962C8B-B14F-4D97-AF65-F5344CB8AC3E}">
-        <p14:creationId xmlns:p14="http://schemas.microsoft.com/office/powerpoint/2010/main" val="4193437587"/>
+        <p14:creationId xmlns:p14="http://schemas.microsoft.com/office/powerpoint/2010/main" val="3184736504"/>
       </p:ext>
     </p:extLst>
   </p:cSld>
@@ -5877,7 +6027,7 @@
             <a:fld id="{43EB6444-05C2-4DB9-99E3-3024D2735779}" type="datetime3">
               <a:rPr lang="en-US" smtClean="0"/>
               <a:pPr/>
-              <a:t>29 January 2019</a:t>
+              <a:t>1 February 2019</a:t>
             </a:fld>
             <a:endParaRPr lang="en-US"/>
           </a:p>
@@ -5973,7 +6123,7 @@
         </p:nvSpPr>
         <p:spPr>
           <a:xfrm>
-            <a:off x="838200" y="3631169"/>
+            <a:off x="838200" y="3831069"/>
             <a:ext cx="1371600" cy="177040"/>
           </a:xfrm>
           <a:prstGeom prst="rect">
@@ -6035,29 +6185,14 @@
           <a:p>
             <a:r>
               <a:rPr lang="en-US" sz="2000" b="1" dirty="0" smtClean="0"/>
-              <a:t>glcmFeat.py</a:t>
+              <a:t>textureFeat.py</a:t>
             </a:r>
           </a:p>
           <a:p>
             <a:pPr lvl="1"/>
             <a:r>
               <a:rPr lang="en-US" sz="1800" dirty="0" smtClean="0"/>
-              <a:t>This function extracts </a:t>
-            </a:r>
-            <a:r>
-              <a:rPr lang="en-US" sz="1800" dirty="0" err="1" smtClean="0"/>
-              <a:t>glcm</a:t>
-            </a:r>
-            <a:r>
-              <a:rPr lang="en-US" sz="1800" dirty="0" smtClean="0"/>
-              <a:t> based features of the signature from the images.</a:t>
-            </a:r>
-          </a:p>
-          <a:p>
-            <a:pPr lvl="1"/>
-            <a:r>
-              <a:rPr lang="en-US" sz="1800" dirty="0" smtClean="0"/>
-              <a:t>Gray Level Coherence Matrix</a:t>
+              <a:t>This function extracts texture based features of the signature from the images.</a:t>
             </a:r>
           </a:p>
           <a:p>
@@ -6071,7 +6206,7 @@
             <a:pPr lvl="2"/>
             <a:r>
               <a:rPr lang="en-US" dirty="0" smtClean="0"/>
-              <a:t>Contrast</a:t>
+              <a:t>Mean</a:t>
             </a:r>
             <a:endParaRPr lang="en-US" dirty="0"/>
           </a:p>
@@ -6079,14 +6214,14 @@
             <a:pPr lvl="2"/>
             <a:r>
               <a:rPr lang="en-US" dirty="0" smtClean="0"/>
-              <a:t>Dissimilarity</a:t>
+              <a:t>Variance</a:t>
             </a:r>
           </a:p>
           <a:p>
             <a:pPr lvl="2"/>
             <a:r>
               <a:rPr lang="en-US" dirty="0" smtClean="0"/>
-              <a:t>Homogeneity</a:t>
+              <a:t>Skewness</a:t>
             </a:r>
             <a:endParaRPr lang="en-US" dirty="0"/>
           </a:p>
@@ -6094,7 +6229,7 @@
             <a:pPr lvl="2"/>
             <a:r>
               <a:rPr lang="en-US" dirty="0" smtClean="0"/>
-              <a:t>Energy</a:t>
+              <a:t>Kurtosis</a:t>
             </a:r>
             <a:endParaRPr lang="en-US" dirty="0"/>
           </a:p>
@@ -6102,15 +6237,16 @@
             <a:pPr lvl="2"/>
             <a:r>
               <a:rPr lang="en-US" dirty="0" smtClean="0"/>
-              <a:t>Correlation	</a:t>
+              <a:t>Energy	</a:t>
             </a:r>
           </a:p>
           <a:p>
             <a:pPr lvl="2"/>
             <a:r>
-              <a:rPr lang="en-US" dirty="0" smtClean="0"/>
-              <a:t>ASM</a:t>
-            </a:r>
+              <a:rPr lang="en-US" dirty="0" err="1" smtClean="0"/>
+              <a:t>Haralick</a:t>
+            </a:r>
+            <a:endParaRPr lang="en-US" dirty="0" smtClean="0"/>
           </a:p>
           <a:p>
             <a:pPr lvl="1"/>
@@ -6144,26 +6280,25 @@
       </p:pic>
       <p:pic>
         <p:nvPicPr>
-          <p:cNvPr id="12" name="Picture 11"/>
+          <p:cNvPr id="14" name="Picture 13"/>
           <p:cNvPicPr/>
           <p:nvPr/>
         </p:nvPicPr>
-        <p:blipFill>
-          <a:blip r:embed="rId4" cstate="print">
+        <p:blipFill rotWithShape="1">
+          <a:blip r:embed="rId4">
             <a:extLst>
               <a:ext uri="{28A0092B-C50C-407E-A947-70E740481C1C}">
                 <a14:useLocalDpi xmlns:a14="http://schemas.microsoft.com/office/drawing/2010/main" val="0"/>
               </a:ext>
             </a:extLst>
           </a:blip>
-          <a:stretch>
-            <a:fillRect/>
-          </a:stretch>
+          <a:srcRect r="10349" b="5892"/>
+          <a:stretch/>
         </p:blipFill>
-        <p:spPr>
-          <a:xfrm>
-            <a:off x="5562600" y="4038600"/>
-            <a:ext cx="3451638" cy="2145923"/>
+        <p:spPr bwMode="auto">
+          <a:xfrm>
+            <a:off x="5486400" y="4008109"/>
+            <a:ext cx="3491547" cy="2189491"/>
           </a:xfrm>
           <a:prstGeom prst="rect">
             <a:avLst/>
@@ -6176,12 +6311,17 @@
               </a:schemeClr>
             </a:solidFill>
           </a:ln>
+          <a:extLst>
+            <a:ext uri="{53640926-AAD7-44D8-BBD7-CCE9431645EC}">
+              <a14:shadowObscured xmlns:a14="http://schemas.microsoft.com/office/drawing/2010/main"/>
+            </a:ext>
+          </a:extLst>
         </p:spPr>
       </p:pic>
     </p:spTree>
     <p:extLst>
       <p:ext uri="{BB962C8B-B14F-4D97-AF65-F5344CB8AC3E}">
-        <p14:creationId xmlns:p14="http://schemas.microsoft.com/office/powerpoint/2010/main" val="3184736504"/>
+        <p14:creationId xmlns:p14="http://schemas.microsoft.com/office/powerpoint/2010/main" val="830359331"/>
       </p:ext>
     </p:extLst>
   </p:cSld>
@@ -6263,31 +6403,8 @@
             <a:fld id="{43EB6444-05C2-4DB9-99E3-3024D2735779}" type="datetime3">
               <a:rPr lang="en-US" smtClean="0"/>
               <a:pPr/>
-              <a:t>29 January 2019</a:t>
+              <a:t>1 February 2019</a:t>
             </a:fld>
-            <a:endParaRPr lang="en-US"/>
-          </a:p>
-        </p:txBody>
-      </p:sp>
-      <p:sp>
-        <p:nvSpPr>
-          <p:cNvPr id="5" name="Footer Placeholder 4"/>
-          <p:cNvSpPr>
-            <a:spLocks noGrp="1"/>
-          </p:cNvSpPr>
-          <p:nvPr>
-            <p:ph type="ftr" sz="quarter" idx="11"/>
-          </p:nvPr>
-        </p:nvSpPr>
-        <p:spPr/>
-        <p:txBody>
-          <a:bodyPr/>
-          <a:lstStyle/>
-          <a:p>
-            <a:r>
-              <a:rPr lang="en-IN" smtClean="0"/>
-              <a:t>Computer Engineering Dept. MPSTME, Mumbai Campus </a:t>
-            </a:r>
             <a:endParaRPr lang="en-US"/>
           </a:p>
         </p:txBody>
@@ -6312,7 +6429,7 @@
               <a:pPr/>
               <a:t>17</a:t>
             </a:fld>
-            <a:endParaRPr lang="en-US"/>
+            <a:endParaRPr lang="en-US" dirty="0"/>
           </a:p>
         </p:txBody>
       </p:sp>
@@ -6359,7 +6476,7 @@
         </p:nvSpPr>
         <p:spPr>
           <a:xfrm>
-            <a:off x="838200" y="3831069"/>
+            <a:off x="838199" y="4023360"/>
             <a:ext cx="1371600" cy="177040"/>
           </a:xfrm>
           <a:prstGeom prst="rect">
@@ -6409,8 +6526,8 @@
         </p:nvSpPr>
         <p:spPr>
           <a:xfrm>
-            <a:off x="2895600" y="1465281"/>
-            <a:ext cx="5867400" cy="4249719"/>
+            <a:off x="2897854" y="1524001"/>
+            <a:ext cx="5867400" cy="4322780"/>
           </a:xfrm>
         </p:spPr>
         <p:txBody>
@@ -6421,66 +6538,21 @@
           <a:p>
             <a:r>
               <a:rPr lang="en-US" sz="2000" b="1" dirty="0" smtClean="0"/>
-              <a:t>textureFeat.py</a:t>
+              <a:t>localBinaryPattern.py</a:t>
             </a:r>
           </a:p>
           <a:p>
             <a:pPr lvl="1"/>
             <a:r>
               <a:rPr lang="en-US" sz="1800" dirty="0" smtClean="0"/>
-              <a:t>This function extracts texture based features of the signature from the images.</a:t>
+              <a:t>This python file contains function that converts the image to an LBP image.</a:t>
             </a:r>
           </a:p>
           <a:p>
             <a:pPr lvl="1"/>
             <a:r>
               <a:rPr lang="en-US" sz="1800" dirty="0" smtClean="0"/>
-              <a:t>These includes:</a:t>
-            </a:r>
-          </a:p>
-          <a:p>
-            <a:pPr lvl="2"/>
-            <a:r>
-              <a:rPr lang="en-US" dirty="0" smtClean="0"/>
-              <a:t>Mean</a:t>
-            </a:r>
-            <a:endParaRPr lang="en-US" dirty="0"/>
-          </a:p>
-          <a:p>
-            <a:pPr lvl="2"/>
-            <a:r>
-              <a:rPr lang="en-US" dirty="0" smtClean="0"/>
-              <a:t>Variance</a:t>
-            </a:r>
-          </a:p>
-          <a:p>
-            <a:pPr lvl="2"/>
-            <a:r>
-              <a:rPr lang="en-US" dirty="0" smtClean="0"/>
-              <a:t>Skewness</a:t>
-            </a:r>
-            <a:endParaRPr lang="en-US" dirty="0"/>
-          </a:p>
-          <a:p>
-            <a:pPr lvl="2"/>
-            <a:r>
-              <a:rPr lang="en-US" dirty="0" smtClean="0"/>
-              <a:t>Kurtosis</a:t>
-            </a:r>
-            <a:endParaRPr lang="en-US" dirty="0"/>
-          </a:p>
-          <a:p>
-            <a:pPr lvl="2"/>
-            <a:r>
-              <a:rPr lang="en-US" dirty="0" smtClean="0"/>
-              <a:t>Energy	</a:t>
-            </a:r>
-          </a:p>
-          <a:p>
-            <a:pPr lvl="2"/>
-            <a:r>
-              <a:rPr lang="en-US" dirty="0" err="1" smtClean="0"/>
-              <a:t>Haralick</a:t>
+              <a:t>Local Binary Pattern</a:t>
             </a:r>
             <a:endParaRPr lang="en-US" dirty="0" smtClean="0"/>
           </a:p>
@@ -6516,35 +6588,28 @@
       </p:pic>
       <p:pic>
         <p:nvPicPr>
-          <p:cNvPr id="14" name="Picture 13"/>
-          <p:cNvPicPr/>
+          <p:cNvPr id="28" name="Content Placeholder 12"/>
+          <p:cNvPicPr>
+            <a:picLocks/>
+          </p:cNvPicPr>
           <p:nvPr/>
         </p:nvPicPr>
         <p:blipFill rotWithShape="1">
-          <a:blip r:embed="rId4">
-            <a:extLst>
-              <a:ext uri="{28A0092B-C50C-407E-A947-70E740481C1C}">
-                <a14:useLocalDpi xmlns:a14="http://schemas.microsoft.com/office/drawing/2010/main" val="0"/>
-              </a:ext>
-            </a:extLst>
-          </a:blip>
-          <a:srcRect r="10349" b="5892"/>
+          <a:blip r:embed="rId4"/>
+          <a:srcRect t="18037"/>
           <a:stretch/>
         </p:blipFill>
         <p:spPr bwMode="auto">
           <a:xfrm>
-            <a:off x="5486400" y="4008109"/>
-            <a:ext cx="3491547" cy="2189491"/>
+            <a:off x="3051281" y="2870958"/>
+            <a:ext cx="5560545" cy="3498019"/>
           </a:xfrm>
           <a:prstGeom prst="rect">
             <a:avLst/>
           </a:prstGeom>
           <a:ln>
             <a:solidFill>
-              <a:schemeClr val="tx2">
-                <a:lumMod val="60000"/>
-                <a:lumOff val="40000"/>
-              </a:schemeClr>
+              <a:schemeClr val="accent1"/>
             </a:solidFill>
           </a:ln>
           <a:extLst>
@@ -6554,10 +6619,122 @@
           </a:extLst>
         </p:spPr>
       </p:pic>
+      <p:cxnSp>
+        <p:nvCxnSpPr>
+          <p:cNvPr id="26" name="Straight Arrow Connector 25"/>
+          <p:cNvCxnSpPr>
+            <a:stCxn id="24" idx="2"/>
+            <a:endCxn id="27" idx="0"/>
+          </p:cNvCxnSpPr>
+          <p:nvPr/>
+        </p:nvCxnSpPr>
+        <p:spPr>
+          <a:xfrm>
+            <a:off x="7728414" y="4322968"/>
+            <a:ext cx="23835" cy="1187716"/>
+          </a:xfrm>
+          <a:prstGeom prst="straightConnector1">
+            <a:avLst/>
+          </a:prstGeom>
+          <a:ln>
+            <a:tailEnd type="triangle"/>
+          </a:ln>
+        </p:spPr>
+        <p:style>
+          <a:lnRef idx="2">
+            <a:schemeClr val="accent2"/>
+          </a:lnRef>
+          <a:fillRef idx="0">
+            <a:schemeClr val="accent2"/>
+          </a:fillRef>
+          <a:effectRef idx="1">
+            <a:schemeClr val="accent2"/>
+          </a:effectRef>
+          <a:fontRef idx="minor">
+            <a:schemeClr val="tx1"/>
+          </a:fontRef>
+        </p:style>
+      </p:cxnSp>
+      <p:pic>
+        <p:nvPicPr>
+          <p:cNvPr id="24" name="Picture 23"/>
+          <p:cNvPicPr>
+            <a:picLocks noChangeAspect="1"/>
+          </p:cNvPicPr>
+          <p:nvPr/>
+        </p:nvPicPr>
+        <p:blipFill>
+          <a:blip r:embed="rId5"/>
+          <a:stretch>
+            <a:fillRect/>
+          </a:stretch>
+        </p:blipFill>
+        <p:spPr>
+          <a:xfrm>
+            <a:off x="6306536" y="3120871"/>
+            <a:ext cx="2843756" cy="1202097"/>
+          </a:xfrm>
+          <a:prstGeom prst="rect">
+            <a:avLst/>
+          </a:prstGeom>
+          <a:ln>
+            <a:solidFill>
+              <a:schemeClr val="accent1"/>
+            </a:solidFill>
+          </a:ln>
+        </p:spPr>
+      </p:pic>
+      <p:pic>
+        <p:nvPicPr>
+          <p:cNvPr id="27" name="Picture 26"/>
+          <p:cNvPicPr>
+            <a:picLocks noChangeAspect="1"/>
+          </p:cNvPicPr>
+          <p:nvPr/>
+        </p:nvPicPr>
+        <p:blipFill>
+          <a:blip r:embed="rId6"/>
+          <a:stretch>
+            <a:fillRect/>
+          </a:stretch>
+        </p:blipFill>
+        <p:spPr>
+          <a:xfrm>
+            <a:off x="6526757" y="5510684"/>
+            <a:ext cx="2450983" cy="1105345"/>
+          </a:xfrm>
+          <a:prstGeom prst="rect">
+            <a:avLst/>
+          </a:prstGeom>
+        </p:spPr>
+      </p:pic>
+      <p:sp>
+        <p:nvSpPr>
+          <p:cNvPr id="5" name="Footer Placeholder 4"/>
+          <p:cNvSpPr>
+            <a:spLocks noGrp="1"/>
+          </p:cNvSpPr>
+          <p:nvPr>
+            <p:ph type="ftr" sz="quarter" idx="11"/>
+          </p:nvPr>
+        </p:nvSpPr>
+        <p:spPr/>
+        <p:txBody>
+          <a:bodyPr/>
+          <a:lstStyle/>
+          <a:p>
+            <a:r>
+              <a:rPr lang="en-IN" dirty="0" smtClean="0"/>
+              <a:t>Computer Engineering Dept. MPSTME, Mumbai Campus </a:t>
+            </a:r>
+            <a:endParaRPr lang="en-US" dirty="0"/>
+          </a:p>
+        </p:txBody>
+      </p:sp>
     </p:spTree>
     <p:extLst>
       <p:ext uri="{BB962C8B-B14F-4D97-AF65-F5344CB8AC3E}">
-        <p14:creationId xmlns:p14="http://schemas.microsoft.com/office/powerpoint/2010/main" val="830359331"/>
+        <p14:creationId xmlns:p14="http://schemas.microsoft.com/office/powerpoint/2010/main" val="1852891320"/>
       </p:ext>
     </p:extLst>
   </p:cSld>
@@ -6639,8 +6816,31 @@
             <a:fld id="{43EB6444-05C2-4DB9-99E3-3024D2735779}" type="datetime3">
               <a:rPr lang="en-US" smtClean="0"/>
               <a:pPr/>
-              <a:t>29 January 2019</a:t>
+              <a:t>1 February 2019</a:t>
             </a:fld>
+            <a:endParaRPr lang="en-US"/>
+          </a:p>
+        </p:txBody>
+      </p:sp>
+      <p:sp>
+        <p:nvSpPr>
+          <p:cNvPr id="5" name="Footer Placeholder 4"/>
+          <p:cNvSpPr>
+            <a:spLocks noGrp="1"/>
+          </p:cNvSpPr>
+          <p:nvPr>
+            <p:ph type="ftr" sz="quarter" idx="11"/>
+          </p:nvPr>
+        </p:nvSpPr>
+        <p:spPr/>
+        <p:txBody>
+          <a:bodyPr/>
+          <a:lstStyle/>
+          <a:p>
+            <a:r>
+              <a:rPr lang="en-IN" smtClean="0"/>
+              <a:t>Computer Engineering Dept. MPSTME, Mumbai Campus </a:t>
+            </a:r>
             <a:endParaRPr lang="en-US"/>
           </a:p>
         </p:txBody>
@@ -6712,7 +6912,7 @@
         </p:nvSpPr>
         <p:spPr>
           <a:xfrm>
-            <a:off x="838199" y="4023360"/>
+            <a:off x="838199" y="4191000"/>
             <a:ext cx="1371600" cy="177040"/>
           </a:xfrm>
           <a:prstGeom prst="rect">
@@ -6762,8 +6962,8 @@
         </p:nvSpPr>
         <p:spPr>
           <a:xfrm>
-            <a:off x="2897854" y="1524001"/>
-            <a:ext cx="5867400" cy="4322780"/>
+            <a:off x="2895600" y="1465281"/>
+            <a:ext cx="5867400" cy="4249719"/>
           </a:xfrm>
         </p:spPr>
         <p:txBody>
@@ -6774,21 +6974,21 @@
           <a:p>
             <a:r>
               <a:rPr lang="en-US" sz="2000" b="1" dirty="0" smtClean="0"/>
-              <a:t>localBinaryPattern.py</a:t>
+              <a:t>classification.py</a:t>
             </a:r>
           </a:p>
           <a:p>
             <a:pPr lvl="1"/>
             <a:r>
               <a:rPr lang="en-US" sz="1800" dirty="0" smtClean="0"/>
-              <a:t>This python file contains function that converts the image to an LBP image.</a:t>
+              <a:t>This python file contains KNN classification function which classifies the given test data to a particular class.</a:t>
             </a:r>
           </a:p>
           <a:p>
             <a:pPr lvl="1"/>
             <a:r>
               <a:rPr lang="en-US" sz="1800" dirty="0" smtClean="0"/>
-              <a:t>Local Binary Pattern</a:t>
+              <a:t>There are two functions one that gets the actual class of the function by merely the name of the file and other is the KNN classifier.</a:t>
             </a:r>
             <a:endParaRPr lang="en-US" dirty="0" smtClean="0"/>
           </a:p>
@@ -6824,153 +7024,40 @@
       </p:pic>
       <p:pic>
         <p:nvPicPr>
-          <p:cNvPr id="28" name="Content Placeholder 12"/>
-          <p:cNvPicPr>
-            <a:picLocks/>
-          </p:cNvPicPr>
-          <p:nvPr/>
-        </p:nvPicPr>
-        <p:blipFill rotWithShape="1">
-          <a:blip r:embed="rId4"/>
-          <a:srcRect t="18037"/>
-          <a:stretch/>
-        </p:blipFill>
-        <p:spPr bwMode="auto">
-          <a:xfrm>
-            <a:off x="3051281" y="2870958"/>
-            <a:ext cx="5560545" cy="3498019"/>
-          </a:xfrm>
-          <a:prstGeom prst="rect">
-            <a:avLst/>
-          </a:prstGeom>
-          <a:ln>
-            <a:solidFill>
-              <a:schemeClr val="accent1"/>
-            </a:solidFill>
-          </a:ln>
-          <a:extLst>
-            <a:ext uri="{53640926-AAD7-44D8-BBD7-CCE9431645EC}">
-              <a14:shadowObscured xmlns:a14="http://schemas.microsoft.com/office/drawing/2010/main"/>
-            </a:ext>
-          </a:extLst>
-        </p:spPr>
-      </p:pic>
-      <p:cxnSp>
-        <p:nvCxnSpPr>
-          <p:cNvPr id="26" name="Straight Arrow Connector 25"/>
-          <p:cNvCxnSpPr>
-            <a:stCxn id="24" idx="2"/>
-            <a:endCxn id="27" idx="0"/>
-          </p:cNvCxnSpPr>
-          <p:nvPr/>
-        </p:nvCxnSpPr>
-        <p:spPr>
-          <a:xfrm>
-            <a:off x="7728414" y="4322968"/>
-            <a:ext cx="23835" cy="1187716"/>
-          </a:xfrm>
-          <a:prstGeom prst="straightConnector1">
-            <a:avLst/>
-          </a:prstGeom>
-          <a:ln>
-            <a:tailEnd type="triangle"/>
-          </a:ln>
-        </p:spPr>
-        <p:style>
-          <a:lnRef idx="2">
-            <a:schemeClr val="accent2"/>
-          </a:lnRef>
-          <a:fillRef idx="0">
-            <a:schemeClr val="accent2"/>
-          </a:fillRef>
-          <a:effectRef idx="1">
-            <a:schemeClr val="accent2"/>
-          </a:effectRef>
-          <a:fontRef idx="minor">
-            <a:schemeClr val="tx1"/>
-          </a:fontRef>
-        </p:style>
-      </p:cxnSp>
-      <p:pic>
-        <p:nvPicPr>
-          <p:cNvPr id="24" name="Picture 23"/>
+          <p:cNvPr id="22" name="Picture 21"/>
           <p:cNvPicPr>
             <a:picLocks noChangeAspect="1"/>
           </p:cNvPicPr>
           <p:nvPr/>
         </p:nvPicPr>
         <p:blipFill>
-          <a:blip r:embed="rId5"/>
+          <a:blip r:embed="rId4"/>
           <a:stretch>
             <a:fillRect/>
           </a:stretch>
         </p:blipFill>
         <p:spPr>
           <a:xfrm>
-            <a:off x="6306536" y="3120871"/>
-            <a:ext cx="2843756" cy="1202097"/>
+            <a:off x="5121794" y="4023360"/>
+            <a:ext cx="3565006" cy="2131162"/>
           </a:xfrm>
           <a:prstGeom prst="rect">
             <a:avLst/>
           </a:prstGeom>
           <a:ln>
             <a:solidFill>
-              <a:schemeClr val="accent1"/>
+              <a:schemeClr val="tx2">
+                <a:lumMod val="60000"/>
+                <a:lumOff val="40000"/>
+              </a:schemeClr>
             </a:solidFill>
           </a:ln>
         </p:spPr>
       </p:pic>
-      <p:pic>
-        <p:nvPicPr>
-          <p:cNvPr id="27" name="Picture 26"/>
-          <p:cNvPicPr>
-            <a:picLocks noChangeAspect="1"/>
-          </p:cNvPicPr>
-          <p:nvPr/>
-        </p:nvPicPr>
-        <p:blipFill>
-          <a:blip r:embed="rId6"/>
-          <a:stretch>
-            <a:fillRect/>
-          </a:stretch>
-        </p:blipFill>
-        <p:spPr>
-          <a:xfrm>
-            <a:off x="6526757" y="5510684"/>
-            <a:ext cx="2450983" cy="1105345"/>
-          </a:xfrm>
-          <a:prstGeom prst="rect">
-            <a:avLst/>
-          </a:prstGeom>
-        </p:spPr>
-      </p:pic>
-      <p:sp>
-        <p:nvSpPr>
-          <p:cNvPr id="5" name="Footer Placeholder 4"/>
-          <p:cNvSpPr>
-            <a:spLocks noGrp="1"/>
-          </p:cNvSpPr>
-          <p:nvPr>
-            <p:ph type="ftr" sz="quarter" idx="11"/>
-          </p:nvPr>
-        </p:nvSpPr>
-        <p:spPr/>
-        <p:txBody>
-          <a:bodyPr/>
-          <a:lstStyle/>
-          <a:p>
-            <a:r>
-              <a:rPr lang="en-IN" dirty="0" smtClean="0"/>
-              <a:t>Computer Engineering Dept. MPSTME, Mumbai Campus </a:t>
-            </a:r>
-            <a:endParaRPr lang="en-US" dirty="0"/>
-          </a:p>
-        </p:txBody>
-      </p:sp>
     </p:spTree>
     <p:extLst>
       <p:ext uri="{BB962C8B-B14F-4D97-AF65-F5344CB8AC3E}">
-        <p14:creationId xmlns:p14="http://schemas.microsoft.com/office/powerpoint/2010/main" val="1852891320"/>
+        <p14:creationId xmlns:p14="http://schemas.microsoft.com/office/powerpoint/2010/main" val="3803462244"/>
       </p:ext>
     </p:extLst>
   </p:cSld>
@@ -7052,7 +7139,7 @@
             <a:fld id="{43EB6444-05C2-4DB9-99E3-3024D2735779}" type="datetime3">
               <a:rPr lang="en-US" smtClean="0"/>
               <a:pPr/>
-              <a:t>29 January 2019</a:t>
+              <a:t>1 February 2019</a:t>
             </a:fld>
             <a:endParaRPr lang="en-US"/>
           </a:p>
@@ -7148,7 +7235,7 @@
         </p:nvSpPr>
         <p:spPr>
           <a:xfrm>
-            <a:off x="838199" y="4191000"/>
+            <a:off x="838199" y="6114616"/>
             <a:ext cx="1371600" cy="177040"/>
           </a:xfrm>
           <a:prstGeom prst="rect">
@@ -7198,8 +7285,8 @@
         </p:nvSpPr>
         <p:spPr>
           <a:xfrm>
-            <a:off x="2895600" y="1465281"/>
-            <a:ext cx="5867400" cy="4249719"/>
+            <a:off x="2971800" y="1465281"/>
+            <a:ext cx="5791200" cy="4249719"/>
           </a:xfrm>
         </p:spPr>
         <p:txBody>
@@ -7209,22 +7296,27 @@
           <a:lstStyle/>
           <a:p>
             <a:r>
-              <a:rPr lang="en-US" sz="2000" b="1" dirty="0" smtClean="0"/>
-              <a:t>classification.py</a:t>
-            </a:r>
+              <a:rPr lang="en-US" sz="2000" b="1" dirty="0" err="1" smtClean="0"/>
+              <a:t>signature_verifier.sql</a:t>
+            </a:r>
+            <a:endParaRPr lang="en-US" sz="2000" b="1" dirty="0" smtClean="0"/>
           </a:p>
           <a:p>
             <a:pPr lvl="1"/>
             <a:r>
               <a:rPr lang="en-US" sz="1800" dirty="0" smtClean="0"/>
-              <a:t>This python file contains KNN classification function which classifies the given test data to a particular class.</a:t>
+              <a:t>This has SQL queries for creating database, creating tables, inserting entries into the tables.</a:t>
             </a:r>
           </a:p>
           <a:p>
             <a:pPr lvl="1"/>
             <a:r>
               <a:rPr lang="en-US" sz="1800" dirty="0" smtClean="0"/>
-              <a:t>There are two functions one that gets the actual class of the function by merely the name of the file and other is the KNN classifier.</a:t>
+              <a:t>Main.py also inserts and reads </a:t>
+            </a:r>
+            <a:r>
+              <a:rPr lang="en-US" sz="1800" dirty="0" smtClean="0"/>
+              <a:t>data into the database one row at a time</a:t>
             </a:r>
             <a:endParaRPr lang="en-US" dirty="0" smtClean="0"/>
           </a:p>
@@ -7260,22 +7352,21 @@
       </p:pic>
       <p:pic>
         <p:nvPicPr>
-          <p:cNvPr id="22" name="Picture 21"/>
+          <p:cNvPr id="8" name="Picture 7"/>
           <p:cNvPicPr>
             <a:picLocks noChangeAspect="1"/>
           </p:cNvPicPr>
           <p:nvPr/>
         </p:nvPicPr>
-        <p:blipFill>
+        <p:blipFill rotWithShape="1">
           <a:blip r:embed="rId4"/>
-          <a:stretch>
-            <a:fillRect/>
-          </a:stretch>
+          <a:srcRect r="13992"/>
+          <a:stretch/>
         </p:blipFill>
         <p:spPr>
           <a:xfrm>
-            <a:off x="5121794" y="4023360"/>
-            <a:ext cx="3565006" cy="2131162"/>
+            <a:off x="2989710" y="3102676"/>
+            <a:ext cx="6041420" cy="3278720"/>
           </a:xfrm>
           <a:prstGeom prst="rect">
             <a:avLst/>
@@ -7293,7 +7384,7 @@
     </p:spTree>
     <p:extLst>
       <p:ext uri="{BB962C8B-B14F-4D97-AF65-F5344CB8AC3E}">
-        <p14:creationId xmlns:p14="http://schemas.microsoft.com/office/powerpoint/2010/main" val="3803462244"/>
+        <p14:creationId xmlns:p14="http://schemas.microsoft.com/office/powerpoint/2010/main" val="4088107172"/>
       </p:ext>
     </p:extLst>
   </p:cSld>
@@ -7447,7 +7538,7 @@
             <a:fld id="{43EB6444-05C2-4DB9-99E3-3024D2735779}" type="datetime3">
               <a:rPr lang="en-US" smtClean="0"/>
               <a:pPr/>
-              <a:t>29 January 2019</a:t>
+              <a:t>1 February 2019</a:t>
             </a:fld>
             <a:endParaRPr lang="en-US"/>
           </a:p>
@@ -7549,19 +7640,17 @@
         </p:nvSpPr>
         <p:spPr>
           <a:xfrm>
-            <a:off x="1432560" y="659432"/>
-            <a:ext cx="7239000" cy="662890"/>
-          </a:xfrm>
-        </p:spPr>
-        <p:txBody>
-          <a:bodyPr>
-            <a:normAutofit/>
-          </a:bodyPr>
+            <a:off x="457200" y="711200"/>
+            <a:ext cx="8229600" cy="914400"/>
+          </a:xfrm>
+        </p:spPr>
+        <p:txBody>
+          <a:bodyPr/>
           <a:lstStyle/>
           <a:p>
             <a:r>
               <a:rPr lang="en-US" dirty="0" smtClean="0"/>
-              <a:t>Implementation</a:t>
+              <a:t>Gantt Chart</a:t>
             </a:r>
             <a:endParaRPr lang="en-US" dirty="0"/>
           </a:p>
@@ -7585,7 +7674,7 @@
             <a:fld id="{43EB6444-05C2-4DB9-99E3-3024D2735779}" type="datetime3">
               <a:rPr lang="en-US" smtClean="0"/>
               <a:pPr/>
-              <a:t>29 January 2019</a:t>
+              <a:t>1 February 2019</a:t>
             </a:fld>
             <a:endParaRPr lang="en-US"/>
           </a:p>
@@ -7634,181 +7723,28 @@
               <a:pPr/>
               <a:t>20</a:t>
             </a:fld>
-            <a:endParaRPr lang="en-US" dirty="0"/>
+            <a:endParaRPr lang="en-US"/>
           </a:p>
         </p:txBody>
       </p:sp>
       <p:pic>
         <p:nvPicPr>
-          <p:cNvPr id="3" name="Picture 2"/>
+          <p:cNvPr id="9" name="Picture 8"/>
           <p:cNvPicPr>
             <a:picLocks noChangeAspect="1"/>
           </p:cNvPicPr>
           <p:nvPr/>
         </p:nvPicPr>
         <p:blipFill>
-          <a:blip r:embed="rId2">
-            <a:extLst>
-              <a:ext uri="{28A0092B-C50C-407E-A947-70E740481C1C}">
-                <a14:useLocalDpi xmlns:a14="http://schemas.microsoft.com/office/drawing/2010/main" val="0"/>
-              </a:ext>
-            </a:extLst>
-          </a:blip>
+          <a:blip r:embed="rId2"/>
           <a:stretch>
             <a:fillRect/>
           </a:stretch>
         </p:blipFill>
         <p:spPr>
           <a:xfrm>
-            <a:off x="239918" y="1412062"/>
-            <a:ext cx="2568163" cy="5296359"/>
-          </a:xfrm>
-          <a:prstGeom prst="rect">
-            <a:avLst/>
-          </a:prstGeom>
-          <a:ln>
-            <a:solidFill>
-              <a:schemeClr val="accent1"/>
-            </a:solidFill>
-          </a:ln>
-        </p:spPr>
-      </p:pic>
-      <p:sp>
-        <p:nvSpPr>
-          <p:cNvPr id="7" name="Rectangle 6"/>
-          <p:cNvSpPr/>
-          <p:nvPr/>
-        </p:nvSpPr>
-        <p:spPr>
-          <a:xfrm>
-            <a:off x="838199" y="6114616"/>
-            <a:ext cx="1371600" cy="177040"/>
-          </a:xfrm>
-          <a:prstGeom prst="rect">
-            <a:avLst/>
-          </a:prstGeom>
-          <a:noFill/>
-          <a:ln w="12700">
-            <a:solidFill>
-              <a:srgbClr val="FF0000"/>
-            </a:solidFill>
-          </a:ln>
-        </p:spPr>
-        <p:style>
-          <a:lnRef idx="2">
-            <a:schemeClr val="accent1">
-              <a:shade val="50000"/>
-            </a:schemeClr>
-          </a:lnRef>
-          <a:fillRef idx="1">
-            <a:schemeClr val="accent1"/>
-          </a:fillRef>
-          <a:effectRef idx="0">
-            <a:schemeClr val="accent1"/>
-          </a:effectRef>
-          <a:fontRef idx="minor">
-            <a:schemeClr val="lt1"/>
-          </a:fontRef>
-        </p:style>
-        <p:txBody>
-          <a:bodyPr rtlCol="0" anchor="ctr"/>
-          <a:lstStyle/>
-          <a:p>
-            <a:pPr algn="ctr"/>
-            <a:endParaRPr lang="en-US"/>
-          </a:p>
-        </p:txBody>
-      </p:sp>
-      <p:sp>
-        <p:nvSpPr>
-          <p:cNvPr id="10" name="Content Placeholder 2"/>
-          <p:cNvSpPr>
-            <a:spLocks noGrp="1"/>
-          </p:cNvSpPr>
-          <p:nvPr>
-            <p:ph idx="1"/>
-          </p:nvPr>
-        </p:nvSpPr>
-        <p:spPr>
-          <a:xfrm>
-            <a:off x="2971800" y="1465281"/>
-            <a:ext cx="5791200" cy="4249719"/>
-          </a:xfrm>
-        </p:spPr>
-        <p:txBody>
-          <a:bodyPr>
-            <a:normAutofit/>
-          </a:bodyPr>
-          <a:lstStyle/>
-          <a:p>
-            <a:r>
-              <a:rPr lang="en-US" sz="2000" b="1" dirty="0" err="1" smtClean="0"/>
-              <a:t>signature_verifier.sql</a:t>
-            </a:r>
-            <a:endParaRPr lang="en-US" sz="2000" b="1" dirty="0" smtClean="0"/>
-          </a:p>
-          <a:p>
-            <a:pPr lvl="1"/>
-            <a:r>
-              <a:rPr lang="en-US" sz="1800" dirty="0" smtClean="0"/>
-              <a:t>This has SQL queries for creating database, creating tables, inserting entries into the tables.</a:t>
-            </a:r>
-          </a:p>
-          <a:p>
-            <a:pPr lvl="1"/>
-            <a:r>
-              <a:rPr lang="en-US" sz="1800" dirty="0" smtClean="0"/>
-              <a:t>Main.py also inserts and reads each feature vector into the database</a:t>
-            </a:r>
-            <a:endParaRPr lang="en-US" dirty="0" smtClean="0"/>
-          </a:p>
-          <a:p>
-            <a:pPr lvl="1"/>
-            <a:endParaRPr lang="en-US" sz="1800" dirty="0" smtClean="0"/>
-          </a:p>
-        </p:txBody>
-      </p:sp>
-      <p:pic>
-        <p:nvPicPr>
-          <p:cNvPr id="13" name="Picture 12"/>
-          <p:cNvPicPr>
-            <a:picLocks noChangeAspect="1"/>
-          </p:cNvPicPr>
-          <p:nvPr/>
-        </p:nvPicPr>
-        <p:blipFill>
-          <a:blip r:embed="rId3"/>
-          <a:stretch>
-            <a:fillRect/>
-          </a:stretch>
-        </p:blipFill>
-        <p:spPr>
-          <a:xfrm>
-            <a:off x="1523999" y="1433013"/>
-            <a:ext cx="1179809" cy="221447"/>
-          </a:xfrm>
-          <a:prstGeom prst="rect">
-            <a:avLst/>
-          </a:prstGeom>
-        </p:spPr>
-      </p:pic>
-      <p:pic>
-        <p:nvPicPr>
-          <p:cNvPr id="8" name="Picture 7"/>
-          <p:cNvPicPr>
-            <a:picLocks noChangeAspect="1"/>
-          </p:cNvPicPr>
-          <p:nvPr/>
-        </p:nvPicPr>
-        <p:blipFill rotWithShape="1">
-          <a:blip r:embed="rId4"/>
-          <a:srcRect r="13992"/>
-          <a:stretch/>
-        </p:blipFill>
-        <p:spPr>
-          <a:xfrm>
-            <a:off x="2989710" y="3102676"/>
-            <a:ext cx="6041420" cy="3278720"/>
+            <a:off x="76200" y="1600200"/>
+            <a:ext cx="9067800" cy="4648200"/>
           </a:xfrm>
           <a:prstGeom prst="rect">
             <a:avLst/>
@@ -7818,7 +7754,7 @@
     </p:spTree>
     <p:extLst>
       <p:ext uri="{BB962C8B-B14F-4D97-AF65-F5344CB8AC3E}">
-        <p14:creationId xmlns:p14="http://schemas.microsoft.com/office/powerpoint/2010/main" val="4088107172"/>
+        <p14:creationId xmlns:p14="http://schemas.microsoft.com/office/powerpoint/2010/main" val="112486226"/>
       </p:ext>
     </p:extLst>
   </p:cSld>
@@ -7864,19 +7800,721 @@
         </p:nvSpPr>
         <p:spPr>
           <a:xfrm>
-            <a:off x="457200" y="711200"/>
-            <a:ext cx="8229600" cy="914400"/>
-          </a:xfrm>
-        </p:spPr>
-        <p:txBody>
-          <a:bodyPr/>
+            <a:off x="428625" y="733602"/>
+            <a:ext cx="8229600" cy="533400"/>
+          </a:xfrm>
+        </p:spPr>
+        <p:txBody>
+          <a:bodyPr>
+            <a:noAutofit/>
+          </a:bodyPr>
           <a:lstStyle/>
           <a:p>
             <a:r>
               <a:rPr lang="en-US" dirty="0" smtClean="0"/>
-              <a:t>Gantt Chart</a:t>
+              <a:t>References</a:t>
             </a:r>
             <a:endParaRPr lang="en-US" dirty="0"/>
+          </a:p>
+        </p:txBody>
+      </p:sp>
+      <p:sp>
+        <p:nvSpPr>
+          <p:cNvPr id="3" name="Content Placeholder 2"/>
+          <p:cNvSpPr>
+            <a:spLocks noGrp="1"/>
+          </p:cNvSpPr>
+          <p:nvPr>
+            <p:ph idx="1"/>
+          </p:nvPr>
+        </p:nvSpPr>
+        <p:spPr>
+          <a:xfrm>
+            <a:off x="300037" y="1371599"/>
+            <a:ext cx="8486775" cy="5374921"/>
+          </a:xfrm>
+        </p:spPr>
+        <p:txBody>
+          <a:bodyPr>
+            <a:noAutofit/>
+          </a:bodyPr>
+          <a:lstStyle/>
+          <a:p>
+            <a:pPr marL="514350" indent="-514350">
+              <a:buNone/>
+            </a:pPr>
+            <a:r>
+              <a:rPr lang="en-US" sz="1400" dirty="0" smtClean="0">
+                <a:latin typeface="Times New Roman" panose="02020603050405020304" pitchFamily="18" charset="0"/>
+                <a:cs typeface="Times New Roman" panose="02020603050405020304" pitchFamily="18" charset="0"/>
+              </a:rPr>
+              <a:t>[</a:t>
+            </a:r>
+            <a:r>
+              <a:rPr lang="en-US" sz="1400" dirty="0">
+                <a:latin typeface="Times New Roman" panose="02020603050405020304" pitchFamily="18" charset="0"/>
+                <a:cs typeface="Times New Roman" panose="02020603050405020304" pitchFamily="18" charset="0"/>
+              </a:rPr>
+              <a:t>1]	S. F. A. Zaidi and S. Mohammed, “Biometric Handwritten Signature Recognition,” 2007.</a:t>
+            </a:r>
+          </a:p>
+          <a:p>
+            <a:pPr marL="514350" indent="-514350">
+              <a:buNone/>
+            </a:pPr>
+            <a:r>
+              <a:rPr lang="en-US" sz="1400" dirty="0">
+                <a:latin typeface="Times New Roman" panose="02020603050405020304" pitchFamily="18" charset="0"/>
+                <a:cs typeface="Times New Roman" panose="02020603050405020304" pitchFamily="18" charset="0"/>
+              </a:rPr>
+              <a:t>[2]	D. </a:t>
+            </a:r>
+            <a:r>
+              <a:rPr lang="en-US" sz="1400" dirty="0" err="1">
+                <a:latin typeface="Times New Roman" panose="02020603050405020304" pitchFamily="18" charset="0"/>
+                <a:cs typeface="Times New Roman" panose="02020603050405020304" pitchFamily="18" charset="0"/>
+              </a:rPr>
+              <a:t>Morocho</a:t>
+            </a:r>
+            <a:r>
+              <a:rPr lang="en-US" sz="1400" dirty="0">
+                <a:latin typeface="Times New Roman" panose="02020603050405020304" pitchFamily="18" charset="0"/>
+                <a:cs typeface="Times New Roman" panose="02020603050405020304" pitchFamily="18" charset="0"/>
+              </a:rPr>
+              <a:t>, A. Morales, J. </a:t>
+            </a:r>
+            <a:r>
+              <a:rPr lang="en-US" sz="1400" dirty="0" err="1">
+                <a:latin typeface="Times New Roman" panose="02020603050405020304" pitchFamily="18" charset="0"/>
+                <a:cs typeface="Times New Roman" panose="02020603050405020304" pitchFamily="18" charset="0"/>
+              </a:rPr>
+              <a:t>Fierrez</a:t>
+            </a:r>
+            <a:r>
+              <a:rPr lang="en-US" sz="1400" dirty="0">
+                <a:latin typeface="Times New Roman" panose="02020603050405020304" pitchFamily="18" charset="0"/>
+                <a:cs typeface="Times New Roman" panose="02020603050405020304" pitchFamily="18" charset="0"/>
+              </a:rPr>
+              <a:t>, and R. Vera-Rodriguez, “Towards human-assisted signature recognition: Improving biometric systems through attribute-based recognition,” </a:t>
+            </a:r>
+            <a:r>
+              <a:rPr lang="en-US" sz="1400" i="1" dirty="0">
+                <a:latin typeface="Times New Roman" panose="02020603050405020304" pitchFamily="18" charset="0"/>
+                <a:cs typeface="Times New Roman" panose="02020603050405020304" pitchFamily="18" charset="0"/>
+              </a:rPr>
+              <a:t>ISBA 2016 - IEEE Int. Conf. Identity, </a:t>
+            </a:r>
+            <a:r>
+              <a:rPr lang="en-US" sz="1400" i="1" dirty="0" err="1">
+                <a:latin typeface="Times New Roman" panose="02020603050405020304" pitchFamily="18" charset="0"/>
+                <a:cs typeface="Times New Roman" panose="02020603050405020304" pitchFamily="18" charset="0"/>
+              </a:rPr>
+              <a:t>Secur</a:t>
+            </a:r>
+            <a:r>
+              <a:rPr lang="en-US" sz="1400" i="1" dirty="0">
+                <a:latin typeface="Times New Roman" panose="02020603050405020304" pitchFamily="18" charset="0"/>
+                <a:cs typeface="Times New Roman" panose="02020603050405020304" pitchFamily="18" charset="0"/>
+              </a:rPr>
+              <a:t>. </a:t>
+            </a:r>
+            <a:r>
+              <a:rPr lang="en-US" sz="1400" i="1" dirty="0" err="1">
+                <a:latin typeface="Times New Roman" panose="02020603050405020304" pitchFamily="18" charset="0"/>
+                <a:cs typeface="Times New Roman" panose="02020603050405020304" pitchFamily="18" charset="0"/>
+              </a:rPr>
+              <a:t>Behav</a:t>
+            </a:r>
+            <a:r>
+              <a:rPr lang="en-US" sz="1400" i="1" dirty="0">
+                <a:latin typeface="Times New Roman" panose="02020603050405020304" pitchFamily="18" charset="0"/>
+                <a:cs typeface="Times New Roman" panose="02020603050405020304" pitchFamily="18" charset="0"/>
+              </a:rPr>
+              <a:t>. Anal.</a:t>
+            </a:r>
+            <a:r>
+              <a:rPr lang="en-US" sz="1400" dirty="0">
+                <a:latin typeface="Times New Roman" panose="02020603050405020304" pitchFamily="18" charset="0"/>
+                <a:cs typeface="Times New Roman" panose="02020603050405020304" pitchFamily="18" charset="0"/>
+              </a:rPr>
+              <a:t>, 2016.</a:t>
+            </a:r>
+          </a:p>
+          <a:p>
+            <a:pPr marL="514350" indent="-514350">
+              <a:buNone/>
+            </a:pPr>
+            <a:r>
+              <a:rPr lang="en-US" sz="1400" dirty="0">
+                <a:latin typeface="Times New Roman" panose="02020603050405020304" pitchFamily="18" charset="0"/>
+                <a:cs typeface="Times New Roman" panose="02020603050405020304" pitchFamily="18" charset="0"/>
+              </a:rPr>
+              <a:t>[3]	S. A. </a:t>
+            </a:r>
+            <a:r>
+              <a:rPr lang="en-US" sz="1400" dirty="0" err="1">
+                <a:latin typeface="Times New Roman" panose="02020603050405020304" pitchFamily="18" charset="0"/>
+                <a:cs typeface="Times New Roman" panose="02020603050405020304" pitchFamily="18" charset="0"/>
+              </a:rPr>
+              <a:t>Angadi</a:t>
+            </a:r>
+            <a:r>
+              <a:rPr lang="en-US" sz="1400" dirty="0">
+                <a:latin typeface="Times New Roman" panose="02020603050405020304" pitchFamily="18" charset="0"/>
+                <a:cs typeface="Times New Roman" panose="02020603050405020304" pitchFamily="18" charset="0"/>
+              </a:rPr>
+              <a:t>, S. </a:t>
+            </a:r>
+            <a:r>
+              <a:rPr lang="en-US" sz="1400" dirty="0" err="1">
+                <a:latin typeface="Times New Roman" panose="02020603050405020304" pitchFamily="18" charset="0"/>
+                <a:cs typeface="Times New Roman" panose="02020603050405020304" pitchFamily="18" charset="0"/>
+              </a:rPr>
+              <a:t>Gour</a:t>
+            </a:r>
+            <a:r>
+              <a:rPr lang="en-US" sz="1400" dirty="0">
+                <a:latin typeface="Times New Roman" panose="02020603050405020304" pitchFamily="18" charset="0"/>
+                <a:cs typeface="Times New Roman" panose="02020603050405020304" pitchFamily="18" charset="0"/>
+              </a:rPr>
+              <a:t>, and G. </a:t>
+            </a:r>
+            <a:r>
+              <a:rPr lang="en-US" sz="1400" dirty="0" err="1">
+                <a:latin typeface="Times New Roman" panose="02020603050405020304" pitchFamily="18" charset="0"/>
+                <a:cs typeface="Times New Roman" panose="02020603050405020304" pitchFamily="18" charset="0"/>
+              </a:rPr>
+              <a:t>Bhajantri</a:t>
+            </a:r>
+            <a:r>
+              <a:rPr lang="en-US" sz="1400" dirty="0">
+                <a:latin typeface="Times New Roman" panose="02020603050405020304" pitchFamily="18" charset="0"/>
+                <a:cs typeface="Times New Roman" panose="02020603050405020304" pitchFamily="18" charset="0"/>
+              </a:rPr>
+              <a:t>, “Offline Signature Recognition System Using Radon Transform,” </a:t>
+            </a:r>
+            <a:r>
+              <a:rPr lang="en-US" sz="1400" i="1" dirty="0">
+                <a:latin typeface="Times New Roman" panose="02020603050405020304" pitchFamily="18" charset="0"/>
+                <a:cs typeface="Times New Roman" panose="02020603050405020304" pitchFamily="18" charset="0"/>
+              </a:rPr>
+              <a:t>2014 Fifth Int. Conf. Signal Image Process.</a:t>
+            </a:r>
+            <a:r>
+              <a:rPr lang="en-US" sz="1400" dirty="0">
+                <a:latin typeface="Times New Roman" panose="02020603050405020304" pitchFamily="18" charset="0"/>
+                <a:cs typeface="Times New Roman" panose="02020603050405020304" pitchFamily="18" charset="0"/>
+              </a:rPr>
+              <a:t>, pp. 56–61, 2014.</a:t>
+            </a:r>
+          </a:p>
+          <a:p>
+            <a:pPr marL="514350" indent="-514350">
+              <a:buNone/>
+            </a:pPr>
+            <a:r>
+              <a:rPr lang="en-US" sz="1400" dirty="0">
+                <a:latin typeface="Times New Roman" panose="02020603050405020304" pitchFamily="18" charset="0"/>
+                <a:cs typeface="Times New Roman" panose="02020603050405020304" pitchFamily="18" charset="0"/>
+              </a:rPr>
+              <a:t>[4]	S. </a:t>
+            </a:r>
+            <a:r>
+              <a:rPr lang="en-US" sz="1400" dirty="0" err="1">
+                <a:latin typeface="Times New Roman" panose="02020603050405020304" pitchFamily="18" charset="0"/>
+                <a:cs typeface="Times New Roman" panose="02020603050405020304" pitchFamily="18" charset="0"/>
+              </a:rPr>
+              <a:t>Hangai</a:t>
+            </a:r>
+            <a:r>
+              <a:rPr lang="en-US" sz="1400" dirty="0">
+                <a:latin typeface="Times New Roman" panose="02020603050405020304" pitchFamily="18" charset="0"/>
+                <a:cs typeface="Times New Roman" panose="02020603050405020304" pitchFamily="18" charset="0"/>
+              </a:rPr>
+              <a:t>, S. Yamanaka, and T. </a:t>
+            </a:r>
+            <a:r>
+              <a:rPr lang="en-US" sz="1400" dirty="0" err="1">
+                <a:latin typeface="Times New Roman" panose="02020603050405020304" pitchFamily="18" charset="0"/>
+                <a:cs typeface="Times New Roman" panose="02020603050405020304" pitchFamily="18" charset="0"/>
+              </a:rPr>
+              <a:t>Hammamoto</a:t>
+            </a:r>
+            <a:r>
+              <a:rPr lang="en-US" sz="1400" dirty="0">
+                <a:latin typeface="Times New Roman" panose="02020603050405020304" pitchFamily="18" charset="0"/>
+                <a:cs typeface="Times New Roman" panose="02020603050405020304" pitchFamily="18" charset="0"/>
+              </a:rPr>
+              <a:t>, “ON-LINE SIGNATURE VERIFICATION BASED ON ALTITUDE AND DIRECTION OF PEN MOVEMENT,” </a:t>
+            </a:r>
+            <a:r>
+              <a:rPr lang="en-US" sz="1400" i="1" dirty="0">
+                <a:latin typeface="Times New Roman" panose="02020603050405020304" pitchFamily="18" charset="0"/>
+                <a:cs typeface="Times New Roman" panose="02020603050405020304" pitchFamily="18" charset="0"/>
+              </a:rPr>
+              <a:t>Proc. 15th Int. Conf. Pattern Recognition. ICPR-2000</a:t>
+            </a:r>
+            <a:r>
+              <a:rPr lang="en-US" sz="1400" dirty="0">
+                <a:latin typeface="Times New Roman" panose="02020603050405020304" pitchFamily="18" charset="0"/>
+                <a:cs typeface="Times New Roman" panose="02020603050405020304" pitchFamily="18" charset="0"/>
+              </a:rPr>
+              <a:t>, vol. 3, no. l, pp. 479–482, 2000.</a:t>
+            </a:r>
+          </a:p>
+          <a:p>
+            <a:pPr marL="514350" indent="-514350">
+              <a:buNone/>
+            </a:pPr>
+            <a:r>
+              <a:rPr lang="en-US" sz="1400" dirty="0">
+                <a:latin typeface="Times New Roman" panose="02020603050405020304" pitchFamily="18" charset="0"/>
+                <a:cs typeface="Times New Roman" panose="02020603050405020304" pitchFamily="18" charset="0"/>
+              </a:rPr>
+              <a:t>[5]	I. V </a:t>
+            </a:r>
+            <a:r>
+              <a:rPr lang="en-US" sz="1400" dirty="0" err="1">
+                <a:latin typeface="Times New Roman" panose="02020603050405020304" pitchFamily="18" charset="0"/>
+                <a:cs typeface="Times New Roman" panose="02020603050405020304" pitchFamily="18" charset="0"/>
+              </a:rPr>
+              <a:t>Anikin</a:t>
+            </a:r>
+            <a:r>
+              <a:rPr lang="en-US" sz="1400" dirty="0">
+                <a:latin typeface="Times New Roman" panose="02020603050405020304" pitchFamily="18" charset="0"/>
+                <a:cs typeface="Times New Roman" panose="02020603050405020304" pitchFamily="18" charset="0"/>
+              </a:rPr>
+              <a:t> and E. S. Anisimova, “Handwritten signature recognition method based on fuzzy logic,” </a:t>
+            </a:r>
+            <a:r>
+              <a:rPr lang="en-US" sz="1400" i="1" dirty="0">
+                <a:latin typeface="Times New Roman" panose="02020603050405020304" pitchFamily="18" charset="0"/>
+                <a:cs typeface="Times New Roman" panose="02020603050405020304" pitchFamily="18" charset="0"/>
+              </a:rPr>
+              <a:t>2016 </a:t>
+            </a:r>
+            <a:r>
+              <a:rPr lang="en-US" sz="1400" i="1" dirty="0" err="1">
+                <a:latin typeface="Times New Roman" panose="02020603050405020304" pitchFamily="18" charset="0"/>
+                <a:cs typeface="Times New Roman" panose="02020603050405020304" pitchFamily="18" charset="0"/>
+              </a:rPr>
+              <a:t>Dyn</a:t>
+            </a:r>
+            <a:r>
+              <a:rPr lang="en-US" sz="1400" i="1" dirty="0">
+                <a:latin typeface="Times New Roman" panose="02020603050405020304" pitchFamily="18" charset="0"/>
+                <a:cs typeface="Times New Roman" panose="02020603050405020304" pitchFamily="18" charset="0"/>
+              </a:rPr>
+              <a:t>. Syst. Mech. Mach.</a:t>
+            </a:r>
+            <a:r>
+              <a:rPr lang="en-US" sz="1400" dirty="0">
+                <a:latin typeface="Times New Roman" panose="02020603050405020304" pitchFamily="18" charset="0"/>
+                <a:cs typeface="Times New Roman" panose="02020603050405020304" pitchFamily="18" charset="0"/>
+              </a:rPr>
+              <a:t>, 2016.</a:t>
+            </a:r>
+          </a:p>
+          <a:p>
+            <a:pPr marL="514350" indent="-514350">
+              <a:buNone/>
+            </a:pPr>
+            <a:r>
+              <a:rPr lang="en-US" sz="1400" dirty="0">
+                <a:latin typeface="Times New Roman" panose="02020603050405020304" pitchFamily="18" charset="0"/>
+                <a:cs typeface="Times New Roman" panose="02020603050405020304" pitchFamily="18" charset="0"/>
+              </a:rPr>
+              <a:t>[6]	E. </a:t>
+            </a:r>
+            <a:r>
+              <a:rPr lang="en-US" sz="1400" dirty="0" err="1">
+                <a:latin typeface="Times New Roman" panose="02020603050405020304" pitchFamily="18" charset="0"/>
+                <a:cs typeface="Times New Roman" panose="02020603050405020304" pitchFamily="18" charset="0"/>
+              </a:rPr>
+              <a:t>Ozgunduz</a:t>
+            </a:r>
+            <a:r>
+              <a:rPr lang="en-US" sz="1400" dirty="0">
+                <a:latin typeface="Times New Roman" panose="02020603050405020304" pitchFamily="18" charset="0"/>
+                <a:cs typeface="Times New Roman" panose="02020603050405020304" pitchFamily="18" charset="0"/>
+              </a:rPr>
+              <a:t>, T. </a:t>
+            </a:r>
+            <a:r>
+              <a:rPr lang="en-US" sz="1400" dirty="0" err="1">
+                <a:latin typeface="Times New Roman" panose="02020603050405020304" pitchFamily="18" charset="0"/>
+                <a:cs typeface="Times New Roman" panose="02020603050405020304" pitchFamily="18" charset="0"/>
+              </a:rPr>
+              <a:t>Senturk</a:t>
+            </a:r>
+            <a:r>
+              <a:rPr lang="en-US" sz="1400" dirty="0">
+                <a:latin typeface="Times New Roman" panose="02020603050405020304" pitchFamily="18" charset="0"/>
+                <a:cs typeface="Times New Roman" panose="02020603050405020304" pitchFamily="18" charset="0"/>
+              </a:rPr>
+              <a:t>, and M. E. </a:t>
+            </a:r>
+            <a:r>
+              <a:rPr lang="en-US" sz="1400" dirty="0" err="1">
+                <a:latin typeface="Times New Roman" panose="02020603050405020304" pitchFamily="18" charset="0"/>
+                <a:cs typeface="Times New Roman" panose="02020603050405020304" pitchFamily="18" charset="0"/>
+              </a:rPr>
+              <a:t>Karsligil</a:t>
+            </a:r>
+            <a:r>
+              <a:rPr lang="en-US" sz="1400" dirty="0">
+                <a:latin typeface="Times New Roman" panose="02020603050405020304" pitchFamily="18" charset="0"/>
+                <a:cs typeface="Times New Roman" panose="02020603050405020304" pitchFamily="18" charset="0"/>
+              </a:rPr>
+              <a:t>, “Off-line signature verification and recognition by support vector machine,” </a:t>
+            </a:r>
+            <a:r>
+              <a:rPr lang="en-US" sz="1400" i="1" dirty="0">
+                <a:latin typeface="Times New Roman" panose="02020603050405020304" pitchFamily="18" charset="0"/>
+                <a:cs typeface="Times New Roman" panose="02020603050405020304" pitchFamily="18" charset="0"/>
+              </a:rPr>
+              <a:t>13th Eur. Signal Process. Conf.</a:t>
+            </a:r>
+            <a:r>
+              <a:rPr lang="en-US" sz="1400" dirty="0">
+                <a:latin typeface="Times New Roman" panose="02020603050405020304" pitchFamily="18" charset="0"/>
+                <a:cs typeface="Times New Roman" panose="02020603050405020304" pitchFamily="18" charset="0"/>
+              </a:rPr>
+              <a:t>, no. 90, pp. 1–4, 2005.</a:t>
+            </a:r>
+          </a:p>
+          <a:p>
+            <a:pPr marL="514350" indent="-514350">
+              <a:buNone/>
+            </a:pPr>
+            <a:r>
+              <a:rPr lang="en-US" sz="1400" dirty="0">
+                <a:latin typeface="Times New Roman" panose="02020603050405020304" pitchFamily="18" charset="0"/>
+                <a:cs typeface="Times New Roman" panose="02020603050405020304" pitchFamily="18" charset="0"/>
+              </a:rPr>
+              <a:t>[7]	S. A. </a:t>
+            </a:r>
+            <a:r>
+              <a:rPr lang="en-US" sz="1400" dirty="0" err="1">
+                <a:latin typeface="Times New Roman" panose="02020603050405020304" pitchFamily="18" charset="0"/>
+                <a:cs typeface="Times New Roman" panose="02020603050405020304" pitchFamily="18" charset="0"/>
+              </a:rPr>
+              <a:t>Angadi</a:t>
+            </a:r>
+            <a:r>
+              <a:rPr lang="en-US" sz="1400" dirty="0">
+                <a:latin typeface="Times New Roman" panose="02020603050405020304" pitchFamily="18" charset="0"/>
+                <a:cs typeface="Times New Roman" panose="02020603050405020304" pitchFamily="18" charset="0"/>
+              </a:rPr>
+              <a:t> and S. </a:t>
+            </a:r>
+            <a:r>
+              <a:rPr lang="en-US" sz="1400" dirty="0" err="1">
+                <a:latin typeface="Times New Roman" panose="02020603050405020304" pitchFamily="18" charset="0"/>
+                <a:cs typeface="Times New Roman" panose="02020603050405020304" pitchFamily="18" charset="0"/>
+              </a:rPr>
+              <a:t>Gour</a:t>
+            </a:r>
+            <a:r>
+              <a:rPr lang="en-US" sz="1400" dirty="0">
+                <a:latin typeface="Times New Roman" panose="02020603050405020304" pitchFamily="18" charset="0"/>
+                <a:cs typeface="Times New Roman" panose="02020603050405020304" pitchFamily="18" charset="0"/>
+              </a:rPr>
+              <a:t>, “Euclidean Distance Based Offline Signature Recognition System Using Global and Local Wavelet Features,” </a:t>
+            </a:r>
+            <a:r>
+              <a:rPr lang="en-US" sz="1400" i="1" dirty="0">
+                <a:latin typeface="Times New Roman" panose="02020603050405020304" pitchFamily="18" charset="0"/>
+                <a:cs typeface="Times New Roman" panose="02020603050405020304" pitchFamily="18" charset="0"/>
+              </a:rPr>
+              <a:t>2014 Fifth Int. Conf. Signal Image Process.</a:t>
+            </a:r>
+            <a:r>
+              <a:rPr lang="en-US" sz="1400" dirty="0">
+                <a:latin typeface="Times New Roman" panose="02020603050405020304" pitchFamily="18" charset="0"/>
+                <a:cs typeface="Times New Roman" panose="02020603050405020304" pitchFamily="18" charset="0"/>
+              </a:rPr>
+              <a:t>, pp. 87–91, 2014.</a:t>
+            </a:r>
+          </a:p>
+          <a:p>
+            <a:pPr marL="514350" indent="-514350">
+              <a:buNone/>
+            </a:pPr>
+            <a:r>
+              <a:rPr lang="en-US" sz="1400" dirty="0">
+                <a:latin typeface="Times New Roman" panose="02020603050405020304" pitchFamily="18" charset="0"/>
+                <a:cs typeface="Times New Roman" panose="02020603050405020304" pitchFamily="18" charset="0"/>
+              </a:rPr>
+              <a:t>[8]	</a:t>
+            </a:r>
+            <a:r>
+              <a:rPr lang="en-US" sz="1400" dirty="0" err="1">
+                <a:latin typeface="Times New Roman" panose="02020603050405020304" pitchFamily="18" charset="0"/>
+                <a:cs typeface="Times New Roman" panose="02020603050405020304" pitchFamily="18" charset="0"/>
+              </a:rPr>
+              <a:t>Ruangroj</a:t>
+            </a:r>
+            <a:r>
+              <a:rPr lang="en-US" sz="1400" dirty="0">
+                <a:latin typeface="Times New Roman" panose="02020603050405020304" pitchFamily="18" charset="0"/>
+                <a:cs typeface="Times New Roman" panose="02020603050405020304" pitchFamily="18" charset="0"/>
+              </a:rPr>
+              <a:t> Sa-</a:t>
+            </a:r>
+            <a:r>
+              <a:rPr lang="en-US" sz="1400" dirty="0" err="1">
+                <a:latin typeface="Times New Roman" panose="02020603050405020304" pitchFamily="18" charset="0"/>
+                <a:cs typeface="Times New Roman" panose="02020603050405020304" pitchFamily="18" charset="0"/>
+              </a:rPr>
+              <a:t>Ardship</a:t>
+            </a:r>
+            <a:r>
+              <a:rPr lang="en-US" sz="1400" dirty="0">
+                <a:latin typeface="Times New Roman" panose="02020603050405020304" pitchFamily="18" charset="0"/>
+                <a:cs typeface="Times New Roman" panose="02020603050405020304" pitchFamily="18" charset="0"/>
+              </a:rPr>
+              <a:t> and K. </a:t>
+            </a:r>
+            <a:r>
+              <a:rPr lang="en-US" sz="1400" dirty="0" err="1">
+                <a:latin typeface="Times New Roman" panose="02020603050405020304" pitchFamily="18" charset="0"/>
+                <a:cs typeface="Times New Roman" panose="02020603050405020304" pitchFamily="18" charset="0"/>
+              </a:rPr>
+              <a:t>Woraratpanya</a:t>
+            </a:r>
+            <a:r>
+              <a:rPr lang="en-US" sz="1400" dirty="0">
+                <a:latin typeface="Times New Roman" panose="02020603050405020304" pitchFamily="18" charset="0"/>
+                <a:cs typeface="Times New Roman" panose="02020603050405020304" pitchFamily="18" charset="0"/>
+              </a:rPr>
+              <a:t>, “Offline Handwritten Signature Recognition Using Adaptive Variance Reduction,” </a:t>
+            </a:r>
+            <a:r>
+              <a:rPr lang="en-US" sz="1400" i="1" dirty="0">
+                <a:latin typeface="Times New Roman" panose="02020603050405020304" pitchFamily="18" charset="0"/>
+                <a:cs typeface="Times New Roman" panose="02020603050405020304" pitchFamily="18" charset="0"/>
+              </a:rPr>
+              <a:t>7th Int. Conf. Inf. Technol. </a:t>
+            </a:r>
+            <a:r>
+              <a:rPr lang="en-US" sz="1400" i="1" dirty="0" err="1">
+                <a:latin typeface="Times New Roman" panose="02020603050405020304" pitchFamily="18" charset="0"/>
+                <a:cs typeface="Times New Roman" panose="02020603050405020304" pitchFamily="18" charset="0"/>
+              </a:rPr>
+              <a:t>Electr</a:t>
+            </a:r>
+            <a:r>
+              <a:rPr lang="en-US" sz="1400" i="1" dirty="0">
+                <a:latin typeface="Times New Roman" panose="02020603050405020304" pitchFamily="18" charset="0"/>
+                <a:cs typeface="Times New Roman" panose="02020603050405020304" pitchFamily="18" charset="0"/>
+              </a:rPr>
+              <a:t>. Eng. (ICITEE), Chiang Mai, </a:t>
+            </a:r>
+            <a:r>
+              <a:rPr lang="en-US" sz="1400" i="1" dirty="0" err="1">
+                <a:latin typeface="Times New Roman" panose="02020603050405020304" pitchFamily="18" charset="0"/>
+                <a:cs typeface="Times New Roman" panose="02020603050405020304" pitchFamily="18" charset="0"/>
+              </a:rPr>
+              <a:t>Thail</a:t>
+            </a:r>
+            <a:r>
+              <a:rPr lang="en-US" sz="1400" i="1" dirty="0">
+                <a:latin typeface="Times New Roman" panose="02020603050405020304" pitchFamily="18" charset="0"/>
+                <a:cs typeface="Times New Roman" panose="02020603050405020304" pitchFamily="18" charset="0"/>
+              </a:rPr>
+              <a:t>. Offline</a:t>
+            </a:r>
+            <a:r>
+              <a:rPr lang="en-US" sz="1400" dirty="0">
+                <a:latin typeface="Times New Roman" panose="02020603050405020304" pitchFamily="18" charset="0"/>
+                <a:cs typeface="Times New Roman" panose="02020603050405020304" pitchFamily="18" charset="0"/>
+              </a:rPr>
+              <a:t>, pp. 258–262, 2015.</a:t>
+            </a:r>
+          </a:p>
+          <a:p>
+            <a:pPr marL="514350" indent="-514350">
+              <a:buNone/>
+            </a:pPr>
+            <a:r>
+              <a:rPr lang="en-US" sz="1400" dirty="0">
+                <a:latin typeface="Times New Roman" panose="02020603050405020304" pitchFamily="18" charset="0"/>
+                <a:cs typeface="Times New Roman" panose="02020603050405020304" pitchFamily="18" charset="0"/>
+              </a:rPr>
+              <a:t>[9]	M. A. </a:t>
+            </a:r>
+            <a:r>
+              <a:rPr lang="en-US" sz="1400" dirty="0" err="1">
+                <a:latin typeface="Times New Roman" panose="02020603050405020304" pitchFamily="18" charset="0"/>
+                <a:cs typeface="Times New Roman" panose="02020603050405020304" pitchFamily="18" charset="0"/>
+              </a:rPr>
+              <a:t>Djoudjai</a:t>
+            </a:r>
+            <a:r>
+              <a:rPr lang="en-US" sz="1400" dirty="0">
+                <a:latin typeface="Times New Roman" panose="02020603050405020304" pitchFamily="18" charset="0"/>
+                <a:cs typeface="Times New Roman" panose="02020603050405020304" pitchFamily="18" charset="0"/>
+              </a:rPr>
+              <a:t>, Y. </a:t>
+            </a:r>
+            <a:r>
+              <a:rPr lang="en-US" sz="1400" dirty="0" err="1">
+                <a:latin typeface="Times New Roman" panose="02020603050405020304" pitchFamily="18" charset="0"/>
+                <a:cs typeface="Times New Roman" panose="02020603050405020304" pitchFamily="18" charset="0"/>
+              </a:rPr>
+              <a:t>Chibani</a:t>
+            </a:r>
+            <a:r>
+              <a:rPr lang="en-US" sz="1400" dirty="0">
+                <a:latin typeface="Times New Roman" panose="02020603050405020304" pitchFamily="18" charset="0"/>
+                <a:cs typeface="Times New Roman" panose="02020603050405020304" pitchFamily="18" charset="0"/>
+              </a:rPr>
+              <a:t>, and N. Abbas, “Offline signature identification using the histogram of symbolic representation,” </a:t>
+            </a:r>
+            <a:r>
+              <a:rPr lang="en-US" sz="1400" i="1" dirty="0">
+                <a:latin typeface="Times New Roman" panose="02020603050405020304" pitchFamily="18" charset="0"/>
+                <a:cs typeface="Times New Roman" panose="02020603050405020304" pitchFamily="18" charset="0"/>
+              </a:rPr>
+              <a:t>5th Int. Conf. </a:t>
+            </a:r>
+            <a:r>
+              <a:rPr lang="en-US" sz="1400" i="1" dirty="0" err="1">
+                <a:latin typeface="Times New Roman" panose="02020603050405020304" pitchFamily="18" charset="0"/>
+                <a:cs typeface="Times New Roman" panose="02020603050405020304" pitchFamily="18" charset="0"/>
+              </a:rPr>
+              <a:t>Electr</a:t>
+            </a:r>
+            <a:r>
+              <a:rPr lang="en-US" sz="1400" i="1" dirty="0">
+                <a:latin typeface="Times New Roman" panose="02020603050405020304" pitchFamily="18" charset="0"/>
+                <a:cs typeface="Times New Roman" panose="02020603050405020304" pitchFamily="18" charset="0"/>
+              </a:rPr>
+              <a:t>. Eng. - </a:t>
+            </a:r>
+            <a:r>
+              <a:rPr lang="en-US" sz="1400" i="1" dirty="0" err="1">
+                <a:latin typeface="Times New Roman" panose="02020603050405020304" pitchFamily="18" charset="0"/>
+                <a:cs typeface="Times New Roman" panose="02020603050405020304" pitchFamily="18" charset="0"/>
+              </a:rPr>
+              <a:t>Boumerdes</a:t>
+            </a:r>
+            <a:r>
+              <a:rPr lang="en-US" sz="1400" dirty="0">
+                <a:latin typeface="Times New Roman" panose="02020603050405020304" pitchFamily="18" charset="0"/>
+                <a:cs typeface="Times New Roman" panose="02020603050405020304" pitchFamily="18" charset="0"/>
+              </a:rPr>
+              <a:t>, pp. 1–5, 2017.</a:t>
+            </a:r>
+          </a:p>
+          <a:p>
+            <a:pPr marL="514350" indent="-514350">
+              <a:buNone/>
+            </a:pPr>
+            <a:r>
+              <a:rPr lang="en-US" sz="1400" dirty="0">
+                <a:latin typeface="Times New Roman" panose="02020603050405020304" pitchFamily="18" charset="0"/>
+                <a:cs typeface="Times New Roman" panose="02020603050405020304" pitchFamily="18" charset="0"/>
+              </a:rPr>
+              <a:t>[10]	A. B. </a:t>
+            </a:r>
+            <a:r>
+              <a:rPr lang="en-US" sz="1400" dirty="0" err="1">
+                <a:latin typeface="Times New Roman" panose="02020603050405020304" pitchFamily="18" charset="0"/>
+                <a:cs typeface="Times New Roman" panose="02020603050405020304" pitchFamily="18" charset="0"/>
+              </a:rPr>
+              <a:t>Jagtap</a:t>
+            </a:r>
+            <a:r>
+              <a:rPr lang="en-US" sz="1400" dirty="0">
+                <a:latin typeface="Times New Roman" panose="02020603050405020304" pitchFamily="18" charset="0"/>
+                <a:cs typeface="Times New Roman" panose="02020603050405020304" pitchFamily="18" charset="0"/>
+              </a:rPr>
+              <a:t> and R. S. </a:t>
+            </a:r>
+            <a:r>
+              <a:rPr lang="en-US" sz="1400" dirty="0" err="1">
+                <a:latin typeface="Times New Roman" panose="02020603050405020304" pitchFamily="18" charset="0"/>
+                <a:cs typeface="Times New Roman" panose="02020603050405020304" pitchFamily="18" charset="0"/>
+              </a:rPr>
+              <a:t>Hegadi</a:t>
+            </a:r>
+            <a:r>
+              <a:rPr lang="en-US" sz="1400" dirty="0">
+                <a:latin typeface="Times New Roman" panose="02020603050405020304" pitchFamily="18" charset="0"/>
+                <a:cs typeface="Times New Roman" panose="02020603050405020304" pitchFamily="18" charset="0"/>
+              </a:rPr>
+              <a:t>, “Offline Handwritten Signature Recognition Based on Upper and Lower Envelope Using Eigen Values,” </a:t>
+            </a:r>
+            <a:r>
+              <a:rPr lang="en-US" sz="1400" i="1" dirty="0">
+                <a:latin typeface="Times New Roman" panose="02020603050405020304" pitchFamily="18" charset="0"/>
+                <a:cs typeface="Times New Roman" panose="02020603050405020304" pitchFamily="18" charset="0"/>
+              </a:rPr>
+              <a:t>Proc. - 2nd World </a:t>
+            </a:r>
+            <a:r>
+              <a:rPr lang="en-US" sz="1400" i="1" dirty="0" err="1">
+                <a:latin typeface="Times New Roman" panose="02020603050405020304" pitchFamily="18" charset="0"/>
+                <a:cs typeface="Times New Roman" panose="02020603050405020304" pitchFamily="18" charset="0"/>
+              </a:rPr>
+              <a:t>Congr</a:t>
+            </a:r>
+            <a:r>
+              <a:rPr lang="en-US" sz="1400" i="1" dirty="0">
+                <a:latin typeface="Times New Roman" panose="02020603050405020304" pitchFamily="18" charset="0"/>
+                <a:cs typeface="Times New Roman" panose="02020603050405020304" pitchFamily="18" charset="0"/>
+              </a:rPr>
+              <a:t>. </a:t>
+            </a:r>
+            <a:r>
+              <a:rPr lang="en-US" sz="1400" i="1" dirty="0" err="1">
+                <a:latin typeface="Times New Roman" panose="02020603050405020304" pitchFamily="18" charset="0"/>
+                <a:cs typeface="Times New Roman" panose="02020603050405020304" pitchFamily="18" charset="0"/>
+              </a:rPr>
+              <a:t>Comput</a:t>
+            </a:r>
+            <a:r>
+              <a:rPr lang="en-US" sz="1400" i="1" dirty="0">
+                <a:latin typeface="Times New Roman" panose="02020603050405020304" pitchFamily="18" charset="0"/>
+                <a:cs typeface="Times New Roman" panose="02020603050405020304" pitchFamily="18" charset="0"/>
+              </a:rPr>
+              <a:t>. </a:t>
+            </a:r>
+            <a:r>
+              <a:rPr lang="en-US" sz="1400" i="1" dirty="0" err="1">
+                <a:latin typeface="Times New Roman" panose="02020603050405020304" pitchFamily="18" charset="0"/>
+                <a:cs typeface="Times New Roman" panose="02020603050405020304" pitchFamily="18" charset="0"/>
+              </a:rPr>
+              <a:t>Commun</a:t>
+            </a:r>
+            <a:r>
+              <a:rPr lang="en-US" sz="1400" i="1" dirty="0">
+                <a:latin typeface="Times New Roman" panose="02020603050405020304" pitchFamily="18" charset="0"/>
+                <a:cs typeface="Times New Roman" panose="02020603050405020304" pitchFamily="18" charset="0"/>
+              </a:rPr>
+              <a:t>. Technol. WCCCT 2017</a:t>
+            </a:r>
+            <a:r>
+              <a:rPr lang="en-US" sz="1400" dirty="0">
+                <a:latin typeface="Times New Roman" panose="02020603050405020304" pitchFamily="18" charset="0"/>
+                <a:cs typeface="Times New Roman" panose="02020603050405020304" pitchFamily="18" charset="0"/>
+              </a:rPr>
+              <a:t>, pp. 223–226, 2017</a:t>
+            </a:r>
+            <a:r>
+              <a:rPr lang="en-US" sz="1400" dirty="0" smtClean="0">
+                <a:latin typeface="Times New Roman" panose="02020603050405020304" pitchFamily="18" charset="0"/>
+                <a:cs typeface="Times New Roman" panose="02020603050405020304" pitchFamily="18" charset="0"/>
+              </a:rPr>
+              <a:t>.</a:t>
+            </a:r>
+            <a:endParaRPr lang="en-US" sz="1400" dirty="0">
+              <a:latin typeface="Times New Roman" panose="02020603050405020304" pitchFamily="18" charset="0"/>
+              <a:cs typeface="Times New Roman" panose="02020603050405020304" pitchFamily="18" charset="0"/>
+            </a:endParaRPr>
           </a:p>
         </p:txBody>
       </p:sp>
@@ -7898,7 +8536,7 @@
             <a:fld id="{43EB6444-05C2-4DB9-99E3-3024D2735779}" type="datetime3">
               <a:rPr lang="en-US" smtClean="0"/>
               <a:pPr/>
-              <a:t>29 January 2019</a:t>
+              <a:t>1 February 2019</a:t>
             </a:fld>
             <a:endParaRPr lang="en-US"/>
           </a:p>
@@ -7920,10 +8558,10 @@
           <a:lstStyle/>
           <a:p>
             <a:r>
-              <a:rPr lang="en-IN" smtClean="0"/>
+              <a:rPr lang="en-IN" dirty="0" smtClean="0"/>
               <a:t>Computer Engineering Dept. MPSTME, Mumbai Campus </a:t>
             </a:r>
-            <a:endParaRPr lang="en-US"/>
+            <a:endParaRPr lang="en-US" dirty="0"/>
           </a:p>
         </p:txBody>
       </p:sp>
@@ -7947,38 +8585,14 @@
               <a:pPr/>
               <a:t>21</a:t>
             </a:fld>
-            <a:endParaRPr lang="en-US"/>
-          </a:p>
-        </p:txBody>
-      </p:sp>
-      <p:pic>
-        <p:nvPicPr>
-          <p:cNvPr id="9" name="Picture 8"/>
-          <p:cNvPicPr>
-            <a:picLocks noChangeAspect="1"/>
-          </p:cNvPicPr>
-          <p:nvPr/>
-        </p:nvPicPr>
-        <p:blipFill>
-          <a:blip r:embed="rId2"/>
-          <a:stretch>
-            <a:fillRect/>
-          </a:stretch>
-        </p:blipFill>
-        <p:spPr>
-          <a:xfrm>
-            <a:off x="76200" y="1600200"/>
-            <a:ext cx="9067800" cy="4648200"/>
-          </a:xfrm>
-          <a:prstGeom prst="rect">
-            <a:avLst/>
-          </a:prstGeom>
-        </p:spPr>
-      </p:pic>
+            <a:endParaRPr lang="en-US" dirty="0"/>
+          </a:p>
+        </p:txBody>
+      </p:sp>
     </p:spTree>
     <p:extLst>
       <p:ext uri="{BB962C8B-B14F-4D97-AF65-F5344CB8AC3E}">
-        <p14:creationId xmlns:p14="http://schemas.microsoft.com/office/powerpoint/2010/main" val="112486226"/>
+        <p14:creationId xmlns:p14="http://schemas.microsoft.com/office/powerpoint/2010/main" val="1975127390"/>
       </p:ext>
     </p:extLst>
   </p:cSld>
@@ -8014,53 +8628,23 @@
       </p:grpSpPr>
       <p:sp>
         <p:nvSpPr>
-          <p:cNvPr id="2" name="Title 1"/>
-          <p:cNvSpPr>
-            <a:spLocks noGrp="1"/>
-          </p:cNvSpPr>
-          <p:nvPr>
-            <p:ph type="title"/>
+          <p:cNvPr id="3" name="Content Placeholder 2"/>
+          <p:cNvSpPr>
+            <a:spLocks noGrp="1"/>
+          </p:cNvSpPr>
+          <p:nvPr>
+            <p:ph idx="1"/>
           </p:nvPr>
         </p:nvSpPr>
         <p:spPr>
           <a:xfrm>
-            <a:off x="428625" y="733602"/>
-            <a:ext cx="8229600" cy="533400"/>
+            <a:off x="304800" y="1371599"/>
+            <a:ext cx="8534400" cy="5367071"/>
           </a:xfrm>
         </p:spPr>
         <p:txBody>
           <a:bodyPr>
-            <a:noAutofit/>
-          </a:bodyPr>
-          <a:lstStyle/>
-          <a:p>
-            <a:r>
-              <a:rPr lang="en-US" dirty="0" smtClean="0"/>
-              <a:t>References</a:t>
-            </a:r>
-            <a:endParaRPr lang="en-US" dirty="0"/>
-          </a:p>
-        </p:txBody>
-      </p:sp>
-      <p:sp>
-        <p:nvSpPr>
-          <p:cNvPr id="3" name="Content Placeholder 2"/>
-          <p:cNvSpPr>
-            <a:spLocks noGrp="1"/>
-          </p:cNvSpPr>
-          <p:nvPr>
-            <p:ph idx="1"/>
-          </p:nvPr>
-        </p:nvSpPr>
-        <p:spPr>
-          <a:xfrm>
-            <a:off x="300037" y="1371599"/>
-            <a:ext cx="8486775" cy="5374921"/>
-          </a:xfrm>
-        </p:spPr>
-        <p:txBody>
-          <a:bodyPr>
-            <a:noAutofit/>
+            <a:normAutofit fontScale="25000" lnSpcReduction="20000"/>
           </a:bodyPr>
           <a:lstStyle/>
           <a:p>
@@ -8068,18 +8652,67 @@
               <a:buNone/>
             </a:pPr>
             <a:r>
-              <a:rPr lang="en-US" sz="1400" dirty="0" smtClean="0">
-                <a:latin typeface="Times New Roman" panose="02020603050405020304" pitchFamily="18" charset="0"/>
-                <a:cs typeface="Times New Roman" panose="02020603050405020304" pitchFamily="18" charset="0"/>
-              </a:rPr>
-              <a:t>[</a:t>
-            </a:r>
-            <a:r>
-              <a:rPr lang="en-US" sz="1400" dirty="0">
-                <a:latin typeface="Times New Roman" panose="02020603050405020304" pitchFamily="18" charset="0"/>
-                <a:cs typeface="Times New Roman" panose="02020603050405020304" pitchFamily="18" charset="0"/>
-              </a:rPr>
-              <a:t>1]	S. F. A. Zaidi and S. Mohammed, “Biometric Handwritten Signature Recognition,” 2007.</a:t>
+              <a:rPr lang="en-US" sz="5600" dirty="0">
+                <a:latin typeface="Times New Roman" panose="02020603050405020304" pitchFamily="18" charset="0"/>
+                <a:cs typeface="Times New Roman" panose="02020603050405020304" pitchFamily="18" charset="0"/>
+              </a:rPr>
+              <a:t>[11]	T. </a:t>
+            </a:r>
+            <a:r>
+              <a:rPr lang="en-US" sz="5600" dirty="0" err="1">
+                <a:latin typeface="Times New Roman" panose="02020603050405020304" pitchFamily="18" charset="0"/>
+                <a:cs typeface="Times New Roman" panose="02020603050405020304" pitchFamily="18" charset="0"/>
+              </a:rPr>
+              <a:t>Marušić</a:t>
+            </a:r>
+            <a:r>
+              <a:rPr lang="en-US" sz="5600" dirty="0">
+                <a:latin typeface="Times New Roman" panose="02020603050405020304" pitchFamily="18" charset="0"/>
+                <a:cs typeface="Times New Roman" panose="02020603050405020304" pitchFamily="18" charset="0"/>
+              </a:rPr>
+              <a:t>, Ž. </a:t>
+            </a:r>
+            <a:r>
+              <a:rPr lang="en-US" sz="5600" dirty="0" err="1">
+                <a:latin typeface="Times New Roman" panose="02020603050405020304" pitchFamily="18" charset="0"/>
+                <a:cs typeface="Times New Roman" panose="02020603050405020304" pitchFamily="18" charset="0"/>
+              </a:rPr>
+              <a:t>Marušić</a:t>
+            </a:r>
+            <a:r>
+              <a:rPr lang="en-US" sz="5600" dirty="0">
+                <a:latin typeface="Times New Roman" panose="02020603050405020304" pitchFamily="18" charset="0"/>
+                <a:cs typeface="Times New Roman" panose="02020603050405020304" pitchFamily="18" charset="0"/>
+              </a:rPr>
+              <a:t>, and Ž. </a:t>
+            </a:r>
+            <a:r>
+              <a:rPr lang="en-US" sz="5600" dirty="0" err="1">
+                <a:latin typeface="Times New Roman" panose="02020603050405020304" pitchFamily="18" charset="0"/>
+                <a:cs typeface="Times New Roman" panose="02020603050405020304" pitchFamily="18" charset="0"/>
+              </a:rPr>
+              <a:t>Šeremet</a:t>
+            </a:r>
+            <a:r>
+              <a:rPr lang="en-US" sz="5600" dirty="0">
+                <a:latin typeface="Times New Roman" panose="02020603050405020304" pitchFamily="18" charset="0"/>
+                <a:cs typeface="Times New Roman" panose="02020603050405020304" pitchFamily="18" charset="0"/>
+              </a:rPr>
+              <a:t>, “Identification of authors of documents based on offline signature recognition,” </a:t>
+            </a:r>
+            <a:r>
+              <a:rPr lang="en-US" sz="5600" i="1" dirty="0">
+                <a:latin typeface="Times New Roman" panose="02020603050405020304" pitchFamily="18" charset="0"/>
+                <a:cs typeface="Times New Roman" panose="02020603050405020304" pitchFamily="18" charset="0"/>
+              </a:rPr>
+              <a:t>MIPRO</a:t>
+            </a:r>
+            <a:r>
+              <a:rPr lang="en-US" sz="5600" dirty="0">
+                <a:latin typeface="Times New Roman" panose="02020603050405020304" pitchFamily="18" charset="0"/>
+                <a:cs typeface="Times New Roman" panose="02020603050405020304" pitchFamily="18" charset="0"/>
+              </a:rPr>
+              <a:t>, no. May, pp. 25–29, 2015.</a:t>
             </a:r>
           </a:p>
           <a:p>
@@ -8087,81 +8720,95 @@
               <a:buNone/>
             </a:pPr>
             <a:r>
-              <a:rPr lang="en-US" sz="1400" dirty="0">
-                <a:latin typeface="Times New Roman" panose="02020603050405020304" pitchFamily="18" charset="0"/>
-                <a:cs typeface="Times New Roman" panose="02020603050405020304" pitchFamily="18" charset="0"/>
-              </a:rPr>
-              <a:t>[2]	D. </a:t>
-            </a:r>
-            <a:r>
-              <a:rPr lang="en-US" sz="1400" dirty="0" err="1">
-                <a:latin typeface="Times New Roman" panose="02020603050405020304" pitchFamily="18" charset="0"/>
-                <a:cs typeface="Times New Roman" panose="02020603050405020304" pitchFamily="18" charset="0"/>
-              </a:rPr>
-              <a:t>Morocho</a:t>
-            </a:r>
-            <a:r>
-              <a:rPr lang="en-US" sz="1400" dirty="0">
-                <a:latin typeface="Times New Roman" panose="02020603050405020304" pitchFamily="18" charset="0"/>
-                <a:cs typeface="Times New Roman" panose="02020603050405020304" pitchFamily="18" charset="0"/>
-              </a:rPr>
-              <a:t>, A. Morales, J. </a:t>
-            </a:r>
-            <a:r>
-              <a:rPr lang="en-US" sz="1400" dirty="0" err="1">
-                <a:latin typeface="Times New Roman" panose="02020603050405020304" pitchFamily="18" charset="0"/>
-                <a:cs typeface="Times New Roman" panose="02020603050405020304" pitchFamily="18" charset="0"/>
-              </a:rPr>
-              <a:t>Fierrez</a:t>
-            </a:r>
-            <a:r>
-              <a:rPr lang="en-US" sz="1400" dirty="0">
-                <a:latin typeface="Times New Roman" panose="02020603050405020304" pitchFamily="18" charset="0"/>
-                <a:cs typeface="Times New Roman" panose="02020603050405020304" pitchFamily="18" charset="0"/>
-              </a:rPr>
-              <a:t>, and R. Vera-Rodriguez, “Towards human-assisted signature recognition: Improving biometric systems through attribute-based recognition,” </a:t>
-            </a:r>
-            <a:r>
-              <a:rPr lang="en-US" sz="1400" i="1" dirty="0">
-                <a:latin typeface="Times New Roman" panose="02020603050405020304" pitchFamily="18" charset="0"/>
-                <a:cs typeface="Times New Roman" panose="02020603050405020304" pitchFamily="18" charset="0"/>
-              </a:rPr>
-              <a:t>ISBA 2016 - IEEE Int. Conf. Identity, </a:t>
-            </a:r>
-            <a:r>
-              <a:rPr lang="en-US" sz="1400" i="1" dirty="0" err="1">
-                <a:latin typeface="Times New Roman" panose="02020603050405020304" pitchFamily="18" charset="0"/>
-                <a:cs typeface="Times New Roman" panose="02020603050405020304" pitchFamily="18" charset="0"/>
-              </a:rPr>
-              <a:t>Secur</a:t>
-            </a:r>
-            <a:r>
-              <a:rPr lang="en-US" sz="1400" i="1" dirty="0">
+              <a:rPr lang="en-US" sz="5600" dirty="0">
+                <a:latin typeface="Times New Roman" panose="02020603050405020304" pitchFamily="18" charset="0"/>
+                <a:cs typeface="Times New Roman" panose="02020603050405020304" pitchFamily="18" charset="0"/>
+              </a:rPr>
+              <a:t>[12]	S. L. </a:t>
+            </a:r>
+            <a:r>
+              <a:rPr lang="en-US" sz="5600" dirty="0" err="1">
+                <a:latin typeface="Times New Roman" panose="02020603050405020304" pitchFamily="18" charset="0"/>
+                <a:cs typeface="Times New Roman" panose="02020603050405020304" pitchFamily="18" charset="0"/>
+              </a:rPr>
+              <a:t>Karanjkar</a:t>
+            </a:r>
+            <a:r>
+              <a:rPr lang="en-US" sz="5600" dirty="0">
+                <a:latin typeface="Times New Roman" panose="02020603050405020304" pitchFamily="18" charset="0"/>
+                <a:cs typeface="Times New Roman" panose="02020603050405020304" pitchFamily="18" charset="0"/>
+              </a:rPr>
+              <a:t> and P. N. </a:t>
+            </a:r>
+            <a:r>
+              <a:rPr lang="en-US" sz="5600" dirty="0" err="1">
+                <a:latin typeface="Times New Roman" panose="02020603050405020304" pitchFamily="18" charset="0"/>
+                <a:cs typeface="Times New Roman" panose="02020603050405020304" pitchFamily="18" charset="0"/>
+              </a:rPr>
+              <a:t>Vasambekar</a:t>
+            </a:r>
+            <a:r>
+              <a:rPr lang="en-US" sz="5600" dirty="0">
+                <a:latin typeface="Times New Roman" panose="02020603050405020304" pitchFamily="18" charset="0"/>
+                <a:cs typeface="Times New Roman" panose="02020603050405020304" pitchFamily="18" charset="0"/>
+              </a:rPr>
+              <a:t>, “Signature Recognition on Bank </a:t>
+            </a:r>
+            <a:r>
+              <a:rPr lang="en-US" sz="5600" dirty="0" err="1">
+                <a:latin typeface="Times New Roman" panose="02020603050405020304" pitchFamily="18" charset="0"/>
+                <a:cs typeface="Times New Roman" panose="02020603050405020304" pitchFamily="18" charset="0"/>
+              </a:rPr>
+              <a:t>cheques</a:t>
+            </a:r>
+            <a:r>
+              <a:rPr lang="en-US" sz="5600" dirty="0">
+                <a:latin typeface="Times New Roman" panose="02020603050405020304" pitchFamily="18" charset="0"/>
+                <a:cs typeface="Times New Roman" panose="02020603050405020304" pitchFamily="18" charset="0"/>
+              </a:rPr>
+              <a:t> using ANN,” </a:t>
+            </a:r>
+            <a:r>
+              <a:rPr lang="en-US" sz="5600" i="1" dirty="0">
+                <a:latin typeface="Times New Roman" panose="02020603050405020304" pitchFamily="18" charset="0"/>
+                <a:cs typeface="Times New Roman" panose="02020603050405020304" pitchFamily="18" charset="0"/>
+              </a:rPr>
+              <a:t>IEEE Int. WIE Conf. </a:t>
+            </a:r>
+            <a:r>
+              <a:rPr lang="en-US" sz="5600" i="1" dirty="0" err="1">
+                <a:latin typeface="Times New Roman" panose="02020603050405020304" pitchFamily="18" charset="0"/>
+                <a:cs typeface="Times New Roman" panose="02020603050405020304" pitchFamily="18" charset="0"/>
+              </a:rPr>
+              <a:t>Electr</a:t>
+            </a:r>
+            <a:r>
+              <a:rPr lang="en-US" sz="5600" i="1" dirty="0">
                 <a:latin typeface="Times New Roman" panose="02020603050405020304" pitchFamily="18" charset="0"/>
                 <a:cs typeface="Times New Roman" panose="02020603050405020304" pitchFamily="18" charset="0"/>
               </a:rPr>
               <a:t>. </a:t>
             </a:r>
             <a:r>
-              <a:rPr lang="en-US" sz="1400" i="1" dirty="0" err="1">
-                <a:latin typeface="Times New Roman" panose="02020603050405020304" pitchFamily="18" charset="0"/>
-                <a:cs typeface="Times New Roman" panose="02020603050405020304" pitchFamily="18" charset="0"/>
-              </a:rPr>
-              <a:t>Behav</a:t>
-            </a:r>
-            <a:r>
-              <a:rPr lang="en-US" sz="1400" i="1" dirty="0">
-                <a:latin typeface="Times New Roman" panose="02020603050405020304" pitchFamily="18" charset="0"/>
-                <a:cs typeface="Times New Roman" panose="02020603050405020304" pitchFamily="18" charset="0"/>
-              </a:rPr>
-              <a:t>. Anal.</a:t>
-            </a:r>
-            <a:r>
-              <a:rPr lang="en-US" sz="1400" dirty="0">
-                <a:latin typeface="Times New Roman" panose="02020603050405020304" pitchFamily="18" charset="0"/>
-                <a:cs typeface="Times New Roman" panose="02020603050405020304" pitchFamily="18" charset="0"/>
-              </a:rPr>
-              <a:t>, 2016.</a:t>
+              <a:rPr lang="en-US" sz="5600" i="1" dirty="0" err="1">
+                <a:latin typeface="Times New Roman" panose="02020603050405020304" pitchFamily="18" charset="0"/>
+                <a:cs typeface="Times New Roman" panose="02020603050405020304" pitchFamily="18" charset="0"/>
+              </a:rPr>
+              <a:t>Comput</a:t>
+            </a:r>
+            <a:r>
+              <a:rPr lang="en-US" sz="5600" i="1" dirty="0">
+                <a:latin typeface="Times New Roman" panose="02020603050405020304" pitchFamily="18" charset="0"/>
+                <a:cs typeface="Times New Roman" panose="02020603050405020304" pitchFamily="18" charset="0"/>
+              </a:rPr>
+              <a:t>. Eng.</a:t>
+            </a:r>
+            <a:r>
+              <a:rPr lang="en-US" sz="5600" dirty="0">
+                <a:latin typeface="Times New Roman" panose="02020603050405020304" pitchFamily="18" charset="0"/>
+                <a:cs typeface="Times New Roman" panose="02020603050405020304" pitchFamily="18" charset="0"/>
+              </a:rPr>
+              <a:t>, no. December, 2016.</a:t>
             </a:r>
           </a:p>
           <a:p>
@@ -8169,67 +8816,67 @@
               <a:buNone/>
             </a:pPr>
             <a:r>
-              <a:rPr lang="en-US" sz="1400" dirty="0">
-                <a:latin typeface="Times New Roman" panose="02020603050405020304" pitchFamily="18" charset="0"/>
-                <a:cs typeface="Times New Roman" panose="02020603050405020304" pitchFamily="18" charset="0"/>
-              </a:rPr>
-              <a:t>[3]	S. A. </a:t>
-            </a:r>
-            <a:r>
-              <a:rPr lang="en-US" sz="1400" dirty="0" err="1">
-                <a:latin typeface="Times New Roman" panose="02020603050405020304" pitchFamily="18" charset="0"/>
-                <a:cs typeface="Times New Roman" panose="02020603050405020304" pitchFamily="18" charset="0"/>
-              </a:rPr>
-              <a:t>Angadi</a:t>
-            </a:r>
-            <a:r>
-              <a:rPr lang="en-US" sz="1400" dirty="0">
-                <a:latin typeface="Times New Roman" panose="02020603050405020304" pitchFamily="18" charset="0"/>
-                <a:cs typeface="Times New Roman" panose="02020603050405020304" pitchFamily="18" charset="0"/>
-              </a:rPr>
-              <a:t>, S. </a:t>
-            </a:r>
-            <a:r>
-              <a:rPr lang="en-US" sz="1400" dirty="0" err="1">
-                <a:latin typeface="Times New Roman" panose="02020603050405020304" pitchFamily="18" charset="0"/>
-                <a:cs typeface="Times New Roman" panose="02020603050405020304" pitchFamily="18" charset="0"/>
-              </a:rPr>
-              <a:t>Gour</a:t>
-            </a:r>
-            <a:r>
-              <a:rPr lang="en-US" sz="1400" dirty="0">
-                <a:latin typeface="Times New Roman" panose="02020603050405020304" pitchFamily="18" charset="0"/>
-                <a:cs typeface="Times New Roman" panose="02020603050405020304" pitchFamily="18" charset="0"/>
-              </a:rPr>
-              <a:t>, and G. </a:t>
-            </a:r>
-            <a:r>
-              <a:rPr lang="en-US" sz="1400" dirty="0" err="1">
-                <a:latin typeface="Times New Roman" panose="02020603050405020304" pitchFamily="18" charset="0"/>
-                <a:cs typeface="Times New Roman" panose="02020603050405020304" pitchFamily="18" charset="0"/>
-              </a:rPr>
-              <a:t>Bhajantri</a:t>
-            </a:r>
-            <a:r>
-              <a:rPr lang="en-US" sz="1400" dirty="0">
-                <a:latin typeface="Times New Roman" panose="02020603050405020304" pitchFamily="18" charset="0"/>
-                <a:cs typeface="Times New Roman" panose="02020603050405020304" pitchFamily="18" charset="0"/>
-              </a:rPr>
-              <a:t>, “Offline Signature Recognition System Using Radon Transform,” </a:t>
-            </a:r>
-            <a:r>
-              <a:rPr lang="en-US" sz="1400" i="1" dirty="0">
-                <a:latin typeface="Times New Roman" panose="02020603050405020304" pitchFamily="18" charset="0"/>
-                <a:cs typeface="Times New Roman" panose="02020603050405020304" pitchFamily="18" charset="0"/>
-              </a:rPr>
-              <a:t>2014 Fifth Int. Conf. Signal Image Process.</a:t>
-            </a:r>
-            <a:r>
-              <a:rPr lang="en-US" sz="1400" dirty="0">
-                <a:latin typeface="Times New Roman" panose="02020603050405020304" pitchFamily="18" charset="0"/>
-                <a:cs typeface="Times New Roman" panose="02020603050405020304" pitchFamily="18" charset="0"/>
-              </a:rPr>
-              <a:t>, pp. 56–61, 2014.</a:t>
+              <a:rPr lang="en-US" sz="5600" dirty="0">
+                <a:latin typeface="Times New Roman" panose="02020603050405020304" pitchFamily="18" charset="0"/>
+                <a:cs typeface="Times New Roman" panose="02020603050405020304" pitchFamily="18" charset="0"/>
+              </a:rPr>
+              <a:t>[13]	G. S. Prakash and S. Sharma, “Computer Vision &amp; Fuzzy Logic based Offline Signature Verification and Forgery Detection,” </a:t>
+            </a:r>
+            <a:r>
+              <a:rPr lang="en-US" sz="5600" i="1" dirty="0">
+                <a:latin typeface="Times New Roman" panose="02020603050405020304" pitchFamily="18" charset="0"/>
+                <a:cs typeface="Times New Roman" panose="02020603050405020304" pitchFamily="18" charset="0"/>
+              </a:rPr>
+              <a:t>IEEE Int. Conf. </a:t>
+            </a:r>
+            <a:r>
+              <a:rPr lang="en-US" sz="5600" i="1" dirty="0" err="1">
+                <a:latin typeface="Times New Roman" panose="02020603050405020304" pitchFamily="18" charset="0"/>
+                <a:cs typeface="Times New Roman" panose="02020603050405020304" pitchFamily="18" charset="0"/>
+              </a:rPr>
+              <a:t>Comput</a:t>
+            </a:r>
+            <a:r>
+              <a:rPr lang="en-US" sz="5600" i="1" dirty="0">
+                <a:latin typeface="Times New Roman" panose="02020603050405020304" pitchFamily="18" charset="0"/>
+                <a:cs typeface="Times New Roman" panose="02020603050405020304" pitchFamily="18" charset="0"/>
+              </a:rPr>
+              <a:t>. </a:t>
+            </a:r>
+            <a:r>
+              <a:rPr lang="en-US" sz="5600" i="1" dirty="0" err="1">
+                <a:latin typeface="Times New Roman" panose="02020603050405020304" pitchFamily="18" charset="0"/>
+                <a:cs typeface="Times New Roman" panose="02020603050405020304" pitchFamily="18" charset="0"/>
+              </a:rPr>
+              <a:t>Intell</a:t>
+            </a:r>
+            <a:r>
+              <a:rPr lang="en-US" sz="5600" i="1" dirty="0">
+                <a:latin typeface="Times New Roman" panose="02020603050405020304" pitchFamily="18" charset="0"/>
+                <a:cs typeface="Times New Roman" panose="02020603050405020304" pitchFamily="18" charset="0"/>
+              </a:rPr>
+              <a:t>. </a:t>
+            </a:r>
+            <a:r>
+              <a:rPr lang="en-US" sz="5600" i="1" dirty="0" err="1">
+                <a:latin typeface="Times New Roman" panose="02020603050405020304" pitchFamily="18" charset="0"/>
+                <a:cs typeface="Times New Roman" panose="02020603050405020304" pitchFamily="18" charset="0"/>
+              </a:rPr>
+              <a:t>Comput</a:t>
+            </a:r>
+            <a:r>
+              <a:rPr lang="en-US" sz="5600" i="1" dirty="0">
+                <a:latin typeface="Times New Roman" panose="02020603050405020304" pitchFamily="18" charset="0"/>
+                <a:cs typeface="Times New Roman" panose="02020603050405020304" pitchFamily="18" charset="0"/>
+              </a:rPr>
+              <a:t>. Res.</a:t>
+            </a:r>
+            <a:r>
+              <a:rPr lang="en-US" sz="5600" dirty="0">
+                <a:latin typeface="Times New Roman" panose="02020603050405020304" pitchFamily="18" charset="0"/>
+                <a:cs typeface="Times New Roman" panose="02020603050405020304" pitchFamily="18" charset="0"/>
+              </a:rPr>
+              <a:t>, 2014.</a:t>
             </a:r>
           </a:p>
           <a:p>
@@ -8237,53 +8884,81 @@
               <a:buNone/>
             </a:pPr>
             <a:r>
-              <a:rPr lang="en-US" sz="1400" dirty="0">
-                <a:latin typeface="Times New Roman" panose="02020603050405020304" pitchFamily="18" charset="0"/>
-                <a:cs typeface="Times New Roman" panose="02020603050405020304" pitchFamily="18" charset="0"/>
-              </a:rPr>
-              <a:t>[4]	S. </a:t>
-            </a:r>
-            <a:r>
-              <a:rPr lang="en-US" sz="1400" dirty="0" err="1">
-                <a:latin typeface="Times New Roman" panose="02020603050405020304" pitchFamily="18" charset="0"/>
-                <a:cs typeface="Times New Roman" panose="02020603050405020304" pitchFamily="18" charset="0"/>
-              </a:rPr>
-              <a:t>Hangai</a:t>
-            </a:r>
-            <a:r>
-              <a:rPr lang="en-US" sz="1400" dirty="0">
-                <a:latin typeface="Times New Roman" panose="02020603050405020304" pitchFamily="18" charset="0"/>
-                <a:cs typeface="Times New Roman" panose="02020603050405020304" pitchFamily="18" charset="0"/>
-              </a:rPr>
-              <a:t>, S. Yamanaka, and T. </a:t>
-            </a:r>
-            <a:r>
-              <a:rPr lang="en-US" sz="1400" dirty="0" err="1">
-                <a:latin typeface="Times New Roman" panose="02020603050405020304" pitchFamily="18" charset="0"/>
-                <a:cs typeface="Times New Roman" panose="02020603050405020304" pitchFamily="18" charset="0"/>
-              </a:rPr>
-              <a:t>Hammamoto</a:t>
-            </a:r>
-            <a:r>
-              <a:rPr lang="en-US" sz="1400" dirty="0">
-                <a:latin typeface="Times New Roman" panose="02020603050405020304" pitchFamily="18" charset="0"/>
-                <a:cs typeface="Times New Roman" panose="02020603050405020304" pitchFamily="18" charset="0"/>
-              </a:rPr>
-              <a:t>, “ON-LINE SIGNATURE VERIFICATION BASED ON ALTITUDE AND DIRECTION OF PEN MOVEMENT,” </a:t>
-            </a:r>
-            <a:r>
-              <a:rPr lang="en-US" sz="1400" i="1" dirty="0">
-                <a:latin typeface="Times New Roman" panose="02020603050405020304" pitchFamily="18" charset="0"/>
-                <a:cs typeface="Times New Roman" panose="02020603050405020304" pitchFamily="18" charset="0"/>
-              </a:rPr>
-              <a:t>Proc. 15th Int. Conf. Pattern Recognition. ICPR-2000</a:t>
-            </a:r>
-            <a:r>
-              <a:rPr lang="en-US" sz="1400" dirty="0">
-                <a:latin typeface="Times New Roman" panose="02020603050405020304" pitchFamily="18" charset="0"/>
-                <a:cs typeface="Times New Roman" panose="02020603050405020304" pitchFamily="18" charset="0"/>
-              </a:rPr>
-              <a:t>, vol. 3, no. l, pp. 479–482, 2000.</a:t>
+              <a:rPr lang="en-US" sz="5600" dirty="0">
+                <a:latin typeface="Times New Roman" panose="02020603050405020304" pitchFamily="18" charset="0"/>
+                <a:cs typeface="Times New Roman" panose="02020603050405020304" pitchFamily="18" charset="0"/>
+              </a:rPr>
+              <a:t>[14]	M. S. </a:t>
+            </a:r>
+            <a:r>
+              <a:rPr lang="en-US" sz="5600" dirty="0" err="1">
+                <a:latin typeface="Times New Roman" panose="02020603050405020304" pitchFamily="18" charset="0"/>
+                <a:cs typeface="Times New Roman" panose="02020603050405020304" pitchFamily="18" charset="0"/>
+              </a:rPr>
+              <a:t>Shirdhonkar</a:t>
+            </a:r>
+            <a:r>
+              <a:rPr lang="en-US" sz="5600" dirty="0">
+                <a:latin typeface="Times New Roman" panose="02020603050405020304" pitchFamily="18" charset="0"/>
+                <a:cs typeface="Times New Roman" panose="02020603050405020304" pitchFamily="18" charset="0"/>
+              </a:rPr>
+              <a:t> and M. B. </a:t>
+            </a:r>
+            <a:r>
+              <a:rPr lang="en-US" sz="5600" dirty="0" err="1">
+                <a:latin typeface="Times New Roman" panose="02020603050405020304" pitchFamily="18" charset="0"/>
+                <a:cs typeface="Times New Roman" panose="02020603050405020304" pitchFamily="18" charset="0"/>
+              </a:rPr>
+              <a:t>Kokare</a:t>
+            </a:r>
+            <a:r>
+              <a:rPr lang="en-US" sz="5600" dirty="0">
+                <a:latin typeface="Times New Roman" panose="02020603050405020304" pitchFamily="18" charset="0"/>
+                <a:cs typeface="Times New Roman" panose="02020603050405020304" pitchFamily="18" charset="0"/>
+              </a:rPr>
+              <a:t>, “Document image retrieval using signature as query,” </a:t>
+            </a:r>
+            <a:r>
+              <a:rPr lang="en-US" sz="5600" i="1" dirty="0">
+                <a:latin typeface="Times New Roman" panose="02020603050405020304" pitchFamily="18" charset="0"/>
+                <a:cs typeface="Times New Roman" panose="02020603050405020304" pitchFamily="18" charset="0"/>
+              </a:rPr>
+              <a:t>2011 2nd Int. Conf. </a:t>
+            </a:r>
+            <a:r>
+              <a:rPr lang="en-US" sz="5600" i="1" dirty="0" err="1">
+                <a:latin typeface="Times New Roman" panose="02020603050405020304" pitchFamily="18" charset="0"/>
+                <a:cs typeface="Times New Roman" panose="02020603050405020304" pitchFamily="18" charset="0"/>
+              </a:rPr>
+              <a:t>Comput</a:t>
+            </a:r>
+            <a:r>
+              <a:rPr lang="en-US" sz="5600" i="1" dirty="0">
+                <a:latin typeface="Times New Roman" panose="02020603050405020304" pitchFamily="18" charset="0"/>
+                <a:cs typeface="Times New Roman" panose="02020603050405020304" pitchFamily="18" charset="0"/>
+              </a:rPr>
+              <a:t>. </a:t>
+            </a:r>
+            <a:r>
+              <a:rPr lang="en-US" sz="5600" i="1" dirty="0" err="1">
+                <a:latin typeface="Times New Roman" panose="02020603050405020304" pitchFamily="18" charset="0"/>
+                <a:cs typeface="Times New Roman" panose="02020603050405020304" pitchFamily="18" charset="0"/>
+              </a:rPr>
+              <a:t>Commun</a:t>
+            </a:r>
+            <a:r>
+              <a:rPr lang="en-US" sz="5600" i="1" dirty="0">
+                <a:latin typeface="Times New Roman" panose="02020603050405020304" pitchFamily="18" charset="0"/>
+                <a:cs typeface="Times New Roman" panose="02020603050405020304" pitchFamily="18" charset="0"/>
+              </a:rPr>
+              <a:t>. Technol. ICCCT-2011</a:t>
+            </a:r>
+            <a:r>
+              <a:rPr lang="en-US" sz="5600" dirty="0">
+                <a:latin typeface="Times New Roman" panose="02020603050405020304" pitchFamily="18" charset="0"/>
+                <a:cs typeface="Times New Roman" panose="02020603050405020304" pitchFamily="18" charset="0"/>
+              </a:rPr>
+              <a:t>, pp. 66–70, 2011.</a:t>
             </a:r>
           </a:p>
           <a:p>
@@ -8291,53 +8966,81 @@
               <a:buNone/>
             </a:pPr>
             <a:r>
-              <a:rPr lang="en-US" sz="1400" dirty="0">
-                <a:latin typeface="Times New Roman" panose="02020603050405020304" pitchFamily="18" charset="0"/>
-                <a:cs typeface="Times New Roman" panose="02020603050405020304" pitchFamily="18" charset="0"/>
-              </a:rPr>
-              <a:t>[5]	I. V </a:t>
-            </a:r>
-            <a:r>
-              <a:rPr lang="en-US" sz="1400" dirty="0" err="1">
-                <a:latin typeface="Times New Roman" panose="02020603050405020304" pitchFamily="18" charset="0"/>
-                <a:cs typeface="Times New Roman" panose="02020603050405020304" pitchFamily="18" charset="0"/>
-              </a:rPr>
-              <a:t>Anikin</a:t>
-            </a:r>
-            <a:r>
-              <a:rPr lang="en-US" sz="1400" dirty="0">
-                <a:latin typeface="Times New Roman" panose="02020603050405020304" pitchFamily="18" charset="0"/>
-                <a:cs typeface="Times New Roman" panose="02020603050405020304" pitchFamily="18" charset="0"/>
-              </a:rPr>
-              <a:t> and E. S. Anisimova, “Handwritten signature recognition method based on fuzzy logic,” </a:t>
-            </a:r>
-            <a:r>
-              <a:rPr lang="en-US" sz="1400" i="1" dirty="0">
-                <a:latin typeface="Times New Roman" panose="02020603050405020304" pitchFamily="18" charset="0"/>
-                <a:cs typeface="Times New Roman" panose="02020603050405020304" pitchFamily="18" charset="0"/>
-              </a:rPr>
-              <a:t>2016 </a:t>
-            </a:r>
-            <a:r>
-              <a:rPr lang="en-US" sz="1400" i="1" dirty="0" err="1">
-                <a:latin typeface="Times New Roman" panose="02020603050405020304" pitchFamily="18" charset="0"/>
-                <a:cs typeface="Times New Roman" panose="02020603050405020304" pitchFamily="18" charset="0"/>
-              </a:rPr>
-              <a:t>Dyn</a:t>
-            </a:r>
-            <a:r>
-              <a:rPr lang="en-US" sz="1400" i="1" dirty="0">
-                <a:latin typeface="Times New Roman" panose="02020603050405020304" pitchFamily="18" charset="0"/>
-                <a:cs typeface="Times New Roman" panose="02020603050405020304" pitchFamily="18" charset="0"/>
-              </a:rPr>
-              <a:t>. Syst. Mech. Mach.</a:t>
-            </a:r>
-            <a:r>
-              <a:rPr lang="en-US" sz="1400" dirty="0">
-                <a:latin typeface="Times New Roman" panose="02020603050405020304" pitchFamily="18" charset="0"/>
-                <a:cs typeface="Times New Roman" panose="02020603050405020304" pitchFamily="18" charset="0"/>
-              </a:rPr>
-              <a:t>, 2016.</a:t>
+              <a:rPr lang="en-US" sz="5600" dirty="0">
+                <a:latin typeface="Times New Roman" panose="02020603050405020304" pitchFamily="18" charset="0"/>
+                <a:cs typeface="Times New Roman" panose="02020603050405020304" pitchFamily="18" charset="0"/>
+              </a:rPr>
+              <a:t>[15]	R. Sa-</a:t>
+            </a:r>
+            <a:r>
+              <a:rPr lang="en-US" sz="5600" dirty="0" err="1">
+                <a:latin typeface="Times New Roman" panose="02020603050405020304" pitchFamily="18" charset="0"/>
+                <a:cs typeface="Times New Roman" panose="02020603050405020304" pitchFamily="18" charset="0"/>
+              </a:rPr>
+              <a:t>Ardship</a:t>
+            </a:r>
+            <a:r>
+              <a:rPr lang="en-US" sz="5600" dirty="0">
+                <a:latin typeface="Times New Roman" panose="02020603050405020304" pitchFamily="18" charset="0"/>
+                <a:cs typeface="Times New Roman" panose="02020603050405020304" pitchFamily="18" charset="0"/>
+              </a:rPr>
+              <a:t> and K. </a:t>
+            </a:r>
+            <a:r>
+              <a:rPr lang="en-US" sz="5600" dirty="0" err="1">
+                <a:latin typeface="Times New Roman" panose="02020603050405020304" pitchFamily="18" charset="0"/>
+                <a:cs typeface="Times New Roman" panose="02020603050405020304" pitchFamily="18" charset="0"/>
+              </a:rPr>
+              <a:t>Woraratpanya</a:t>
+            </a:r>
+            <a:r>
+              <a:rPr lang="en-US" sz="5600" dirty="0">
+                <a:latin typeface="Times New Roman" panose="02020603050405020304" pitchFamily="18" charset="0"/>
+                <a:cs typeface="Times New Roman" panose="02020603050405020304" pitchFamily="18" charset="0"/>
+              </a:rPr>
+              <a:t>, “Offline Handwritten Signature Recognition Using Polar-Scale Normalization,” </a:t>
+            </a:r>
+            <a:r>
+              <a:rPr lang="en-US" sz="5600" i="1" dirty="0">
+                <a:latin typeface="Times New Roman" panose="02020603050405020304" pitchFamily="18" charset="0"/>
+                <a:cs typeface="Times New Roman" panose="02020603050405020304" pitchFamily="18" charset="0"/>
+              </a:rPr>
+              <a:t>8th Int. Conf. Inf. Technol. </a:t>
+            </a:r>
+            <a:r>
+              <a:rPr lang="en-US" sz="5600" i="1" dirty="0" err="1">
+                <a:latin typeface="Times New Roman" panose="02020603050405020304" pitchFamily="18" charset="0"/>
+                <a:cs typeface="Times New Roman" panose="02020603050405020304" pitchFamily="18" charset="0"/>
+              </a:rPr>
+              <a:t>Electr</a:t>
+            </a:r>
+            <a:r>
+              <a:rPr lang="en-US" sz="5600" i="1" dirty="0">
+                <a:latin typeface="Times New Roman" panose="02020603050405020304" pitchFamily="18" charset="0"/>
+                <a:cs typeface="Times New Roman" panose="02020603050405020304" pitchFamily="18" charset="0"/>
+              </a:rPr>
+              <a:t>. Eng. (ICITEE), Yogyakarta, </a:t>
+            </a:r>
+            <a:r>
+              <a:rPr lang="en-US" sz="5600" i="1" dirty="0" err="1">
+                <a:latin typeface="Times New Roman" panose="02020603050405020304" pitchFamily="18" charset="0"/>
+                <a:cs typeface="Times New Roman" panose="02020603050405020304" pitchFamily="18" charset="0"/>
+              </a:rPr>
+              <a:t>Indones</a:t>
+            </a:r>
+            <a:r>
+              <a:rPr lang="en-US" sz="5600" i="1" dirty="0">
+                <a:latin typeface="Times New Roman" panose="02020603050405020304" pitchFamily="18" charset="0"/>
+                <a:cs typeface="Times New Roman" panose="02020603050405020304" pitchFamily="18" charset="0"/>
+              </a:rPr>
+              <a:t>.</a:t>
+            </a:r>
+            <a:r>
+              <a:rPr lang="en-US" sz="5600" dirty="0">
+                <a:latin typeface="Times New Roman" panose="02020603050405020304" pitchFamily="18" charset="0"/>
+                <a:cs typeface="Times New Roman" panose="02020603050405020304" pitchFamily="18" charset="0"/>
+              </a:rPr>
+              <a:t>, pp. 3–7, 2016.</a:t>
             </a:r>
           </a:p>
           <a:p>
@@ -8345,67 +9048,81 @@
               <a:buNone/>
             </a:pPr>
             <a:r>
-              <a:rPr lang="en-US" sz="1400" dirty="0">
-                <a:latin typeface="Times New Roman" panose="02020603050405020304" pitchFamily="18" charset="0"/>
-                <a:cs typeface="Times New Roman" panose="02020603050405020304" pitchFamily="18" charset="0"/>
-              </a:rPr>
-              <a:t>[6]	E. </a:t>
-            </a:r>
-            <a:r>
-              <a:rPr lang="en-US" sz="1400" dirty="0" err="1">
-                <a:latin typeface="Times New Roman" panose="02020603050405020304" pitchFamily="18" charset="0"/>
-                <a:cs typeface="Times New Roman" panose="02020603050405020304" pitchFamily="18" charset="0"/>
-              </a:rPr>
-              <a:t>Ozgunduz</a:t>
-            </a:r>
-            <a:r>
-              <a:rPr lang="en-US" sz="1400" dirty="0">
-                <a:latin typeface="Times New Roman" panose="02020603050405020304" pitchFamily="18" charset="0"/>
-                <a:cs typeface="Times New Roman" panose="02020603050405020304" pitchFamily="18" charset="0"/>
-              </a:rPr>
-              <a:t>, T. </a:t>
-            </a:r>
-            <a:r>
-              <a:rPr lang="en-US" sz="1400" dirty="0" err="1">
-                <a:latin typeface="Times New Roman" panose="02020603050405020304" pitchFamily="18" charset="0"/>
-                <a:cs typeface="Times New Roman" panose="02020603050405020304" pitchFamily="18" charset="0"/>
-              </a:rPr>
-              <a:t>Senturk</a:t>
-            </a:r>
-            <a:r>
-              <a:rPr lang="en-US" sz="1400" dirty="0">
-                <a:latin typeface="Times New Roman" panose="02020603050405020304" pitchFamily="18" charset="0"/>
-                <a:cs typeface="Times New Roman" panose="02020603050405020304" pitchFamily="18" charset="0"/>
-              </a:rPr>
-              <a:t>, and M. E. </a:t>
-            </a:r>
-            <a:r>
-              <a:rPr lang="en-US" sz="1400" dirty="0" err="1">
-                <a:latin typeface="Times New Roman" panose="02020603050405020304" pitchFamily="18" charset="0"/>
-                <a:cs typeface="Times New Roman" panose="02020603050405020304" pitchFamily="18" charset="0"/>
-              </a:rPr>
-              <a:t>Karsligil</a:t>
-            </a:r>
-            <a:r>
-              <a:rPr lang="en-US" sz="1400" dirty="0">
-                <a:latin typeface="Times New Roman" panose="02020603050405020304" pitchFamily="18" charset="0"/>
-                <a:cs typeface="Times New Roman" panose="02020603050405020304" pitchFamily="18" charset="0"/>
-              </a:rPr>
-              <a:t>, “Off-line signature verification and recognition by support vector machine,” </a:t>
-            </a:r>
-            <a:r>
-              <a:rPr lang="en-US" sz="1400" i="1" dirty="0">
-                <a:latin typeface="Times New Roman" panose="02020603050405020304" pitchFamily="18" charset="0"/>
-                <a:cs typeface="Times New Roman" panose="02020603050405020304" pitchFamily="18" charset="0"/>
-              </a:rPr>
-              <a:t>13th Eur. Signal Process. Conf.</a:t>
-            </a:r>
-            <a:r>
-              <a:rPr lang="en-US" sz="1400" dirty="0">
-                <a:latin typeface="Times New Roman" panose="02020603050405020304" pitchFamily="18" charset="0"/>
-                <a:cs typeface="Times New Roman" panose="02020603050405020304" pitchFamily="18" charset="0"/>
-              </a:rPr>
-              <a:t>, no. 90, pp. 1–4, 2005.</a:t>
+              <a:rPr lang="en-US" sz="5600" dirty="0">
+                <a:latin typeface="Times New Roman" panose="02020603050405020304" pitchFamily="18" charset="0"/>
+                <a:cs typeface="Times New Roman" panose="02020603050405020304" pitchFamily="18" charset="0"/>
+              </a:rPr>
+              <a:t>[16]	A. </a:t>
+            </a:r>
+            <a:r>
+              <a:rPr lang="en-US" sz="5600" dirty="0" err="1">
+                <a:latin typeface="Times New Roman" panose="02020603050405020304" pitchFamily="18" charset="0"/>
+                <a:cs typeface="Times New Roman" panose="02020603050405020304" pitchFamily="18" charset="0"/>
+              </a:rPr>
+              <a:t>Piyush</a:t>
+            </a:r>
+            <a:r>
+              <a:rPr lang="en-US" sz="5600" dirty="0">
+                <a:latin typeface="Times New Roman" panose="02020603050405020304" pitchFamily="18" charset="0"/>
+                <a:cs typeface="Times New Roman" panose="02020603050405020304" pitchFamily="18" charset="0"/>
+              </a:rPr>
+              <a:t> </a:t>
+            </a:r>
+            <a:r>
+              <a:rPr lang="en-US" sz="5600" dirty="0" err="1">
+                <a:latin typeface="Times New Roman" panose="02020603050405020304" pitchFamily="18" charset="0"/>
+                <a:cs typeface="Times New Roman" panose="02020603050405020304" pitchFamily="18" charset="0"/>
+              </a:rPr>
+              <a:t>Shanker</a:t>
+            </a:r>
+            <a:r>
+              <a:rPr lang="en-US" sz="5600" dirty="0">
+                <a:latin typeface="Times New Roman" panose="02020603050405020304" pitchFamily="18" charset="0"/>
+                <a:cs typeface="Times New Roman" panose="02020603050405020304" pitchFamily="18" charset="0"/>
+              </a:rPr>
+              <a:t> and A. N. </a:t>
+            </a:r>
+            <a:r>
+              <a:rPr lang="en-US" sz="5600" dirty="0" err="1">
+                <a:latin typeface="Times New Roman" panose="02020603050405020304" pitchFamily="18" charset="0"/>
+                <a:cs typeface="Times New Roman" panose="02020603050405020304" pitchFamily="18" charset="0"/>
+              </a:rPr>
+              <a:t>Rajagopalan</a:t>
+            </a:r>
+            <a:r>
+              <a:rPr lang="en-US" sz="5600" dirty="0">
+                <a:latin typeface="Times New Roman" panose="02020603050405020304" pitchFamily="18" charset="0"/>
+                <a:cs typeface="Times New Roman" panose="02020603050405020304" pitchFamily="18" charset="0"/>
+              </a:rPr>
+              <a:t>, “Off-line signature verification using DTW,” </a:t>
+            </a:r>
+            <a:r>
+              <a:rPr lang="en-US" sz="5600" i="1" dirty="0">
+                <a:latin typeface="Times New Roman" panose="02020603050405020304" pitchFamily="18" charset="0"/>
+                <a:cs typeface="Times New Roman" panose="02020603050405020304" pitchFamily="18" charset="0"/>
+              </a:rPr>
+              <a:t>Pattern </a:t>
+            </a:r>
+            <a:r>
+              <a:rPr lang="en-US" sz="5600" i="1" dirty="0" err="1">
+                <a:latin typeface="Times New Roman" panose="02020603050405020304" pitchFamily="18" charset="0"/>
+                <a:cs typeface="Times New Roman" panose="02020603050405020304" pitchFamily="18" charset="0"/>
+              </a:rPr>
+              <a:t>Recognit</a:t>
+            </a:r>
+            <a:r>
+              <a:rPr lang="en-US" sz="5600" i="1" dirty="0">
+                <a:latin typeface="Times New Roman" panose="02020603050405020304" pitchFamily="18" charset="0"/>
+                <a:cs typeface="Times New Roman" panose="02020603050405020304" pitchFamily="18" charset="0"/>
+              </a:rPr>
+              <a:t>. Lett.</a:t>
+            </a:r>
+            <a:r>
+              <a:rPr lang="en-US" sz="5600" dirty="0">
+                <a:latin typeface="Times New Roman" panose="02020603050405020304" pitchFamily="18" charset="0"/>
+                <a:cs typeface="Times New Roman" panose="02020603050405020304" pitchFamily="18" charset="0"/>
+              </a:rPr>
+              <a:t>, vol. 28, no. 12, pp. 1407–1414, 2007.</a:t>
             </a:r>
           </a:p>
           <a:p>
@@ -8413,53 +9130,95 @@
               <a:buNone/>
             </a:pPr>
             <a:r>
-              <a:rPr lang="en-US" sz="1400" dirty="0">
-                <a:latin typeface="Times New Roman" panose="02020603050405020304" pitchFamily="18" charset="0"/>
-                <a:cs typeface="Times New Roman" panose="02020603050405020304" pitchFamily="18" charset="0"/>
-              </a:rPr>
-              <a:t>[7]	S. A. </a:t>
-            </a:r>
-            <a:r>
-              <a:rPr lang="en-US" sz="1400" dirty="0" err="1">
-                <a:latin typeface="Times New Roman" panose="02020603050405020304" pitchFamily="18" charset="0"/>
-                <a:cs typeface="Times New Roman" panose="02020603050405020304" pitchFamily="18" charset="0"/>
-              </a:rPr>
-              <a:t>Angadi</a:t>
-            </a:r>
-            <a:r>
-              <a:rPr lang="en-US" sz="1400" dirty="0">
-                <a:latin typeface="Times New Roman" panose="02020603050405020304" pitchFamily="18" charset="0"/>
-                <a:cs typeface="Times New Roman" panose="02020603050405020304" pitchFamily="18" charset="0"/>
-              </a:rPr>
-              <a:t> and S. </a:t>
-            </a:r>
-            <a:r>
-              <a:rPr lang="en-US" sz="1400" dirty="0" err="1">
-                <a:latin typeface="Times New Roman" panose="02020603050405020304" pitchFamily="18" charset="0"/>
-                <a:cs typeface="Times New Roman" panose="02020603050405020304" pitchFamily="18" charset="0"/>
-              </a:rPr>
-              <a:t>Gour</a:t>
-            </a:r>
-            <a:r>
-              <a:rPr lang="en-US" sz="1400" dirty="0">
-                <a:latin typeface="Times New Roman" panose="02020603050405020304" pitchFamily="18" charset="0"/>
-                <a:cs typeface="Times New Roman" panose="02020603050405020304" pitchFamily="18" charset="0"/>
-              </a:rPr>
-              <a:t>, “Euclidean Distance Based Offline Signature Recognition System Using Global and Local Wavelet Features,” </a:t>
-            </a:r>
-            <a:r>
-              <a:rPr lang="en-US" sz="1400" i="1" dirty="0">
-                <a:latin typeface="Times New Roman" panose="02020603050405020304" pitchFamily="18" charset="0"/>
-                <a:cs typeface="Times New Roman" panose="02020603050405020304" pitchFamily="18" charset="0"/>
-              </a:rPr>
-              <a:t>2014 Fifth Int. Conf. Signal Image Process.</a:t>
-            </a:r>
-            <a:r>
-              <a:rPr lang="en-US" sz="1400" dirty="0">
-                <a:latin typeface="Times New Roman" panose="02020603050405020304" pitchFamily="18" charset="0"/>
-                <a:cs typeface="Times New Roman" panose="02020603050405020304" pitchFamily="18" charset="0"/>
-              </a:rPr>
-              <a:t>, pp. 87–91, 2014.</a:t>
+              <a:rPr lang="en-US" sz="5600" dirty="0">
+                <a:latin typeface="Times New Roman" panose="02020603050405020304" pitchFamily="18" charset="0"/>
+                <a:cs typeface="Times New Roman" panose="02020603050405020304" pitchFamily="18" charset="0"/>
+              </a:rPr>
+              <a:t>[17]	Nancy and P. G. </a:t>
+            </a:r>
+            <a:r>
+              <a:rPr lang="en-US" sz="5600" dirty="0" err="1">
+                <a:latin typeface="Times New Roman" panose="02020603050405020304" pitchFamily="18" charset="0"/>
+                <a:cs typeface="Times New Roman" panose="02020603050405020304" pitchFamily="18" charset="0"/>
+              </a:rPr>
+              <a:t>Goyal</a:t>
+            </a:r>
+            <a:r>
+              <a:rPr lang="en-US" sz="5600" dirty="0">
+                <a:latin typeface="Times New Roman" panose="02020603050405020304" pitchFamily="18" charset="0"/>
+                <a:cs typeface="Times New Roman" panose="02020603050405020304" pitchFamily="18" charset="0"/>
+              </a:rPr>
+              <a:t>, “Signature Processing in Handwritten Bank </a:t>
+            </a:r>
+            <a:r>
+              <a:rPr lang="en-US" sz="5600" dirty="0" err="1">
+                <a:latin typeface="Times New Roman" panose="02020603050405020304" pitchFamily="18" charset="0"/>
+                <a:cs typeface="Times New Roman" panose="02020603050405020304" pitchFamily="18" charset="0"/>
+              </a:rPr>
+              <a:t>Cheque</a:t>
+            </a:r>
+            <a:r>
+              <a:rPr lang="en-US" sz="5600" dirty="0">
+                <a:latin typeface="Times New Roman" panose="02020603050405020304" pitchFamily="18" charset="0"/>
+                <a:cs typeface="Times New Roman" panose="02020603050405020304" pitchFamily="18" charset="0"/>
+              </a:rPr>
+              <a:t> Images,” </a:t>
+            </a:r>
+            <a:r>
+              <a:rPr lang="en-US" sz="5600" i="1" dirty="0">
+                <a:latin typeface="Times New Roman" panose="02020603050405020304" pitchFamily="18" charset="0"/>
+                <a:cs typeface="Times New Roman" panose="02020603050405020304" pitchFamily="18" charset="0"/>
+              </a:rPr>
+              <a:t>Int. J. Recent </a:t>
+            </a:r>
+            <a:r>
+              <a:rPr lang="en-US" sz="5600" i="1" dirty="0" err="1">
+                <a:latin typeface="Times New Roman" panose="02020603050405020304" pitchFamily="18" charset="0"/>
+                <a:cs typeface="Times New Roman" panose="02020603050405020304" pitchFamily="18" charset="0"/>
+              </a:rPr>
+              <a:t>Innov</a:t>
+            </a:r>
+            <a:r>
+              <a:rPr lang="en-US" sz="5600" i="1" dirty="0">
+                <a:latin typeface="Times New Roman" panose="02020603050405020304" pitchFamily="18" charset="0"/>
+                <a:cs typeface="Times New Roman" panose="02020603050405020304" pitchFamily="18" charset="0"/>
+              </a:rPr>
+              <a:t>. Trends </a:t>
+            </a:r>
+            <a:r>
+              <a:rPr lang="en-US" sz="5600" i="1" dirty="0" err="1">
+                <a:latin typeface="Times New Roman" panose="02020603050405020304" pitchFamily="18" charset="0"/>
+                <a:cs typeface="Times New Roman" panose="02020603050405020304" pitchFamily="18" charset="0"/>
+              </a:rPr>
+              <a:t>Comput</a:t>
+            </a:r>
+            <a:r>
+              <a:rPr lang="en-US" sz="5600" i="1" dirty="0">
+                <a:latin typeface="Times New Roman" panose="02020603050405020304" pitchFamily="18" charset="0"/>
+                <a:cs typeface="Times New Roman" panose="02020603050405020304" pitchFamily="18" charset="0"/>
+              </a:rPr>
+              <a:t>. </a:t>
+            </a:r>
+            <a:r>
+              <a:rPr lang="en-US" sz="5600" i="1" dirty="0" err="1">
+                <a:latin typeface="Times New Roman" panose="02020603050405020304" pitchFamily="18" charset="0"/>
+                <a:cs typeface="Times New Roman" panose="02020603050405020304" pitchFamily="18" charset="0"/>
+              </a:rPr>
+              <a:t>Commun</a:t>
+            </a:r>
+            <a:r>
+              <a:rPr lang="en-US" sz="5600" i="1" dirty="0">
+                <a:latin typeface="Times New Roman" panose="02020603050405020304" pitchFamily="18" charset="0"/>
+                <a:cs typeface="Times New Roman" panose="02020603050405020304" pitchFamily="18" charset="0"/>
+              </a:rPr>
+              <a:t>.</a:t>
+            </a:r>
+            <a:r>
+              <a:rPr lang="en-US" sz="5600" dirty="0">
+                <a:latin typeface="Times New Roman" panose="02020603050405020304" pitchFamily="18" charset="0"/>
+                <a:cs typeface="Times New Roman" panose="02020603050405020304" pitchFamily="18" charset="0"/>
+              </a:rPr>
+              <a:t>, vol. 2, no. 5, pp. 1239–1243, 2014.</a:t>
             </a:r>
           </a:p>
           <a:p>
@@ -8467,95 +9226,53 @@
               <a:buNone/>
             </a:pPr>
             <a:r>
-              <a:rPr lang="en-US" sz="1400" dirty="0">
-                <a:latin typeface="Times New Roman" panose="02020603050405020304" pitchFamily="18" charset="0"/>
-                <a:cs typeface="Times New Roman" panose="02020603050405020304" pitchFamily="18" charset="0"/>
-              </a:rPr>
-              <a:t>[8]	</a:t>
-            </a:r>
-            <a:r>
-              <a:rPr lang="en-US" sz="1400" dirty="0" err="1">
-                <a:latin typeface="Times New Roman" panose="02020603050405020304" pitchFamily="18" charset="0"/>
-                <a:cs typeface="Times New Roman" panose="02020603050405020304" pitchFamily="18" charset="0"/>
-              </a:rPr>
-              <a:t>Ruangroj</a:t>
-            </a:r>
-            <a:r>
-              <a:rPr lang="en-US" sz="1400" dirty="0">
-                <a:latin typeface="Times New Roman" panose="02020603050405020304" pitchFamily="18" charset="0"/>
-                <a:cs typeface="Times New Roman" panose="02020603050405020304" pitchFamily="18" charset="0"/>
-              </a:rPr>
-              <a:t> Sa-</a:t>
-            </a:r>
-            <a:r>
-              <a:rPr lang="en-US" sz="1400" dirty="0" err="1">
-                <a:latin typeface="Times New Roman" panose="02020603050405020304" pitchFamily="18" charset="0"/>
-                <a:cs typeface="Times New Roman" panose="02020603050405020304" pitchFamily="18" charset="0"/>
-              </a:rPr>
-              <a:t>Ardship</a:t>
-            </a:r>
-            <a:r>
-              <a:rPr lang="en-US" sz="1400" dirty="0">
-                <a:latin typeface="Times New Roman" panose="02020603050405020304" pitchFamily="18" charset="0"/>
-                <a:cs typeface="Times New Roman" panose="02020603050405020304" pitchFamily="18" charset="0"/>
-              </a:rPr>
-              <a:t> and K. </a:t>
-            </a:r>
-            <a:r>
-              <a:rPr lang="en-US" sz="1400" dirty="0" err="1">
-                <a:latin typeface="Times New Roman" panose="02020603050405020304" pitchFamily="18" charset="0"/>
-                <a:cs typeface="Times New Roman" panose="02020603050405020304" pitchFamily="18" charset="0"/>
-              </a:rPr>
-              <a:t>Woraratpanya</a:t>
-            </a:r>
-            <a:r>
-              <a:rPr lang="en-US" sz="1400" dirty="0">
-                <a:latin typeface="Times New Roman" panose="02020603050405020304" pitchFamily="18" charset="0"/>
-                <a:cs typeface="Times New Roman" panose="02020603050405020304" pitchFamily="18" charset="0"/>
-              </a:rPr>
-              <a:t>, “Offline Handwritten Signature Recognition Using Adaptive Variance Reduction,” </a:t>
-            </a:r>
-            <a:r>
-              <a:rPr lang="en-US" sz="1400" i="1" dirty="0">
-                <a:latin typeface="Times New Roman" panose="02020603050405020304" pitchFamily="18" charset="0"/>
-                <a:cs typeface="Times New Roman" panose="02020603050405020304" pitchFamily="18" charset="0"/>
-              </a:rPr>
-              <a:t>7th Int. Conf. Inf. Technol. </a:t>
-            </a:r>
-            <a:r>
-              <a:rPr lang="en-US" sz="1400" i="1" dirty="0" err="1">
-                <a:latin typeface="Times New Roman" panose="02020603050405020304" pitchFamily="18" charset="0"/>
-                <a:cs typeface="Times New Roman" panose="02020603050405020304" pitchFamily="18" charset="0"/>
-              </a:rPr>
-              <a:t>Electr</a:t>
-            </a:r>
-            <a:r>
-              <a:rPr lang="en-US" sz="1400" i="1" dirty="0">
-                <a:latin typeface="Times New Roman" panose="02020603050405020304" pitchFamily="18" charset="0"/>
-                <a:cs typeface="Times New Roman" panose="02020603050405020304" pitchFamily="18" charset="0"/>
-              </a:rPr>
-              <a:t>. Eng. (ICITEE), Chiang Mai, </a:t>
-            </a:r>
-            <a:r>
-              <a:rPr lang="en-US" sz="1400" i="1" dirty="0" err="1">
-                <a:latin typeface="Times New Roman" panose="02020603050405020304" pitchFamily="18" charset="0"/>
-                <a:cs typeface="Times New Roman" panose="02020603050405020304" pitchFamily="18" charset="0"/>
-              </a:rPr>
-              <a:t>Thail</a:t>
-            </a:r>
-            <a:r>
-              <a:rPr lang="en-US" sz="1400" i="1" dirty="0">
-                <a:latin typeface="Times New Roman" panose="02020603050405020304" pitchFamily="18" charset="0"/>
-                <a:cs typeface="Times New Roman" panose="02020603050405020304" pitchFamily="18" charset="0"/>
-              </a:rPr>
-              <a:t>. Offline</a:t>
-            </a:r>
-            <a:r>
-              <a:rPr lang="en-US" sz="1400" dirty="0">
-                <a:latin typeface="Times New Roman" panose="02020603050405020304" pitchFamily="18" charset="0"/>
-                <a:cs typeface="Times New Roman" panose="02020603050405020304" pitchFamily="18" charset="0"/>
-              </a:rPr>
-              <a:t>, pp. 258–262, 2015.</a:t>
+              <a:rPr lang="en-US" sz="5600" dirty="0">
+                <a:latin typeface="Times New Roman" panose="02020603050405020304" pitchFamily="18" charset="0"/>
+                <a:cs typeface="Times New Roman" panose="02020603050405020304" pitchFamily="18" charset="0"/>
+              </a:rPr>
+              <a:t>[18]	A. T. Nasser and N. </a:t>
+            </a:r>
+            <a:r>
+              <a:rPr lang="en-US" sz="5600" dirty="0" err="1">
+                <a:latin typeface="Times New Roman" panose="02020603050405020304" pitchFamily="18" charset="0"/>
+                <a:cs typeface="Times New Roman" panose="02020603050405020304" pitchFamily="18" charset="0"/>
+              </a:rPr>
+              <a:t>Dogru</a:t>
+            </a:r>
+            <a:r>
+              <a:rPr lang="en-US" sz="5600" dirty="0">
+                <a:latin typeface="Times New Roman" panose="02020603050405020304" pitchFamily="18" charset="0"/>
+                <a:cs typeface="Times New Roman" panose="02020603050405020304" pitchFamily="18" charset="0"/>
+              </a:rPr>
+              <a:t>, “Signature recognition by using SIFT and SURF with SVM basic on RBF for voting online,” </a:t>
+            </a:r>
+            <a:r>
+              <a:rPr lang="en-US" sz="5600" i="1" dirty="0">
+                <a:latin typeface="Times New Roman" panose="02020603050405020304" pitchFamily="18" charset="0"/>
+                <a:cs typeface="Times New Roman" panose="02020603050405020304" pitchFamily="18" charset="0"/>
+              </a:rPr>
+              <a:t>Proc. 2017 Int. Conf. Eng. Technol. ICET 2017</a:t>
+            </a:r>
+            <a:r>
+              <a:rPr lang="en-US" sz="5600" dirty="0">
+                <a:latin typeface="Times New Roman" panose="02020603050405020304" pitchFamily="18" charset="0"/>
+                <a:cs typeface="Times New Roman" panose="02020603050405020304" pitchFamily="18" charset="0"/>
+              </a:rPr>
+              <a:t>, vol. 2018–</a:t>
+            </a:r>
+            <a:r>
+              <a:rPr lang="en-US" sz="5600" dirty="0" err="1">
+                <a:latin typeface="Times New Roman" panose="02020603050405020304" pitchFamily="18" charset="0"/>
+                <a:cs typeface="Times New Roman" panose="02020603050405020304" pitchFamily="18" charset="0"/>
+              </a:rPr>
+              <a:t>Janua</a:t>
+            </a:r>
+            <a:r>
+              <a:rPr lang="en-US" sz="5600" dirty="0">
+                <a:latin typeface="Times New Roman" panose="02020603050405020304" pitchFamily="18" charset="0"/>
+                <a:cs typeface="Times New Roman" panose="02020603050405020304" pitchFamily="18" charset="0"/>
+              </a:rPr>
+              <a:t>, pp. 1–5, 2017.</a:t>
             </a:r>
           </a:p>
           <a:p>
@@ -8563,74 +9280,53 @@
               <a:buNone/>
             </a:pPr>
             <a:r>
-              <a:rPr lang="en-US" sz="1400" dirty="0">
-                <a:latin typeface="Times New Roman" panose="02020603050405020304" pitchFamily="18" charset="0"/>
-                <a:cs typeface="Times New Roman" panose="02020603050405020304" pitchFamily="18" charset="0"/>
-              </a:rPr>
-              <a:t>[9]	M. A. </a:t>
-            </a:r>
-            <a:r>
-              <a:rPr lang="en-US" sz="1400" dirty="0" err="1">
-                <a:latin typeface="Times New Roman" panose="02020603050405020304" pitchFamily="18" charset="0"/>
-                <a:cs typeface="Times New Roman" panose="02020603050405020304" pitchFamily="18" charset="0"/>
-              </a:rPr>
-              <a:t>Djoudjai</a:t>
-            </a:r>
-            <a:r>
-              <a:rPr lang="en-US" sz="1400" dirty="0">
-                <a:latin typeface="Times New Roman" panose="02020603050405020304" pitchFamily="18" charset="0"/>
-                <a:cs typeface="Times New Roman" panose="02020603050405020304" pitchFamily="18" charset="0"/>
-              </a:rPr>
-              <a:t>, Y. </a:t>
-            </a:r>
-            <a:r>
-              <a:rPr lang="en-US" sz="1400" dirty="0" err="1">
-                <a:latin typeface="Times New Roman" panose="02020603050405020304" pitchFamily="18" charset="0"/>
-                <a:cs typeface="Times New Roman" panose="02020603050405020304" pitchFamily="18" charset="0"/>
-              </a:rPr>
-              <a:t>Chibani</a:t>
-            </a:r>
-            <a:r>
-              <a:rPr lang="en-US" sz="1400" dirty="0">
-                <a:latin typeface="Times New Roman" panose="02020603050405020304" pitchFamily="18" charset="0"/>
-                <a:cs typeface="Times New Roman" panose="02020603050405020304" pitchFamily="18" charset="0"/>
-              </a:rPr>
-              <a:t>, and N. Abbas, “Offline signature identification using the histogram of symbolic representation,” </a:t>
-            </a:r>
-            <a:r>
-              <a:rPr lang="en-US" sz="1400" i="1" dirty="0">
-                <a:latin typeface="Times New Roman" panose="02020603050405020304" pitchFamily="18" charset="0"/>
-                <a:cs typeface="Times New Roman" panose="02020603050405020304" pitchFamily="18" charset="0"/>
-              </a:rPr>
-              <a:t>5th Int. Conf. </a:t>
-            </a:r>
-            <a:r>
-              <a:rPr lang="en-US" sz="1400" i="1" dirty="0" err="1">
-                <a:latin typeface="Times New Roman" panose="02020603050405020304" pitchFamily="18" charset="0"/>
-                <a:cs typeface="Times New Roman" panose="02020603050405020304" pitchFamily="18" charset="0"/>
-              </a:rPr>
-              <a:t>Electr</a:t>
-            </a:r>
-            <a:r>
-              <a:rPr lang="en-US" sz="1400" i="1" dirty="0">
-                <a:latin typeface="Times New Roman" panose="02020603050405020304" pitchFamily="18" charset="0"/>
-                <a:cs typeface="Times New Roman" panose="02020603050405020304" pitchFamily="18" charset="0"/>
-              </a:rPr>
-              <a:t>. Eng. - </a:t>
-            </a:r>
-            <a:r>
-              <a:rPr lang="en-US" sz="1400" i="1" dirty="0" err="1">
-                <a:latin typeface="Times New Roman" panose="02020603050405020304" pitchFamily="18" charset="0"/>
-                <a:cs typeface="Times New Roman" panose="02020603050405020304" pitchFamily="18" charset="0"/>
-              </a:rPr>
-              <a:t>Boumerdes</a:t>
-            </a:r>
-            <a:r>
-              <a:rPr lang="en-US" sz="1400" dirty="0">
-                <a:latin typeface="Times New Roman" panose="02020603050405020304" pitchFamily="18" charset="0"/>
-                <a:cs typeface="Times New Roman" panose="02020603050405020304" pitchFamily="18" charset="0"/>
-              </a:rPr>
-              <a:t>, pp. 1–5, 2017.</a:t>
+              <a:rPr lang="en-US" sz="5600" dirty="0">
+                <a:latin typeface="Times New Roman" panose="02020603050405020304" pitchFamily="18" charset="0"/>
+                <a:cs typeface="Times New Roman" panose="02020603050405020304" pitchFamily="18" charset="0"/>
+              </a:rPr>
+              <a:t>[19]	A. Kumar and K. Bhatia, “A Robust Offline Handwritten Signature Verification System Using Writer Independent Approach,” </a:t>
+            </a:r>
+            <a:r>
+              <a:rPr lang="en-US" sz="5600" i="1" dirty="0">
+                <a:latin typeface="Times New Roman" panose="02020603050405020304" pitchFamily="18" charset="0"/>
+                <a:cs typeface="Times New Roman" panose="02020603050405020304" pitchFamily="18" charset="0"/>
+              </a:rPr>
+              <a:t>3rd Int. Conf. Adv. </a:t>
+            </a:r>
+            <a:r>
+              <a:rPr lang="en-US" sz="5600" i="1" dirty="0" err="1">
+                <a:latin typeface="Times New Roman" panose="02020603050405020304" pitchFamily="18" charset="0"/>
+                <a:cs typeface="Times New Roman" panose="02020603050405020304" pitchFamily="18" charset="0"/>
+              </a:rPr>
+              <a:t>Comput</a:t>
+            </a:r>
+            <a:r>
+              <a:rPr lang="en-US" sz="5600" i="1" dirty="0">
+                <a:latin typeface="Times New Roman" panose="02020603050405020304" pitchFamily="18" charset="0"/>
+                <a:cs typeface="Times New Roman" panose="02020603050405020304" pitchFamily="18" charset="0"/>
+              </a:rPr>
+              <a:t>. </a:t>
+            </a:r>
+            <a:r>
+              <a:rPr lang="en-US" sz="5600" i="1" dirty="0" err="1">
+                <a:latin typeface="Times New Roman" panose="02020603050405020304" pitchFamily="18" charset="0"/>
+                <a:cs typeface="Times New Roman" panose="02020603050405020304" pitchFamily="18" charset="0"/>
+              </a:rPr>
+              <a:t>Autom</a:t>
+            </a:r>
+            <a:r>
+              <a:rPr lang="en-US" sz="5600" i="1" dirty="0">
+                <a:latin typeface="Times New Roman" panose="02020603050405020304" pitchFamily="18" charset="0"/>
+                <a:cs typeface="Times New Roman" panose="02020603050405020304" pitchFamily="18" charset="0"/>
+              </a:rPr>
+              <a:t>.</a:t>
+            </a:r>
+            <a:r>
+              <a:rPr lang="en-US" sz="5600" dirty="0">
+                <a:latin typeface="Times New Roman" panose="02020603050405020304" pitchFamily="18" charset="0"/>
+                <a:cs typeface="Times New Roman" panose="02020603050405020304" pitchFamily="18" charset="0"/>
+              </a:rPr>
+              <a:t>, 2017.</a:t>
             </a:r>
           </a:p>
           <a:p>
@@ -8638,104 +9334,245 @@
               <a:buNone/>
             </a:pPr>
             <a:r>
-              <a:rPr lang="en-US" sz="1400" dirty="0">
-                <a:latin typeface="Times New Roman" panose="02020603050405020304" pitchFamily="18" charset="0"/>
-                <a:cs typeface="Times New Roman" panose="02020603050405020304" pitchFamily="18" charset="0"/>
-              </a:rPr>
-              <a:t>[10]	A. B. </a:t>
-            </a:r>
-            <a:r>
-              <a:rPr lang="en-US" sz="1400" dirty="0" err="1">
-                <a:latin typeface="Times New Roman" panose="02020603050405020304" pitchFamily="18" charset="0"/>
-                <a:cs typeface="Times New Roman" panose="02020603050405020304" pitchFamily="18" charset="0"/>
-              </a:rPr>
-              <a:t>Jagtap</a:t>
-            </a:r>
-            <a:r>
-              <a:rPr lang="en-US" sz="1400" dirty="0">
-                <a:latin typeface="Times New Roman" panose="02020603050405020304" pitchFamily="18" charset="0"/>
-                <a:cs typeface="Times New Roman" panose="02020603050405020304" pitchFamily="18" charset="0"/>
-              </a:rPr>
-              <a:t> and R. S. </a:t>
-            </a:r>
-            <a:r>
-              <a:rPr lang="en-US" sz="1400" dirty="0" err="1">
-                <a:latin typeface="Times New Roman" panose="02020603050405020304" pitchFamily="18" charset="0"/>
-                <a:cs typeface="Times New Roman" panose="02020603050405020304" pitchFamily="18" charset="0"/>
-              </a:rPr>
-              <a:t>Hegadi</a:t>
-            </a:r>
-            <a:r>
-              <a:rPr lang="en-US" sz="1400" dirty="0">
-                <a:latin typeface="Times New Roman" panose="02020603050405020304" pitchFamily="18" charset="0"/>
-                <a:cs typeface="Times New Roman" panose="02020603050405020304" pitchFamily="18" charset="0"/>
-              </a:rPr>
-              <a:t>, “Offline Handwritten Signature Recognition Based on Upper and Lower Envelope Using Eigen Values,” </a:t>
-            </a:r>
-            <a:r>
-              <a:rPr lang="en-US" sz="1400" i="1" dirty="0">
-                <a:latin typeface="Times New Roman" panose="02020603050405020304" pitchFamily="18" charset="0"/>
-                <a:cs typeface="Times New Roman" panose="02020603050405020304" pitchFamily="18" charset="0"/>
-              </a:rPr>
-              <a:t>Proc. - 2nd World </a:t>
-            </a:r>
-            <a:r>
-              <a:rPr lang="en-US" sz="1400" i="1" dirty="0" err="1">
-                <a:latin typeface="Times New Roman" panose="02020603050405020304" pitchFamily="18" charset="0"/>
-                <a:cs typeface="Times New Roman" panose="02020603050405020304" pitchFamily="18" charset="0"/>
-              </a:rPr>
-              <a:t>Congr</a:t>
-            </a:r>
-            <a:r>
-              <a:rPr lang="en-US" sz="1400" i="1" dirty="0">
-                <a:latin typeface="Times New Roman" panose="02020603050405020304" pitchFamily="18" charset="0"/>
-                <a:cs typeface="Times New Roman" panose="02020603050405020304" pitchFamily="18" charset="0"/>
-              </a:rPr>
-              <a:t>. </a:t>
-            </a:r>
-            <a:r>
-              <a:rPr lang="en-US" sz="1400" i="1" dirty="0" err="1">
-                <a:latin typeface="Times New Roman" panose="02020603050405020304" pitchFamily="18" charset="0"/>
-                <a:cs typeface="Times New Roman" panose="02020603050405020304" pitchFamily="18" charset="0"/>
-              </a:rPr>
-              <a:t>Comput</a:t>
-            </a:r>
-            <a:r>
-              <a:rPr lang="en-US" sz="1400" i="1" dirty="0">
-                <a:latin typeface="Times New Roman" panose="02020603050405020304" pitchFamily="18" charset="0"/>
-                <a:cs typeface="Times New Roman" panose="02020603050405020304" pitchFamily="18" charset="0"/>
-              </a:rPr>
-              <a:t>. </a:t>
-            </a:r>
-            <a:r>
-              <a:rPr lang="en-US" sz="1400" i="1" dirty="0" err="1">
+              <a:rPr lang="en-US" sz="5600" dirty="0">
+                <a:latin typeface="Times New Roman" panose="02020603050405020304" pitchFamily="18" charset="0"/>
+                <a:cs typeface="Times New Roman" panose="02020603050405020304" pitchFamily="18" charset="0"/>
+              </a:rPr>
+              <a:t>[20]	H. </a:t>
+            </a:r>
+            <a:r>
+              <a:rPr lang="en-US" sz="5600" dirty="0" err="1">
+                <a:latin typeface="Times New Roman" panose="02020603050405020304" pitchFamily="18" charset="0"/>
+                <a:cs typeface="Times New Roman" panose="02020603050405020304" pitchFamily="18" charset="0"/>
+              </a:rPr>
+              <a:t>Anand</a:t>
+            </a:r>
+            <a:r>
+              <a:rPr lang="en-US" sz="5600" dirty="0">
+                <a:latin typeface="Times New Roman" panose="02020603050405020304" pitchFamily="18" charset="0"/>
+                <a:cs typeface="Times New Roman" panose="02020603050405020304" pitchFamily="18" charset="0"/>
+              </a:rPr>
+              <a:t>, “Enhanced Signature Verification and RECOGNITION USING MATLAB,” </a:t>
+            </a:r>
+            <a:r>
+              <a:rPr lang="en-US" sz="5600" i="1" dirty="0">
+                <a:latin typeface="Times New Roman" panose="02020603050405020304" pitchFamily="18" charset="0"/>
+                <a:cs typeface="Times New Roman" panose="02020603050405020304" pitchFamily="18" charset="0"/>
+              </a:rPr>
+              <a:t>Int. J. </a:t>
+            </a:r>
+            <a:r>
+              <a:rPr lang="en-US" sz="5600" i="1" dirty="0" err="1">
+                <a:latin typeface="Times New Roman" panose="02020603050405020304" pitchFamily="18" charset="0"/>
+                <a:cs typeface="Times New Roman" panose="02020603050405020304" pitchFamily="18" charset="0"/>
+              </a:rPr>
+              <a:t>Innov</a:t>
+            </a:r>
+            <a:r>
+              <a:rPr lang="en-US" sz="5600" i="1" dirty="0">
+                <a:latin typeface="Times New Roman" panose="02020603050405020304" pitchFamily="18" charset="0"/>
+                <a:cs typeface="Times New Roman" panose="02020603050405020304" pitchFamily="18" charset="0"/>
+              </a:rPr>
+              <a:t>. Res. Adv. Eng.</a:t>
+            </a:r>
+            <a:r>
+              <a:rPr lang="en-US" sz="5600" dirty="0">
+                <a:latin typeface="Times New Roman" panose="02020603050405020304" pitchFamily="18" charset="0"/>
+                <a:cs typeface="Times New Roman" panose="02020603050405020304" pitchFamily="18" charset="0"/>
+              </a:rPr>
+              <a:t>, vol. 1, no. 4, pp. 88–94, 2014.</a:t>
+            </a:r>
+          </a:p>
+          <a:p>
+            <a:pPr marL="514350" indent="-514350">
+              <a:buNone/>
+            </a:pPr>
+            <a:r>
+              <a:rPr lang="en-US" sz="5600" dirty="0">
+                <a:latin typeface="Times New Roman" panose="02020603050405020304" pitchFamily="18" charset="0"/>
+                <a:cs typeface="Times New Roman" panose="02020603050405020304" pitchFamily="18" charset="0"/>
+              </a:rPr>
+              <a:t>[21]	B. H. </a:t>
+            </a:r>
+            <a:r>
+              <a:rPr lang="en-US" sz="5600" dirty="0" err="1">
+                <a:latin typeface="Times New Roman" panose="02020603050405020304" pitchFamily="18" charset="0"/>
+                <a:cs typeface="Times New Roman" panose="02020603050405020304" pitchFamily="18" charset="0"/>
+              </a:rPr>
+              <a:t>Shekar</a:t>
+            </a:r>
+            <a:r>
+              <a:rPr lang="en-US" sz="5600" dirty="0">
+                <a:latin typeface="Times New Roman" panose="02020603050405020304" pitchFamily="18" charset="0"/>
+                <a:cs typeface="Times New Roman" panose="02020603050405020304" pitchFamily="18" charset="0"/>
+              </a:rPr>
+              <a:t> and R. K. </a:t>
+            </a:r>
+            <a:r>
+              <a:rPr lang="en-US" sz="5600" dirty="0" err="1">
+                <a:latin typeface="Times New Roman" panose="02020603050405020304" pitchFamily="18" charset="0"/>
+                <a:cs typeface="Times New Roman" panose="02020603050405020304" pitchFamily="18" charset="0"/>
+              </a:rPr>
+              <a:t>Bharathi</a:t>
+            </a:r>
+            <a:r>
+              <a:rPr lang="en-US" sz="5600" dirty="0">
+                <a:latin typeface="Times New Roman" panose="02020603050405020304" pitchFamily="18" charset="0"/>
+                <a:cs typeface="Times New Roman" panose="02020603050405020304" pitchFamily="18" charset="0"/>
+              </a:rPr>
+              <a:t>, “Eigen-signature: A robust and an efficient offline signature verification algorithm,” </a:t>
+            </a:r>
+            <a:r>
+              <a:rPr lang="en-US" sz="5600" i="1" dirty="0">
+                <a:latin typeface="Times New Roman" panose="02020603050405020304" pitchFamily="18" charset="0"/>
+                <a:cs typeface="Times New Roman" panose="02020603050405020304" pitchFamily="18" charset="0"/>
+              </a:rPr>
+              <a:t>Int. Conf. Recent Trends Inf. Technol. ICRTIT 2011</a:t>
+            </a:r>
+            <a:r>
+              <a:rPr lang="en-US" sz="5600" dirty="0">
+                <a:latin typeface="Times New Roman" panose="02020603050405020304" pitchFamily="18" charset="0"/>
+                <a:cs typeface="Times New Roman" panose="02020603050405020304" pitchFamily="18" charset="0"/>
+              </a:rPr>
+              <a:t>, pp. 134–138, 2011.</a:t>
+            </a:r>
+          </a:p>
+          <a:p>
+            <a:pPr marL="514350" indent="-514350">
+              <a:buNone/>
+            </a:pPr>
+            <a:r>
+              <a:rPr lang="en-US" sz="5600" dirty="0">
+                <a:latin typeface="Times New Roman" panose="02020603050405020304" pitchFamily="18" charset="0"/>
+                <a:cs typeface="Times New Roman" panose="02020603050405020304" pitchFamily="18" charset="0"/>
+              </a:rPr>
+              <a:t>[22]	A. R. </a:t>
+            </a:r>
+            <a:r>
+              <a:rPr lang="en-US" sz="5600" dirty="0" err="1">
+                <a:latin typeface="Times New Roman" panose="02020603050405020304" pitchFamily="18" charset="0"/>
+                <a:cs typeface="Times New Roman" panose="02020603050405020304" pitchFamily="18" charset="0"/>
+              </a:rPr>
+              <a:t>Rahardika</a:t>
+            </a:r>
+            <a:r>
+              <a:rPr lang="en-US" sz="5600" dirty="0">
+                <a:latin typeface="Times New Roman" panose="02020603050405020304" pitchFamily="18" charset="0"/>
+                <a:cs typeface="Times New Roman" panose="02020603050405020304" pitchFamily="18" charset="0"/>
+              </a:rPr>
+              <a:t>, “Global Features Selection for Dynamic Signature Verification,” </a:t>
+            </a:r>
+            <a:r>
+              <a:rPr lang="en-US" sz="5600" i="1" dirty="0">
+                <a:latin typeface="Times New Roman" panose="02020603050405020304" pitchFamily="18" charset="0"/>
+                <a:cs typeface="Times New Roman" panose="02020603050405020304" pitchFamily="18" charset="0"/>
+              </a:rPr>
+              <a:t>Int. Conf. Inf. </a:t>
+            </a:r>
+            <a:r>
+              <a:rPr lang="en-US" sz="5600" i="1" dirty="0" err="1">
                 <a:latin typeface="Times New Roman" panose="02020603050405020304" pitchFamily="18" charset="0"/>
                 <a:cs typeface="Times New Roman" panose="02020603050405020304" pitchFamily="18" charset="0"/>
               </a:rPr>
               <a:t>Commun</a:t>
             </a:r>
             <a:r>
-              <a:rPr lang="en-US" sz="1400" i="1" dirty="0">
-                <a:latin typeface="Times New Roman" panose="02020603050405020304" pitchFamily="18" charset="0"/>
-                <a:cs typeface="Times New Roman" panose="02020603050405020304" pitchFamily="18" charset="0"/>
-              </a:rPr>
-              <a:t>. Technol. WCCCT 2017</a:t>
-            </a:r>
-            <a:r>
-              <a:rPr lang="en-US" sz="1400" dirty="0">
-                <a:latin typeface="Times New Roman" panose="02020603050405020304" pitchFamily="18" charset="0"/>
-                <a:cs typeface="Times New Roman" panose="02020603050405020304" pitchFamily="18" charset="0"/>
-              </a:rPr>
-              <a:t>, pp. 223–226, 2017</a:t>
-            </a:r>
-            <a:r>
-              <a:rPr lang="en-US" sz="1400" dirty="0" smtClean="0">
+              <a:rPr lang="en-US" sz="5600" i="1" dirty="0">
+                <a:latin typeface="Times New Roman" panose="02020603050405020304" pitchFamily="18" charset="0"/>
+                <a:cs typeface="Times New Roman" panose="02020603050405020304" pitchFamily="18" charset="0"/>
+              </a:rPr>
+              <a:t>. Technol. Glob.</a:t>
+            </a:r>
+            <a:r>
+              <a:rPr lang="en-US" sz="5600" dirty="0">
+                <a:latin typeface="Times New Roman" panose="02020603050405020304" pitchFamily="18" charset="0"/>
+                <a:cs typeface="Times New Roman" panose="02020603050405020304" pitchFamily="18" charset="0"/>
+              </a:rPr>
+              <a:t>, pp. 348–354, 2018.</a:t>
+            </a:r>
+          </a:p>
+          <a:p>
+            <a:pPr marL="514350" indent="-514350">
+              <a:buNone/>
+            </a:pPr>
+            <a:r>
+              <a:rPr lang="en-US" sz="5600" dirty="0">
+                <a:latin typeface="Times New Roman" panose="02020603050405020304" pitchFamily="18" charset="0"/>
+                <a:cs typeface="Times New Roman" panose="02020603050405020304" pitchFamily="18" charset="0"/>
+              </a:rPr>
+              <a:t>[23]	T. </a:t>
+            </a:r>
+            <a:r>
+              <a:rPr lang="en-US" sz="5600" dirty="0" err="1">
+                <a:latin typeface="Times New Roman" panose="02020603050405020304" pitchFamily="18" charset="0"/>
+                <a:cs typeface="Times New Roman" panose="02020603050405020304" pitchFamily="18" charset="0"/>
+              </a:rPr>
+              <a:t>Handhayani</a:t>
+            </a:r>
+            <a:r>
+              <a:rPr lang="en-US" sz="5600" dirty="0">
+                <a:latin typeface="Times New Roman" panose="02020603050405020304" pitchFamily="18" charset="0"/>
+                <a:cs typeface="Times New Roman" panose="02020603050405020304" pitchFamily="18" charset="0"/>
+              </a:rPr>
+              <a:t>, A. R. </a:t>
+            </a:r>
+            <a:r>
+              <a:rPr lang="en-US" sz="5600" dirty="0" err="1">
+                <a:latin typeface="Times New Roman" panose="02020603050405020304" pitchFamily="18" charset="0"/>
+                <a:cs typeface="Times New Roman" panose="02020603050405020304" pitchFamily="18" charset="0"/>
+              </a:rPr>
+              <a:t>Yohannis</a:t>
+            </a:r>
+            <a:r>
+              <a:rPr lang="en-US" sz="5600" dirty="0">
+                <a:latin typeface="Times New Roman" panose="02020603050405020304" pitchFamily="18" charset="0"/>
+                <a:cs typeface="Times New Roman" panose="02020603050405020304" pitchFamily="18" charset="0"/>
+              </a:rPr>
+              <a:t>, and Lely </a:t>
+            </a:r>
+            <a:r>
+              <a:rPr lang="en-US" sz="5600" dirty="0" err="1">
+                <a:latin typeface="Times New Roman" panose="02020603050405020304" pitchFamily="18" charset="0"/>
+                <a:cs typeface="Times New Roman" panose="02020603050405020304" pitchFamily="18" charset="0"/>
+              </a:rPr>
+              <a:t>Hiryanto</a:t>
+            </a:r>
+            <a:r>
+              <a:rPr lang="en-US" sz="5600" dirty="0">
+                <a:latin typeface="Times New Roman" panose="02020603050405020304" pitchFamily="18" charset="0"/>
+                <a:cs typeface="Times New Roman" panose="02020603050405020304" pitchFamily="18" charset="0"/>
+              </a:rPr>
+              <a:t>, “Hand Signature and Handwriting Recognition as Identification of the Writer using Gray Level Co- Occurrence Matrix and Bootstrap,” </a:t>
+            </a:r>
+            <a:r>
+              <a:rPr lang="en-US" sz="5600" i="1" dirty="0" err="1">
+                <a:latin typeface="Times New Roman" panose="02020603050405020304" pitchFamily="18" charset="0"/>
+                <a:cs typeface="Times New Roman" panose="02020603050405020304" pitchFamily="18" charset="0"/>
+              </a:rPr>
+              <a:t>Intell</a:t>
+            </a:r>
+            <a:r>
+              <a:rPr lang="en-US" sz="5600" i="1" dirty="0">
+                <a:latin typeface="Times New Roman" panose="02020603050405020304" pitchFamily="18" charset="0"/>
+                <a:cs typeface="Times New Roman" panose="02020603050405020304" pitchFamily="18" charset="0"/>
+              </a:rPr>
+              <a:t>. Syst. Conf.</a:t>
+            </a:r>
+            <a:r>
+              <a:rPr lang="en-US" sz="5600" dirty="0">
+                <a:latin typeface="Times New Roman" panose="02020603050405020304" pitchFamily="18" charset="0"/>
+                <a:cs typeface="Times New Roman" panose="02020603050405020304" pitchFamily="18" charset="0"/>
+              </a:rPr>
+              <a:t>, no. September, pp. 1103–1110, 2017</a:t>
+            </a:r>
+            <a:r>
+              <a:rPr lang="en-US" sz="5600" dirty="0" smtClean="0">
                 <a:latin typeface="Times New Roman" panose="02020603050405020304" pitchFamily="18" charset="0"/>
                 <a:cs typeface="Times New Roman" panose="02020603050405020304" pitchFamily="18" charset="0"/>
               </a:rPr>
               <a:t>.</a:t>
             </a:r>
-            <a:endParaRPr lang="en-US" sz="1400" dirty="0">
+            <a:endParaRPr lang="en-US" sz="5600" dirty="0">
               <a:latin typeface="Times New Roman" panose="02020603050405020304" pitchFamily="18" charset="0"/>
               <a:cs typeface="Times New Roman" panose="02020603050405020304" pitchFamily="18" charset="0"/>
             </a:endParaRPr>
@@ -8760,7 +9597,7 @@
             <a:fld id="{43EB6444-05C2-4DB9-99E3-3024D2735779}" type="datetime3">
               <a:rPr lang="en-US" smtClean="0"/>
               <a:pPr/>
-              <a:t>29 January 2019</a:t>
+              <a:t>1 February 2019</a:t>
             </a:fld>
             <a:endParaRPr lang="en-US"/>
           </a:p>
@@ -8782,10 +9619,10 @@
           <a:lstStyle/>
           <a:p>
             <a:r>
-              <a:rPr lang="en-IN" dirty="0" smtClean="0"/>
+              <a:rPr lang="en-IN" smtClean="0"/>
               <a:t>Computer Engineering Dept. MPSTME, Mumbai Campus </a:t>
             </a:r>
-            <a:endParaRPr lang="en-US" dirty="0"/>
+            <a:endParaRPr lang="en-US"/>
           </a:p>
         </p:txBody>
       </p:sp>
@@ -8809,6 +9646,52 @@
               <a:pPr/>
               <a:t>22</a:t>
             </a:fld>
+            <a:endParaRPr lang="en-US"/>
+          </a:p>
+        </p:txBody>
+      </p:sp>
+      <p:sp>
+        <p:nvSpPr>
+          <p:cNvPr id="8" name="Title 1"/>
+          <p:cNvSpPr txBox="1">
+            <a:spLocks/>
+          </p:cNvSpPr>
+          <p:nvPr/>
+        </p:nvSpPr>
+        <p:spPr>
+          <a:xfrm>
+            <a:off x="428625" y="733602"/>
+            <a:ext cx="8229600" cy="533400"/>
+          </a:xfrm>
+          <a:prstGeom prst="rect">
+            <a:avLst/>
+          </a:prstGeom>
+        </p:spPr>
+        <p:txBody>
+          <a:bodyPr vert="horz" lIns="91440" tIns="45720" rIns="91440" bIns="45720" rtlCol="0" anchor="ctr">
+            <a:noAutofit/>
+          </a:bodyPr>
+          <a:lstStyle>
+            <a:lvl1pPr algn="ctr" defTabSz="914400" rtl="0" eaLnBrk="1" latinLnBrk="0" hangingPunct="1">
+              <a:spcBef>
+                <a:spcPct val="0"/>
+              </a:spcBef>
+              <a:buNone/>
+              <a:defRPr sz="3600" b="1" kern="1200">
+                <a:solidFill>
+                  <a:schemeClr val="tx1"/>
+                </a:solidFill>
+                <a:latin typeface="+mj-lt"/>
+                <a:ea typeface="+mj-ea"/>
+                <a:cs typeface="+mj-cs"/>
+              </a:defRPr>
+            </a:lvl1pPr>
+          </a:lstStyle>
+          <a:p>
+            <a:r>
+              <a:rPr lang="en-US" dirty="0" smtClean="0"/>
+              <a:t>References</a:t>
+            </a:r>
             <a:endParaRPr lang="en-US" dirty="0"/>
           </a:p>
         </p:txBody>
@@ -8816,7 +9699,7 @@
     </p:spTree>
     <p:extLst>
       <p:ext uri="{BB962C8B-B14F-4D97-AF65-F5344CB8AC3E}">
-        <p14:creationId xmlns:p14="http://schemas.microsoft.com/office/powerpoint/2010/main" val="1975127390"/>
+        <p14:creationId xmlns:p14="http://schemas.microsoft.com/office/powerpoint/2010/main" val="884063638"/>
       </p:ext>
     </p:extLst>
   </p:cSld>
@@ -8862,13 +9745,13 @@
         </p:nvSpPr>
         <p:spPr>
           <a:xfrm>
-            <a:off x="304800" y="1371599"/>
-            <a:ext cx="8534400" cy="5367071"/>
+            <a:off x="304800" y="1371600"/>
+            <a:ext cx="8534400" cy="5374921"/>
           </a:xfrm>
         </p:spPr>
         <p:txBody>
           <a:bodyPr>
-            <a:normAutofit fontScale="25000" lnSpcReduction="20000"/>
+            <a:noAutofit/>
           </a:bodyPr>
           <a:lstStyle/>
           <a:p>
@@ -8876,67 +9759,53 @@
               <a:buNone/>
             </a:pPr>
             <a:r>
-              <a:rPr lang="en-US" sz="5600" dirty="0">
-                <a:latin typeface="Times New Roman" panose="02020603050405020304" pitchFamily="18" charset="0"/>
-                <a:cs typeface="Times New Roman" panose="02020603050405020304" pitchFamily="18" charset="0"/>
-              </a:rPr>
-              <a:t>[11]	T. </a:t>
-            </a:r>
-            <a:r>
-              <a:rPr lang="en-US" sz="5600" dirty="0" err="1">
-                <a:latin typeface="Times New Roman" panose="02020603050405020304" pitchFamily="18" charset="0"/>
-                <a:cs typeface="Times New Roman" panose="02020603050405020304" pitchFamily="18" charset="0"/>
-              </a:rPr>
-              <a:t>Marušić</a:t>
-            </a:r>
-            <a:r>
-              <a:rPr lang="en-US" sz="5600" dirty="0">
-                <a:latin typeface="Times New Roman" panose="02020603050405020304" pitchFamily="18" charset="0"/>
-                <a:cs typeface="Times New Roman" panose="02020603050405020304" pitchFamily="18" charset="0"/>
-              </a:rPr>
-              <a:t>, Ž. </a:t>
-            </a:r>
-            <a:r>
-              <a:rPr lang="en-US" sz="5600" dirty="0" err="1">
-                <a:latin typeface="Times New Roman" panose="02020603050405020304" pitchFamily="18" charset="0"/>
-                <a:cs typeface="Times New Roman" panose="02020603050405020304" pitchFamily="18" charset="0"/>
-              </a:rPr>
-              <a:t>Marušić</a:t>
-            </a:r>
-            <a:r>
-              <a:rPr lang="en-US" sz="5600" dirty="0">
-                <a:latin typeface="Times New Roman" panose="02020603050405020304" pitchFamily="18" charset="0"/>
-                <a:cs typeface="Times New Roman" panose="02020603050405020304" pitchFamily="18" charset="0"/>
-              </a:rPr>
-              <a:t>, and Ž. </a:t>
-            </a:r>
-            <a:r>
-              <a:rPr lang="en-US" sz="5600" dirty="0" err="1">
-                <a:latin typeface="Times New Roman" panose="02020603050405020304" pitchFamily="18" charset="0"/>
-                <a:cs typeface="Times New Roman" panose="02020603050405020304" pitchFamily="18" charset="0"/>
-              </a:rPr>
-              <a:t>Šeremet</a:t>
-            </a:r>
-            <a:r>
-              <a:rPr lang="en-US" sz="5600" dirty="0">
-                <a:latin typeface="Times New Roman" panose="02020603050405020304" pitchFamily="18" charset="0"/>
-                <a:cs typeface="Times New Roman" panose="02020603050405020304" pitchFamily="18" charset="0"/>
-              </a:rPr>
-              <a:t>, “Identification of authors of documents based on offline signature recognition,” </a:t>
-            </a:r>
-            <a:r>
-              <a:rPr lang="en-US" sz="5600" i="1" dirty="0">
-                <a:latin typeface="Times New Roman" panose="02020603050405020304" pitchFamily="18" charset="0"/>
-                <a:cs typeface="Times New Roman" panose="02020603050405020304" pitchFamily="18" charset="0"/>
-              </a:rPr>
-              <a:t>MIPRO</a:t>
-            </a:r>
-            <a:r>
-              <a:rPr lang="en-US" sz="5600" dirty="0">
-                <a:latin typeface="Times New Roman" panose="02020603050405020304" pitchFamily="18" charset="0"/>
-                <a:cs typeface="Times New Roman" panose="02020603050405020304" pitchFamily="18" charset="0"/>
-              </a:rPr>
-              <a:t>, no. May, pp. 25–29, 2015.</a:t>
+              <a:rPr lang="en-US" sz="1400" dirty="0">
+                <a:latin typeface="Times New Roman" panose="02020603050405020304" pitchFamily="18" charset="0"/>
+                <a:cs typeface="Times New Roman" panose="02020603050405020304" pitchFamily="18" charset="0"/>
+              </a:rPr>
+              <a:t>[24]	A. </a:t>
+            </a:r>
+            <a:r>
+              <a:rPr lang="en-US" sz="1400" dirty="0" err="1">
+                <a:latin typeface="Times New Roman" panose="02020603050405020304" pitchFamily="18" charset="0"/>
+                <a:cs typeface="Times New Roman" panose="02020603050405020304" pitchFamily="18" charset="0"/>
+              </a:rPr>
+              <a:t>Beresneva</a:t>
+            </a:r>
+            <a:r>
+              <a:rPr lang="en-US" sz="1400" dirty="0">
+                <a:latin typeface="Times New Roman" panose="02020603050405020304" pitchFamily="18" charset="0"/>
+                <a:cs typeface="Times New Roman" panose="02020603050405020304" pitchFamily="18" charset="0"/>
+              </a:rPr>
+              <a:t>, A. </a:t>
+            </a:r>
+            <a:r>
+              <a:rPr lang="en-US" sz="1400" dirty="0" err="1">
+                <a:latin typeface="Times New Roman" panose="02020603050405020304" pitchFamily="18" charset="0"/>
+                <a:cs typeface="Times New Roman" panose="02020603050405020304" pitchFamily="18" charset="0"/>
+              </a:rPr>
+              <a:t>Epishkina</a:t>
+            </a:r>
+            <a:r>
+              <a:rPr lang="en-US" sz="1400" dirty="0">
+                <a:latin typeface="Times New Roman" panose="02020603050405020304" pitchFamily="18" charset="0"/>
+                <a:cs typeface="Times New Roman" panose="02020603050405020304" pitchFamily="18" charset="0"/>
+              </a:rPr>
+              <a:t>, and D. </a:t>
+            </a:r>
+            <a:r>
+              <a:rPr lang="en-US" sz="1400" dirty="0" err="1">
+                <a:latin typeface="Times New Roman" panose="02020603050405020304" pitchFamily="18" charset="0"/>
+                <a:cs typeface="Times New Roman" panose="02020603050405020304" pitchFamily="18" charset="0"/>
+              </a:rPr>
+              <a:t>Shingalova</a:t>
+            </a:r>
+            <a:r>
+              <a:rPr lang="en-US" sz="1400" dirty="0">
+                <a:latin typeface="Times New Roman" panose="02020603050405020304" pitchFamily="18" charset="0"/>
+                <a:cs typeface="Times New Roman" panose="02020603050405020304" pitchFamily="18" charset="0"/>
+              </a:rPr>
+              <a:t>, “Handwritten Signature Attributes for its Verification,” pp. 1477–1480, 2018.</a:t>
             </a:r>
           </a:p>
           <a:p>
@@ -8944,95 +9813,123 @@
               <a:buNone/>
             </a:pPr>
             <a:r>
-              <a:rPr lang="en-US" sz="5600" dirty="0">
-                <a:latin typeface="Times New Roman" panose="02020603050405020304" pitchFamily="18" charset="0"/>
-                <a:cs typeface="Times New Roman" panose="02020603050405020304" pitchFamily="18" charset="0"/>
-              </a:rPr>
-              <a:t>[12]	S. L. </a:t>
-            </a:r>
-            <a:r>
-              <a:rPr lang="en-US" sz="5600" dirty="0" err="1">
-                <a:latin typeface="Times New Roman" panose="02020603050405020304" pitchFamily="18" charset="0"/>
-                <a:cs typeface="Times New Roman" panose="02020603050405020304" pitchFamily="18" charset="0"/>
-              </a:rPr>
-              <a:t>Karanjkar</a:t>
-            </a:r>
-            <a:r>
-              <a:rPr lang="en-US" sz="5600" dirty="0">
-                <a:latin typeface="Times New Roman" panose="02020603050405020304" pitchFamily="18" charset="0"/>
-                <a:cs typeface="Times New Roman" panose="02020603050405020304" pitchFamily="18" charset="0"/>
-              </a:rPr>
-              <a:t> and P. N. </a:t>
-            </a:r>
-            <a:r>
-              <a:rPr lang="en-US" sz="5600" dirty="0" err="1">
-                <a:latin typeface="Times New Roman" panose="02020603050405020304" pitchFamily="18" charset="0"/>
-                <a:cs typeface="Times New Roman" panose="02020603050405020304" pitchFamily="18" charset="0"/>
-              </a:rPr>
-              <a:t>Vasambekar</a:t>
-            </a:r>
-            <a:r>
-              <a:rPr lang="en-US" sz="5600" dirty="0">
-                <a:latin typeface="Times New Roman" panose="02020603050405020304" pitchFamily="18" charset="0"/>
-                <a:cs typeface="Times New Roman" panose="02020603050405020304" pitchFamily="18" charset="0"/>
-              </a:rPr>
-              <a:t>, “Signature Recognition on Bank </a:t>
-            </a:r>
-            <a:r>
-              <a:rPr lang="en-US" sz="5600" dirty="0" err="1">
-                <a:latin typeface="Times New Roman" panose="02020603050405020304" pitchFamily="18" charset="0"/>
-                <a:cs typeface="Times New Roman" panose="02020603050405020304" pitchFamily="18" charset="0"/>
-              </a:rPr>
-              <a:t>cheques</a:t>
-            </a:r>
-            <a:r>
-              <a:rPr lang="en-US" sz="5600" dirty="0">
-                <a:latin typeface="Times New Roman" panose="02020603050405020304" pitchFamily="18" charset="0"/>
-                <a:cs typeface="Times New Roman" panose="02020603050405020304" pitchFamily="18" charset="0"/>
-              </a:rPr>
-              <a:t> using ANN,” </a:t>
-            </a:r>
-            <a:r>
-              <a:rPr lang="en-US" sz="5600" i="1" dirty="0">
-                <a:latin typeface="Times New Roman" panose="02020603050405020304" pitchFamily="18" charset="0"/>
-                <a:cs typeface="Times New Roman" panose="02020603050405020304" pitchFamily="18" charset="0"/>
-              </a:rPr>
-              <a:t>IEEE Int. WIE Conf. </a:t>
-            </a:r>
-            <a:r>
-              <a:rPr lang="en-US" sz="5600" i="1" dirty="0" err="1">
-                <a:latin typeface="Times New Roman" panose="02020603050405020304" pitchFamily="18" charset="0"/>
-                <a:cs typeface="Times New Roman" panose="02020603050405020304" pitchFamily="18" charset="0"/>
-              </a:rPr>
-              <a:t>Electr</a:t>
-            </a:r>
-            <a:r>
-              <a:rPr lang="en-US" sz="5600" i="1" dirty="0">
+              <a:rPr lang="en-US" sz="1400" dirty="0">
+                <a:latin typeface="Times New Roman" panose="02020603050405020304" pitchFamily="18" charset="0"/>
+                <a:cs typeface="Times New Roman" panose="02020603050405020304" pitchFamily="18" charset="0"/>
+              </a:rPr>
+              <a:t>[25]	M. P. </a:t>
+            </a:r>
+            <a:r>
+              <a:rPr lang="en-US" sz="1400" dirty="0" err="1">
+                <a:latin typeface="Times New Roman" panose="02020603050405020304" pitchFamily="18" charset="0"/>
+                <a:cs typeface="Times New Roman" panose="02020603050405020304" pitchFamily="18" charset="0"/>
+              </a:rPr>
+              <a:t>Patil</a:t>
+            </a:r>
+            <a:r>
+              <a:rPr lang="en-US" sz="1400" dirty="0">
+                <a:latin typeface="Times New Roman" panose="02020603050405020304" pitchFamily="18" charset="0"/>
+                <a:cs typeface="Times New Roman" panose="02020603050405020304" pitchFamily="18" charset="0"/>
+              </a:rPr>
+              <a:t>, Bryan Almeida, </a:t>
+            </a:r>
+            <a:r>
+              <a:rPr lang="en-US" sz="1400" dirty="0" err="1">
+                <a:latin typeface="Times New Roman" panose="02020603050405020304" pitchFamily="18" charset="0"/>
+                <a:cs typeface="Times New Roman" panose="02020603050405020304" pitchFamily="18" charset="0"/>
+              </a:rPr>
+              <a:t>Niketa</a:t>
+            </a:r>
+            <a:r>
+              <a:rPr lang="en-US" sz="1400" dirty="0">
+                <a:latin typeface="Times New Roman" panose="02020603050405020304" pitchFamily="18" charset="0"/>
+                <a:cs typeface="Times New Roman" panose="02020603050405020304" pitchFamily="18" charset="0"/>
+              </a:rPr>
+              <a:t> </a:t>
+            </a:r>
+            <a:r>
+              <a:rPr lang="en-US" sz="1400" dirty="0" err="1">
+                <a:latin typeface="Times New Roman" panose="02020603050405020304" pitchFamily="18" charset="0"/>
+                <a:cs typeface="Times New Roman" panose="02020603050405020304" pitchFamily="18" charset="0"/>
+              </a:rPr>
+              <a:t>Chettiar</a:t>
+            </a:r>
+            <a:r>
+              <a:rPr lang="en-US" sz="1400" dirty="0">
+                <a:latin typeface="Times New Roman" panose="02020603050405020304" pitchFamily="18" charset="0"/>
+                <a:cs typeface="Times New Roman" panose="02020603050405020304" pitchFamily="18" charset="0"/>
+              </a:rPr>
+              <a:t>, and </a:t>
+            </a:r>
+            <a:r>
+              <a:rPr lang="en-US" sz="1400" dirty="0" err="1">
+                <a:latin typeface="Times New Roman" panose="02020603050405020304" pitchFamily="18" charset="0"/>
+                <a:cs typeface="Times New Roman" panose="02020603050405020304" pitchFamily="18" charset="0"/>
+              </a:rPr>
+              <a:t>Joyal</a:t>
+            </a:r>
+            <a:r>
+              <a:rPr lang="en-US" sz="1400" dirty="0">
+                <a:latin typeface="Times New Roman" panose="02020603050405020304" pitchFamily="18" charset="0"/>
+                <a:cs typeface="Times New Roman" panose="02020603050405020304" pitchFamily="18" charset="0"/>
+              </a:rPr>
+              <a:t> </a:t>
+            </a:r>
+            <a:r>
+              <a:rPr lang="en-US" sz="1400" dirty="0" err="1">
+                <a:latin typeface="Times New Roman" panose="02020603050405020304" pitchFamily="18" charset="0"/>
+                <a:cs typeface="Times New Roman" panose="02020603050405020304" pitchFamily="18" charset="0"/>
+              </a:rPr>
+              <a:t>Babu</a:t>
+            </a:r>
+            <a:r>
+              <a:rPr lang="en-US" sz="1400" dirty="0">
+                <a:latin typeface="Times New Roman" panose="02020603050405020304" pitchFamily="18" charset="0"/>
+                <a:cs typeface="Times New Roman" panose="02020603050405020304" pitchFamily="18" charset="0"/>
+              </a:rPr>
+              <a:t>, “Offline Signature Recognition System using Histogram of Oriented Gradients,” </a:t>
+            </a:r>
+            <a:r>
+              <a:rPr lang="en-US" sz="1400" i="1" dirty="0">
+                <a:latin typeface="Times New Roman" panose="02020603050405020304" pitchFamily="18" charset="0"/>
+                <a:cs typeface="Times New Roman" panose="02020603050405020304" pitchFamily="18" charset="0"/>
+              </a:rPr>
+              <a:t>Int. Conf. Adv. </a:t>
+            </a:r>
+            <a:r>
+              <a:rPr lang="en-US" sz="1400" i="1" dirty="0" err="1">
+                <a:latin typeface="Times New Roman" panose="02020603050405020304" pitchFamily="18" charset="0"/>
+                <a:cs typeface="Times New Roman" panose="02020603050405020304" pitchFamily="18" charset="0"/>
+              </a:rPr>
+              <a:t>Comput</a:t>
+            </a:r>
+            <a:r>
+              <a:rPr lang="en-US" sz="1400" i="1" dirty="0">
                 <a:latin typeface="Times New Roman" panose="02020603050405020304" pitchFamily="18" charset="0"/>
                 <a:cs typeface="Times New Roman" panose="02020603050405020304" pitchFamily="18" charset="0"/>
               </a:rPr>
               <a:t>. </a:t>
             </a:r>
             <a:r>
-              <a:rPr lang="en-US" sz="5600" i="1" dirty="0" err="1">
-                <a:latin typeface="Times New Roman" panose="02020603050405020304" pitchFamily="18" charset="0"/>
-                <a:cs typeface="Times New Roman" panose="02020603050405020304" pitchFamily="18" charset="0"/>
-              </a:rPr>
-              <a:t>Comput</a:t>
-            </a:r>
-            <a:r>
-              <a:rPr lang="en-US" sz="5600" i="1" dirty="0">
-                <a:latin typeface="Times New Roman" panose="02020603050405020304" pitchFamily="18" charset="0"/>
-                <a:cs typeface="Times New Roman" panose="02020603050405020304" pitchFamily="18" charset="0"/>
-              </a:rPr>
-              <a:t>. Eng.</a:t>
-            </a:r>
-            <a:r>
-              <a:rPr lang="en-US" sz="5600" dirty="0">
-                <a:latin typeface="Times New Roman" panose="02020603050405020304" pitchFamily="18" charset="0"/>
-                <a:cs typeface="Times New Roman" panose="02020603050405020304" pitchFamily="18" charset="0"/>
-              </a:rPr>
-              <a:t>, no. December, 2016.</a:t>
+              <a:rPr lang="en-US" sz="1400" i="1" dirty="0" err="1">
+                <a:latin typeface="Times New Roman" panose="02020603050405020304" pitchFamily="18" charset="0"/>
+                <a:cs typeface="Times New Roman" panose="02020603050405020304" pitchFamily="18" charset="0"/>
+              </a:rPr>
+              <a:t>Commun</a:t>
+            </a:r>
+            <a:r>
+              <a:rPr lang="en-US" sz="1400" i="1" dirty="0">
+                <a:latin typeface="Times New Roman" panose="02020603050405020304" pitchFamily="18" charset="0"/>
+                <a:cs typeface="Times New Roman" panose="02020603050405020304" pitchFamily="18" charset="0"/>
+              </a:rPr>
+              <a:t>. Control</a:t>
+            </a:r>
+            <a:r>
+              <a:rPr lang="en-US" sz="1400" dirty="0">
+                <a:latin typeface="Times New Roman" panose="02020603050405020304" pitchFamily="18" charset="0"/>
+                <a:cs typeface="Times New Roman" panose="02020603050405020304" pitchFamily="18" charset="0"/>
+              </a:rPr>
+              <a:t>, 2017.</a:t>
             </a:r>
           </a:p>
           <a:p>
@@ -9040,67 +9937,53 @@
               <a:buNone/>
             </a:pPr>
             <a:r>
-              <a:rPr lang="en-US" sz="5600" dirty="0">
-                <a:latin typeface="Times New Roman" panose="02020603050405020304" pitchFamily="18" charset="0"/>
-                <a:cs typeface="Times New Roman" panose="02020603050405020304" pitchFamily="18" charset="0"/>
-              </a:rPr>
-              <a:t>[13]	G. S. Prakash and S. Sharma, “Computer Vision &amp; Fuzzy Logic based Offline Signature Verification and Forgery Detection,” </a:t>
-            </a:r>
-            <a:r>
-              <a:rPr lang="en-US" sz="5600" i="1" dirty="0">
-                <a:latin typeface="Times New Roman" panose="02020603050405020304" pitchFamily="18" charset="0"/>
-                <a:cs typeface="Times New Roman" panose="02020603050405020304" pitchFamily="18" charset="0"/>
-              </a:rPr>
-              <a:t>IEEE Int. Conf. </a:t>
-            </a:r>
-            <a:r>
-              <a:rPr lang="en-US" sz="5600" i="1" dirty="0" err="1">
+              <a:rPr lang="en-US" sz="1400" dirty="0">
+                <a:latin typeface="Times New Roman" panose="02020603050405020304" pitchFamily="18" charset="0"/>
+                <a:cs typeface="Times New Roman" panose="02020603050405020304" pitchFamily="18" charset="0"/>
+              </a:rPr>
+              <a:t>[26]	M. M. Kumar and N. B. </a:t>
+            </a:r>
+            <a:r>
+              <a:rPr lang="en-US" sz="1400" dirty="0" err="1">
+                <a:latin typeface="Times New Roman" panose="02020603050405020304" pitchFamily="18" charset="0"/>
+                <a:cs typeface="Times New Roman" panose="02020603050405020304" pitchFamily="18" charset="0"/>
+              </a:rPr>
+              <a:t>Puhan</a:t>
+            </a:r>
+            <a:r>
+              <a:rPr lang="en-US" sz="1400" dirty="0">
+                <a:latin typeface="Times New Roman" panose="02020603050405020304" pitchFamily="18" charset="0"/>
+                <a:cs typeface="Times New Roman" panose="02020603050405020304" pitchFamily="18" charset="0"/>
+              </a:rPr>
+              <a:t>, “Offline signature verification using the trace transform,” </a:t>
+            </a:r>
+            <a:r>
+              <a:rPr lang="en-US" sz="1400" i="1" dirty="0">
+                <a:latin typeface="Times New Roman" panose="02020603050405020304" pitchFamily="18" charset="0"/>
+                <a:cs typeface="Times New Roman" panose="02020603050405020304" pitchFamily="18" charset="0"/>
+              </a:rPr>
+              <a:t>2014 IEEE Int. Adv. </a:t>
+            </a:r>
+            <a:r>
+              <a:rPr lang="en-US" sz="1400" i="1" dirty="0" err="1">
                 <a:latin typeface="Times New Roman" panose="02020603050405020304" pitchFamily="18" charset="0"/>
                 <a:cs typeface="Times New Roman" panose="02020603050405020304" pitchFamily="18" charset="0"/>
               </a:rPr>
               <a:t>Comput</a:t>
             </a:r>
             <a:r>
-              <a:rPr lang="en-US" sz="5600" i="1" dirty="0">
-                <a:latin typeface="Times New Roman" panose="02020603050405020304" pitchFamily="18" charset="0"/>
-                <a:cs typeface="Times New Roman" panose="02020603050405020304" pitchFamily="18" charset="0"/>
-              </a:rPr>
-              <a:t>. </a:t>
-            </a:r>
-            <a:r>
-              <a:rPr lang="en-US" sz="5600" i="1" dirty="0" err="1">
-                <a:latin typeface="Times New Roman" panose="02020603050405020304" pitchFamily="18" charset="0"/>
-                <a:cs typeface="Times New Roman" panose="02020603050405020304" pitchFamily="18" charset="0"/>
-              </a:rPr>
-              <a:t>Intell</a:t>
-            </a:r>
-            <a:r>
-              <a:rPr lang="en-US" sz="5600" i="1" dirty="0">
-                <a:latin typeface="Times New Roman" panose="02020603050405020304" pitchFamily="18" charset="0"/>
-                <a:cs typeface="Times New Roman" panose="02020603050405020304" pitchFamily="18" charset="0"/>
-              </a:rPr>
-              <a:t>. </a:t>
-            </a:r>
-            <a:r>
-              <a:rPr lang="en-US" sz="5600" i="1" dirty="0" err="1">
-                <a:latin typeface="Times New Roman" panose="02020603050405020304" pitchFamily="18" charset="0"/>
-                <a:cs typeface="Times New Roman" panose="02020603050405020304" pitchFamily="18" charset="0"/>
-              </a:rPr>
-              <a:t>Comput</a:t>
-            </a:r>
-            <a:r>
-              <a:rPr lang="en-US" sz="5600" i="1" dirty="0">
-                <a:latin typeface="Times New Roman" panose="02020603050405020304" pitchFamily="18" charset="0"/>
-                <a:cs typeface="Times New Roman" panose="02020603050405020304" pitchFamily="18" charset="0"/>
-              </a:rPr>
-              <a:t>. Res.</a:t>
-            </a:r>
-            <a:r>
-              <a:rPr lang="en-US" sz="5600" dirty="0">
-                <a:latin typeface="Times New Roman" panose="02020603050405020304" pitchFamily="18" charset="0"/>
-                <a:cs typeface="Times New Roman" panose="02020603050405020304" pitchFamily="18" charset="0"/>
-              </a:rPr>
-              <a:t>, 2014.</a:t>
+              <a:rPr lang="en-US" sz="1400" i="1" dirty="0">
+                <a:latin typeface="Times New Roman" panose="02020603050405020304" pitchFamily="18" charset="0"/>
+                <a:cs typeface="Times New Roman" panose="02020603050405020304" pitchFamily="18" charset="0"/>
+              </a:rPr>
+              <a:t>. Conf.</a:t>
+            </a:r>
+            <a:r>
+              <a:rPr lang="en-US" sz="1400" dirty="0">
+                <a:latin typeface="Times New Roman" panose="02020603050405020304" pitchFamily="18" charset="0"/>
+                <a:cs typeface="Times New Roman" panose="02020603050405020304" pitchFamily="18" charset="0"/>
+              </a:rPr>
+              <a:t>, pp. 1066–1070, 2014.</a:t>
             </a:r>
           </a:p>
           <a:p>
@@ -9108,81 +9991,67 @@
               <a:buNone/>
             </a:pPr>
             <a:r>
-              <a:rPr lang="en-US" sz="5600" dirty="0">
-                <a:latin typeface="Times New Roman" panose="02020603050405020304" pitchFamily="18" charset="0"/>
-                <a:cs typeface="Times New Roman" panose="02020603050405020304" pitchFamily="18" charset="0"/>
-              </a:rPr>
-              <a:t>[14]	M. S. </a:t>
-            </a:r>
-            <a:r>
-              <a:rPr lang="en-US" sz="5600" dirty="0" err="1">
-                <a:latin typeface="Times New Roman" panose="02020603050405020304" pitchFamily="18" charset="0"/>
-                <a:cs typeface="Times New Roman" panose="02020603050405020304" pitchFamily="18" charset="0"/>
-              </a:rPr>
-              <a:t>Shirdhonkar</a:t>
-            </a:r>
-            <a:r>
-              <a:rPr lang="en-US" sz="5600" dirty="0">
-                <a:latin typeface="Times New Roman" panose="02020603050405020304" pitchFamily="18" charset="0"/>
-                <a:cs typeface="Times New Roman" panose="02020603050405020304" pitchFamily="18" charset="0"/>
-              </a:rPr>
-              <a:t> and M. B. </a:t>
-            </a:r>
-            <a:r>
-              <a:rPr lang="en-US" sz="5600" dirty="0" err="1">
-                <a:latin typeface="Times New Roman" panose="02020603050405020304" pitchFamily="18" charset="0"/>
-                <a:cs typeface="Times New Roman" panose="02020603050405020304" pitchFamily="18" charset="0"/>
-              </a:rPr>
-              <a:t>Kokare</a:t>
-            </a:r>
-            <a:r>
-              <a:rPr lang="en-US" sz="5600" dirty="0">
-                <a:latin typeface="Times New Roman" panose="02020603050405020304" pitchFamily="18" charset="0"/>
-                <a:cs typeface="Times New Roman" panose="02020603050405020304" pitchFamily="18" charset="0"/>
-              </a:rPr>
-              <a:t>, “Document image retrieval using signature as query,” </a:t>
-            </a:r>
-            <a:r>
-              <a:rPr lang="en-US" sz="5600" i="1" dirty="0">
-                <a:latin typeface="Times New Roman" panose="02020603050405020304" pitchFamily="18" charset="0"/>
-                <a:cs typeface="Times New Roman" panose="02020603050405020304" pitchFamily="18" charset="0"/>
-              </a:rPr>
-              <a:t>2011 2nd Int. Conf. </a:t>
-            </a:r>
-            <a:r>
-              <a:rPr lang="en-US" sz="5600" i="1" dirty="0" err="1">
-                <a:latin typeface="Times New Roman" panose="02020603050405020304" pitchFamily="18" charset="0"/>
-                <a:cs typeface="Times New Roman" panose="02020603050405020304" pitchFamily="18" charset="0"/>
-              </a:rPr>
-              <a:t>Comput</a:t>
-            </a:r>
-            <a:r>
-              <a:rPr lang="en-US" sz="5600" i="1" dirty="0">
-                <a:latin typeface="Times New Roman" panose="02020603050405020304" pitchFamily="18" charset="0"/>
-                <a:cs typeface="Times New Roman" panose="02020603050405020304" pitchFamily="18" charset="0"/>
-              </a:rPr>
-              <a:t>. </a:t>
-            </a:r>
-            <a:r>
-              <a:rPr lang="en-US" sz="5600" i="1" dirty="0" err="1">
-                <a:latin typeface="Times New Roman" panose="02020603050405020304" pitchFamily="18" charset="0"/>
-                <a:cs typeface="Times New Roman" panose="02020603050405020304" pitchFamily="18" charset="0"/>
-              </a:rPr>
-              <a:t>Commun</a:t>
-            </a:r>
-            <a:r>
-              <a:rPr lang="en-US" sz="5600" i="1" dirty="0">
-                <a:latin typeface="Times New Roman" panose="02020603050405020304" pitchFamily="18" charset="0"/>
-                <a:cs typeface="Times New Roman" panose="02020603050405020304" pitchFamily="18" charset="0"/>
-              </a:rPr>
-              <a:t>. Technol. ICCCT-2011</a:t>
-            </a:r>
-            <a:r>
-              <a:rPr lang="en-US" sz="5600" dirty="0">
-                <a:latin typeface="Times New Roman" panose="02020603050405020304" pitchFamily="18" charset="0"/>
-                <a:cs typeface="Times New Roman" panose="02020603050405020304" pitchFamily="18" charset="0"/>
-              </a:rPr>
-              <a:t>, pp. 66–70, 2011.</a:t>
+              <a:rPr lang="en-US" sz="1400" dirty="0">
+                <a:latin typeface="Times New Roman" panose="02020603050405020304" pitchFamily="18" charset="0"/>
+                <a:cs typeface="Times New Roman" panose="02020603050405020304" pitchFamily="18" charset="0"/>
+              </a:rPr>
+              <a:t>[27]	O. Miguel-Hurtado, L. </a:t>
+            </a:r>
+            <a:r>
+              <a:rPr lang="en-US" sz="1400" dirty="0" err="1">
+                <a:latin typeface="Times New Roman" panose="02020603050405020304" pitchFamily="18" charset="0"/>
+                <a:cs typeface="Times New Roman" panose="02020603050405020304" pitchFamily="18" charset="0"/>
+              </a:rPr>
+              <a:t>Mengibar-Pozo</a:t>
+            </a:r>
+            <a:r>
+              <a:rPr lang="en-US" sz="1400" dirty="0">
+                <a:latin typeface="Times New Roman" panose="02020603050405020304" pitchFamily="18" charset="0"/>
+                <a:cs typeface="Times New Roman" panose="02020603050405020304" pitchFamily="18" charset="0"/>
+              </a:rPr>
+              <a:t>, M. G. Lorenz, and J. Liu-Jimenez, “On-Line Signature Verification by Dynamic Time Warping and Gaussian Mixture Models,” </a:t>
+            </a:r>
+            <a:r>
+              <a:rPr lang="en-US" sz="1400" i="1" dirty="0">
+                <a:latin typeface="Times New Roman" panose="02020603050405020304" pitchFamily="18" charset="0"/>
+                <a:cs typeface="Times New Roman" panose="02020603050405020304" pitchFamily="18" charset="0"/>
+              </a:rPr>
+              <a:t>2007 41st </a:t>
+            </a:r>
+            <a:r>
+              <a:rPr lang="en-US" sz="1400" i="1" dirty="0" err="1">
+                <a:latin typeface="Times New Roman" panose="02020603050405020304" pitchFamily="18" charset="0"/>
+                <a:cs typeface="Times New Roman" panose="02020603050405020304" pitchFamily="18" charset="0"/>
+              </a:rPr>
+              <a:t>Annu</a:t>
+            </a:r>
+            <a:r>
+              <a:rPr lang="en-US" sz="1400" i="1" dirty="0">
+                <a:latin typeface="Times New Roman" panose="02020603050405020304" pitchFamily="18" charset="0"/>
+                <a:cs typeface="Times New Roman" panose="02020603050405020304" pitchFamily="18" charset="0"/>
+              </a:rPr>
+              <a:t>. IEEE Int. Carnahan Conf. </a:t>
+            </a:r>
+            <a:r>
+              <a:rPr lang="en-US" sz="1400" i="1" dirty="0" err="1">
+                <a:latin typeface="Times New Roman" panose="02020603050405020304" pitchFamily="18" charset="0"/>
+                <a:cs typeface="Times New Roman" panose="02020603050405020304" pitchFamily="18" charset="0"/>
+              </a:rPr>
+              <a:t>Secur</a:t>
+            </a:r>
+            <a:r>
+              <a:rPr lang="en-US" sz="1400" i="1" dirty="0">
+                <a:latin typeface="Times New Roman" panose="02020603050405020304" pitchFamily="18" charset="0"/>
+                <a:cs typeface="Times New Roman" panose="02020603050405020304" pitchFamily="18" charset="0"/>
+              </a:rPr>
+              <a:t>. Technol.</a:t>
+            </a:r>
+            <a:r>
+              <a:rPr lang="en-US" sz="1400" dirty="0">
+                <a:latin typeface="Times New Roman" panose="02020603050405020304" pitchFamily="18" charset="0"/>
+                <a:cs typeface="Times New Roman" panose="02020603050405020304" pitchFamily="18" charset="0"/>
+              </a:rPr>
+              <a:t>, pp. 23–29, 2007.</a:t>
             </a:r>
           </a:p>
           <a:p>
@@ -9190,81 +10059,39 @@
               <a:buNone/>
             </a:pPr>
             <a:r>
-              <a:rPr lang="en-US" sz="5600" dirty="0">
-                <a:latin typeface="Times New Roman" panose="02020603050405020304" pitchFamily="18" charset="0"/>
-                <a:cs typeface="Times New Roman" panose="02020603050405020304" pitchFamily="18" charset="0"/>
-              </a:rPr>
-              <a:t>[15]	R. Sa-</a:t>
-            </a:r>
-            <a:r>
-              <a:rPr lang="en-US" sz="5600" dirty="0" err="1">
-                <a:latin typeface="Times New Roman" panose="02020603050405020304" pitchFamily="18" charset="0"/>
-                <a:cs typeface="Times New Roman" panose="02020603050405020304" pitchFamily="18" charset="0"/>
-              </a:rPr>
-              <a:t>Ardship</a:t>
-            </a:r>
-            <a:r>
-              <a:rPr lang="en-US" sz="5600" dirty="0">
-                <a:latin typeface="Times New Roman" panose="02020603050405020304" pitchFamily="18" charset="0"/>
-                <a:cs typeface="Times New Roman" panose="02020603050405020304" pitchFamily="18" charset="0"/>
-              </a:rPr>
-              <a:t> and K. </a:t>
-            </a:r>
-            <a:r>
-              <a:rPr lang="en-US" sz="5600" dirty="0" err="1">
-                <a:latin typeface="Times New Roman" panose="02020603050405020304" pitchFamily="18" charset="0"/>
-                <a:cs typeface="Times New Roman" panose="02020603050405020304" pitchFamily="18" charset="0"/>
-              </a:rPr>
-              <a:t>Woraratpanya</a:t>
-            </a:r>
-            <a:r>
-              <a:rPr lang="en-US" sz="5600" dirty="0">
-                <a:latin typeface="Times New Roman" panose="02020603050405020304" pitchFamily="18" charset="0"/>
-                <a:cs typeface="Times New Roman" panose="02020603050405020304" pitchFamily="18" charset="0"/>
-              </a:rPr>
-              <a:t>, “Offline Handwritten Signature Recognition Using Polar-Scale Normalization,” </a:t>
-            </a:r>
-            <a:r>
-              <a:rPr lang="en-US" sz="5600" i="1" dirty="0">
-                <a:latin typeface="Times New Roman" panose="02020603050405020304" pitchFamily="18" charset="0"/>
-                <a:cs typeface="Times New Roman" panose="02020603050405020304" pitchFamily="18" charset="0"/>
-              </a:rPr>
-              <a:t>8th Int. Conf. Inf. Technol. </a:t>
-            </a:r>
-            <a:r>
-              <a:rPr lang="en-US" sz="5600" i="1" dirty="0" err="1">
-                <a:latin typeface="Times New Roman" panose="02020603050405020304" pitchFamily="18" charset="0"/>
-                <a:cs typeface="Times New Roman" panose="02020603050405020304" pitchFamily="18" charset="0"/>
-              </a:rPr>
-              <a:t>Electr</a:t>
-            </a:r>
-            <a:r>
-              <a:rPr lang="en-US" sz="5600" i="1" dirty="0">
-                <a:latin typeface="Times New Roman" panose="02020603050405020304" pitchFamily="18" charset="0"/>
-                <a:cs typeface="Times New Roman" panose="02020603050405020304" pitchFamily="18" charset="0"/>
-              </a:rPr>
-              <a:t>. Eng. (ICITEE), Yogyakarta, </a:t>
-            </a:r>
-            <a:r>
-              <a:rPr lang="en-US" sz="5600" i="1" dirty="0" err="1">
-                <a:latin typeface="Times New Roman" panose="02020603050405020304" pitchFamily="18" charset="0"/>
-                <a:cs typeface="Times New Roman" panose="02020603050405020304" pitchFamily="18" charset="0"/>
-              </a:rPr>
-              <a:t>Indones</a:t>
-            </a:r>
-            <a:r>
-              <a:rPr lang="en-US" sz="5600" i="1" dirty="0">
+              <a:rPr lang="en-US" sz="1400" dirty="0">
+                <a:latin typeface="Times New Roman" panose="02020603050405020304" pitchFamily="18" charset="0"/>
+                <a:cs typeface="Times New Roman" panose="02020603050405020304" pitchFamily="18" charset="0"/>
+              </a:rPr>
+              <a:t>[28]	M. Ferrer and J. Vargas, “Robustness of offline signature verification based on gray level features,” </a:t>
+            </a:r>
+            <a:r>
+              <a:rPr lang="en-US" sz="1400" i="1" dirty="0">
+                <a:latin typeface="Times New Roman" panose="02020603050405020304" pitchFamily="18" charset="0"/>
+                <a:cs typeface="Times New Roman" panose="02020603050405020304" pitchFamily="18" charset="0"/>
+              </a:rPr>
+              <a:t>IEEE Trans. Inf. FORENSICS </a:t>
+            </a:r>
+            <a:r>
+              <a:rPr lang="en-US" sz="1400" i="1" dirty="0" err="1">
+                <a:latin typeface="Times New Roman" panose="02020603050405020304" pitchFamily="18" charset="0"/>
+                <a:cs typeface="Times New Roman" panose="02020603050405020304" pitchFamily="18" charset="0"/>
+              </a:rPr>
+              <a:t>Secur</a:t>
+            </a:r>
+            <a:r>
+              <a:rPr lang="en-US" sz="1400" i="1" dirty="0">
                 <a:latin typeface="Times New Roman" panose="02020603050405020304" pitchFamily="18" charset="0"/>
                 <a:cs typeface="Times New Roman" panose="02020603050405020304" pitchFamily="18" charset="0"/>
               </a:rPr>
               <a:t>.</a:t>
             </a:r>
             <a:r>
-              <a:rPr lang="en-US" sz="5600" dirty="0">
-                <a:latin typeface="Times New Roman" panose="02020603050405020304" pitchFamily="18" charset="0"/>
-                <a:cs typeface="Times New Roman" panose="02020603050405020304" pitchFamily="18" charset="0"/>
-              </a:rPr>
-              <a:t>, pp. 3–7, 2016.</a:t>
+              <a:rPr lang="en-US" sz="1400" dirty="0">
+                <a:latin typeface="Times New Roman" panose="02020603050405020304" pitchFamily="18" charset="0"/>
+                <a:cs typeface="Times New Roman" panose="02020603050405020304" pitchFamily="18" charset="0"/>
+              </a:rPr>
+              <a:t>, vol. 7, no. 3, pp. 966–977, 2012.</a:t>
             </a:r>
           </a:p>
           <a:p>
@@ -9272,81 +10099,81 @@
               <a:buNone/>
             </a:pPr>
             <a:r>
-              <a:rPr lang="en-US" sz="5600" dirty="0">
-                <a:latin typeface="Times New Roman" panose="02020603050405020304" pitchFamily="18" charset="0"/>
-                <a:cs typeface="Times New Roman" panose="02020603050405020304" pitchFamily="18" charset="0"/>
-              </a:rPr>
-              <a:t>[16]	A. </a:t>
-            </a:r>
-            <a:r>
-              <a:rPr lang="en-US" sz="5600" dirty="0" err="1">
-                <a:latin typeface="Times New Roman" panose="02020603050405020304" pitchFamily="18" charset="0"/>
-                <a:cs typeface="Times New Roman" panose="02020603050405020304" pitchFamily="18" charset="0"/>
-              </a:rPr>
-              <a:t>Piyush</a:t>
-            </a:r>
-            <a:r>
-              <a:rPr lang="en-US" sz="5600" dirty="0">
-                <a:latin typeface="Times New Roman" panose="02020603050405020304" pitchFamily="18" charset="0"/>
-                <a:cs typeface="Times New Roman" panose="02020603050405020304" pitchFamily="18" charset="0"/>
-              </a:rPr>
-              <a:t> </a:t>
-            </a:r>
-            <a:r>
-              <a:rPr lang="en-US" sz="5600" dirty="0" err="1">
-                <a:latin typeface="Times New Roman" panose="02020603050405020304" pitchFamily="18" charset="0"/>
-                <a:cs typeface="Times New Roman" panose="02020603050405020304" pitchFamily="18" charset="0"/>
-              </a:rPr>
-              <a:t>Shanker</a:t>
-            </a:r>
-            <a:r>
-              <a:rPr lang="en-US" sz="5600" dirty="0">
-                <a:latin typeface="Times New Roman" panose="02020603050405020304" pitchFamily="18" charset="0"/>
-                <a:cs typeface="Times New Roman" panose="02020603050405020304" pitchFamily="18" charset="0"/>
-              </a:rPr>
-              <a:t> and A. N. </a:t>
-            </a:r>
-            <a:r>
-              <a:rPr lang="en-US" sz="5600" dirty="0" err="1">
-                <a:latin typeface="Times New Roman" panose="02020603050405020304" pitchFamily="18" charset="0"/>
-                <a:cs typeface="Times New Roman" panose="02020603050405020304" pitchFamily="18" charset="0"/>
-              </a:rPr>
-              <a:t>Rajagopalan</a:t>
-            </a:r>
-            <a:r>
-              <a:rPr lang="en-US" sz="5600" dirty="0">
-                <a:latin typeface="Times New Roman" panose="02020603050405020304" pitchFamily="18" charset="0"/>
-                <a:cs typeface="Times New Roman" panose="02020603050405020304" pitchFamily="18" charset="0"/>
-              </a:rPr>
-              <a:t>, “Off-line signature verification using DTW,” </a:t>
-            </a:r>
-            <a:r>
-              <a:rPr lang="en-US" sz="5600" i="1" dirty="0">
-                <a:latin typeface="Times New Roman" panose="02020603050405020304" pitchFamily="18" charset="0"/>
-                <a:cs typeface="Times New Roman" panose="02020603050405020304" pitchFamily="18" charset="0"/>
-              </a:rPr>
-              <a:t>Pattern </a:t>
-            </a:r>
-            <a:r>
-              <a:rPr lang="en-US" sz="5600" i="1" dirty="0" err="1">
-                <a:latin typeface="Times New Roman" panose="02020603050405020304" pitchFamily="18" charset="0"/>
-                <a:cs typeface="Times New Roman" panose="02020603050405020304" pitchFamily="18" charset="0"/>
-              </a:rPr>
-              <a:t>Recognit</a:t>
-            </a:r>
-            <a:r>
-              <a:rPr lang="en-US" sz="5600" i="1" dirty="0">
-                <a:latin typeface="Times New Roman" panose="02020603050405020304" pitchFamily="18" charset="0"/>
-                <a:cs typeface="Times New Roman" panose="02020603050405020304" pitchFamily="18" charset="0"/>
-              </a:rPr>
-              <a:t>. Lett.</a:t>
-            </a:r>
-            <a:r>
-              <a:rPr lang="en-US" sz="5600" dirty="0">
-                <a:latin typeface="Times New Roman" panose="02020603050405020304" pitchFamily="18" charset="0"/>
-                <a:cs typeface="Times New Roman" panose="02020603050405020304" pitchFamily="18" charset="0"/>
-              </a:rPr>
-              <a:t>, vol. 28, no. 12, pp. 1407–1414, 2007.</a:t>
+              <a:rPr lang="en-US" sz="1400" dirty="0">
+                <a:latin typeface="Times New Roman" panose="02020603050405020304" pitchFamily="18" charset="0"/>
+                <a:cs typeface="Times New Roman" panose="02020603050405020304" pitchFamily="18" charset="0"/>
+              </a:rPr>
+              <a:t>[29]	B. </a:t>
+            </a:r>
+            <a:r>
+              <a:rPr lang="en-US" sz="1400" dirty="0" err="1">
+                <a:latin typeface="Times New Roman" panose="02020603050405020304" pitchFamily="18" charset="0"/>
+                <a:cs typeface="Times New Roman" panose="02020603050405020304" pitchFamily="18" charset="0"/>
+              </a:rPr>
+              <a:t>Erkmen</a:t>
+            </a:r>
+            <a:r>
+              <a:rPr lang="en-US" sz="1400" dirty="0">
+                <a:latin typeface="Times New Roman" panose="02020603050405020304" pitchFamily="18" charset="0"/>
+                <a:cs typeface="Times New Roman" panose="02020603050405020304" pitchFamily="18" charset="0"/>
+              </a:rPr>
+              <a:t>, N. </a:t>
+            </a:r>
+            <a:r>
+              <a:rPr lang="en-US" sz="1400" dirty="0" err="1">
+                <a:latin typeface="Times New Roman" panose="02020603050405020304" pitchFamily="18" charset="0"/>
+                <a:cs typeface="Times New Roman" panose="02020603050405020304" pitchFamily="18" charset="0"/>
+              </a:rPr>
+              <a:t>Kahraman</a:t>
+            </a:r>
+            <a:r>
+              <a:rPr lang="en-US" sz="1400" dirty="0">
+                <a:latin typeface="Times New Roman" panose="02020603050405020304" pitchFamily="18" charset="0"/>
+                <a:cs typeface="Times New Roman" panose="02020603050405020304" pitchFamily="18" charset="0"/>
+              </a:rPr>
+              <a:t>, R. A. </a:t>
+            </a:r>
+            <a:r>
+              <a:rPr lang="en-US" sz="1400" dirty="0" err="1">
+                <a:latin typeface="Times New Roman" panose="02020603050405020304" pitchFamily="18" charset="0"/>
+                <a:cs typeface="Times New Roman" panose="02020603050405020304" pitchFamily="18" charset="0"/>
+              </a:rPr>
+              <a:t>Vural</a:t>
+            </a:r>
+            <a:r>
+              <a:rPr lang="en-US" sz="1400" dirty="0">
+                <a:latin typeface="Times New Roman" panose="02020603050405020304" pitchFamily="18" charset="0"/>
+                <a:cs typeface="Times New Roman" panose="02020603050405020304" pitchFamily="18" charset="0"/>
+              </a:rPr>
+              <a:t>, and T. </a:t>
+            </a:r>
+            <a:r>
+              <a:rPr lang="en-US" sz="1400" dirty="0" err="1">
+                <a:latin typeface="Times New Roman" panose="02020603050405020304" pitchFamily="18" charset="0"/>
+                <a:cs typeface="Times New Roman" panose="02020603050405020304" pitchFamily="18" charset="0"/>
+              </a:rPr>
+              <a:t>Yildirim</a:t>
+            </a:r>
+            <a:r>
+              <a:rPr lang="en-US" sz="1400" dirty="0">
+                <a:latin typeface="Times New Roman" panose="02020603050405020304" pitchFamily="18" charset="0"/>
+                <a:cs typeface="Times New Roman" panose="02020603050405020304" pitchFamily="18" charset="0"/>
+              </a:rPr>
+              <a:t>, “Conic section function neural network circuitry for offline signature recognition,” </a:t>
+            </a:r>
+            <a:r>
+              <a:rPr lang="en-US" sz="1400" i="1" dirty="0">
+                <a:latin typeface="Times New Roman" panose="02020603050405020304" pitchFamily="18" charset="0"/>
+                <a:cs typeface="Times New Roman" panose="02020603050405020304" pitchFamily="18" charset="0"/>
+              </a:rPr>
+              <a:t>IEEE Trans. Neural Networks</a:t>
+            </a:r>
+            <a:r>
+              <a:rPr lang="en-US" sz="1400" dirty="0">
+                <a:latin typeface="Times New Roman" panose="02020603050405020304" pitchFamily="18" charset="0"/>
+                <a:cs typeface="Times New Roman" panose="02020603050405020304" pitchFamily="18" charset="0"/>
+              </a:rPr>
+              <a:t>, vol. 21, no. 4, pp. 667–672, 2010.</a:t>
             </a:r>
           </a:p>
           <a:p>
@@ -9354,95 +10181,39 @@
               <a:buNone/>
             </a:pPr>
             <a:r>
-              <a:rPr lang="en-US" sz="5600" dirty="0">
-                <a:latin typeface="Times New Roman" panose="02020603050405020304" pitchFamily="18" charset="0"/>
-                <a:cs typeface="Times New Roman" panose="02020603050405020304" pitchFamily="18" charset="0"/>
-              </a:rPr>
-              <a:t>[17]	Nancy and P. G. </a:t>
-            </a:r>
-            <a:r>
-              <a:rPr lang="en-US" sz="5600" dirty="0" err="1">
-                <a:latin typeface="Times New Roman" panose="02020603050405020304" pitchFamily="18" charset="0"/>
-                <a:cs typeface="Times New Roman" panose="02020603050405020304" pitchFamily="18" charset="0"/>
-              </a:rPr>
-              <a:t>Goyal</a:t>
-            </a:r>
-            <a:r>
-              <a:rPr lang="en-US" sz="5600" dirty="0">
-                <a:latin typeface="Times New Roman" panose="02020603050405020304" pitchFamily="18" charset="0"/>
-                <a:cs typeface="Times New Roman" panose="02020603050405020304" pitchFamily="18" charset="0"/>
-              </a:rPr>
-              <a:t>, “Signature Processing in Handwritten Bank </a:t>
-            </a:r>
-            <a:r>
-              <a:rPr lang="en-US" sz="5600" dirty="0" err="1">
-                <a:latin typeface="Times New Roman" panose="02020603050405020304" pitchFamily="18" charset="0"/>
-                <a:cs typeface="Times New Roman" panose="02020603050405020304" pitchFamily="18" charset="0"/>
-              </a:rPr>
-              <a:t>Cheque</a:t>
-            </a:r>
-            <a:r>
-              <a:rPr lang="en-US" sz="5600" dirty="0">
-                <a:latin typeface="Times New Roman" panose="02020603050405020304" pitchFamily="18" charset="0"/>
-                <a:cs typeface="Times New Roman" panose="02020603050405020304" pitchFamily="18" charset="0"/>
-              </a:rPr>
-              <a:t> Images,” </a:t>
-            </a:r>
-            <a:r>
-              <a:rPr lang="en-US" sz="5600" i="1" dirty="0">
-                <a:latin typeface="Times New Roman" panose="02020603050405020304" pitchFamily="18" charset="0"/>
-                <a:cs typeface="Times New Roman" panose="02020603050405020304" pitchFamily="18" charset="0"/>
-              </a:rPr>
-              <a:t>Int. J. Recent </a:t>
-            </a:r>
-            <a:r>
-              <a:rPr lang="en-US" sz="5600" i="1" dirty="0" err="1">
-                <a:latin typeface="Times New Roman" panose="02020603050405020304" pitchFamily="18" charset="0"/>
-                <a:cs typeface="Times New Roman" panose="02020603050405020304" pitchFamily="18" charset="0"/>
-              </a:rPr>
-              <a:t>Innov</a:t>
-            </a:r>
-            <a:r>
-              <a:rPr lang="en-US" sz="5600" i="1" dirty="0">
-                <a:latin typeface="Times New Roman" panose="02020603050405020304" pitchFamily="18" charset="0"/>
-                <a:cs typeface="Times New Roman" panose="02020603050405020304" pitchFamily="18" charset="0"/>
-              </a:rPr>
-              <a:t>. Trends </a:t>
-            </a:r>
-            <a:r>
-              <a:rPr lang="en-US" sz="5600" i="1" dirty="0" err="1">
-                <a:latin typeface="Times New Roman" panose="02020603050405020304" pitchFamily="18" charset="0"/>
-                <a:cs typeface="Times New Roman" panose="02020603050405020304" pitchFamily="18" charset="0"/>
-              </a:rPr>
-              <a:t>Comput</a:t>
-            </a:r>
-            <a:r>
-              <a:rPr lang="en-US" sz="5600" i="1" dirty="0">
-                <a:latin typeface="Times New Roman" panose="02020603050405020304" pitchFamily="18" charset="0"/>
-                <a:cs typeface="Times New Roman" panose="02020603050405020304" pitchFamily="18" charset="0"/>
-              </a:rPr>
-              <a:t>. </a:t>
-            </a:r>
-            <a:r>
-              <a:rPr lang="en-US" sz="5600" i="1" dirty="0" err="1">
-                <a:latin typeface="Times New Roman" panose="02020603050405020304" pitchFamily="18" charset="0"/>
-                <a:cs typeface="Times New Roman" panose="02020603050405020304" pitchFamily="18" charset="0"/>
-              </a:rPr>
-              <a:t>Commun</a:t>
-            </a:r>
-            <a:r>
-              <a:rPr lang="en-US" sz="5600" i="1" dirty="0">
+              <a:rPr lang="en-US" sz="1400" dirty="0">
+                <a:latin typeface="Times New Roman" panose="02020603050405020304" pitchFamily="18" charset="0"/>
+                <a:cs typeface="Times New Roman" panose="02020603050405020304" pitchFamily="18" charset="0"/>
+              </a:rPr>
+              <a:t>[30]	M. A. Ferrer, A. Morales, and J. F. Vargas, “Off-line signature verification using local patterns,” </a:t>
+            </a:r>
+            <a:r>
+              <a:rPr lang="en-US" sz="1400" i="1" dirty="0">
+                <a:latin typeface="Times New Roman" panose="02020603050405020304" pitchFamily="18" charset="0"/>
+                <a:cs typeface="Times New Roman" panose="02020603050405020304" pitchFamily="18" charset="0"/>
+              </a:rPr>
+              <a:t>2nd Natl. Conf. </a:t>
+            </a:r>
+            <a:r>
+              <a:rPr lang="en-US" sz="1400" i="1" dirty="0" err="1">
+                <a:latin typeface="Times New Roman" panose="02020603050405020304" pitchFamily="18" charset="0"/>
+                <a:cs typeface="Times New Roman" panose="02020603050405020304" pitchFamily="18" charset="0"/>
+              </a:rPr>
+              <a:t>Telecommun</a:t>
+            </a:r>
+            <a:r>
+              <a:rPr lang="en-US" sz="1400" i="1" dirty="0">
                 <a:latin typeface="Times New Roman" panose="02020603050405020304" pitchFamily="18" charset="0"/>
                 <a:cs typeface="Times New Roman" panose="02020603050405020304" pitchFamily="18" charset="0"/>
               </a:rPr>
               <a:t>.</a:t>
             </a:r>
             <a:r>
-              <a:rPr lang="en-US" sz="5600" dirty="0">
-                <a:latin typeface="Times New Roman" panose="02020603050405020304" pitchFamily="18" charset="0"/>
-                <a:cs typeface="Times New Roman" panose="02020603050405020304" pitchFamily="18" charset="0"/>
-              </a:rPr>
-              <a:t>, vol. 2, no. 5, pp. 1239–1243, 2014.</a:t>
+              <a:rPr lang="en-US" sz="1400" dirty="0">
+                <a:latin typeface="Times New Roman" panose="02020603050405020304" pitchFamily="18" charset="0"/>
+                <a:cs typeface="Times New Roman" panose="02020603050405020304" pitchFamily="18" charset="0"/>
+              </a:rPr>
+              <a:t>, pp. 1–6, 2011.</a:t>
             </a:r>
           </a:p>
           <a:p>
@@ -9450,53 +10221,53 @@
               <a:buNone/>
             </a:pPr>
             <a:r>
-              <a:rPr lang="en-US" sz="5600" dirty="0">
-                <a:latin typeface="Times New Roman" panose="02020603050405020304" pitchFamily="18" charset="0"/>
-                <a:cs typeface="Times New Roman" panose="02020603050405020304" pitchFamily="18" charset="0"/>
-              </a:rPr>
-              <a:t>[18]	A. T. Nasser and N. </a:t>
-            </a:r>
-            <a:r>
-              <a:rPr lang="en-US" sz="5600" dirty="0" err="1">
-                <a:latin typeface="Times New Roman" panose="02020603050405020304" pitchFamily="18" charset="0"/>
-                <a:cs typeface="Times New Roman" panose="02020603050405020304" pitchFamily="18" charset="0"/>
-              </a:rPr>
-              <a:t>Dogru</a:t>
-            </a:r>
-            <a:r>
-              <a:rPr lang="en-US" sz="5600" dirty="0">
-                <a:latin typeface="Times New Roman" panose="02020603050405020304" pitchFamily="18" charset="0"/>
-                <a:cs typeface="Times New Roman" panose="02020603050405020304" pitchFamily="18" charset="0"/>
-              </a:rPr>
-              <a:t>, “Signature recognition by using SIFT and SURF with SVM basic on RBF for voting online,” </a:t>
-            </a:r>
-            <a:r>
-              <a:rPr lang="en-US" sz="5600" i="1" dirty="0">
-                <a:latin typeface="Times New Roman" panose="02020603050405020304" pitchFamily="18" charset="0"/>
-                <a:cs typeface="Times New Roman" panose="02020603050405020304" pitchFamily="18" charset="0"/>
-              </a:rPr>
-              <a:t>Proc. 2017 Int. Conf. Eng. Technol. ICET 2017</a:t>
-            </a:r>
-            <a:r>
-              <a:rPr lang="en-US" sz="5600" dirty="0">
-                <a:latin typeface="Times New Roman" panose="02020603050405020304" pitchFamily="18" charset="0"/>
-                <a:cs typeface="Times New Roman" panose="02020603050405020304" pitchFamily="18" charset="0"/>
-              </a:rPr>
-              <a:t>, vol. 2018–</a:t>
-            </a:r>
-            <a:r>
-              <a:rPr lang="en-US" sz="5600" dirty="0" err="1">
-                <a:latin typeface="Times New Roman" panose="02020603050405020304" pitchFamily="18" charset="0"/>
-                <a:cs typeface="Times New Roman" panose="02020603050405020304" pitchFamily="18" charset="0"/>
-              </a:rPr>
-              <a:t>Janua</a:t>
-            </a:r>
-            <a:r>
-              <a:rPr lang="en-US" sz="5600" dirty="0">
-                <a:latin typeface="Times New Roman" panose="02020603050405020304" pitchFamily="18" charset="0"/>
-                <a:cs typeface="Times New Roman" panose="02020603050405020304" pitchFamily="18" charset="0"/>
-              </a:rPr>
-              <a:t>, pp. 1–5, 2017.</a:t>
+              <a:rPr lang="en-US" sz="1400" dirty="0">
+                <a:latin typeface="Times New Roman" panose="02020603050405020304" pitchFamily="18" charset="0"/>
+                <a:cs typeface="Times New Roman" panose="02020603050405020304" pitchFamily="18" charset="0"/>
+              </a:rPr>
+              <a:t>[31]	M. Tahir and M. U. </a:t>
+            </a:r>
+            <a:r>
+              <a:rPr lang="en-US" sz="1400" dirty="0" err="1">
+                <a:latin typeface="Times New Roman" panose="02020603050405020304" pitchFamily="18" charset="0"/>
+                <a:cs typeface="Times New Roman" panose="02020603050405020304" pitchFamily="18" charset="0"/>
+              </a:rPr>
+              <a:t>Akram</a:t>
+            </a:r>
+            <a:r>
+              <a:rPr lang="en-US" sz="1400" dirty="0">
+                <a:latin typeface="Times New Roman" panose="02020603050405020304" pitchFamily="18" charset="0"/>
+                <a:cs typeface="Times New Roman" panose="02020603050405020304" pitchFamily="18" charset="0"/>
+              </a:rPr>
+              <a:t>, “Online Signature Verification using Hybrid Features,” </a:t>
+            </a:r>
+            <a:r>
+              <a:rPr lang="en-US" sz="1400" i="1" dirty="0">
+                <a:latin typeface="Times New Roman" panose="02020603050405020304" pitchFamily="18" charset="0"/>
+                <a:cs typeface="Times New Roman" panose="02020603050405020304" pitchFamily="18" charset="0"/>
+              </a:rPr>
+              <a:t>Conf. Inf. </a:t>
+            </a:r>
+            <a:r>
+              <a:rPr lang="en-US" sz="1400" i="1" dirty="0" err="1">
+                <a:latin typeface="Times New Roman" panose="02020603050405020304" pitchFamily="18" charset="0"/>
+                <a:cs typeface="Times New Roman" panose="02020603050405020304" pitchFamily="18" charset="0"/>
+              </a:rPr>
+              <a:t>Commun</a:t>
+            </a:r>
+            <a:r>
+              <a:rPr lang="en-US" sz="1400" i="1" dirty="0">
+                <a:latin typeface="Times New Roman" panose="02020603050405020304" pitchFamily="18" charset="0"/>
+                <a:cs typeface="Times New Roman" panose="02020603050405020304" pitchFamily="18" charset="0"/>
+              </a:rPr>
+              <a:t>. Technol. Soc. Online</a:t>
+            </a:r>
+            <a:r>
+              <a:rPr lang="en-US" sz="1400" dirty="0">
+                <a:latin typeface="Times New Roman" panose="02020603050405020304" pitchFamily="18" charset="0"/>
+                <a:cs typeface="Times New Roman" panose="02020603050405020304" pitchFamily="18" charset="0"/>
+              </a:rPr>
+              <a:t>, pp. 11–16, 2018.</a:t>
             </a:r>
           </a:p>
           <a:p>
@@ -9504,53 +10275,53 @@
               <a:buNone/>
             </a:pPr>
             <a:r>
-              <a:rPr lang="en-US" sz="5600" dirty="0">
-                <a:latin typeface="Times New Roman" panose="02020603050405020304" pitchFamily="18" charset="0"/>
-                <a:cs typeface="Times New Roman" panose="02020603050405020304" pitchFamily="18" charset="0"/>
-              </a:rPr>
-              <a:t>[19]	A. Kumar and K. Bhatia, “A Robust Offline Handwritten Signature Verification System Using Writer Independent Approach,” </a:t>
-            </a:r>
-            <a:r>
-              <a:rPr lang="en-US" sz="5600" i="1" dirty="0">
-                <a:latin typeface="Times New Roman" panose="02020603050405020304" pitchFamily="18" charset="0"/>
-                <a:cs typeface="Times New Roman" panose="02020603050405020304" pitchFamily="18" charset="0"/>
-              </a:rPr>
-              <a:t>3rd Int. Conf. Adv. </a:t>
-            </a:r>
-            <a:r>
-              <a:rPr lang="en-US" sz="5600" i="1" dirty="0" err="1">
+              <a:rPr lang="en-US" sz="1400" dirty="0">
+                <a:latin typeface="Times New Roman" panose="02020603050405020304" pitchFamily="18" charset="0"/>
+                <a:cs typeface="Times New Roman" panose="02020603050405020304" pitchFamily="18" charset="0"/>
+              </a:rPr>
+              <a:t>[32]	M. Pal, S. Bhattacharyya, and T. Sarkar, “Euler number based feature extraction technique for Gender Discrimination from offline Hindi signature using SVM &amp; BPNN classifier,” </a:t>
+            </a:r>
+            <a:r>
+              <a:rPr lang="en-US" sz="1400" i="1" dirty="0">
+                <a:latin typeface="Times New Roman" panose="02020603050405020304" pitchFamily="18" charset="0"/>
+                <a:cs typeface="Times New Roman" panose="02020603050405020304" pitchFamily="18" charset="0"/>
+              </a:rPr>
+              <a:t>2018 </a:t>
+            </a:r>
+            <a:r>
+              <a:rPr lang="en-US" sz="1400" i="1" dirty="0" err="1">
+                <a:latin typeface="Times New Roman" panose="02020603050405020304" pitchFamily="18" charset="0"/>
+                <a:cs typeface="Times New Roman" panose="02020603050405020304" pitchFamily="18" charset="0"/>
+              </a:rPr>
+              <a:t>Emerg</a:t>
+            </a:r>
+            <a:r>
+              <a:rPr lang="en-US" sz="1400" i="1" dirty="0">
+                <a:latin typeface="Times New Roman" panose="02020603050405020304" pitchFamily="18" charset="0"/>
+                <a:cs typeface="Times New Roman" panose="02020603050405020304" pitchFamily="18" charset="0"/>
+              </a:rPr>
+              <a:t>. Trends Electron. Devices </a:t>
+            </a:r>
+            <a:r>
+              <a:rPr lang="en-US" sz="1400" i="1" dirty="0" err="1">
                 <a:latin typeface="Times New Roman" panose="02020603050405020304" pitchFamily="18" charset="0"/>
                 <a:cs typeface="Times New Roman" panose="02020603050405020304" pitchFamily="18" charset="0"/>
               </a:rPr>
               <a:t>Comput</a:t>
             </a:r>
             <a:r>
-              <a:rPr lang="en-US" sz="5600" i="1" dirty="0">
-                <a:latin typeface="Times New Roman" panose="02020603050405020304" pitchFamily="18" charset="0"/>
-                <a:cs typeface="Times New Roman" panose="02020603050405020304" pitchFamily="18" charset="0"/>
-              </a:rPr>
-              <a:t>. </a:t>
-            </a:r>
-            <a:r>
-              <a:rPr lang="en-US" sz="5600" i="1" dirty="0" err="1">
-                <a:latin typeface="Times New Roman" panose="02020603050405020304" pitchFamily="18" charset="0"/>
-                <a:cs typeface="Times New Roman" panose="02020603050405020304" pitchFamily="18" charset="0"/>
-              </a:rPr>
-              <a:t>Autom</a:t>
-            </a:r>
-            <a:r>
-              <a:rPr lang="en-US" sz="5600" i="1" dirty="0">
-                <a:latin typeface="Times New Roman" panose="02020603050405020304" pitchFamily="18" charset="0"/>
-                <a:cs typeface="Times New Roman" panose="02020603050405020304" pitchFamily="18" charset="0"/>
-              </a:rPr>
-              <a:t>.</a:t>
-            </a:r>
-            <a:r>
-              <a:rPr lang="en-US" sz="5600" dirty="0">
-                <a:latin typeface="Times New Roman" panose="02020603050405020304" pitchFamily="18" charset="0"/>
-                <a:cs typeface="Times New Roman" panose="02020603050405020304" pitchFamily="18" charset="0"/>
-              </a:rPr>
-              <a:t>, 2017.</a:t>
+              <a:rPr lang="en-US" sz="1400" i="1" dirty="0">
+                <a:latin typeface="Times New Roman" panose="02020603050405020304" pitchFamily="18" charset="0"/>
+                <a:cs typeface="Times New Roman" panose="02020603050405020304" pitchFamily="18" charset="0"/>
+              </a:rPr>
+              <a:t>. Tech.</a:t>
+            </a:r>
+            <a:r>
+              <a:rPr lang="en-US" sz="1400" dirty="0">
+                <a:latin typeface="Times New Roman" panose="02020603050405020304" pitchFamily="18" charset="0"/>
+                <a:cs typeface="Times New Roman" panose="02020603050405020304" pitchFamily="18" charset="0"/>
+              </a:rPr>
+              <a:t>, pp. 1–6, 2004.</a:t>
             </a:r>
           </a:p>
           <a:p>
@@ -9558,245 +10329,76 @@
               <a:buNone/>
             </a:pPr>
             <a:r>
-              <a:rPr lang="en-US" sz="5600" dirty="0">
-                <a:latin typeface="Times New Roman" panose="02020603050405020304" pitchFamily="18" charset="0"/>
-                <a:cs typeface="Times New Roman" panose="02020603050405020304" pitchFamily="18" charset="0"/>
-              </a:rPr>
-              <a:t>[20]	H. </a:t>
-            </a:r>
-            <a:r>
-              <a:rPr lang="en-US" sz="5600" dirty="0" err="1">
-                <a:latin typeface="Times New Roman" panose="02020603050405020304" pitchFamily="18" charset="0"/>
-                <a:cs typeface="Times New Roman" panose="02020603050405020304" pitchFamily="18" charset="0"/>
-              </a:rPr>
-              <a:t>Anand</a:t>
-            </a:r>
-            <a:r>
-              <a:rPr lang="en-US" sz="5600" dirty="0">
-                <a:latin typeface="Times New Roman" panose="02020603050405020304" pitchFamily="18" charset="0"/>
-                <a:cs typeface="Times New Roman" panose="02020603050405020304" pitchFamily="18" charset="0"/>
-              </a:rPr>
-              <a:t>, “Enhanced Signature Verification and RECOGNITION USING MATLAB,” </a:t>
-            </a:r>
-            <a:r>
-              <a:rPr lang="en-US" sz="5600" i="1" dirty="0">
-                <a:latin typeface="Times New Roman" panose="02020603050405020304" pitchFamily="18" charset="0"/>
-                <a:cs typeface="Times New Roman" panose="02020603050405020304" pitchFamily="18" charset="0"/>
-              </a:rPr>
-              <a:t>Int. J. </a:t>
-            </a:r>
-            <a:r>
-              <a:rPr lang="en-US" sz="5600" i="1" dirty="0" err="1">
-                <a:latin typeface="Times New Roman" panose="02020603050405020304" pitchFamily="18" charset="0"/>
-                <a:cs typeface="Times New Roman" panose="02020603050405020304" pitchFamily="18" charset="0"/>
-              </a:rPr>
-              <a:t>Innov</a:t>
-            </a:r>
-            <a:r>
-              <a:rPr lang="en-US" sz="5600" i="1" dirty="0">
-                <a:latin typeface="Times New Roman" panose="02020603050405020304" pitchFamily="18" charset="0"/>
-                <a:cs typeface="Times New Roman" panose="02020603050405020304" pitchFamily="18" charset="0"/>
-              </a:rPr>
-              <a:t>. Res. Adv. Eng.</a:t>
-            </a:r>
-            <a:r>
-              <a:rPr lang="en-US" sz="5600" dirty="0">
-                <a:latin typeface="Times New Roman" panose="02020603050405020304" pitchFamily="18" charset="0"/>
-                <a:cs typeface="Times New Roman" panose="02020603050405020304" pitchFamily="18" charset="0"/>
-              </a:rPr>
-              <a:t>, vol. 1, no. 4, pp. 88–94, 2014.</a:t>
-            </a:r>
-          </a:p>
-          <a:p>
-            <a:pPr marL="514350" indent="-514350">
-              <a:buNone/>
-            </a:pPr>
-            <a:r>
-              <a:rPr lang="en-US" sz="5600" dirty="0">
-                <a:latin typeface="Times New Roman" panose="02020603050405020304" pitchFamily="18" charset="0"/>
-                <a:cs typeface="Times New Roman" panose="02020603050405020304" pitchFamily="18" charset="0"/>
-              </a:rPr>
-              <a:t>[21]	B. H. </a:t>
-            </a:r>
-            <a:r>
-              <a:rPr lang="en-US" sz="5600" dirty="0" err="1">
-                <a:latin typeface="Times New Roman" panose="02020603050405020304" pitchFamily="18" charset="0"/>
-                <a:cs typeface="Times New Roman" panose="02020603050405020304" pitchFamily="18" charset="0"/>
-              </a:rPr>
-              <a:t>Shekar</a:t>
-            </a:r>
-            <a:r>
-              <a:rPr lang="en-US" sz="5600" dirty="0">
-                <a:latin typeface="Times New Roman" panose="02020603050405020304" pitchFamily="18" charset="0"/>
-                <a:cs typeface="Times New Roman" panose="02020603050405020304" pitchFamily="18" charset="0"/>
-              </a:rPr>
-              <a:t> and R. K. </a:t>
-            </a:r>
-            <a:r>
-              <a:rPr lang="en-US" sz="5600" dirty="0" err="1">
-                <a:latin typeface="Times New Roman" panose="02020603050405020304" pitchFamily="18" charset="0"/>
-                <a:cs typeface="Times New Roman" panose="02020603050405020304" pitchFamily="18" charset="0"/>
-              </a:rPr>
-              <a:t>Bharathi</a:t>
-            </a:r>
-            <a:r>
-              <a:rPr lang="en-US" sz="5600" dirty="0">
-                <a:latin typeface="Times New Roman" panose="02020603050405020304" pitchFamily="18" charset="0"/>
-                <a:cs typeface="Times New Roman" panose="02020603050405020304" pitchFamily="18" charset="0"/>
-              </a:rPr>
-              <a:t>, “Eigen-signature: A robust and an efficient offline signature verification algorithm,” </a:t>
-            </a:r>
-            <a:r>
-              <a:rPr lang="en-US" sz="5600" i="1" dirty="0">
-                <a:latin typeface="Times New Roman" panose="02020603050405020304" pitchFamily="18" charset="0"/>
-                <a:cs typeface="Times New Roman" panose="02020603050405020304" pitchFamily="18" charset="0"/>
-              </a:rPr>
-              <a:t>Int. Conf. Recent Trends Inf. Technol. ICRTIT 2011</a:t>
-            </a:r>
-            <a:r>
-              <a:rPr lang="en-US" sz="5600" dirty="0">
-                <a:latin typeface="Times New Roman" panose="02020603050405020304" pitchFamily="18" charset="0"/>
-                <a:cs typeface="Times New Roman" panose="02020603050405020304" pitchFamily="18" charset="0"/>
-              </a:rPr>
-              <a:t>, pp. 134–138, 2011.</a:t>
-            </a:r>
-          </a:p>
-          <a:p>
-            <a:pPr marL="514350" indent="-514350">
-              <a:buNone/>
-            </a:pPr>
-            <a:r>
-              <a:rPr lang="en-US" sz="5600" dirty="0">
-                <a:latin typeface="Times New Roman" panose="02020603050405020304" pitchFamily="18" charset="0"/>
-                <a:cs typeface="Times New Roman" panose="02020603050405020304" pitchFamily="18" charset="0"/>
-              </a:rPr>
-              <a:t>[22]	A. R. </a:t>
-            </a:r>
-            <a:r>
-              <a:rPr lang="en-US" sz="5600" dirty="0" err="1">
-                <a:latin typeface="Times New Roman" panose="02020603050405020304" pitchFamily="18" charset="0"/>
-                <a:cs typeface="Times New Roman" panose="02020603050405020304" pitchFamily="18" charset="0"/>
-              </a:rPr>
-              <a:t>Rahardika</a:t>
-            </a:r>
-            <a:r>
-              <a:rPr lang="en-US" sz="5600" dirty="0">
-                <a:latin typeface="Times New Roman" panose="02020603050405020304" pitchFamily="18" charset="0"/>
-                <a:cs typeface="Times New Roman" panose="02020603050405020304" pitchFamily="18" charset="0"/>
-              </a:rPr>
-              <a:t>, “Global Features Selection for Dynamic Signature Verification,” </a:t>
-            </a:r>
-            <a:r>
-              <a:rPr lang="en-US" sz="5600" i="1" dirty="0">
-                <a:latin typeface="Times New Roman" panose="02020603050405020304" pitchFamily="18" charset="0"/>
-                <a:cs typeface="Times New Roman" panose="02020603050405020304" pitchFamily="18" charset="0"/>
-              </a:rPr>
-              <a:t>Int. Conf. Inf. </a:t>
-            </a:r>
-            <a:r>
-              <a:rPr lang="en-US" sz="5600" i="1" dirty="0" err="1">
-                <a:latin typeface="Times New Roman" panose="02020603050405020304" pitchFamily="18" charset="0"/>
-                <a:cs typeface="Times New Roman" panose="02020603050405020304" pitchFamily="18" charset="0"/>
-              </a:rPr>
-              <a:t>Commun</a:t>
-            </a:r>
-            <a:r>
-              <a:rPr lang="en-US" sz="5600" i="1" dirty="0">
-                <a:latin typeface="Times New Roman" panose="02020603050405020304" pitchFamily="18" charset="0"/>
-                <a:cs typeface="Times New Roman" panose="02020603050405020304" pitchFamily="18" charset="0"/>
-              </a:rPr>
-              <a:t>. Technol. Glob.</a:t>
-            </a:r>
-            <a:r>
-              <a:rPr lang="en-US" sz="5600" dirty="0">
-                <a:latin typeface="Times New Roman" panose="02020603050405020304" pitchFamily="18" charset="0"/>
-                <a:cs typeface="Times New Roman" panose="02020603050405020304" pitchFamily="18" charset="0"/>
-              </a:rPr>
-              <a:t>, pp. 348–354, 2018.</a:t>
-            </a:r>
-          </a:p>
-          <a:p>
-            <a:pPr marL="514350" indent="-514350">
-              <a:buNone/>
-            </a:pPr>
-            <a:r>
-              <a:rPr lang="en-US" sz="5600" dirty="0">
-                <a:latin typeface="Times New Roman" panose="02020603050405020304" pitchFamily="18" charset="0"/>
-                <a:cs typeface="Times New Roman" panose="02020603050405020304" pitchFamily="18" charset="0"/>
-              </a:rPr>
-              <a:t>[23]	T. </a:t>
-            </a:r>
-            <a:r>
-              <a:rPr lang="en-US" sz="5600" dirty="0" err="1">
-                <a:latin typeface="Times New Roman" panose="02020603050405020304" pitchFamily="18" charset="0"/>
-                <a:cs typeface="Times New Roman" panose="02020603050405020304" pitchFamily="18" charset="0"/>
-              </a:rPr>
-              <a:t>Handhayani</a:t>
-            </a:r>
-            <a:r>
-              <a:rPr lang="en-US" sz="5600" dirty="0">
-                <a:latin typeface="Times New Roman" panose="02020603050405020304" pitchFamily="18" charset="0"/>
-                <a:cs typeface="Times New Roman" panose="02020603050405020304" pitchFamily="18" charset="0"/>
-              </a:rPr>
-              <a:t>, A. R. </a:t>
-            </a:r>
-            <a:r>
-              <a:rPr lang="en-US" sz="5600" dirty="0" err="1">
-                <a:latin typeface="Times New Roman" panose="02020603050405020304" pitchFamily="18" charset="0"/>
-                <a:cs typeface="Times New Roman" panose="02020603050405020304" pitchFamily="18" charset="0"/>
-              </a:rPr>
-              <a:t>Yohannis</a:t>
-            </a:r>
-            <a:r>
-              <a:rPr lang="en-US" sz="5600" dirty="0">
-                <a:latin typeface="Times New Roman" panose="02020603050405020304" pitchFamily="18" charset="0"/>
-                <a:cs typeface="Times New Roman" panose="02020603050405020304" pitchFamily="18" charset="0"/>
-              </a:rPr>
-              <a:t>, and Lely </a:t>
-            </a:r>
-            <a:r>
-              <a:rPr lang="en-US" sz="5600" dirty="0" err="1">
-                <a:latin typeface="Times New Roman" panose="02020603050405020304" pitchFamily="18" charset="0"/>
-                <a:cs typeface="Times New Roman" panose="02020603050405020304" pitchFamily="18" charset="0"/>
-              </a:rPr>
-              <a:t>Hiryanto</a:t>
-            </a:r>
-            <a:r>
-              <a:rPr lang="en-US" sz="5600" dirty="0">
-                <a:latin typeface="Times New Roman" panose="02020603050405020304" pitchFamily="18" charset="0"/>
-                <a:cs typeface="Times New Roman" panose="02020603050405020304" pitchFamily="18" charset="0"/>
-              </a:rPr>
-              <a:t>, “Hand Signature and Handwriting Recognition as Identification of the Writer using Gray Level Co- Occurrence Matrix and Bootstrap,” </a:t>
-            </a:r>
-            <a:r>
-              <a:rPr lang="en-US" sz="5600" i="1" dirty="0" err="1">
-                <a:latin typeface="Times New Roman" panose="02020603050405020304" pitchFamily="18" charset="0"/>
-                <a:cs typeface="Times New Roman" panose="02020603050405020304" pitchFamily="18" charset="0"/>
-              </a:rPr>
-              <a:t>Intell</a:t>
-            </a:r>
-            <a:r>
-              <a:rPr lang="en-US" sz="5600" i="1" dirty="0">
-                <a:latin typeface="Times New Roman" panose="02020603050405020304" pitchFamily="18" charset="0"/>
-                <a:cs typeface="Times New Roman" panose="02020603050405020304" pitchFamily="18" charset="0"/>
-              </a:rPr>
-              <a:t>. Syst. Conf.</a:t>
-            </a:r>
-            <a:r>
-              <a:rPr lang="en-US" sz="5600" dirty="0">
-                <a:latin typeface="Times New Roman" panose="02020603050405020304" pitchFamily="18" charset="0"/>
-                <a:cs typeface="Times New Roman" panose="02020603050405020304" pitchFamily="18" charset="0"/>
-              </a:rPr>
-              <a:t>, no. September, pp. 1103–1110, 2017</a:t>
-            </a:r>
-            <a:r>
-              <a:rPr lang="en-US" sz="5600" dirty="0" smtClean="0">
+              <a:rPr lang="en-US" sz="1400" dirty="0">
+                <a:latin typeface="Times New Roman" panose="02020603050405020304" pitchFamily="18" charset="0"/>
+                <a:cs typeface="Times New Roman" panose="02020603050405020304" pitchFamily="18" charset="0"/>
+              </a:rPr>
+              <a:t>[33]	W. Pan and G. Chen, “A Method of Off-line Signature Verification for Digital Forensics,” </a:t>
+            </a:r>
+            <a:r>
+              <a:rPr lang="en-US" sz="1400" i="1" dirty="0">
+                <a:latin typeface="Times New Roman" panose="02020603050405020304" pitchFamily="18" charset="0"/>
+                <a:cs typeface="Times New Roman" panose="02020603050405020304" pitchFamily="18" charset="0"/>
+              </a:rPr>
+              <a:t>12th Int. Conf. Nat. </a:t>
+            </a:r>
+            <a:r>
+              <a:rPr lang="en-US" sz="1400" i="1" dirty="0" err="1">
+                <a:latin typeface="Times New Roman" panose="02020603050405020304" pitchFamily="18" charset="0"/>
+                <a:cs typeface="Times New Roman" panose="02020603050405020304" pitchFamily="18" charset="0"/>
+              </a:rPr>
+              <a:t>Comput</a:t>
+            </a:r>
+            <a:r>
+              <a:rPr lang="en-US" sz="1400" i="1" dirty="0">
+                <a:latin typeface="Times New Roman" panose="02020603050405020304" pitchFamily="18" charset="0"/>
+                <a:cs typeface="Times New Roman" panose="02020603050405020304" pitchFamily="18" charset="0"/>
+              </a:rPr>
+              <a:t>. Fuzzy Syst. </a:t>
+            </a:r>
+            <a:r>
+              <a:rPr lang="en-US" sz="1400" i="1" dirty="0" err="1">
+                <a:latin typeface="Times New Roman" panose="02020603050405020304" pitchFamily="18" charset="0"/>
+                <a:cs typeface="Times New Roman" panose="02020603050405020304" pitchFamily="18" charset="0"/>
+              </a:rPr>
+              <a:t>Knowl</a:t>
+            </a:r>
+            <a:r>
+              <a:rPr lang="en-US" sz="1400" i="1" dirty="0">
+                <a:latin typeface="Times New Roman" panose="02020603050405020304" pitchFamily="18" charset="0"/>
+                <a:cs typeface="Times New Roman" panose="02020603050405020304" pitchFamily="18" charset="0"/>
+              </a:rPr>
+              <a:t>. </a:t>
+            </a:r>
+            <a:r>
+              <a:rPr lang="en-US" sz="1400" i="1" dirty="0" err="1">
+                <a:latin typeface="Times New Roman" panose="02020603050405020304" pitchFamily="18" charset="0"/>
+                <a:cs typeface="Times New Roman" panose="02020603050405020304" pitchFamily="18" charset="0"/>
+              </a:rPr>
+              <a:t>Discov</a:t>
+            </a:r>
+            <a:r>
+              <a:rPr lang="en-US" sz="1400" i="1" dirty="0">
                 <a:latin typeface="Times New Roman" panose="02020603050405020304" pitchFamily="18" charset="0"/>
                 <a:cs typeface="Times New Roman" panose="02020603050405020304" pitchFamily="18" charset="0"/>
               </a:rPr>
               <a:t>.</a:t>
             </a:r>
-            <a:endParaRPr lang="en-US" sz="5600" dirty="0">
+            <a:r>
+              <a:rPr lang="en-US" sz="1400" dirty="0">
+                <a:latin typeface="Times New Roman" panose="02020603050405020304" pitchFamily="18" charset="0"/>
+                <a:cs typeface="Times New Roman" panose="02020603050405020304" pitchFamily="18" charset="0"/>
+              </a:rPr>
+              <a:t>, pp. 488–493, 2016</a:t>
+            </a:r>
+            <a:r>
+              <a:rPr lang="en-US" sz="1400" dirty="0" smtClean="0">
+                <a:latin typeface="Times New Roman" panose="02020603050405020304" pitchFamily="18" charset="0"/>
+                <a:cs typeface="Times New Roman" panose="02020603050405020304" pitchFamily="18" charset="0"/>
+              </a:rPr>
+              <a:t>.</a:t>
+            </a:r>
+            <a:endParaRPr lang="en-US" sz="1400" dirty="0">
               <a:latin typeface="Times New Roman" panose="02020603050405020304" pitchFamily="18" charset="0"/>
               <a:cs typeface="Times New Roman" panose="02020603050405020304" pitchFamily="18" charset="0"/>
             </a:endParaRPr>
@@ -9821,7 +10423,7 @@
             <a:fld id="{43EB6444-05C2-4DB9-99E3-3024D2735779}" type="datetime3">
               <a:rPr lang="en-US" smtClean="0"/>
               <a:pPr/>
-              <a:t>29 January 2019</a:t>
+              <a:t>1 February 2019</a:t>
             </a:fld>
             <a:endParaRPr lang="en-US"/>
           </a:p>
@@ -9876,7 +10478,7 @@
       </p:sp>
       <p:sp>
         <p:nvSpPr>
-          <p:cNvPr id="8" name="Title 1"/>
+          <p:cNvPr id="7" name="Title 1"/>
           <p:cNvSpPr txBox="1">
             <a:spLocks/>
           </p:cNvSpPr>
@@ -9923,7 +10525,7 @@
     </p:spTree>
     <p:extLst>
       <p:ext uri="{BB962C8B-B14F-4D97-AF65-F5344CB8AC3E}">
-        <p14:creationId xmlns:p14="http://schemas.microsoft.com/office/powerpoint/2010/main" val="884063638"/>
+        <p14:creationId xmlns:p14="http://schemas.microsoft.com/office/powerpoint/2010/main" val="913556824"/>
       </p:ext>
     </p:extLst>
   </p:cSld>
@@ -9969,8 +10571,8 @@
         </p:nvSpPr>
         <p:spPr>
           <a:xfrm>
-            <a:off x="304800" y="1371600"/>
-            <a:ext cx="8534400" cy="5374921"/>
+            <a:off x="303088" y="1447800"/>
+            <a:ext cx="8536112" cy="4933596"/>
           </a:xfrm>
         </p:spPr>
         <p:txBody>
@@ -9987,49 +10589,49 @@
                 <a:latin typeface="Times New Roman" panose="02020603050405020304" pitchFamily="18" charset="0"/>
                 <a:cs typeface="Times New Roman" panose="02020603050405020304" pitchFamily="18" charset="0"/>
               </a:rPr>
-              <a:t>[24]	A. </a:t>
+              <a:t>[34]	M. A. Ferrer, J. B. Alonso, and C. M. </a:t>
             </a:r>
             <a:r>
               <a:rPr lang="en-US" sz="1400" dirty="0" err="1">
                 <a:latin typeface="Times New Roman" panose="02020603050405020304" pitchFamily="18" charset="0"/>
                 <a:cs typeface="Times New Roman" panose="02020603050405020304" pitchFamily="18" charset="0"/>
               </a:rPr>
-              <a:t>Beresneva</a:t>
+              <a:t>Travieso</a:t>
             </a:r>
             <a:r>
               <a:rPr lang="en-US" sz="1400" dirty="0">
                 <a:latin typeface="Times New Roman" panose="02020603050405020304" pitchFamily="18" charset="0"/>
                 <a:cs typeface="Times New Roman" panose="02020603050405020304" pitchFamily="18" charset="0"/>
               </a:rPr>
-              <a:t>, A. </a:t>
-            </a:r>
-            <a:r>
-              <a:rPr lang="en-US" sz="1400" dirty="0" err="1">
-                <a:latin typeface="Times New Roman" panose="02020603050405020304" pitchFamily="18" charset="0"/>
-                <a:cs typeface="Times New Roman" panose="02020603050405020304" pitchFamily="18" charset="0"/>
-              </a:rPr>
-              <a:t>Epishkina</a:t>
+              <a:t>, “Offline geometric parameters for automatic signature verification using fixed-point arithmetic,” </a:t>
+            </a:r>
+            <a:r>
+              <a:rPr lang="en-US" sz="1400" i="1" dirty="0">
+                <a:latin typeface="Times New Roman" panose="02020603050405020304" pitchFamily="18" charset="0"/>
+                <a:cs typeface="Times New Roman" panose="02020603050405020304" pitchFamily="18" charset="0"/>
+              </a:rPr>
+              <a:t>IEEE Trans. Pattern Anal. Mach. </a:t>
+            </a:r>
+            <a:r>
+              <a:rPr lang="en-US" sz="1400" i="1" dirty="0" err="1">
+                <a:latin typeface="Times New Roman" panose="02020603050405020304" pitchFamily="18" charset="0"/>
+                <a:cs typeface="Times New Roman" panose="02020603050405020304" pitchFamily="18" charset="0"/>
+              </a:rPr>
+              <a:t>Intell</a:t>
+            </a:r>
+            <a:r>
+              <a:rPr lang="en-US" sz="1400" i="1" dirty="0">
+                <a:latin typeface="Times New Roman" panose="02020603050405020304" pitchFamily="18" charset="0"/>
+                <a:cs typeface="Times New Roman" panose="02020603050405020304" pitchFamily="18" charset="0"/>
+              </a:rPr>
+              <a:t>.</a:t>
             </a:r>
             <a:r>
               <a:rPr lang="en-US" sz="1400" dirty="0">
                 <a:latin typeface="Times New Roman" panose="02020603050405020304" pitchFamily="18" charset="0"/>
                 <a:cs typeface="Times New Roman" panose="02020603050405020304" pitchFamily="18" charset="0"/>
               </a:rPr>
-              <a:t>, and D. </a:t>
-            </a:r>
-            <a:r>
-              <a:rPr lang="en-US" sz="1400" dirty="0" err="1">
-                <a:latin typeface="Times New Roman" panose="02020603050405020304" pitchFamily="18" charset="0"/>
-                <a:cs typeface="Times New Roman" panose="02020603050405020304" pitchFamily="18" charset="0"/>
-              </a:rPr>
-              <a:t>Shingalova</a:t>
-            </a:r>
-            <a:r>
-              <a:rPr lang="en-US" sz="1400" dirty="0">
-                <a:latin typeface="Times New Roman" panose="02020603050405020304" pitchFamily="18" charset="0"/>
-                <a:cs typeface="Times New Roman" panose="02020603050405020304" pitchFamily="18" charset="0"/>
-              </a:rPr>
-              <a:t>, “Handwritten Signature Attributes for its Verification,” pp. 1477–1480, 2018.</a:t>
+              <a:t>, vol. 27, no. 6, pp. 993–997, 2005.</a:t>
             </a:r>
           </a:p>
           <a:p>
@@ -10037,123 +10639,74 @@
               <a:buNone/>
             </a:pPr>
             <a:r>
+              <a:rPr lang="en-US" sz="1400" dirty="0" smtClean="0">
+                <a:latin typeface="Times New Roman" panose="02020603050405020304" pitchFamily="18" charset="0"/>
+                <a:cs typeface="Times New Roman" panose="02020603050405020304" pitchFamily="18" charset="0"/>
+              </a:rPr>
+              <a:t>[</a:t>
+            </a:r>
+            <a:r>
               <a:rPr lang="en-US" sz="1400" dirty="0">
                 <a:latin typeface="Times New Roman" panose="02020603050405020304" pitchFamily="18" charset="0"/>
                 <a:cs typeface="Times New Roman" panose="02020603050405020304" pitchFamily="18" charset="0"/>
               </a:rPr>
-              <a:t>[25]	M. P. </a:t>
+              <a:t>35]	S. A. </a:t>
             </a:r>
             <a:r>
               <a:rPr lang="en-US" sz="1400" dirty="0" err="1">
                 <a:latin typeface="Times New Roman" panose="02020603050405020304" pitchFamily="18" charset="0"/>
                 <a:cs typeface="Times New Roman" panose="02020603050405020304" pitchFamily="18" charset="0"/>
               </a:rPr>
-              <a:t>Patil</a:t>
+              <a:t>Farimani</a:t>
             </a:r>
             <a:r>
               <a:rPr lang="en-US" sz="1400" dirty="0">
                 <a:latin typeface="Times New Roman" panose="02020603050405020304" pitchFamily="18" charset="0"/>
                 <a:cs typeface="Times New Roman" panose="02020603050405020304" pitchFamily="18" charset="0"/>
               </a:rPr>
-              <a:t>, Bryan Almeida, </a:t>
-            </a:r>
-            <a:r>
-              <a:rPr lang="en-US" sz="1400" dirty="0" err="1">
-                <a:latin typeface="Times New Roman" panose="02020603050405020304" pitchFamily="18" charset="0"/>
-                <a:cs typeface="Times New Roman" panose="02020603050405020304" pitchFamily="18" charset="0"/>
-              </a:rPr>
-              <a:t>Niketa</a:t>
+              <a:t> and M. V. Jahan, “An HMM for Online Signature Verification Based on Velocity and Hand Movement Directions,” </a:t>
+            </a:r>
+            <a:r>
+              <a:rPr lang="en-US" sz="1400" i="1" dirty="0">
+                <a:latin typeface="Times New Roman" panose="02020603050405020304" pitchFamily="18" charset="0"/>
+                <a:cs typeface="Times New Roman" panose="02020603050405020304" pitchFamily="18" charset="0"/>
+              </a:rPr>
+              <a:t>Iran. Jt. </a:t>
+            </a:r>
+            <a:r>
+              <a:rPr lang="en-US" sz="1400" i="1" dirty="0" err="1">
+                <a:latin typeface="Times New Roman" panose="02020603050405020304" pitchFamily="18" charset="0"/>
+                <a:cs typeface="Times New Roman" panose="02020603050405020304" pitchFamily="18" charset="0"/>
+              </a:rPr>
+              <a:t>Congr</a:t>
+            </a:r>
+            <a:r>
+              <a:rPr lang="en-US" sz="1400" i="1" dirty="0">
+                <a:latin typeface="Times New Roman" panose="02020603050405020304" pitchFamily="18" charset="0"/>
+                <a:cs typeface="Times New Roman" panose="02020603050405020304" pitchFamily="18" charset="0"/>
+              </a:rPr>
+              <a:t>. Fuzzy </a:t>
+            </a:r>
+            <a:r>
+              <a:rPr lang="en-US" sz="1400" i="1" dirty="0" err="1">
+                <a:latin typeface="Times New Roman" panose="02020603050405020304" pitchFamily="18" charset="0"/>
+                <a:cs typeface="Times New Roman" panose="02020603050405020304" pitchFamily="18" charset="0"/>
+              </a:rPr>
+              <a:t>Intell</a:t>
+            </a:r>
+            <a:r>
+              <a:rPr lang="en-US" sz="1400" i="1" dirty="0">
+                <a:latin typeface="Times New Roman" panose="02020603050405020304" pitchFamily="18" charset="0"/>
+                <a:cs typeface="Times New Roman" panose="02020603050405020304" pitchFamily="18" charset="0"/>
+              </a:rPr>
+              <a:t>. Syst.</a:t>
             </a:r>
             <a:r>
               <a:rPr lang="en-US" sz="1400" dirty="0">
                 <a:latin typeface="Times New Roman" panose="02020603050405020304" pitchFamily="18" charset="0"/>
                 <a:cs typeface="Times New Roman" panose="02020603050405020304" pitchFamily="18" charset="0"/>
               </a:rPr>
-              <a:t> </a:t>
-            </a:r>
-            <a:r>
-              <a:rPr lang="en-US" sz="1400" dirty="0" err="1">
-                <a:latin typeface="Times New Roman" panose="02020603050405020304" pitchFamily="18" charset="0"/>
-                <a:cs typeface="Times New Roman" panose="02020603050405020304" pitchFamily="18" charset="0"/>
-              </a:rPr>
-              <a:t>Chettiar</a:t>
-            </a:r>
-            <a:r>
-              <a:rPr lang="en-US" sz="1400" dirty="0">
-                <a:latin typeface="Times New Roman" panose="02020603050405020304" pitchFamily="18" charset="0"/>
-                <a:cs typeface="Times New Roman" panose="02020603050405020304" pitchFamily="18" charset="0"/>
-              </a:rPr>
-              <a:t>, and </a:t>
-            </a:r>
-            <a:r>
-              <a:rPr lang="en-US" sz="1400" dirty="0" err="1">
-                <a:latin typeface="Times New Roman" panose="02020603050405020304" pitchFamily="18" charset="0"/>
-                <a:cs typeface="Times New Roman" panose="02020603050405020304" pitchFamily="18" charset="0"/>
-              </a:rPr>
-              <a:t>Joyal</a:t>
-            </a:r>
-            <a:r>
-              <a:rPr lang="en-US" sz="1400" dirty="0">
-                <a:latin typeface="Times New Roman" panose="02020603050405020304" pitchFamily="18" charset="0"/>
-                <a:cs typeface="Times New Roman" panose="02020603050405020304" pitchFamily="18" charset="0"/>
-              </a:rPr>
-              <a:t> </a:t>
-            </a:r>
-            <a:r>
-              <a:rPr lang="en-US" sz="1400" dirty="0" err="1">
-                <a:latin typeface="Times New Roman" panose="02020603050405020304" pitchFamily="18" charset="0"/>
-                <a:cs typeface="Times New Roman" panose="02020603050405020304" pitchFamily="18" charset="0"/>
-              </a:rPr>
-              <a:t>Babu</a:t>
-            </a:r>
-            <a:r>
-              <a:rPr lang="en-US" sz="1400" dirty="0">
-                <a:latin typeface="Times New Roman" panose="02020603050405020304" pitchFamily="18" charset="0"/>
-                <a:cs typeface="Times New Roman" panose="02020603050405020304" pitchFamily="18" charset="0"/>
-              </a:rPr>
-              <a:t>, “Offline Signature Recognition System using Histogram of Oriented Gradients,” </a:t>
-            </a:r>
-            <a:r>
-              <a:rPr lang="en-US" sz="1400" i="1" dirty="0">
-                <a:latin typeface="Times New Roman" panose="02020603050405020304" pitchFamily="18" charset="0"/>
-                <a:cs typeface="Times New Roman" panose="02020603050405020304" pitchFamily="18" charset="0"/>
-              </a:rPr>
-              <a:t>Int. Conf. Adv. </a:t>
-            </a:r>
-            <a:r>
-              <a:rPr lang="en-US" sz="1400" i="1" dirty="0" err="1">
-                <a:latin typeface="Times New Roman" panose="02020603050405020304" pitchFamily="18" charset="0"/>
-                <a:cs typeface="Times New Roman" panose="02020603050405020304" pitchFamily="18" charset="0"/>
-              </a:rPr>
-              <a:t>Comput</a:t>
-            </a:r>
-            <a:r>
-              <a:rPr lang="en-US" sz="1400" i="1" dirty="0">
-                <a:latin typeface="Times New Roman" panose="02020603050405020304" pitchFamily="18" charset="0"/>
-                <a:cs typeface="Times New Roman" panose="02020603050405020304" pitchFamily="18" charset="0"/>
-              </a:rPr>
-              <a:t>. </a:t>
-            </a:r>
-            <a:r>
-              <a:rPr lang="en-US" sz="1400" i="1" dirty="0" err="1">
-                <a:latin typeface="Times New Roman" panose="02020603050405020304" pitchFamily="18" charset="0"/>
-                <a:cs typeface="Times New Roman" panose="02020603050405020304" pitchFamily="18" charset="0"/>
-              </a:rPr>
-              <a:t>Commun</a:t>
-            </a:r>
-            <a:r>
-              <a:rPr lang="en-US" sz="1400" i="1" dirty="0">
-                <a:latin typeface="Times New Roman" panose="02020603050405020304" pitchFamily="18" charset="0"/>
-                <a:cs typeface="Times New Roman" panose="02020603050405020304" pitchFamily="18" charset="0"/>
-              </a:rPr>
-              <a:t>. Control</a:t>
-            </a:r>
-            <a:r>
-              <a:rPr lang="en-US" sz="1400" dirty="0">
-                <a:latin typeface="Times New Roman" panose="02020603050405020304" pitchFamily="18" charset="0"/>
-                <a:cs typeface="Times New Roman" panose="02020603050405020304" pitchFamily="18" charset="0"/>
-              </a:rPr>
-              <a:t>, 2017.</a:t>
+              <a:t>, pp. 205–209, 2018.</a:t>
             </a:r>
           </a:p>
           <a:p>
@@ -10165,49 +10718,35 @@
                 <a:latin typeface="Times New Roman" panose="02020603050405020304" pitchFamily="18" charset="0"/>
                 <a:cs typeface="Times New Roman" panose="02020603050405020304" pitchFamily="18" charset="0"/>
               </a:rPr>
-              <a:t>[26]	M. M. Kumar and N. B. </a:t>
+              <a:t>[36]	G. Pirlo and D. </a:t>
             </a:r>
             <a:r>
               <a:rPr lang="en-US" sz="1400" dirty="0" err="1">
                 <a:latin typeface="Times New Roman" panose="02020603050405020304" pitchFamily="18" charset="0"/>
                 <a:cs typeface="Times New Roman" panose="02020603050405020304" pitchFamily="18" charset="0"/>
               </a:rPr>
-              <a:t>Puhan</a:t>
+              <a:t>Impedovo</a:t>
             </a:r>
             <a:r>
               <a:rPr lang="en-US" sz="1400" dirty="0">
                 <a:latin typeface="Times New Roman" panose="02020603050405020304" pitchFamily="18" charset="0"/>
                 <a:cs typeface="Times New Roman" panose="02020603050405020304" pitchFamily="18" charset="0"/>
               </a:rPr>
-              <a:t>, “Offline signature verification using the trace transform,” </a:t>
+              <a:t>, “Verification of static signatures by optical flow analysis,” </a:t>
             </a:r>
             <a:r>
               <a:rPr lang="en-US" sz="1400" i="1" dirty="0">
                 <a:latin typeface="Times New Roman" panose="02020603050405020304" pitchFamily="18" charset="0"/>
                 <a:cs typeface="Times New Roman" panose="02020603050405020304" pitchFamily="18" charset="0"/>
               </a:rPr>
-              <a:t>2014 IEEE Int. Adv. </a:t>
-            </a:r>
-            <a:r>
-              <a:rPr lang="en-US" sz="1400" i="1" dirty="0" err="1">
-                <a:latin typeface="Times New Roman" panose="02020603050405020304" pitchFamily="18" charset="0"/>
-                <a:cs typeface="Times New Roman" panose="02020603050405020304" pitchFamily="18" charset="0"/>
-              </a:rPr>
-              <a:t>Comput</a:t>
-            </a:r>
-            <a:r>
-              <a:rPr lang="en-US" sz="1400" i="1" dirty="0">
-                <a:latin typeface="Times New Roman" panose="02020603050405020304" pitchFamily="18" charset="0"/>
-                <a:cs typeface="Times New Roman" panose="02020603050405020304" pitchFamily="18" charset="0"/>
-              </a:rPr>
-              <a:t>. Conf.</a:t>
+              <a:t>IEEE Trans. Human-Machine Syst.</a:t>
             </a:r>
             <a:r>
               <a:rPr lang="en-US" sz="1400" dirty="0">
                 <a:latin typeface="Times New Roman" panose="02020603050405020304" pitchFamily="18" charset="0"/>
                 <a:cs typeface="Times New Roman" panose="02020603050405020304" pitchFamily="18" charset="0"/>
               </a:rPr>
-              <a:t>, pp. 1066–1070, 2014.</a:t>
+              <a:t>, vol. 43, no. 5, pp. 499–505, 2013.</a:t>
             </a:r>
           </a:p>
           <a:p>
@@ -10219,63 +10758,49 @@
                 <a:latin typeface="Times New Roman" panose="02020603050405020304" pitchFamily="18" charset="0"/>
                 <a:cs typeface="Times New Roman" panose="02020603050405020304" pitchFamily="18" charset="0"/>
               </a:rPr>
-              <a:t>[27]	O. Miguel-Hurtado, L. </a:t>
+              <a:t>[37]	A. </a:t>
             </a:r>
             <a:r>
               <a:rPr lang="en-US" sz="1400" dirty="0" err="1">
                 <a:latin typeface="Times New Roman" panose="02020603050405020304" pitchFamily="18" charset="0"/>
                 <a:cs typeface="Times New Roman" panose="02020603050405020304" pitchFamily="18" charset="0"/>
               </a:rPr>
-              <a:t>Mengibar-Pozo</a:t>
+              <a:t>Alaei</a:t>
             </a:r>
             <a:r>
               <a:rPr lang="en-US" sz="1400" dirty="0">
                 <a:latin typeface="Times New Roman" panose="02020603050405020304" pitchFamily="18" charset="0"/>
                 <a:cs typeface="Times New Roman" panose="02020603050405020304" pitchFamily="18" charset="0"/>
               </a:rPr>
-              <a:t>, M. G. Lorenz, and J. Liu-Jimenez, “On-Line Signature Verification by Dynamic Time Warping and Gaussian Mixture Models,” </a:t>
+              <a:t>, S. Pal, U. Pal, and M. Blumenstein, “An Efficient Signature Verification Method Based on an Interval Symbolic Representation and a Fuzzy Similarity Measure,” </a:t>
             </a:r>
             <a:r>
               <a:rPr lang="en-US" sz="1400" i="1" dirty="0">
                 <a:latin typeface="Times New Roman" panose="02020603050405020304" pitchFamily="18" charset="0"/>
                 <a:cs typeface="Times New Roman" panose="02020603050405020304" pitchFamily="18" charset="0"/>
               </a:rPr>
-              <a:t>2007 41st </a:t>
+              <a:t>IEEE Trans. Inf. Forensics </a:t>
             </a:r>
             <a:r>
               <a:rPr lang="en-US" sz="1400" i="1" dirty="0" err="1">
                 <a:latin typeface="Times New Roman" panose="02020603050405020304" pitchFamily="18" charset="0"/>
                 <a:cs typeface="Times New Roman" panose="02020603050405020304" pitchFamily="18" charset="0"/>
               </a:rPr>
-              <a:t>Annu</a:t>
+              <a:t>Secur</a:t>
             </a:r>
             <a:r>
               <a:rPr lang="en-US" sz="1400" i="1" dirty="0">
                 <a:latin typeface="Times New Roman" panose="02020603050405020304" pitchFamily="18" charset="0"/>
                 <a:cs typeface="Times New Roman" panose="02020603050405020304" pitchFamily="18" charset="0"/>
               </a:rPr>
-              <a:t>. IEEE Int. Carnahan Conf. </a:t>
-            </a:r>
-            <a:r>
-              <a:rPr lang="en-US" sz="1400" i="1" dirty="0" err="1">
-                <a:latin typeface="Times New Roman" panose="02020603050405020304" pitchFamily="18" charset="0"/>
-                <a:cs typeface="Times New Roman" panose="02020603050405020304" pitchFamily="18" charset="0"/>
-              </a:rPr>
-              <a:t>Secur</a:t>
-            </a:r>
-            <a:r>
-              <a:rPr lang="en-US" sz="1400" i="1" dirty="0">
-                <a:latin typeface="Times New Roman" panose="02020603050405020304" pitchFamily="18" charset="0"/>
-                <a:cs typeface="Times New Roman" panose="02020603050405020304" pitchFamily="18" charset="0"/>
-              </a:rPr>
-              <a:t>. Technol.</a:t>
+              <a:t>.</a:t>
             </a:r>
             <a:r>
               <a:rPr lang="en-US" sz="1400" dirty="0">
                 <a:latin typeface="Times New Roman" panose="02020603050405020304" pitchFamily="18" charset="0"/>
                 <a:cs typeface="Times New Roman" panose="02020603050405020304" pitchFamily="18" charset="0"/>
               </a:rPr>
-              <a:t>, pp. 23–29, 2007.</a:t>
+              <a:t>, vol. 12, no. 10, pp. 2360–2372, 2017.</a:t>
             </a:r>
           </a:p>
           <a:p>
@@ -10287,21 +10812,21 @@
                 <a:latin typeface="Times New Roman" panose="02020603050405020304" pitchFamily="18" charset="0"/>
                 <a:cs typeface="Times New Roman" panose="02020603050405020304" pitchFamily="18" charset="0"/>
               </a:rPr>
-              <a:t>[28]	M. Ferrer and J. Vargas, “Robustness of offline signature verification based on gray level features,” </a:t>
+              <a:t>[38]	D. S. Guru and H. N. Prakash, “Online Signature Verification and Recognition: An Approach based on Symbolic Representation.,” </a:t>
             </a:r>
             <a:r>
               <a:rPr lang="en-US" sz="1400" i="1" dirty="0">
                 <a:latin typeface="Times New Roman" panose="02020603050405020304" pitchFamily="18" charset="0"/>
                 <a:cs typeface="Times New Roman" panose="02020603050405020304" pitchFamily="18" charset="0"/>
               </a:rPr>
-              <a:t>IEEE Trans. Inf. FORENSICS </a:t>
+              <a:t>IEEE Trans. Pattern Anal. Mach. </a:t>
             </a:r>
             <a:r>
               <a:rPr lang="en-US" sz="1400" i="1" dirty="0" err="1">
                 <a:latin typeface="Times New Roman" panose="02020603050405020304" pitchFamily="18" charset="0"/>
                 <a:cs typeface="Times New Roman" panose="02020603050405020304" pitchFamily="18" charset="0"/>
               </a:rPr>
-              <a:t>Secur</a:t>
+              <a:t>Intell</a:t>
             </a:r>
             <a:r>
               <a:rPr lang="en-US" sz="1400" i="1" dirty="0">
@@ -10315,7 +10840,7 @@
                 <a:latin typeface="Times New Roman" panose="02020603050405020304" pitchFamily="18" charset="0"/>
                 <a:cs typeface="Times New Roman" panose="02020603050405020304" pitchFamily="18" charset="0"/>
               </a:rPr>
-              <a:t>, vol. 7, no. 3, pp. 966–977, 2012.</a:t>
+              <a:t>, vol. 31, no. 6, pp. 1059–73, 2009.</a:t>
             </a:r>
           </a:p>
           <a:p>
@@ -10327,77 +10852,49 @@
                 <a:latin typeface="Times New Roman" panose="02020603050405020304" pitchFamily="18" charset="0"/>
                 <a:cs typeface="Times New Roman" panose="02020603050405020304" pitchFamily="18" charset="0"/>
               </a:rPr>
-              <a:t>[29]	B. </a:t>
+              <a:t>[39]	A. Sharma and S. </a:t>
             </a:r>
             <a:r>
               <a:rPr lang="en-US" sz="1400" dirty="0" err="1">
                 <a:latin typeface="Times New Roman" panose="02020603050405020304" pitchFamily="18" charset="0"/>
                 <a:cs typeface="Times New Roman" panose="02020603050405020304" pitchFamily="18" charset="0"/>
               </a:rPr>
-              <a:t>Erkmen</a:t>
+              <a:t>Sundaram</a:t>
             </a:r>
             <a:r>
               <a:rPr lang="en-US" sz="1400" dirty="0">
                 <a:latin typeface="Times New Roman" panose="02020603050405020304" pitchFamily="18" charset="0"/>
                 <a:cs typeface="Times New Roman" panose="02020603050405020304" pitchFamily="18" charset="0"/>
               </a:rPr>
-              <a:t>, N. </a:t>
-            </a:r>
-            <a:r>
-              <a:rPr lang="en-US" sz="1400" dirty="0" err="1">
-                <a:latin typeface="Times New Roman" panose="02020603050405020304" pitchFamily="18" charset="0"/>
-                <a:cs typeface="Times New Roman" panose="02020603050405020304" pitchFamily="18" charset="0"/>
-              </a:rPr>
-              <a:t>Kahraman</a:t>
+              <a:t>, “On the Exploration of Information from the DTW Cost Matrix for Online Signature Verification,” </a:t>
+            </a:r>
+            <a:r>
+              <a:rPr lang="en-US" sz="1400" i="1" dirty="0">
+                <a:latin typeface="Times New Roman" panose="02020603050405020304" pitchFamily="18" charset="0"/>
+                <a:cs typeface="Times New Roman" panose="02020603050405020304" pitchFamily="18" charset="0"/>
+              </a:rPr>
+              <a:t>IEEE Trans. </a:t>
+            </a:r>
+            <a:r>
+              <a:rPr lang="en-US" sz="1400" i="1" dirty="0" err="1">
+                <a:latin typeface="Times New Roman" panose="02020603050405020304" pitchFamily="18" charset="0"/>
+                <a:cs typeface="Times New Roman" panose="02020603050405020304" pitchFamily="18" charset="0"/>
+              </a:rPr>
+              <a:t>Cybern</a:t>
+            </a:r>
+            <a:r>
+              <a:rPr lang="en-US" sz="1400" i="1" dirty="0">
+                <a:latin typeface="Times New Roman" panose="02020603050405020304" pitchFamily="18" charset="0"/>
+                <a:cs typeface="Times New Roman" panose="02020603050405020304" pitchFamily="18" charset="0"/>
+              </a:rPr>
+              <a:t>.</a:t>
             </a:r>
             <a:r>
               <a:rPr lang="en-US" sz="1400" dirty="0">
                 <a:latin typeface="Times New Roman" panose="02020603050405020304" pitchFamily="18" charset="0"/>
                 <a:cs typeface="Times New Roman" panose="02020603050405020304" pitchFamily="18" charset="0"/>
               </a:rPr>
-              <a:t>, R. A. </a:t>
-            </a:r>
-            <a:r>
-              <a:rPr lang="en-US" sz="1400" dirty="0" err="1">
-                <a:latin typeface="Times New Roman" panose="02020603050405020304" pitchFamily="18" charset="0"/>
-                <a:cs typeface="Times New Roman" panose="02020603050405020304" pitchFamily="18" charset="0"/>
-              </a:rPr>
-              <a:t>Vural</a:t>
-            </a:r>
-            <a:r>
-              <a:rPr lang="en-US" sz="1400" dirty="0">
-                <a:latin typeface="Times New Roman" panose="02020603050405020304" pitchFamily="18" charset="0"/>
-                <a:cs typeface="Times New Roman" panose="02020603050405020304" pitchFamily="18" charset="0"/>
-              </a:rPr>
-              <a:t>, and T. </a:t>
-            </a:r>
-            <a:r>
-              <a:rPr lang="en-US" sz="1400" dirty="0" err="1">
-                <a:latin typeface="Times New Roman" panose="02020603050405020304" pitchFamily="18" charset="0"/>
-                <a:cs typeface="Times New Roman" panose="02020603050405020304" pitchFamily="18" charset="0"/>
-              </a:rPr>
-              <a:t>Yildirim</a:t>
-            </a:r>
-            <a:r>
-              <a:rPr lang="en-US" sz="1400" dirty="0">
-                <a:latin typeface="Times New Roman" panose="02020603050405020304" pitchFamily="18" charset="0"/>
-                <a:cs typeface="Times New Roman" panose="02020603050405020304" pitchFamily="18" charset="0"/>
-              </a:rPr>
-              <a:t>, “Conic section function neural network circuitry for offline signature recognition,” </a:t>
-            </a:r>
-            <a:r>
-              <a:rPr lang="en-US" sz="1400" i="1" dirty="0">
-                <a:latin typeface="Times New Roman" panose="02020603050405020304" pitchFamily="18" charset="0"/>
-                <a:cs typeface="Times New Roman" panose="02020603050405020304" pitchFamily="18" charset="0"/>
-              </a:rPr>
-              <a:t>IEEE Trans. Neural Networks</a:t>
-            </a:r>
-            <a:r>
-              <a:rPr lang="en-US" sz="1400" dirty="0">
-                <a:latin typeface="Times New Roman" panose="02020603050405020304" pitchFamily="18" charset="0"/>
-                <a:cs typeface="Times New Roman" panose="02020603050405020304" pitchFamily="18" charset="0"/>
-              </a:rPr>
-              <a:t>, vol. 21, no. 4, pp. 667–672, 2010.</a:t>
+              <a:t>, vol. 48, no. 2, pp. 611–624, 2018.</a:t>
             </a:r>
           </a:p>
           <a:p>
@@ -10409,35 +10906,77 @@
                 <a:latin typeface="Times New Roman" panose="02020603050405020304" pitchFamily="18" charset="0"/>
                 <a:cs typeface="Times New Roman" panose="02020603050405020304" pitchFamily="18" charset="0"/>
               </a:rPr>
-              <a:t>[30]	M. A. Ferrer, A. Morales, and J. F. Vargas, “Off-line signature verification using local patterns,” </a:t>
+              <a:t>[40]	G. Pirlo, V. </a:t>
+            </a:r>
+            <a:r>
+              <a:rPr lang="en-US" sz="1400" dirty="0" err="1">
+                <a:latin typeface="Times New Roman" panose="02020603050405020304" pitchFamily="18" charset="0"/>
+                <a:cs typeface="Times New Roman" panose="02020603050405020304" pitchFamily="18" charset="0"/>
+              </a:rPr>
+              <a:t>Cuccovillo</a:t>
+            </a:r>
+            <a:r>
+              <a:rPr lang="en-US" sz="1400" dirty="0">
+                <a:latin typeface="Times New Roman" panose="02020603050405020304" pitchFamily="18" charset="0"/>
+                <a:cs typeface="Times New Roman" panose="02020603050405020304" pitchFamily="18" charset="0"/>
+              </a:rPr>
+              <a:t>, M. Diaz-Cabrera, D. </a:t>
+            </a:r>
+            <a:r>
+              <a:rPr lang="en-US" sz="1400" dirty="0" err="1">
+                <a:latin typeface="Times New Roman" panose="02020603050405020304" pitchFamily="18" charset="0"/>
+                <a:cs typeface="Times New Roman" panose="02020603050405020304" pitchFamily="18" charset="0"/>
+              </a:rPr>
+              <a:t>Impedovo</a:t>
+            </a:r>
+            <a:r>
+              <a:rPr lang="en-US" sz="1400" dirty="0">
+                <a:latin typeface="Times New Roman" panose="02020603050405020304" pitchFamily="18" charset="0"/>
+                <a:cs typeface="Times New Roman" panose="02020603050405020304" pitchFamily="18" charset="0"/>
+              </a:rPr>
+              <a:t>, and P. </a:t>
+            </a:r>
+            <a:r>
+              <a:rPr lang="en-US" sz="1400" dirty="0" err="1">
+                <a:latin typeface="Times New Roman" panose="02020603050405020304" pitchFamily="18" charset="0"/>
+                <a:cs typeface="Times New Roman" panose="02020603050405020304" pitchFamily="18" charset="0"/>
+              </a:rPr>
+              <a:t>Mignone</a:t>
+            </a:r>
+            <a:r>
+              <a:rPr lang="en-US" sz="1400" dirty="0">
+                <a:latin typeface="Times New Roman" panose="02020603050405020304" pitchFamily="18" charset="0"/>
+                <a:cs typeface="Times New Roman" panose="02020603050405020304" pitchFamily="18" charset="0"/>
+              </a:rPr>
+              <a:t>, “</a:t>
+            </a:r>
+            <a:r>
+              <a:rPr lang="en-US" sz="1400" dirty="0" err="1">
+                <a:latin typeface="Times New Roman" panose="02020603050405020304" pitchFamily="18" charset="0"/>
+                <a:cs typeface="Times New Roman" panose="02020603050405020304" pitchFamily="18" charset="0"/>
+              </a:rPr>
+              <a:t>Multidomain</a:t>
+            </a:r>
+            <a:r>
+              <a:rPr lang="en-US" sz="1400" dirty="0">
+                <a:latin typeface="Times New Roman" panose="02020603050405020304" pitchFamily="18" charset="0"/>
+                <a:cs typeface="Times New Roman" panose="02020603050405020304" pitchFamily="18" charset="0"/>
+              </a:rPr>
+              <a:t> Verification of Dynamic Signatures Using Local Stability Analysis,” </a:t>
             </a:r>
             <a:r>
               <a:rPr lang="en-US" sz="1400" i="1" dirty="0">
                 <a:latin typeface="Times New Roman" panose="02020603050405020304" pitchFamily="18" charset="0"/>
                 <a:cs typeface="Times New Roman" panose="02020603050405020304" pitchFamily="18" charset="0"/>
               </a:rPr>
-              <a:t>2nd Natl. Conf. </a:t>
-            </a:r>
-            <a:r>
-              <a:rPr lang="en-US" sz="1400" i="1" dirty="0" err="1">
-                <a:latin typeface="Times New Roman" panose="02020603050405020304" pitchFamily="18" charset="0"/>
-                <a:cs typeface="Times New Roman" panose="02020603050405020304" pitchFamily="18" charset="0"/>
-              </a:rPr>
-              <a:t>Telecommun</a:t>
-            </a:r>
-            <a:r>
-              <a:rPr lang="en-US" sz="1400" i="1" dirty="0">
-                <a:latin typeface="Times New Roman" panose="02020603050405020304" pitchFamily="18" charset="0"/>
-                <a:cs typeface="Times New Roman" panose="02020603050405020304" pitchFamily="18" charset="0"/>
-              </a:rPr>
-              <a:t>.</a:t>
+              <a:t>IEEE Trans. Human-Machine Syst.</a:t>
             </a:r>
             <a:r>
               <a:rPr lang="en-US" sz="1400" dirty="0">
                 <a:latin typeface="Times New Roman" panose="02020603050405020304" pitchFamily="18" charset="0"/>
                 <a:cs typeface="Times New Roman" panose="02020603050405020304" pitchFamily="18" charset="0"/>
               </a:rPr>
-              <a:t>, pp. 1–6, 2011.</a:t>
+              <a:t>, vol. 45, no. 6, pp. 805–810, 2015.</a:t>
             </a:r>
           </a:p>
           <a:p>
@@ -10445,188 +10984,76 @@
               <a:buNone/>
             </a:pPr>
             <a:r>
-              <a:rPr lang="en-US" sz="1400" dirty="0">
-                <a:latin typeface="Times New Roman" panose="02020603050405020304" pitchFamily="18" charset="0"/>
-                <a:cs typeface="Times New Roman" panose="02020603050405020304" pitchFamily="18" charset="0"/>
-              </a:rPr>
-              <a:t>[31]	M. Tahir and M. U. </a:t>
-            </a:r>
-            <a:r>
-              <a:rPr lang="en-US" sz="1400" dirty="0" err="1">
-                <a:latin typeface="Times New Roman" panose="02020603050405020304" pitchFamily="18" charset="0"/>
-                <a:cs typeface="Times New Roman" panose="02020603050405020304" pitchFamily="18" charset="0"/>
-              </a:rPr>
-              <a:t>Akram</a:t>
-            </a:r>
-            <a:r>
-              <a:rPr lang="en-US" sz="1400" dirty="0">
-                <a:latin typeface="Times New Roman" panose="02020603050405020304" pitchFamily="18" charset="0"/>
-                <a:cs typeface="Times New Roman" panose="02020603050405020304" pitchFamily="18" charset="0"/>
-              </a:rPr>
-              <a:t>, “Online Signature Verification using Hybrid Features,” </a:t>
-            </a:r>
-            <a:r>
-              <a:rPr lang="en-US" sz="1400" i="1" dirty="0">
-                <a:latin typeface="Times New Roman" panose="02020603050405020304" pitchFamily="18" charset="0"/>
-                <a:cs typeface="Times New Roman" panose="02020603050405020304" pitchFamily="18" charset="0"/>
-              </a:rPr>
-              <a:t>Conf. Inf. </a:t>
-            </a:r>
-            <a:r>
-              <a:rPr lang="en-US" sz="1400" i="1" dirty="0" err="1">
-                <a:latin typeface="Times New Roman" panose="02020603050405020304" pitchFamily="18" charset="0"/>
-                <a:cs typeface="Times New Roman" panose="02020603050405020304" pitchFamily="18" charset="0"/>
-              </a:rPr>
-              <a:t>Commun</a:t>
-            </a:r>
-            <a:r>
-              <a:rPr lang="en-US" sz="1400" i="1" dirty="0">
-                <a:latin typeface="Times New Roman" panose="02020603050405020304" pitchFamily="18" charset="0"/>
-                <a:cs typeface="Times New Roman" panose="02020603050405020304" pitchFamily="18" charset="0"/>
-              </a:rPr>
-              <a:t>. Technol. Soc. Online</a:t>
-            </a:r>
-            <a:r>
-              <a:rPr lang="en-US" sz="1400" dirty="0">
-                <a:latin typeface="Times New Roman" panose="02020603050405020304" pitchFamily="18" charset="0"/>
-                <a:cs typeface="Times New Roman" panose="02020603050405020304" pitchFamily="18" charset="0"/>
-              </a:rPr>
-              <a:t>, pp. 11–16, 2018.</a:t>
-            </a:r>
-          </a:p>
-          <a:p>
-            <a:pPr marL="514350" indent="-514350">
-              <a:buNone/>
-            </a:pPr>
-            <a:r>
-              <a:rPr lang="en-US" sz="1400" dirty="0">
-                <a:latin typeface="Times New Roman" panose="02020603050405020304" pitchFamily="18" charset="0"/>
-                <a:cs typeface="Times New Roman" panose="02020603050405020304" pitchFamily="18" charset="0"/>
-              </a:rPr>
-              <a:t>[32]	M. Pal, S. Bhattacharyya, and T. Sarkar, “Euler number based feature extraction technique for Gender Discrimination from offline Hindi signature using SVM &amp; BPNN classifier,” </a:t>
-            </a:r>
-            <a:r>
-              <a:rPr lang="en-US" sz="1400" i="1" dirty="0">
-                <a:latin typeface="Times New Roman" panose="02020603050405020304" pitchFamily="18" charset="0"/>
-                <a:cs typeface="Times New Roman" panose="02020603050405020304" pitchFamily="18" charset="0"/>
-              </a:rPr>
-              <a:t>2018 </a:t>
-            </a:r>
-            <a:r>
-              <a:rPr lang="en-US" sz="1400" i="1" dirty="0" err="1">
-                <a:latin typeface="Times New Roman" panose="02020603050405020304" pitchFamily="18" charset="0"/>
-                <a:cs typeface="Times New Roman" panose="02020603050405020304" pitchFamily="18" charset="0"/>
-              </a:rPr>
-              <a:t>Emerg</a:t>
-            </a:r>
-            <a:r>
-              <a:rPr lang="en-US" sz="1400" i="1" dirty="0">
-                <a:latin typeface="Times New Roman" panose="02020603050405020304" pitchFamily="18" charset="0"/>
-                <a:cs typeface="Times New Roman" panose="02020603050405020304" pitchFamily="18" charset="0"/>
-              </a:rPr>
-              <a:t>. Trends Electron. Devices </a:t>
-            </a:r>
-            <a:r>
-              <a:rPr lang="en-US" sz="1400" i="1" dirty="0" err="1">
-                <a:latin typeface="Times New Roman" panose="02020603050405020304" pitchFamily="18" charset="0"/>
-                <a:cs typeface="Times New Roman" panose="02020603050405020304" pitchFamily="18" charset="0"/>
-              </a:rPr>
-              <a:t>Comput</a:t>
-            </a:r>
-            <a:r>
-              <a:rPr lang="en-US" sz="1400" i="1" dirty="0">
-                <a:latin typeface="Times New Roman" panose="02020603050405020304" pitchFamily="18" charset="0"/>
-                <a:cs typeface="Times New Roman" panose="02020603050405020304" pitchFamily="18" charset="0"/>
-              </a:rPr>
-              <a:t>. Tech.</a:t>
-            </a:r>
-            <a:r>
-              <a:rPr lang="en-US" sz="1400" dirty="0">
-                <a:latin typeface="Times New Roman" panose="02020603050405020304" pitchFamily="18" charset="0"/>
-                <a:cs typeface="Times New Roman" panose="02020603050405020304" pitchFamily="18" charset="0"/>
-              </a:rPr>
-              <a:t>, pp. 1–6, 2004.</a:t>
-            </a:r>
-          </a:p>
-          <a:p>
-            <a:pPr marL="514350" indent="-514350">
-              <a:buNone/>
-            </a:pPr>
-            <a:r>
-              <a:rPr lang="en-US" sz="1400" dirty="0">
-                <a:latin typeface="Times New Roman" panose="02020603050405020304" pitchFamily="18" charset="0"/>
-                <a:cs typeface="Times New Roman" panose="02020603050405020304" pitchFamily="18" charset="0"/>
-              </a:rPr>
-              <a:t>[33]	W. Pan and G. Chen, “A Method of Off-line Signature Verification for Digital Forensics,” </a:t>
-            </a:r>
-            <a:r>
-              <a:rPr lang="en-US" sz="1400" i="1" dirty="0">
-                <a:latin typeface="Times New Roman" panose="02020603050405020304" pitchFamily="18" charset="0"/>
-                <a:cs typeface="Times New Roman" panose="02020603050405020304" pitchFamily="18" charset="0"/>
-              </a:rPr>
-              <a:t>12th Int. Conf. Nat. </a:t>
-            </a:r>
-            <a:r>
-              <a:rPr lang="en-US" sz="1400" i="1" dirty="0" err="1">
-                <a:latin typeface="Times New Roman" panose="02020603050405020304" pitchFamily="18" charset="0"/>
-                <a:cs typeface="Times New Roman" panose="02020603050405020304" pitchFamily="18" charset="0"/>
-              </a:rPr>
-              <a:t>Comput</a:t>
-            </a:r>
-            <a:r>
-              <a:rPr lang="en-US" sz="1400" i="1" dirty="0">
-                <a:latin typeface="Times New Roman" panose="02020603050405020304" pitchFamily="18" charset="0"/>
-                <a:cs typeface="Times New Roman" panose="02020603050405020304" pitchFamily="18" charset="0"/>
-              </a:rPr>
-              <a:t>. Fuzzy Syst. </a:t>
-            </a:r>
-            <a:r>
-              <a:rPr lang="en-US" sz="1400" i="1" dirty="0" err="1">
-                <a:latin typeface="Times New Roman" panose="02020603050405020304" pitchFamily="18" charset="0"/>
-                <a:cs typeface="Times New Roman" panose="02020603050405020304" pitchFamily="18" charset="0"/>
-              </a:rPr>
-              <a:t>Knowl</a:t>
-            </a:r>
-            <a:r>
-              <a:rPr lang="en-US" sz="1400" i="1" dirty="0">
-                <a:latin typeface="Times New Roman" panose="02020603050405020304" pitchFamily="18" charset="0"/>
-                <a:cs typeface="Times New Roman" panose="02020603050405020304" pitchFamily="18" charset="0"/>
-              </a:rPr>
-              <a:t>. </a:t>
-            </a:r>
-            <a:r>
-              <a:rPr lang="en-US" sz="1400" i="1" dirty="0" err="1">
-                <a:latin typeface="Times New Roman" panose="02020603050405020304" pitchFamily="18" charset="0"/>
-                <a:cs typeface="Times New Roman" panose="02020603050405020304" pitchFamily="18" charset="0"/>
-              </a:rPr>
-              <a:t>Discov</a:t>
-            </a:r>
-            <a:r>
-              <a:rPr lang="en-US" sz="1400" i="1" dirty="0">
-                <a:latin typeface="Times New Roman" panose="02020603050405020304" pitchFamily="18" charset="0"/>
-                <a:cs typeface="Times New Roman" panose="02020603050405020304" pitchFamily="18" charset="0"/>
-              </a:rPr>
-              <a:t>.</a:t>
-            </a:r>
-            <a:r>
-              <a:rPr lang="en-US" sz="1400" dirty="0">
-                <a:latin typeface="Times New Roman" panose="02020603050405020304" pitchFamily="18" charset="0"/>
-                <a:cs typeface="Times New Roman" panose="02020603050405020304" pitchFamily="18" charset="0"/>
-              </a:rPr>
-              <a:t>, pp. 488–493, 2016</a:t>
-            </a:r>
-            <a:r>
-              <a:rPr lang="en-US" sz="1400" dirty="0" smtClean="0">
-                <a:latin typeface="Times New Roman" panose="02020603050405020304" pitchFamily="18" charset="0"/>
-                <a:cs typeface="Times New Roman" panose="02020603050405020304" pitchFamily="18" charset="0"/>
-              </a:rPr>
-              <a:t>.</a:t>
+              <a:rPr lang="en-GB" sz="1400" dirty="0">
+                <a:latin typeface="Times New Roman" panose="02020603050405020304" pitchFamily="18" charset="0"/>
+                <a:cs typeface="Times New Roman" panose="02020603050405020304" pitchFamily="18" charset="0"/>
+              </a:rPr>
+              <a:t>[41]	Python : </a:t>
+            </a:r>
+            <a:r>
+              <a:rPr lang="en-GB" sz="1400" u="sng" dirty="0">
+                <a:latin typeface="Times New Roman" panose="02020603050405020304" pitchFamily="18" charset="0"/>
+                <a:cs typeface="Times New Roman" panose="02020603050405020304" pitchFamily="18" charset="0"/>
+                <a:hlinkClick r:id="rId2"/>
+              </a:rPr>
+              <a:t>https://www.python.org/</a:t>
             </a:r>
             <a:endParaRPr lang="en-US" sz="1400" dirty="0">
               <a:latin typeface="Times New Roman" panose="02020603050405020304" pitchFamily="18" charset="0"/>
               <a:cs typeface="Times New Roman" panose="02020603050405020304" pitchFamily="18" charset="0"/>
             </a:endParaRPr>
           </a:p>
+          <a:p>
+            <a:pPr marL="514350" indent="-514350">
+              <a:buNone/>
+            </a:pPr>
+            <a:r>
+              <a:rPr lang="en-GB" sz="1400" dirty="0">
+                <a:latin typeface="Times New Roman" panose="02020603050405020304" pitchFamily="18" charset="0"/>
+                <a:cs typeface="Times New Roman" panose="02020603050405020304" pitchFamily="18" charset="0"/>
+              </a:rPr>
+              <a:t>[42]	Dataset source :- </a:t>
+            </a:r>
+            <a:r>
+              <a:rPr lang="en-GB" sz="1400" u="sng" dirty="0">
+                <a:latin typeface="Times New Roman" panose="02020603050405020304" pitchFamily="18" charset="0"/>
+                <a:cs typeface="Times New Roman" panose="02020603050405020304" pitchFamily="18" charset="0"/>
+                <a:hlinkClick r:id="rId3"/>
+              </a:rPr>
+              <a:t>http://</a:t>
+            </a:r>
+            <a:r>
+              <a:rPr lang="en-GB" sz="1400" u="sng" dirty="0" smtClean="0">
+                <a:latin typeface="Times New Roman" panose="02020603050405020304" pitchFamily="18" charset="0"/>
+                <a:cs typeface="Times New Roman" panose="02020603050405020304" pitchFamily="18" charset="0"/>
+                <a:hlinkClick r:id="rId3"/>
+              </a:rPr>
+              <a:t>www.iapr-tc11.org/mediawiki/index.php?title=Datasets_List#Handwritten%20Documents</a:t>
+            </a:r>
+            <a:r>
+              <a:rPr lang="en-GB" sz="1400" u="sng" dirty="0" smtClean="0">
+                <a:latin typeface="Times New Roman" panose="02020603050405020304" pitchFamily="18" charset="0"/>
+                <a:cs typeface="Times New Roman" panose="02020603050405020304" pitchFamily="18" charset="0"/>
+              </a:rPr>
+              <a:t/>
+            </a:r>
+            <a:br>
+              <a:rPr lang="en-GB" sz="1400" u="sng" dirty="0" smtClean="0">
+                <a:latin typeface="Times New Roman" panose="02020603050405020304" pitchFamily="18" charset="0"/>
+                <a:cs typeface="Times New Roman" panose="02020603050405020304" pitchFamily="18" charset="0"/>
+              </a:rPr>
+            </a:br>
+            <a:endParaRPr lang="en-US" sz="1400" dirty="0">
+              <a:latin typeface="Times New Roman" panose="02020603050405020304" pitchFamily="18" charset="0"/>
+              <a:cs typeface="Times New Roman" panose="02020603050405020304" pitchFamily="18" charset="0"/>
+            </a:endParaRPr>
+          </a:p>
+          <a:p>
+            <a:endParaRPr lang="en-US" sz="1400" dirty="0"/>
+          </a:p>
+          <a:p>
+            <a:endParaRPr lang="en-US" sz="1400" dirty="0"/>
+          </a:p>
         </p:txBody>
       </p:sp>
       <p:sp>
@@ -10647,7 +11074,7 @@
             <a:fld id="{43EB6444-05C2-4DB9-99E3-3024D2735779}" type="datetime3">
               <a:rPr lang="en-US" smtClean="0"/>
               <a:pPr/>
-              <a:t>29 January 2019</a:t>
+              <a:t>1 February 2019</a:t>
             </a:fld>
             <a:endParaRPr lang="en-US"/>
           </a:p>
@@ -10749,7 +11176,7 @@
     </p:spTree>
     <p:extLst>
       <p:ext uri="{BB962C8B-B14F-4D97-AF65-F5344CB8AC3E}">
-        <p14:creationId xmlns:p14="http://schemas.microsoft.com/office/powerpoint/2010/main" val="913556824"/>
+        <p14:creationId xmlns:p14="http://schemas.microsoft.com/office/powerpoint/2010/main" val="1364304467"/>
       </p:ext>
     </p:extLst>
   </p:cSld>
@@ -10785,498 +11212,57 @@
       </p:grpSpPr>
       <p:sp>
         <p:nvSpPr>
-          <p:cNvPr id="3" name="Content Placeholder 2"/>
-          <p:cNvSpPr>
-            <a:spLocks noGrp="1"/>
-          </p:cNvSpPr>
-          <p:nvPr>
-            <p:ph idx="1"/>
-          </p:nvPr>
-        </p:nvSpPr>
-        <p:spPr>
-          <a:xfrm>
-            <a:off x="303088" y="1447800"/>
-            <a:ext cx="8536112" cy="4933596"/>
-          </a:xfrm>
-        </p:spPr>
+          <p:cNvPr id="7" name="Title 6"/>
+          <p:cNvSpPr>
+            <a:spLocks noGrp="1"/>
+          </p:cNvSpPr>
+          <p:nvPr>
+            <p:ph type="ctrTitle"/>
+          </p:nvPr>
+        </p:nvSpPr>
+        <p:spPr/>
         <p:txBody>
           <a:bodyPr>
-            <a:noAutofit/>
+            <a:normAutofit/>
           </a:bodyPr>
           <a:lstStyle/>
           <a:p>
-            <a:pPr marL="514350" indent="-514350">
-              <a:buNone/>
-            </a:pPr>
-            <a:r>
-              <a:rPr lang="en-US" sz="1400" dirty="0">
-                <a:latin typeface="Times New Roman" panose="02020603050405020304" pitchFamily="18" charset="0"/>
-                <a:cs typeface="Times New Roman" panose="02020603050405020304" pitchFamily="18" charset="0"/>
-              </a:rPr>
-              <a:t>[34]	M. A. Ferrer, J. B. Alonso, and C. M. </a:t>
-            </a:r>
-            <a:r>
-              <a:rPr lang="en-US" sz="1400" dirty="0" err="1">
-                <a:latin typeface="Times New Roman" panose="02020603050405020304" pitchFamily="18" charset="0"/>
-                <a:cs typeface="Times New Roman" panose="02020603050405020304" pitchFamily="18" charset="0"/>
-              </a:rPr>
-              <a:t>Travieso</a:t>
-            </a:r>
-            <a:r>
-              <a:rPr lang="en-US" sz="1400" dirty="0">
-                <a:latin typeface="Times New Roman" panose="02020603050405020304" pitchFamily="18" charset="0"/>
-                <a:cs typeface="Times New Roman" panose="02020603050405020304" pitchFamily="18" charset="0"/>
-              </a:rPr>
-              <a:t>, “Offline geometric parameters for automatic signature verification using fixed-point arithmetic,” </a:t>
-            </a:r>
-            <a:r>
-              <a:rPr lang="en-US" sz="1400" i="1" dirty="0">
-                <a:latin typeface="Times New Roman" panose="02020603050405020304" pitchFamily="18" charset="0"/>
-                <a:cs typeface="Times New Roman" panose="02020603050405020304" pitchFamily="18" charset="0"/>
-              </a:rPr>
-              <a:t>IEEE Trans. Pattern Anal. Mach. </a:t>
-            </a:r>
-            <a:r>
-              <a:rPr lang="en-US" sz="1400" i="1" dirty="0" err="1">
-                <a:latin typeface="Times New Roman" panose="02020603050405020304" pitchFamily="18" charset="0"/>
-                <a:cs typeface="Times New Roman" panose="02020603050405020304" pitchFamily="18" charset="0"/>
-              </a:rPr>
-              <a:t>Intell</a:t>
-            </a:r>
-            <a:r>
-              <a:rPr lang="en-US" sz="1400" i="1" dirty="0">
-                <a:latin typeface="Times New Roman" panose="02020603050405020304" pitchFamily="18" charset="0"/>
-                <a:cs typeface="Times New Roman" panose="02020603050405020304" pitchFamily="18" charset="0"/>
-              </a:rPr>
-              <a:t>.</a:t>
-            </a:r>
-            <a:r>
-              <a:rPr lang="en-US" sz="1400" dirty="0">
-                <a:latin typeface="Times New Roman" panose="02020603050405020304" pitchFamily="18" charset="0"/>
-                <a:cs typeface="Times New Roman" panose="02020603050405020304" pitchFamily="18" charset="0"/>
-              </a:rPr>
-              <a:t>, vol. 27, no. 6, pp. 993–997, 2005.</a:t>
-            </a:r>
-          </a:p>
-          <a:p>
-            <a:pPr marL="514350" indent="-514350">
-              <a:buNone/>
-            </a:pPr>
-            <a:r>
-              <a:rPr lang="en-US" sz="1400" dirty="0" smtClean="0">
-                <a:latin typeface="Times New Roman" panose="02020603050405020304" pitchFamily="18" charset="0"/>
-                <a:cs typeface="Times New Roman" panose="02020603050405020304" pitchFamily="18" charset="0"/>
-              </a:rPr>
-              <a:t>[</a:t>
-            </a:r>
-            <a:r>
-              <a:rPr lang="en-US" sz="1400" dirty="0">
-                <a:latin typeface="Times New Roman" panose="02020603050405020304" pitchFamily="18" charset="0"/>
-                <a:cs typeface="Times New Roman" panose="02020603050405020304" pitchFamily="18" charset="0"/>
-              </a:rPr>
-              <a:t>35]	S. A. </a:t>
-            </a:r>
-            <a:r>
-              <a:rPr lang="en-US" sz="1400" dirty="0" err="1">
-                <a:latin typeface="Times New Roman" panose="02020603050405020304" pitchFamily="18" charset="0"/>
-                <a:cs typeface="Times New Roman" panose="02020603050405020304" pitchFamily="18" charset="0"/>
-              </a:rPr>
-              <a:t>Farimani</a:t>
-            </a:r>
-            <a:r>
-              <a:rPr lang="en-US" sz="1400" dirty="0">
-                <a:latin typeface="Times New Roman" panose="02020603050405020304" pitchFamily="18" charset="0"/>
-                <a:cs typeface="Times New Roman" panose="02020603050405020304" pitchFamily="18" charset="0"/>
-              </a:rPr>
-              <a:t> and M. V. Jahan, “An HMM for Online Signature Verification Based on Velocity and Hand Movement Directions,” </a:t>
-            </a:r>
-            <a:r>
-              <a:rPr lang="en-US" sz="1400" i="1" dirty="0">
-                <a:latin typeface="Times New Roman" panose="02020603050405020304" pitchFamily="18" charset="0"/>
-                <a:cs typeface="Times New Roman" panose="02020603050405020304" pitchFamily="18" charset="0"/>
-              </a:rPr>
-              <a:t>Iran. Jt. </a:t>
-            </a:r>
-            <a:r>
-              <a:rPr lang="en-US" sz="1400" i="1" dirty="0" err="1">
-                <a:latin typeface="Times New Roman" panose="02020603050405020304" pitchFamily="18" charset="0"/>
-                <a:cs typeface="Times New Roman" panose="02020603050405020304" pitchFamily="18" charset="0"/>
-              </a:rPr>
-              <a:t>Congr</a:t>
-            </a:r>
-            <a:r>
-              <a:rPr lang="en-US" sz="1400" i="1" dirty="0">
-                <a:latin typeface="Times New Roman" panose="02020603050405020304" pitchFamily="18" charset="0"/>
-                <a:cs typeface="Times New Roman" panose="02020603050405020304" pitchFamily="18" charset="0"/>
-              </a:rPr>
-              <a:t>. Fuzzy </a:t>
-            </a:r>
-            <a:r>
-              <a:rPr lang="en-US" sz="1400" i="1" dirty="0" err="1">
-                <a:latin typeface="Times New Roman" panose="02020603050405020304" pitchFamily="18" charset="0"/>
-                <a:cs typeface="Times New Roman" panose="02020603050405020304" pitchFamily="18" charset="0"/>
-              </a:rPr>
-              <a:t>Intell</a:t>
-            </a:r>
-            <a:r>
-              <a:rPr lang="en-US" sz="1400" i="1" dirty="0">
-                <a:latin typeface="Times New Roman" panose="02020603050405020304" pitchFamily="18" charset="0"/>
-                <a:cs typeface="Times New Roman" panose="02020603050405020304" pitchFamily="18" charset="0"/>
-              </a:rPr>
-              <a:t>. Syst.</a:t>
-            </a:r>
-            <a:r>
-              <a:rPr lang="en-US" sz="1400" dirty="0">
-                <a:latin typeface="Times New Roman" panose="02020603050405020304" pitchFamily="18" charset="0"/>
-                <a:cs typeface="Times New Roman" panose="02020603050405020304" pitchFamily="18" charset="0"/>
-              </a:rPr>
-              <a:t>, pp. 205–209, 2018.</a:t>
-            </a:r>
-          </a:p>
-          <a:p>
-            <a:pPr marL="514350" indent="-514350">
-              <a:buNone/>
-            </a:pPr>
-            <a:r>
-              <a:rPr lang="en-US" sz="1400" dirty="0">
-                <a:latin typeface="Times New Roman" panose="02020603050405020304" pitchFamily="18" charset="0"/>
-                <a:cs typeface="Times New Roman" panose="02020603050405020304" pitchFamily="18" charset="0"/>
-              </a:rPr>
-              <a:t>[36]	G. Pirlo and D. </a:t>
-            </a:r>
-            <a:r>
-              <a:rPr lang="en-US" sz="1400" dirty="0" err="1">
-                <a:latin typeface="Times New Roman" panose="02020603050405020304" pitchFamily="18" charset="0"/>
-                <a:cs typeface="Times New Roman" panose="02020603050405020304" pitchFamily="18" charset="0"/>
-              </a:rPr>
-              <a:t>Impedovo</a:t>
-            </a:r>
-            <a:r>
-              <a:rPr lang="en-US" sz="1400" dirty="0">
-                <a:latin typeface="Times New Roman" panose="02020603050405020304" pitchFamily="18" charset="0"/>
-                <a:cs typeface="Times New Roman" panose="02020603050405020304" pitchFamily="18" charset="0"/>
-              </a:rPr>
-              <a:t>, “Verification of static signatures by optical flow analysis,” </a:t>
-            </a:r>
-            <a:r>
-              <a:rPr lang="en-US" sz="1400" i="1" dirty="0">
-                <a:latin typeface="Times New Roman" panose="02020603050405020304" pitchFamily="18" charset="0"/>
-                <a:cs typeface="Times New Roman" panose="02020603050405020304" pitchFamily="18" charset="0"/>
-              </a:rPr>
-              <a:t>IEEE Trans. Human-Machine Syst.</a:t>
-            </a:r>
-            <a:r>
-              <a:rPr lang="en-US" sz="1400" dirty="0">
-                <a:latin typeface="Times New Roman" panose="02020603050405020304" pitchFamily="18" charset="0"/>
-                <a:cs typeface="Times New Roman" panose="02020603050405020304" pitchFamily="18" charset="0"/>
-              </a:rPr>
-              <a:t>, vol. 43, no. 5, pp. 499–505, 2013.</a:t>
-            </a:r>
-          </a:p>
-          <a:p>
-            <a:pPr marL="514350" indent="-514350">
-              <a:buNone/>
-            </a:pPr>
-            <a:r>
-              <a:rPr lang="en-US" sz="1400" dirty="0">
-                <a:latin typeface="Times New Roman" panose="02020603050405020304" pitchFamily="18" charset="0"/>
-                <a:cs typeface="Times New Roman" panose="02020603050405020304" pitchFamily="18" charset="0"/>
-              </a:rPr>
-              <a:t>[37]	A. </a:t>
-            </a:r>
-            <a:r>
-              <a:rPr lang="en-US" sz="1400" dirty="0" err="1">
-                <a:latin typeface="Times New Roman" panose="02020603050405020304" pitchFamily="18" charset="0"/>
-                <a:cs typeface="Times New Roman" panose="02020603050405020304" pitchFamily="18" charset="0"/>
-              </a:rPr>
-              <a:t>Alaei</a:t>
-            </a:r>
-            <a:r>
-              <a:rPr lang="en-US" sz="1400" dirty="0">
-                <a:latin typeface="Times New Roman" panose="02020603050405020304" pitchFamily="18" charset="0"/>
-                <a:cs typeface="Times New Roman" panose="02020603050405020304" pitchFamily="18" charset="0"/>
-              </a:rPr>
-              <a:t>, S. Pal, U. Pal, and M. Blumenstein, “An Efficient Signature Verification Method Based on an Interval Symbolic Representation and a Fuzzy Similarity Measure,” </a:t>
-            </a:r>
-            <a:r>
-              <a:rPr lang="en-US" sz="1400" i="1" dirty="0">
-                <a:latin typeface="Times New Roman" panose="02020603050405020304" pitchFamily="18" charset="0"/>
-                <a:cs typeface="Times New Roman" panose="02020603050405020304" pitchFamily="18" charset="0"/>
-              </a:rPr>
-              <a:t>IEEE Trans. Inf. Forensics </a:t>
-            </a:r>
-            <a:r>
-              <a:rPr lang="en-US" sz="1400" i="1" dirty="0" err="1">
-                <a:latin typeface="Times New Roman" panose="02020603050405020304" pitchFamily="18" charset="0"/>
-                <a:cs typeface="Times New Roman" panose="02020603050405020304" pitchFamily="18" charset="0"/>
-              </a:rPr>
-              <a:t>Secur</a:t>
-            </a:r>
-            <a:r>
-              <a:rPr lang="en-US" sz="1400" i="1" dirty="0">
-                <a:latin typeface="Times New Roman" panose="02020603050405020304" pitchFamily="18" charset="0"/>
-                <a:cs typeface="Times New Roman" panose="02020603050405020304" pitchFamily="18" charset="0"/>
-              </a:rPr>
-              <a:t>.</a:t>
-            </a:r>
-            <a:r>
-              <a:rPr lang="en-US" sz="1400" dirty="0">
-                <a:latin typeface="Times New Roman" panose="02020603050405020304" pitchFamily="18" charset="0"/>
-                <a:cs typeface="Times New Roman" panose="02020603050405020304" pitchFamily="18" charset="0"/>
-              </a:rPr>
-              <a:t>, vol. 12, no. 10, pp. 2360–2372, 2017.</a:t>
-            </a:r>
-          </a:p>
-          <a:p>
-            <a:pPr marL="514350" indent="-514350">
-              <a:buNone/>
-            </a:pPr>
-            <a:r>
-              <a:rPr lang="en-US" sz="1400" dirty="0">
-                <a:latin typeface="Times New Roman" panose="02020603050405020304" pitchFamily="18" charset="0"/>
-                <a:cs typeface="Times New Roman" panose="02020603050405020304" pitchFamily="18" charset="0"/>
-              </a:rPr>
-              <a:t>[38]	D. S. Guru and H. N. Prakash, “Online Signature Verification and Recognition: An Approach based on Symbolic Representation.,” </a:t>
-            </a:r>
-            <a:r>
-              <a:rPr lang="en-US" sz="1400" i="1" dirty="0">
-                <a:latin typeface="Times New Roman" panose="02020603050405020304" pitchFamily="18" charset="0"/>
-                <a:cs typeface="Times New Roman" panose="02020603050405020304" pitchFamily="18" charset="0"/>
-              </a:rPr>
-              <a:t>IEEE Trans. Pattern Anal. Mach. </a:t>
-            </a:r>
-            <a:r>
-              <a:rPr lang="en-US" sz="1400" i="1" dirty="0" err="1">
-                <a:latin typeface="Times New Roman" panose="02020603050405020304" pitchFamily="18" charset="0"/>
-                <a:cs typeface="Times New Roman" panose="02020603050405020304" pitchFamily="18" charset="0"/>
-              </a:rPr>
-              <a:t>Intell</a:t>
-            </a:r>
-            <a:r>
-              <a:rPr lang="en-US" sz="1400" i="1" dirty="0">
-                <a:latin typeface="Times New Roman" panose="02020603050405020304" pitchFamily="18" charset="0"/>
-                <a:cs typeface="Times New Roman" panose="02020603050405020304" pitchFamily="18" charset="0"/>
-              </a:rPr>
-              <a:t>.</a:t>
-            </a:r>
-            <a:r>
-              <a:rPr lang="en-US" sz="1400" dirty="0">
-                <a:latin typeface="Times New Roman" panose="02020603050405020304" pitchFamily="18" charset="0"/>
-                <a:cs typeface="Times New Roman" panose="02020603050405020304" pitchFamily="18" charset="0"/>
-              </a:rPr>
-              <a:t>, vol. 31, no. 6, pp. 1059–73, 2009.</a:t>
-            </a:r>
-          </a:p>
-          <a:p>
-            <a:pPr marL="514350" indent="-514350">
-              <a:buNone/>
-            </a:pPr>
-            <a:r>
-              <a:rPr lang="en-US" sz="1400" dirty="0">
-                <a:latin typeface="Times New Roman" panose="02020603050405020304" pitchFamily="18" charset="0"/>
-                <a:cs typeface="Times New Roman" panose="02020603050405020304" pitchFamily="18" charset="0"/>
-              </a:rPr>
-              <a:t>[39]	A. Sharma and S. </a:t>
-            </a:r>
-            <a:r>
-              <a:rPr lang="en-US" sz="1400" dirty="0" err="1">
-                <a:latin typeface="Times New Roman" panose="02020603050405020304" pitchFamily="18" charset="0"/>
-                <a:cs typeface="Times New Roman" panose="02020603050405020304" pitchFamily="18" charset="0"/>
-              </a:rPr>
-              <a:t>Sundaram</a:t>
-            </a:r>
-            <a:r>
-              <a:rPr lang="en-US" sz="1400" dirty="0">
-                <a:latin typeface="Times New Roman" panose="02020603050405020304" pitchFamily="18" charset="0"/>
-                <a:cs typeface="Times New Roman" panose="02020603050405020304" pitchFamily="18" charset="0"/>
-              </a:rPr>
-              <a:t>, “On the Exploration of Information from the DTW Cost Matrix for Online Signature Verification,” </a:t>
-            </a:r>
-            <a:r>
-              <a:rPr lang="en-US" sz="1400" i="1" dirty="0">
-                <a:latin typeface="Times New Roman" panose="02020603050405020304" pitchFamily="18" charset="0"/>
-                <a:cs typeface="Times New Roman" panose="02020603050405020304" pitchFamily="18" charset="0"/>
-              </a:rPr>
-              <a:t>IEEE Trans. </a:t>
-            </a:r>
-            <a:r>
-              <a:rPr lang="en-US" sz="1400" i="1" dirty="0" err="1">
-                <a:latin typeface="Times New Roman" panose="02020603050405020304" pitchFamily="18" charset="0"/>
-                <a:cs typeface="Times New Roman" panose="02020603050405020304" pitchFamily="18" charset="0"/>
-              </a:rPr>
-              <a:t>Cybern</a:t>
-            </a:r>
-            <a:r>
-              <a:rPr lang="en-US" sz="1400" i="1" dirty="0">
-                <a:latin typeface="Times New Roman" panose="02020603050405020304" pitchFamily="18" charset="0"/>
-                <a:cs typeface="Times New Roman" panose="02020603050405020304" pitchFamily="18" charset="0"/>
-              </a:rPr>
-              <a:t>.</a:t>
-            </a:r>
-            <a:r>
-              <a:rPr lang="en-US" sz="1400" dirty="0">
-                <a:latin typeface="Times New Roman" panose="02020603050405020304" pitchFamily="18" charset="0"/>
-                <a:cs typeface="Times New Roman" panose="02020603050405020304" pitchFamily="18" charset="0"/>
-              </a:rPr>
-              <a:t>, vol. 48, no. 2, pp. 611–624, 2018.</a:t>
-            </a:r>
-          </a:p>
-          <a:p>
-            <a:pPr marL="514350" indent="-514350">
-              <a:buNone/>
-            </a:pPr>
-            <a:r>
-              <a:rPr lang="en-US" sz="1400" dirty="0">
-                <a:latin typeface="Times New Roman" panose="02020603050405020304" pitchFamily="18" charset="0"/>
-                <a:cs typeface="Times New Roman" panose="02020603050405020304" pitchFamily="18" charset="0"/>
-              </a:rPr>
-              <a:t>[40]	G. Pirlo, V. </a:t>
-            </a:r>
-            <a:r>
-              <a:rPr lang="en-US" sz="1400" dirty="0" err="1">
-                <a:latin typeface="Times New Roman" panose="02020603050405020304" pitchFamily="18" charset="0"/>
-                <a:cs typeface="Times New Roman" panose="02020603050405020304" pitchFamily="18" charset="0"/>
-              </a:rPr>
-              <a:t>Cuccovillo</a:t>
-            </a:r>
-            <a:r>
-              <a:rPr lang="en-US" sz="1400" dirty="0">
-                <a:latin typeface="Times New Roman" panose="02020603050405020304" pitchFamily="18" charset="0"/>
-                <a:cs typeface="Times New Roman" panose="02020603050405020304" pitchFamily="18" charset="0"/>
-              </a:rPr>
-              <a:t>, M. Diaz-Cabrera, D. </a:t>
-            </a:r>
-            <a:r>
-              <a:rPr lang="en-US" sz="1400" dirty="0" err="1">
-                <a:latin typeface="Times New Roman" panose="02020603050405020304" pitchFamily="18" charset="0"/>
-                <a:cs typeface="Times New Roman" panose="02020603050405020304" pitchFamily="18" charset="0"/>
-              </a:rPr>
-              <a:t>Impedovo</a:t>
-            </a:r>
-            <a:r>
-              <a:rPr lang="en-US" sz="1400" dirty="0">
-                <a:latin typeface="Times New Roman" panose="02020603050405020304" pitchFamily="18" charset="0"/>
-                <a:cs typeface="Times New Roman" panose="02020603050405020304" pitchFamily="18" charset="0"/>
-              </a:rPr>
-              <a:t>, and P. </a:t>
-            </a:r>
-            <a:r>
-              <a:rPr lang="en-US" sz="1400" dirty="0" err="1">
-                <a:latin typeface="Times New Roman" panose="02020603050405020304" pitchFamily="18" charset="0"/>
-                <a:cs typeface="Times New Roman" panose="02020603050405020304" pitchFamily="18" charset="0"/>
-              </a:rPr>
-              <a:t>Mignone</a:t>
-            </a:r>
-            <a:r>
-              <a:rPr lang="en-US" sz="1400" dirty="0">
-                <a:latin typeface="Times New Roman" panose="02020603050405020304" pitchFamily="18" charset="0"/>
-                <a:cs typeface="Times New Roman" panose="02020603050405020304" pitchFamily="18" charset="0"/>
-              </a:rPr>
-              <a:t>, “</a:t>
-            </a:r>
-            <a:r>
-              <a:rPr lang="en-US" sz="1400" dirty="0" err="1">
-                <a:latin typeface="Times New Roman" panose="02020603050405020304" pitchFamily="18" charset="0"/>
-                <a:cs typeface="Times New Roman" panose="02020603050405020304" pitchFamily="18" charset="0"/>
-              </a:rPr>
-              <a:t>Multidomain</a:t>
-            </a:r>
-            <a:r>
-              <a:rPr lang="en-US" sz="1400" dirty="0">
-                <a:latin typeface="Times New Roman" panose="02020603050405020304" pitchFamily="18" charset="0"/>
-                <a:cs typeface="Times New Roman" panose="02020603050405020304" pitchFamily="18" charset="0"/>
-              </a:rPr>
-              <a:t> Verification of Dynamic Signatures Using Local Stability Analysis,” </a:t>
-            </a:r>
-            <a:r>
-              <a:rPr lang="en-US" sz="1400" i="1" dirty="0">
-                <a:latin typeface="Times New Roman" panose="02020603050405020304" pitchFamily="18" charset="0"/>
-                <a:cs typeface="Times New Roman" panose="02020603050405020304" pitchFamily="18" charset="0"/>
-              </a:rPr>
-              <a:t>IEEE Trans. Human-Machine Syst.</a:t>
-            </a:r>
-            <a:r>
-              <a:rPr lang="en-US" sz="1400" dirty="0">
-                <a:latin typeface="Times New Roman" panose="02020603050405020304" pitchFamily="18" charset="0"/>
-                <a:cs typeface="Times New Roman" panose="02020603050405020304" pitchFamily="18" charset="0"/>
-              </a:rPr>
-              <a:t>, vol. 45, no. 6, pp. 805–810, 2015.</a:t>
-            </a:r>
-          </a:p>
-          <a:p>
-            <a:pPr marL="514350" indent="-514350">
-              <a:buNone/>
-            </a:pPr>
-            <a:r>
-              <a:rPr lang="en-GB" sz="1400" dirty="0">
-                <a:latin typeface="Times New Roman" panose="02020603050405020304" pitchFamily="18" charset="0"/>
-                <a:cs typeface="Times New Roman" panose="02020603050405020304" pitchFamily="18" charset="0"/>
-              </a:rPr>
-              <a:t>[41]	Python : </a:t>
-            </a:r>
-            <a:r>
-              <a:rPr lang="en-GB" sz="1400" u="sng" dirty="0">
-                <a:latin typeface="Times New Roman" panose="02020603050405020304" pitchFamily="18" charset="0"/>
-                <a:cs typeface="Times New Roman" panose="02020603050405020304" pitchFamily="18" charset="0"/>
-                <a:hlinkClick r:id="rId2"/>
-              </a:rPr>
-              <a:t>https://www.python.org/</a:t>
-            </a:r>
-            <a:endParaRPr lang="en-US" sz="1400" dirty="0">
-              <a:latin typeface="Times New Roman" panose="02020603050405020304" pitchFamily="18" charset="0"/>
-              <a:cs typeface="Times New Roman" panose="02020603050405020304" pitchFamily="18" charset="0"/>
-            </a:endParaRPr>
-          </a:p>
-          <a:p>
-            <a:pPr marL="514350" indent="-514350">
-              <a:buNone/>
-            </a:pPr>
-            <a:r>
-              <a:rPr lang="en-GB" sz="1400" dirty="0">
-                <a:latin typeface="Times New Roman" panose="02020603050405020304" pitchFamily="18" charset="0"/>
-                <a:cs typeface="Times New Roman" panose="02020603050405020304" pitchFamily="18" charset="0"/>
-              </a:rPr>
-              <a:t>[42]	Dataset source :- </a:t>
-            </a:r>
-            <a:r>
-              <a:rPr lang="en-GB" sz="1400" u="sng" dirty="0">
-                <a:latin typeface="Times New Roman" panose="02020603050405020304" pitchFamily="18" charset="0"/>
-                <a:cs typeface="Times New Roman" panose="02020603050405020304" pitchFamily="18" charset="0"/>
-                <a:hlinkClick r:id="rId3"/>
-              </a:rPr>
-              <a:t>http://</a:t>
-            </a:r>
-            <a:r>
-              <a:rPr lang="en-GB" sz="1400" u="sng" dirty="0" smtClean="0">
-                <a:latin typeface="Times New Roman" panose="02020603050405020304" pitchFamily="18" charset="0"/>
-                <a:cs typeface="Times New Roman" panose="02020603050405020304" pitchFamily="18" charset="0"/>
-                <a:hlinkClick r:id="rId3"/>
-              </a:rPr>
-              <a:t>www.iapr-tc11.org/mediawiki/index.php?title=Datasets_List#Handwritten%20Documents</a:t>
-            </a:r>
-            <a:r>
-              <a:rPr lang="en-GB" sz="1400" u="sng" dirty="0" smtClean="0">
-                <a:latin typeface="Times New Roman" panose="02020603050405020304" pitchFamily="18" charset="0"/>
-                <a:cs typeface="Times New Roman" panose="02020603050405020304" pitchFamily="18" charset="0"/>
-              </a:rPr>
-              <a:t/>
-            </a:r>
-            <a:br>
-              <a:rPr lang="en-GB" sz="1400" u="sng" dirty="0" smtClean="0">
-                <a:latin typeface="Times New Roman" panose="02020603050405020304" pitchFamily="18" charset="0"/>
-                <a:cs typeface="Times New Roman" panose="02020603050405020304" pitchFamily="18" charset="0"/>
-              </a:rPr>
-            </a:br>
-            <a:endParaRPr lang="en-US" sz="1400" dirty="0">
-              <a:latin typeface="Times New Roman" panose="02020603050405020304" pitchFamily="18" charset="0"/>
-              <a:cs typeface="Times New Roman" panose="02020603050405020304" pitchFamily="18" charset="0"/>
-            </a:endParaRPr>
-          </a:p>
-          <a:p>
-            <a:endParaRPr lang="en-US" sz="1400" dirty="0"/>
-          </a:p>
-          <a:p>
-            <a:endParaRPr lang="en-US" sz="1400" dirty="0"/>
+            <a:r>
+              <a:rPr lang="en-IN" sz="4800" dirty="0" smtClean="0"/>
+              <a:t>Thank You </a:t>
+            </a:r>
+            <a:r>
+              <a:rPr lang="en-IN" sz="4800" dirty="0" smtClean="0">
+                <a:sym typeface="Wingdings" pitchFamily="2" charset="2"/>
+              </a:rPr>
+              <a:t> </a:t>
+            </a:r>
+            <a:endParaRPr lang="en-IN" sz="4800" dirty="0"/>
+          </a:p>
+        </p:txBody>
+      </p:sp>
+      <p:sp>
+        <p:nvSpPr>
+          <p:cNvPr id="8" name="Subtitle 7"/>
+          <p:cNvSpPr>
+            <a:spLocks noGrp="1"/>
+          </p:cNvSpPr>
+          <p:nvPr>
+            <p:ph type="subTitle" idx="1"/>
+          </p:nvPr>
+        </p:nvSpPr>
+        <p:spPr/>
+        <p:txBody>
+          <a:bodyPr>
+            <a:normAutofit/>
+          </a:bodyPr>
+          <a:lstStyle/>
+          <a:p>
+            <a:r>
+              <a:rPr lang="en-IN" sz="3200" b="1" dirty="0" smtClean="0"/>
+              <a:t>Any Questions?</a:t>
+            </a:r>
+            <a:endParaRPr lang="en-IN" sz="3200" b="1" dirty="0"/>
           </a:p>
         </p:txBody>
       </p:sp>
@@ -11298,7 +11284,7 @@
             <a:fld id="{43EB6444-05C2-4DB9-99E3-3024D2735779}" type="datetime3">
               <a:rPr lang="en-US" smtClean="0"/>
               <a:pPr/>
-              <a:t>29 January 2019</a:t>
+              <a:t>1 February 2019</a:t>
             </a:fld>
             <a:endParaRPr lang="en-US"/>
           </a:p>
@@ -11346,216 +11332,6 @@
               <a:rPr lang="en-US" smtClean="0"/>
               <a:pPr/>
               <a:t>25</a:t>
-            </a:fld>
-            <a:endParaRPr lang="en-US"/>
-          </a:p>
-        </p:txBody>
-      </p:sp>
-      <p:sp>
-        <p:nvSpPr>
-          <p:cNvPr id="7" name="Title 1"/>
-          <p:cNvSpPr txBox="1">
-            <a:spLocks/>
-          </p:cNvSpPr>
-          <p:nvPr/>
-        </p:nvSpPr>
-        <p:spPr>
-          <a:xfrm>
-            <a:off x="428625" y="733602"/>
-            <a:ext cx="8229600" cy="533400"/>
-          </a:xfrm>
-          <a:prstGeom prst="rect">
-            <a:avLst/>
-          </a:prstGeom>
-        </p:spPr>
-        <p:txBody>
-          <a:bodyPr vert="horz" lIns="91440" tIns="45720" rIns="91440" bIns="45720" rtlCol="0" anchor="ctr">
-            <a:noAutofit/>
-          </a:bodyPr>
-          <a:lstStyle>
-            <a:lvl1pPr algn="ctr" defTabSz="914400" rtl="0" eaLnBrk="1" latinLnBrk="0" hangingPunct="1">
-              <a:spcBef>
-                <a:spcPct val="0"/>
-              </a:spcBef>
-              <a:buNone/>
-              <a:defRPr sz="3600" b="1" kern="1200">
-                <a:solidFill>
-                  <a:schemeClr val="tx1"/>
-                </a:solidFill>
-                <a:latin typeface="+mj-lt"/>
-                <a:ea typeface="+mj-ea"/>
-                <a:cs typeface="+mj-cs"/>
-              </a:defRPr>
-            </a:lvl1pPr>
-          </a:lstStyle>
-          <a:p>
-            <a:r>
-              <a:rPr lang="en-US" dirty="0" smtClean="0"/>
-              <a:t>References</a:t>
-            </a:r>
-            <a:endParaRPr lang="en-US" dirty="0"/>
-          </a:p>
-        </p:txBody>
-      </p:sp>
-    </p:spTree>
-    <p:extLst>
-      <p:ext uri="{BB962C8B-B14F-4D97-AF65-F5344CB8AC3E}">
-        <p14:creationId xmlns:p14="http://schemas.microsoft.com/office/powerpoint/2010/main" val="1364304467"/>
-      </p:ext>
-    </p:extLst>
-  </p:cSld>
-  <p:clrMapOvr>
-    <a:masterClrMapping/>
-  </p:clrMapOvr>
-  <p:timing>
-    <p:tnLst>
-      <p:par>
-        <p:cTn id="1" dur="indefinite" restart="never" nodeType="tmRoot"/>
-      </p:par>
-    </p:tnLst>
-  </p:timing>
-</p:sld>
-</file>
-
-<file path=ppt/slides/slide26.xml><?xml version="1.0" encoding="utf-8"?>
-<p:sld xmlns:a="http://schemas.openxmlformats.org/drawingml/2006/main" xmlns:r="http://schemas.openxmlformats.org/officeDocument/2006/relationships" xmlns:p="http://schemas.openxmlformats.org/presentationml/2006/main">
-  <p:cSld>
-    <p:spTree>
-      <p:nvGrpSpPr>
-        <p:cNvPr id="1" name=""/>
-        <p:cNvGrpSpPr/>
-        <p:nvPr/>
-      </p:nvGrpSpPr>
-      <p:grpSpPr>
-        <a:xfrm>
-          <a:off x="0" y="0"/>
-          <a:ext cx="0" cy="0"/>
-          <a:chOff x="0" y="0"/>
-          <a:chExt cx="0" cy="0"/>
-        </a:xfrm>
-      </p:grpSpPr>
-      <p:sp>
-        <p:nvSpPr>
-          <p:cNvPr id="7" name="Title 6"/>
-          <p:cNvSpPr>
-            <a:spLocks noGrp="1"/>
-          </p:cNvSpPr>
-          <p:nvPr>
-            <p:ph type="ctrTitle"/>
-          </p:nvPr>
-        </p:nvSpPr>
-        <p:spPr/>
-        <p:txBody>
-          <a:bodyPr>
-            <a:normAutofit/>
-          </a:bodyPr>
-          <a:lstStyle/>
-          <a:p>
-            <a:r>
-              <a:rPr lang="en-IN" sz="4800" dirty="0" smtClean="0"/>
-              <a:t>Thank You </a:t>
-            </a:r>
-            <a:r>
-              <a:rPr lang="en-IN" sz="4800" dirty="0" smtClean="0">
-                <a:sym typeface="Wingdings" pitchFamily="2" charset="2"/>
-              </a:rPr>
-              <a:t> </a:t>
-            </a:r>
-            <a:endParaRPr lang="en-IN" sz="4800" dirty="0"/>
-          </a:p>
-        </p:txBody>
-      </p:sp>
-      <p:sp>
-        <p:nvSpPr>
-          <p:cNvPr id="8" name="Subtitle 7"/>
-          <p:cNvSpPr>
-            <a:spLocks noGrp="1"/>
-          </p:cNvSpPr>
-          <p:nvPr>
-            <p:ph type="subTitle" idx="1"/>
-          </p:nvPr>
-        </p:nvSpPr>
-        <p:spPr/>
-        <p:txBody>
-          <a:bodyPr>
-            <a:normAutofit/>
-          </a:bodyPr>
-          <a:lstStyle/>
-          <a:p>
-            <a:r>
-              <a:rPr lang="en-IN" sz="3200" b="1" dirty="0" smtClean="0"/>
-              <a:t>Any Questions?</a:t>
-            </a:r>
-            <a:endParaRPr lang="en-IN" sz="3200" b="1" dirty="0"/>
-          </a:p>
-        </p:txBody>
-      </p:sp>
-      <p:sp>
-        <p:nvSpPr>
-          <p:cNvPr id="4" name="Date Placeholder 3"/>
-          <p:cNvSpPr>
-            <a:spLocks noGrp="1"/>
-          </p:cNvSpPr>
-          <p:nvPr>
-            <p:ph type="dt" sz="half" idx="10"/>
-          </p:nvPr>
-        </p:nvSpPr>
-        <p:spPr/>
-        <p:txBody>
-          <a:bodyPr/>
-          <a:lstStyle/>
-          <a:p>
-            <a:fld id="{43EB6444-05C2-4DB9-99E3-3024D2735779}" type="datetime3">
-              <a:rPr lang="en-US" smtClean="0"/>
-              <a:pPr/>
-              <a:t>29 January 2019</a:t>
-            </a:fld>
-            <a:endParaRPr lang="en-US"/>
-          </a:p>
-        </p:txBody>
-      </p:sp>
-      <p:sp>
-        <p:nvSpPr>
-          <p:cNvPr id="5" name="Footer Placeholder 4"/>
-          <p:cNvSpPr>
-            <a:spLocks noGrp="1"/>
-          </p:cNvSpPr>
-          <p:nvPr>
-            <p:ph type="ftr" sz="quarter" idx="11"/>
-          </p:nvPr>
-        </p:nvSpPr>
-        <p:spPr/>
-        <p:txBody>
-          <a:bodyPr/>
-          <a:lstStyle/>
-          <a:p>
-            <a:r>
-              <a:rPr lang="en-IN" smtClean="0"/>
-              <a:t>Computer Engineering Dept. MPSTME, Mumbai Campus </a:t>
-            </a:r>
-            <a:endParaRPr lang="en-US"/>
-          </a:p>
-        </p:txBody>
-      </p:sp>
-      <p:sp>
-        <p:nvSpPr>
-          <p:cNvPr id="6" name="Slide Number Placeholder 5"/>
-          <p:cNvSpPr>
-            <a:spLocks noGrp="1"/>
-          </p:cNvSpPr>
-          <p:nvPr>
-            <p:ph type="sldNum" sz="quarter" idx="12"/>
-          </p:nvPr>
-        </p:nvSpPr>
-        <p:spPr/>
-        <p:txBody>
-          <a:bodyPr/>
-          <a:lstStyle/>
-          <a:p>
-            <a:fld id="{CD173756-56D4-480A-AE5D-4130879C57F5}" type="slidenum">
-              <a:rPr lang="en-US" smtClean="0"/>
-              <a:pPr/>
-              <a:t>26</a:t>
             </a:fld>
             <a:endParaRPr lang="en-US"/>
           </a:p>
@@ -11645,11 +11421,11 @@
           <a:p>
             <a:r>
               <a:rPr lang="en-US" dirty="0" smtClean="0"/>
-              <a:t>As said earlier, Signature </a:t>
+              <a:t>Signature Verification </a:t>
             </a:r>
             <a:r>
               <a:rPr lang="en-US" dirty="0"/>
-              <a:t>Recognition is the procedure of determining to </a:t>
+              <a:t>is the procedure of determining to </a:t>
             </a:r>
             <a:r>
               <a:rPr lang="en-US" dirty="0">
@@ -11723,7 +11499,7 @@
             <a:fld id="{43EB6444-05C2-4DB9-99E3-3024D2735779}" type="datetime3">
               <a:rPr lang="en-US" smtClean="0"/>
               <a:pPr/>
-              <a:t>29 January 2019</a:t>
+              <a:t>1 February 2019</a:t>
             </a:fld>
             <a:endParaRPr lang="en-US"/>
           </a:p>
@@ -11860,7 +11636,7 @@
             <a:fld id="{43EB6444-05C2-4DB9-99E3-3024D2735779}" type="datetime3">
               <a:rPr lang="en-US" smtClean="0"/>
               <a:pPr/>
-              <a:t>29 January 2019</a:t>
+              <a:t>1 February 2019</a:t>
             </a:fld>
             <a:endParaRPr lang="en-US"/>
           </a:p>
@@ -12020,7 +11796,7 @@
           <p:nvPr>
             <p:extLst>
               <p:ext uri="{D42A27DB-BD31-4B8C-83A1-F6EECF244321}">
-                <p14:modId xmlns:p14="http://schemas.microsoft.com/office/powerpoint/2010/main" val="3616716260"/>
+                <p14:modId xmlns:p14="http://schemas.microsoft.com/office/powerpoint/2010/main" val="2227682757"/>
               </p:ext>
             </p:extLst>
           </p:nvPr>
@@ -12033,7 +11809,7 @@
           <a:graphicData uri="http://schemas.openxmlformats.org/presentationml/2006/ole">
             <mc:AlternateContent xmlns:mc="http://schemas.openxmlformats.org/markup-compatibility/2006">
               <mc:Choice xmlns:v="urn:schemas-microsoft-com:vml" Requires="v">
-                <p:oleObj spid="_x0000_s1188" name="Worksheet" showAsIcon="1" r:id="rId3" imgW="914400" imgH="792360" progId="Excel.Sheet.12">
+                <p:oleObj spid="_x0000_s1212" name="Worksheet" showAsIcon="1" r:id="rId3" imgW="914400" imgH="792360" progId="Excel.Sheet.12">
                   <p:embed/>
                 </p:oleObj>
               </mc:Choice>
@@ -12083,6 +11859,13 @@
   <p:clrMapOvr>
     <a:masterClrMapping/>
   </p:clrMapOvr>
+  <p:timing>
+    <p:tnLst>
+      <p:par>
+        <p:cTn id="1" dur="indefinite" restart="never" nodeType="tmRoot"/>
+      </p:par>
+    </p:tnLst>
+  </p:timing>
 </p:sld>
 </file>
 
@@ -12126,7 +11909,7 @@
             <a:fld id="{43EB6444-05C2-4DB9-99E3-3024D2735779}" type="datetime3">
               <a:rPr lang="en-US" sz="1100" smtClean="0"/>
               <a:pPr/>
-              <a:t>29 January 2019</a:t>
+              <a:t>1 February 2019</a:t>
             </a:fld>
             <a:endParaRPr lang="en-US" sz="1100"/>
           </a:p>
@@ -12268,10 +12051,8 @@
       </p:sp>
       <p:pic>
         <p:nvPicPr>
-          <p:cNvPr id="3" name="Picture 2"/>
-          <p:cNvPicPr>
-            <a:picLocks noChangeAspect="1"/>
-          </p:cNvPicPr>
+          <p:cNvPr id="7" name="Picture 6"/>
+          <p:cNvPicPr/>
           <p:nvPr/>
         </p:nvPicPr>
         <p:blipFill>
@@ -12288,12 +12069,15 @@
         </p:blipFill>
         <p:spPr>
           <a:xfrm>
-            <a:off x="685800" y="1512870"/>
-            <a:ext cx="7391400" cy="4728797"/>
+            <a:off x="1022225" y="1487703"/>
+            <a:ext cx="7096125" cy="4763433"/>
           </a:xfrm>
           <a:prstGeom prst="rect">
             <a:avLst/>
           </a:prstGeom>
+          <a:ln>
+            <a:noFill/>
+          </a:ln>
         </p:spPr>
       </p:pic>
     </p:spTree>
@@ -12380,7 +12164,7 @@
             <a:fld id="{43EB6444-05C2-4DB9-99E3-3024D2735779}" type="datetime3">
               <a:rPr lang="en-US" smtClean="0"/>
               <a:pPr/>
-              <a:t>29 January 2019</a:t>
+              <a:t>1 February 2019</a:t>
             </a:fld>
             <a:endParaRPr lang="en-US"/>
           </a:p>
@@ -12695,6 +12479,13 @@
   <p:clrMapOvr>
     <a:masterClrMapping/>
   </p:clrMapOvr>
+  <p:timing>
+    <p:tnLst>
+      <p:par>
+        <p:cTn id="1" dur="indefinite" restart="never" nodeType="tmRoot"/>
+      </p:par>
+    </p:tnLst>
+  </p:timing>
 </p:sld>
 </file>
 
@@ -12757,13 +12548,13 @@
         </p:nvSpPr>
         <p:spPr>
           <a:xfrm>
-            <a:off x="417388" y="1647557"/>
-            <a:ext cx="4154612" cy="4908551"/>
+            <a:off x="533400" y="1524000"/>
+            <a:ext cx="5201516" cy="4572000"/>
           </a:xfrm>
         </p:spPr>
         <p:txBody>
           <a:bodyPr>
-            <a:normAutofit/>
+            <a:normAutofit fontScale="92500" lnSpcReduction="20000"/>
           </a:bodyPr>
           <a:lstStyle/>
           <a:p>
@@ -12809,13 +12600,47 @@
             </a:r>
             <a:r>
               <a:rPr lang="en-US" dirty="0"/>
-              <a:t>intelligent code completion, on-the-fly error checking and quick-fixes, easy project navigation, and much more.</a:t>
-            </a:r>
+              <a:t>intelligent code completion, on-the-fly error checking and quick-fixes, easy project navigation, and much more</a:t>
+            </a:r>
+            <a:r>
+              <a:rPr lang="en-US" dirty="0" smtClean="0"/>
+              <a:t>.</a:t>
+            </a:r>
+          </a:p>
+          <a:p>
+            <a:pPr lvl="1"/>
+            <a:endParaRPr lang="en-US" dirty="0"/>
+          </a:p>
+          <a:p>
+            <a:r>
+              <a:rPr lang="en-US" b="1" dirty="0"/>
+              <a:t>SQL using MySQL </a:t>
+            </a:r>
+          </a:p>
+          <a:p>
+            <a:pPr lvl="1"/>
+            <a:r>
+              <a:rPr lang="en-US" dirty="0"/>
+              <a:t>SQL is a standard language for storing, manipulating and retrieving data in databases. </a:t>
+            </a:r>
+          </a:p>
+          <a:p>
+            <a:pPr lvl="1"/>
+            <a:r>
+              <a:rPr lang="en-US" dirty="0"/>
+              <a:t>MySQL is an open source relational database management system, very easy to establish, use and manage</a:t>
+            </a:r>
+            <a:endParaRPr lang="en-US" sz="2200" dirty="0">
+              <a:solidFill>
+                <a:srgbClr val="FF0000"/>
+              </a:solidFill>
+            </a:endParaRPr>
+          </a:p>
+          <a:p>
+            <a:pPr marL="457200" lvl="1" indent="0">
+              <a:buNone/>
+            </a:pPr>
             <a:endParaRPr lang="en-US" sz="2200" dirty="0"/>
-          </a:p>
-          <a:p>
-            <a:pPr lvl="2"/>
-            <a:endParaRPr lang="en-US" sz="2000" dirty="0"/>
           </a:p>
         </p:txBody>
       </p:sp>
@@ -12837,7 +12662,7 @@
             <a:fld id="{43EB6444-05C2-4DB9-99E3-3024D2735779}" type="datetime3">
               <a:rPr lang="en-US" smtClean="0"/>
               <a:pPr/>
-              <a:t>29 January 2019</a:t>
+              <a:t>1 February 2019</a:t>
             </a:fld>
             <a:endParaRPr lang="en-US"/>
           </a:p>
@@ -13218,8 +13043,8 @@
         </p:blipFill>
         <p:spPr>
           <a:xfrm>
-            <a:off x="5770120" y="1524000"/>
-            <a:ext cx="2113386" cy="2122065"/>
+            <a:off x="5736314" y="1587500"/>
+            <a:ext cx="1429790" cy="1435661"/>
           </a:xfrm>
           <a:prstGeom prst="rect">
             <a:avLst/>
@@ -13242,8 +13067,56 @@
         </p:blipFill>
         <p:spPr>
           <a:xfrm>
-            <a:off x="5638800" y="3607965"/>
-            <a:ext cx="2625476" cy="2552949"/>
+            <a:off x="7334939" y="2706415"/>
+            <a:ext cx="1626198" cy="1581275"/>
+          </a:xfrm>
+          <a:prstGeom prst="rect">
+            <a:avLst/>
+          </a:prstGeom>
+        </p:spPr>
+      </p:pic>
+      <p:pic>
+        <p:nvPicPr>
+          <p:cNvPr id="18" name="Picture 17"/>
+          <p:cNvPicPr>
+            <a:picLocks noChangeAspect="1"/>
+          </p:cNvPicPr>
+          <p:nvPr/>
+        </p:nvPicPr>
+        <p:blipFill>
+          <a:blip r:embed="rId4"/>
+          <a:stretch>
+            <a:fillRect/>
+          </a:stretch>
+        </p:blipFill>
+        <p:spPr>
+          <a:xfrm>
+            <a:off x="5629489" y="4149649"/>
+            <a:ext cx="1640645" cy="1097409"/>
+          </a:xfrm>
+          <a:prstGeom prst="rect">
+            <a:avLst/>
+          </a:prstGeom>
+        </p:spPr>
+      </p:pic>
+      <p:pic>
+        <p:nvPicPr>
+          <p:cNvPr id="19" name="Picture 18"/>
+          <p:cNvPicPr>
+            <a:picLocks noChangeAspect="1"/>
+          </p:cNvPicPr>
+          <p:nvPr/>
+        </p:nvPicPr>
+        <p:blipFill>
+          <a:blip r:embed="rId5"/>
+          <a:stretch>
+            <a:fillRect/>
+          </a:stretch>
+        </p:blipFill>
+        <p:spPr>
+          <a:xfrm>
+            <a:off x="7426408" y="5116539"/>
+            <a:ext cx="1443261" cy="979461"/>
           </a:xfrm>
           <a:prstGeom prst="rect">
             <a:avLst/>
@@ -13462,12 +13335,20 @@
               <a:t> : </a:t>
             </a:r>
             <a:r>
-              <a:rPr lang="en-US" dirty="0" err="1" smtClean="0"/>
-              <a:t>rovides</a:t>
-            </a:r>
-            <a:r>
               <a:rPr lang="en-US" dirty="0" smtClean="0"/>
-              <a:t> many user-friendly and efficient numerical routines </a:t>
+              <a:t>Provides </a:t>
+            </a:r>
+            <a:r>
+              <a:rPr lang="en-US" dirty="0" smtClean="0"/>
+              <a:t>many user-friendly </a:t>
+            </a:r>
+            <a:r>
+              <a:rPr lang="en-US" dirty="0" smtClean="0"/>
+              <a:t>and </a:t>
+            </a:r>
+            <a:r>
+              <a:rPr lang="en-US" dirty="0" smtClean="0"/>
+              <a:t>efficient numerical routines </a:t>
             </a:r>
           </a:p>
           <a:p>
@@ -13494,7 +13375,7 @@
             <a:fld id="{43EB6444-05C2-4DB9-99E3-3024D2735779}" type="datetime3">
               <a:rPr lang="en-US" smtClean="0"/>
               <a:pPr/>
-              <a:t>29 January 2019</a:t>
+              <a:t>1 February 2019</a:t>
             </a:fld>
             <a:endParaRPr lang="en-US"/>
           </a:p>
@@ -13898,93 +13779,6 @@
       </p:grpSpPr>
       <p:sp>
         <p:nvSpPr>
-          <p:cNvPr id="2" name="Title 1"/>
-          <p:cNvSpPr>
-            <a:spLocks noGrp="1"/>
-          </p:cNvSpPr>
-          <p:nvPr>
-            <p:ph type="title"/>
-          </p:nvPr>
-        </p:nvSpPr>
-        <p:spPr>
-          <a:xfrm>
-            <a:off x="3151063" y="685800"/>
-            <a:ext cx="5791200" cy="914400"/>
-          </a:xfrm>
-        </p:spPr>
-        <p:txBody>
-          <a:bodyPr>
-            <a:normAutofit/>
-          </a:bodyPr>
-          <a:lstStyle/>
-          <a:p>
-            <a:r>
-              <a:rPr lang="en-US" sz="3200" dirty="0" smtClean="0"/>
-              <a:t>Implementation tool &amp; setup</a:t>
-            </a:r>
-            <a:endParaRPr lang="en-US" sz="3200" dirty="0"/>
-          </a:p>
-        </p:txBody>
-      </p:sp>
-      <p:sp>
-        <p:nvSpPr>
-          <p:cNvPr id="3" name="Content Placeholder 2"/>
-          <p:cNvSpPr>
-            <a:spLocks noGrp="1"/>
-          </p:cNvSpPr>
-          <p:nvPr>
-            <p:ph idx="1"/>
-          </p:nvPr>
-        </p:nvSpPr>
-        <p:spPr>
-          <a:xfrm>
-            <a:off x="685800" y="1752600"/>
-            <a:ext cx="3657600" cy="4419600"/>
-          </a:xfrm>
-        </p:spPr>
-        <p:txBody>
-          <a:bodyPr>
-            <a:normAutofit/>
-          </a:bodyPr>
-          <a:lstStyle/>
-          <a:p>
-            <a:r>
-              <a:rPr lang="en-US" b="1" dirty="0" smtClean="0"/>
-              <a:t>SQL using MySQL </a:t>
-            </a:r>
-          </a:p>
-          <a:p>
-            <a:pPr lvl="1"/>
-            <a:r>
-              <a:rPr lang="en-US" dirty="0"/>
-              <a:t>SQL is a standard language for storing, manipulating and retrieving data in databases. </a:t>
-            </a:r>
-            <a:endParaRPr lang="en-US" dirty="0" smtClean="0"/>
-          </a:p>
-          <a:p>
-            <a:pPr lvl="1"/>
-            <a:r>
-              <a:rPr lang="en-US" dirty="0" smtClean="0"/>
-              <a:t>MySQL </a:t>
-            </a:r>
-            <a:r>
-              <a:rPr lang="en-US" dirty="0"/>
-              <a:t>is an open source relational database management </a:t>
-            </a:r>
-            <a:r>
-              <a:rPr lang="en-US" dirty="0" smtClean="0"/>
-              <a:t>system, very easy to establish, use and manage</a:t>
-            </a:r>
-            <a:endParaRPr lang="en-US" sz="2200" dirty="0" smtClean="0">
-              <a:solidFill>
-                <a:srgbClr val="FF0000"/>
-              </a:solidFill>
-            </a:endParaRPr>
-          </a:p>
-        </p:txBody>
-      </p:sp>
-      <p:sp>
-        <p:nvSpPr>
           <p:cNvPr id="4" name="Date Placeholder 3"/>
           <p:cNvSpPr>
             <a:spLocks noGrp="1"/>
@@ -14001,7 +13795,7 @@
             <a:fld id="{43EB6444-05C2-4DB9-99E3-3024D2735779}" type="datetime3">
               <a:rPr lang="en-US" smtClean="0"/>
               <a:pPr/>
-              <a:t>29 January 2019</a:t>
+              <a:t>1 February 2019</a:t>
             </a:fld>
             <a:endParaRPr lang="en-US"/>
           </a:p>
@@ -14054,9 +13848,104 @@
           </a:p>
         </p:txBody>
       </p:sp>
+      <p:sp>
+        <p:nvSpPr>
+          <p:cNvPr id="8" name="Title 1"/>
+          <p:cNvSpPr txBox="1">
+            <a:spLocks/>
+          </p:cNvSpPr>
+          <p:nvPr/>
+        </p:nvSpPr>
+        <p:spPr>
+          <a:xfrm>
+            <a:off x="607888" y="685599"/>
+            <a:ext cx="7924800" cy="781694"/>
+          </a:xfrm>
+          <a:prstGeom prst="rect">
+            <a:avLst/>
+          </a:prstGeom>
+        </p:spPr>
+        <p:txBody>
+          <a:bodyPr vert="horz" lIns="91440" tIns="45720" rIns="91440" bIns="45720" rtlCol="0" anchor="ctr">
+            <a:normAutofit/>
+          </a:bodyPr>
+          <a:lstStyle>
+            <a:lvl1pPr algn="ctr" defTabSz="914400" rtl="0" eaLnBrk="1" latinLnBrk="0" hangingPunct="1">
+              <a:spcBef>
+                <a:spcPct val="0"/>
+              </a:spcBef>
+              <a:buNone/>
+              <a:defRPr sz="3600" b="1" kern="1200">
+                <a:solidFill>
+                  <a:schemeClr val="tx1"/>
+                </a:solidFill>
+                <a:latin typeface="+mj-lt"/>
+                <a:ea typeface="+mj-ea"/>
+                <a:cs typeface="+mj-cs"/>
+              </a:defRPr>
+            </a:lvl1pPr>
+          </a:lstStyle>
+          <a:p>
+            <a:r>
+              <a:rPr lang="en-US" dirty="0" smtClean="0"/>
+              <a:t>Dataset</a:t>
+            </a:r>
+            <a:endParaRPr lang="en-US" dirty="0"/>
+          </a:p>
+        </p:txBody>
+      </p:sp>
+      <p:sp>
+        <p:nvSpPr>
+          <p:cNvPr id="2" name="Rectangle 1"/>
+          <p:cNvSpPr/>
+          <p:nvPr/>
+        </p:nvSpPr>
+        <p:spPr>
+          <a:xfrm>
+            <a:off x="5486400" y="912086"/>
+            <a:ext cx="3581400" cy="923330"/>
+          </a:xfrm>
+          <a:prstGeom prst="rect">
+            <a:avLst/>
+          </a:prstGeom>
+        </p:spPr>
+        <p:txBody>
+          <a:bodyPr wrap="square">
+            <a:spAutoFit/>
+          </a:bodyPr>
+          <a:lstStyle/>
+          <a:p>
+            <a:r>
+              <a:rPr lang="en-US" dirty="0"/>
+              <a:t>25 Authors, 50 Classes, </a:t>
+            </a:r>
+            <a:r>
+              <a:rPr lang="en-US" b="1" dirty="0"/>
+              <a:t>826 Images</a:t>
+            </a:r>
+          </a:p>
+          <a:p>
+            <a:r>
+              <a:rPr lang="en-US" dirty="0"/>
+              <a:t>637 Training images (77.12%)</a:t>
+            </a:r>
+          </a:p>
+          <a:p>
+            <a:r>
+              <a:rPr lang="en-US" dirty="0"/>
+              <a:t>189 Testing images (22.88</a:t>
+            </a:r>
+            <a:r>
+              <a:rPr lang="en-US" dirty="0" smtClean="0"/>
+              <a:t>%)</a:t>
+            </a:r>
+            <a:endParaRPr lang="en-US" dirty="0"/>
+          </a:p>
+        </p:txBody>
+      </p:sp>
       <p:pic>
         <p:nvPicPr>
-          <p:cNvPr id="7" name="Picture 6"/>
+          <p:cNvPr id="10" name="Picture 9"/>
           <p:cNvPicPr>
             <a:picLocks noChangeAspect="1"/>
           </p:cNvPicPr>
@@ -14070,32 +13959,8 @@
         </p:blipFill>
         <p:spPr>
           <a:xfrm>
-            <a:off x="5486400" y="3962400"/>
-            <a:ext cx="2819400" cy="1913371"/>
-          </a:xfrm>
-          <a:prstGeom prst="rect">
-            <a:avLst/>
-          </a:prstGeom>
-        </p:spPr>
-      </p:pic>
-      <p:pic>
-        <p:nvPicPr>
-          <p:cNvPr id="8" name="Picture 7"/>
-          <p:cNvPicPr>
-            <a:picLocks noChangeAspect="1"/>
-          </p:cNvPicPr>
-          <p:nvPr/>
-        </p:nvPicPr>
-        <p:blipFill>
-          <a:blip r:embed="rId3"/>
-          <a:stretch>
-            <a:fillRect/>
-          </a:stretch>
-        </p:blipFill>
-        <p:spPr>
-          <a:xfrm>
-            <a:off x="5301293" y="1811071"/>
-            <a:ext cx="3004507" cy="2009681"/>
+            <a:off x="732168" y="1832312"/>
+            <a:ext cx="7676240" cy="4544338"/>
           </a:xfrm>
           <a:prstGeom prst="rect">
             <a:avLst/>
@@ -14105,7 +13970,7 @@
     </p:spTree>
     <p:extLst>
       <p:ext uri="{BB962C8B-B14F-4D97-AF65-F5344CB8AC3E}">
-        <p14:creationId xmlns:p14="http://schemas.microsoft.com/office/powerpoint/2010/main" val="2258149792"/>
+        <p14:creationId xmlns:p14="http://schemas.microsoft.com/office/powerpoint/2010/main" val="1606300836"/>
       </p:ext>
     </p:extLst>
   </p:cSld>

--- a/PPT/B002_ProjectPPT.pptx
+++ b/PPT/B002_ProjectPPT.pptx
@@ -7312,11 +7312,7 @@
             <a:pPr lvl="1"/>
             <a:r>
               <a:rPr lang="en-US" sz="1800" dirty="0" smtClean="0"/>
-              <a:t>Main.py also inserts and reads </a:t>
-            </a:r>
-            <a:r>
-              <a:rPr lang="en-US" sz="1800" dirty="0" smtClean="0"/>
-              <a:t>data into the database one row at a time</a:t>
+              <a:t>Main.py also inserts and reads data into the database one row at a time</a:t>
             </a:r>
             <a:endParaRPr lang="en-US" dirty="0" smtClean="0"/>
           </a:p>
@@ -7468,42 +7464,68 @@
           </a:bodyPr>
           <a:lstStyle/>
           <a:p>
-            <a:pPr marL="692150" indent="-574675"/>
+            <a:pPr marL="914400" indent="-685800"/>
             <a:r>
               <a:rPr lang="en-IN" dirty="0" smtClean="0"/>
-              <a:t>Problem definition				</a:t>
-            </a:r>
-          </a:p>
-          <a:p>
-            <a:pPr marL="692150" indent="-574675"/>
+              <a:t>Problem </a:t>
+            </a:r>
+            <a:r>
+              <a:rPr lang="en-IN" dirty="0" smtClean="0"/>
+              <a:t>definition	 </a:t>
+            </a:r>
+            <a:endParaRPr lang="en-IN" dirty="0" smtClean="0"/>
+          </a:p>
+          <a:p>
+            <a:pPr marL="914400" indent="-685800"/>
             <a:r>
               <a:rPr lang="en-IN" dirty="0" smtClean="0"/>
               <a:t>Literature Review	</a:t>
             </a:r>
-          </a:p>
-          <a:p>
-            <a:pPr marL="692150" indent="-574675"/>
+            <a:r>
+              <a:rPr lang="en-IN" dirty="0" smtClean="0"/>
+              <a:t> </a:t>
+            </a:r>
+            <a:endParaRPr lang="en-IN" dirty="0" smtClean="0"/>
+          </a:p>
+          <a:p>
+            <a:pPr marL="914400" indent="-685800"/>
             <a:r>
               <a:rPr lang="en-IN" dirty="0" smtClean="0"/>
               <a:t>Proposed Work</a:t>
             </a:r>
           </a:p>
           <a:p>
-            <a:pPr marL="692150" indent="-574675"/>
+            <a:pPr marL="914400" indent="-685800"/>
             <a:r>
               <a:rPr lang="en-IN" dirty="0" smtClean="0"/>
-              <a:t>Implementation tool &amp; setup</a:t>
-            </a:r>
-          </a:p>
-          <a:p>
-            <a:pPr marL="692150" indent="-574675"/>
+              <a:t>Implementation </a:t>
+            </a:r>
+            <a:r>
+              <a:rPr lang="en-IN" dirty="0" smtClean="0"/>
+              <a:t>tool &amp; </a:t>
+            </a:r>
+            <a:r>
+              <a:rPr lang="en-IN" dirty="0" smtClean="0"/>
+              <a:t>setup</a:t>
+            </a:r>
+          </a:p>
+          <a:p>
+            <a:pPr marL="914400" indent="-685800"/>
+            <a:r>
+              <a:rPr lang="en-IN" dirty="0" smtClean="0"/>
+              <a:t>Dataset</a:t>
+            </a:r>
+            <a:endParaRPr lang="en-IN" dirty="0" smtClean="0"/>
+          </a:p>
+          <a:p>
+            <a:pPr marL="914400" indent="-685800"/>
             <a:r>
               <a:rPr lang="en-IN" dirty="0" smtClean="0"/>
               <a:t>Implementation Work done </a:t>
             </a:r>
           </a:p>
           <a:p>
-            <a:pPr marL="692150" indent="-574675"/>
+            <a:pPr marL="914400" indent="-685800"/>
             <a:r>
               <a:rPr lang="en-IN" dirty="0" smtClean="0"/>
               <a:t>Gantt chart </a:t>
@@ -7511,7 +7533,7 @@
             <a:endParaRPr lang="en-IN" dirty="0"/>
           </a:p>
           <a:p>
-            <a:pPr marL="692150" indent="-574675"/>
+            <a:pPr marL="914400" indent="-685800"/>
             <a:r>
               <a:rPr lang="en-IN" dirty="0" smtClean="0"/>
               <a:t>References			</a:t>
@@ -11409,8 +11431,8 @@
         </p:nvSpPr>
         <p:spPr>
           <a:xfrm>
-            <a:off x="762000" y="2362201"/>
-            <a:ext cx="7543800" cy="3657600"/>
+            <a:off x="990600" y="2362201"/>
+            <a:ext cx="7315200" cy="3657600"/>
           </a:xfrm>
         </p:spPr>
         <p:txBody>
@@ -11809,7 +11831,7 @@
           <a:graphicData uri="http://schemas.openxmlformats.org/presentationml/2006/ole">
             <mc:AlternateContent xmlns:mc="http://schemas.openxmlformats.org/markup-compatibility/2006">
               <mc:Choice xmlns:v="urn:schemas-microsoft-com:vml" Requires="v">
-                <p:oleObj spid="_x0000_s1212" name="Worksheet" showAsIcon="1" r:id="rId3" imgW="914400" imgH="792360" progId="Excel.Sheet.12">
+                <p:oleObj spid="_x0000_s1222" name="Worksheet" showAsIcon="1" r:id="rId3" imgW="914400" imgH="792360" progId="Excel.Sheet.12">
                   <p:embed/>
                 </p:oleObj>
               </mc:Choice>
@@ -13208,7 +13230,7 @@
         </p:spPr>
         <p:txBody>
           <a:bodyPr>
-            <a:normAutofit/>
+            <a:normAutofit fontScale="92500"/>
           </a:bodyPr>
           <a:lstStyle/>
           <a:p>
@@ -13228,15 +13250,15 @@
           <a:p>
             <a:pPr lvl="2"/>
             <a:r>
-              <a:rPr lang="en-US" sz="2000" dirty="0" err="1" smtClean="0"/>
+              <a:rPr lang="en-US" sz="2200" dirty="0" err="1" smtClean="0"/>
               <a:t>OpenCV</a:t>
             </a:r>
             <a:r>
-              <a:rPr lang="en-US" sz="2000" dirty="0" smtClean="0"/>
+              <a:rPr lang="en-US" sz="2200" dirty="0" smtClean="0"/>
               <a:t> : </a:t>
             </a:r>
             <a:r>
-              <a:rPr lang="en-US" sz="2000" i="1" dirty="0" smtClean="0">
+              <a:rPr lang="en-US" sz="2200" i="1" dirty="0" smtClean="0">
                 <a:solidFill>
                   <a:srgbClr val="FF0000"/>
                 </a:solidFill>
@@ -13244,111 +13266,131 @@
               <a:t>Computer vision </a:t>
             </a:r>
             <a:r>
-              <a:rPr lang="en-US" sz="2000" i="1" dirty="0" smtClean="0"/>
+              <a:rPr lang="en-US" sz="2200" i="1" dirty="0" smtClean="0"/>
               <a:t>and machine learning software library. </a:t>
             </a:r>
           </a:p>
           <a:p>
             <a:pPr lvl="2"/>
             <a:r>
-              <a:rPr lang="en-US" sz="2000" dirty="0" err="1" smtClean="0"/>
+              <a:rPr lang="en-US" sz="2200" dirty="0" err="1" smtClean="0"/>
               <a:t>NumPy</a:t>
             </a:r>
             <a:r>
-              <a:rPr lang="en-US" sz="2000" dirty="0" smtClean="0"/>
+              <a:rPr lang="en-US" sz="2200" dirty="0" smtClean="0"/>
               <a:t> : </a:t>
             </a:r>
             <a:r>
-              <a:rPr lang="en-US" sz="2000" i="1" dirty="0" smtClean="0"/>
+              <a:rPr lang="en-US" sz="2200" i="1" dirty="0" smtClean="0"/>
               <a:t>Scientific computing &amp; array-processing</a:t>
             </a:r>
           </a:p>
           <a:p>
             <a:pPr lvl="2"/>
             <a:r>
-              <a:rPr lang="en-US" sz="2000" dirty="0" err="1" smtClean="0"/>
+              <a:rPr lang="en-US" sz="2200" dirty="0" err="1" smtClean="0"/>
               <a:t>Imutils</a:t>
             </a:r>
             <a:r>
-              <a:rPr lang="en-US" sz="2000" dirty="0" smtClean="0"/>
+              <a:rPr lang="en-US" sz="2200" dirty="0" smtClean="0"/>
               <a:t> : </a:t>
             </a:r>
             <a:r>
-              <a:rPr lang="en-US" sz="2000" i="1" dirty="0" smtClean="0"/>
+              <a:rPr lang="en-US" sz="2200" i="1" dirty="0" smtClean="0"/>
               <a:t>Functions to make basic image processing functions easier</a:t>
             </a:r>
-            <a:endParaRPr lang="en-US" sz="2000" dirty="0" smtClean="0"/>
+            <a:endParaRPr lang="en-US" sz="2200" dirty="0" smtClean="0"/>
           </a:p>
           <a:p>
             <a:pPr lvl="2"/>
             <a:r>
-              <a:rPr lang="en-US" sz="2000" dirty="0" smtClean="0"/>
+              <a:rPr lang="en-US" sz="2200" dirty="0" smtClean="0"/>
               <a:t>Math : </a:t>
             </a:r>
             <a:r>
-              <a:rPr lang="en-US" sz="2000" i="1" dirty="0" smtClean="0"/>
+              <a:rPr lang="en-US" sz="2200" i="1" dirty="0" smtClean="0"/>
               <a:t>Provides access to the mathematical functions</a:t>
             </a:r>
           </a:p>
           <a:p>
             <a:pPr lvl="2"/>
             <a:r>
-              <a:rPr lang="en-US" sz="2000" dirty="0" err="1" smtClean="0"/>
+              <a:rPr lang="en-US" sz="2200" dirty="0" err="1" smtClean="0"/>
               <a:t>MatplotLib</a:t>
             </a:r>
             <a:r>
-              <a:rPr lang="en-US" sz="2000" dirty="0" smtClean="0"/>
+              <a:rPr lang="en-US" sz="2200" dirty="0" smtClean="0"/>
               <a:t> : </a:t>
             </a:r>
             <a:r>
-              <a:rPr lang="en-US" sz="2000" i="1" dirty="0" smtClean="0"/>
+              <a:rPr lang="en-US" sz="2200" i="1" dirty="0" smtClean="0"/>
               <a:t>Python 2D plotting library</a:t>
             </a:r>
-            <a:endParaRPr lang="en-US" sz="2000" dirty="0" smtClean="0"/>
+            <a:endParaRPr lang="en-US" sz="2200" dirty="0" smtClean="0"/>
           </a:p>
           <a:p>
             <a:pPr lvl="2"/>
             <a:r>
-              <a:rPr lang="en-US" dirty="0" err="1" smtClean="0"/>
+              <a:rPr lang="en-US" sz="2200" dirty="0" err="1" smtClean="0"/>
               <a:t>Pymysql</a:t>
             </a:r>
             <a:r>
-              <a:rPr lang="en-US" dirty="0" smtClean="0"/>
-              <a:t> : A simple database interface for Python</a:t>
+              <a:rPr lang="en-US" sz="2200" dirty="0" smtClean="0"/>
+              <a:t> : </a:t>
+            </a:r>
+            <a:r>
+              <a:rPr lang="en-US" sz="2200" i="1" dirty="0" smtClean="0"/>
+              <a:t>A simple </a:t>
+            </a:r>
+            <a:r>
+              <a:rPr lang="en-US" sz="2200" i="1" dirty="0" err="1" smtClean="0"/>
+              <a:t>MySql</a:t>
+            </a:r>
+            <a:r>
+              <a:rPr lang="en-US" sz="2200" i="1" dirty="0" smtClean="0"/>
+              <a:t> </a:t>
+            </a:r>
+            <a:r>
+              <a:rPr lang="en-US" sz="2200" i="1" dirty="0" smtClean="0">
+                <a:solidFill>
+                  <a:srgbClr val="FF0000"/>
+                </a:solidFill>
+              </a:rPr>
+              <a:t>database</a:t>
+            </a:r>
+            <a:r>
+              <a:rPr lang="en-US" sz="2200" i="1" dirty="0" smtClean="0"/>
+              <a:t> </a:t>
+            </a:r>
+            <a:r>
+              <a:rPr lang="en-US" sz="2200" i="1" dirty="0" smtClean="0"/>
+              <a:t>interface for Python</a:t>
             </a:r>
           </a:p>
           <a:p>
             <a:pPr lvl="2"/>
             <a:r>
-              <a:rPr lang="en-US" dirty="0" smtClean="0"/>
-              <a:t>OS : allows easy file handling</a:t>
+              <a:rPr lang="en-US" sz="2200" dirty="0" smtClean="0"/>
+              <a:t>OS : </a:t>
+            </a:r>
+            <a:r>
+              <a:rPr lang="en-US" sz="2200" i="1" dirty="0" smtClean="0"/>
+              <a:t>allows easy file handling</a:t>
             </a:r>
           </a:p>
           <a:p>
             <a:pPr lvl="2"/>
             <a:r>
-              <a:rPr lang="en-US" dirty="0" err="1" smtClean="0"/>
+              <a:rPr lang="en-US" sz="2200" dirty="0" err="1" smtClean="0"/>
               <a:t>Scipy</a:t>
             </a:r>
             <a:r>
-              <a:rPr lang="en-US" dirty="0" smtClean="0"/>
+              <a:rPr lang="en-US" sz="2200" dirty="0" smtClean="0"/>
               <a:t> : </a:t>
             </a:r>
             <a:r>
-              <a:rPr lang="en-US" dirty="0" smtClean="0"/>
-              <a:t>Provides </a:t>
-            </a:r>
-            <a:r>
-              <a:rPr lang="en-US" dirty="0" smtClean="0"/>
-              <a:t>many user-friendly </a:t>
-            </a:r>
-            <a:r>
-              <a:rPr lang="en-US" dirty="0" smtClean="0"/>
-              <a:t>and </a:t>
-            </a:r>
-            <a:r>
-              <a:rPr lang="en-US" dirty="0" smtClean="0"/>
-              <a:t>efficient numerical routines </a:t>
+              <a:rPr lang="en-US" sz="2200" i="1" dirty="0" smtClean="0"/>
+              <a:t>Provides many user-friendly and efficient numerical routines </a:t>
             </a:r>
           </a:p>
           <a:p>

--- a/PPT/B002_ProjectPPT.pptx
+++ b/PPT/B002_ProjectPPT.pptx
@@ -234,7 +234,7 @@
             <a:fld id="{693C5521-6ED6-48B0-8AA8-E7779A0DEDB4}" type="datetimeFigureOut">
               <a:rPr lang="en-IN" smtClean="0"/>
               <a:pPr/>
-              <a:t>14-03-2019</a:t>
+              <a:t>22-03-2019</a:t>
             </a:fld>
             <a:endParaRPr lang="en-IN"/>
           </a:p>
@@ -770,7 +770,7 @@
             <a:fld id="{461CA89B-73E9-4634-906A-372D7DAAEC88}" type="datetime3">
               <a:rPr lang="en-US" smtClean="0"/>
               <a:pPr/>
-              <a:t>14 March 2019</a:t>
+              <a:t>22 March 2019</a:t>
             </a:fld>
             <a:endParaRPr lang="en-US"/>
           </a:p>
@@ -941,7 +941,7 @@
             <a:fld id="{773ED50A-77A2-4209-A1D7-0C22C65C2A87}" type="datetime3">
               <a:rPr lang="en-US" smtClean="0"/>
               <a:pPr/>
-              <a:t>14 March 2019</a:t>
+              <a:t>22 March 2019</a:t>
             </a:fld>
             <a:endParaRPr lang="en-US"/>
           </a:p>
@@ -1122,7 +1122,7 @@
             <a:fld id="{F2D08FB2-9FE4-487D-965B-D0DA0A1DC7DD}" type="datetime3">
               <a:rPr lang="en-US" smtClean="0"/>
               <a:pPr/>
-              <a:t>14 March 2019</a:t>
+              <a:t>22 March 2019</a:t>
             </a:fld>
             <a:endParaRPr lang="en-US"/>
           </a:p>
@@ -1293,7 +1293,7 @@
             <a:fld id="{43EB6444-05C2-4DB9-99E3-3024D2735779}" type="datetime3">
               <a:rPr lang="en-US" smtClean="0"/>
               <a:pPr/>
-              <a:t>14 March 2019</a:t>
+              <a:t>22 March 2019</a:t>
             </a:fld>
             <a:endParaRPr lang="en-US"/>
           </a:p>
@@ -1540,7 +1540,7 @@
             <a:fld id="{33889CC6-BD01-4423-8B7B-6785AC6E038A}" type="datetime3">
               <a:rPr lang="en-US" smtClean="0"/>
               <a:pPr/>
-              <a:t>14 March 2019</a:t>
+              <a:t>22 March 2019</a:t>
             </a:fld>
             <a:endParaRPr lang="en-US"/>
           </a:p>
@@ -1829,7 +1829,7 @@
             <a:fld id="{0E0E605F-490B-452B-8B05-14314302746A}" type="datetime3">
               <a:rPr lang="en-US" smtClean="0"/>
               <a:pPr/>
-              <a:t>14 March 2019</a:t>
+              <a:t>22 March 2019</a:t>
             </a:fld>
             <a:endParaRPr lang="en-US"/>
           </a:p>
@@ -2252,7 +2252,7 @@
             <a:fld id="{5E198B09-D047-4D3B-9154-76668E802024}" type="datetime3">
               <a:rPr lang="en-US" smtClean="0"/>
               <a:pPr/>
-              <a:t>14 March 2019</a:t>
+              <a:t>22 March 2019</a:t>
             </a:fld>
             <a:endParaRPr lang="en-US"/>
           </a:p>
@@ -2371,7 +2371,7 @@
             <a:fld id="{8219AB13-D051-4954-9051-64825C74F75A}" type="datetime3">
               <a:rPr lang="en-US" smtClean="0"/>
               <a:pPr/>
-              <a:t>14 March 2019</a:t>
+              <a:t>22 March 2019</a:t>
             </a:fld>
             <a:endParaRPr lang="en-US"/>
           </a:p>
@@ -2467,7 +2467,7 @@
             <a:fld id="{11637D31-5CC0-4E67-88E7-00FF86610318}" type="datetime3">
               <a:rPr lang="en-US" smtClean="0"/>
               <a:pPr/>
-              <a:t>14 March 2019</a:t>
+              <a:t>22 March 2019</a:t>
             </a:fld>
             <a:endParaRPr lang="en-US"/>
           </a:p>
@@ -2745,7 +2745,7 @@
             <a:fld id="{56E2FCAE-7BB8-4D70-9DA7-22EB6F9CEFAD}" type="datetime3">
               <a:rPr lang="en-US" smtClean="0"/>
               <a:pPr/>
-              <a:t>14 March 2019</a:t>
+              <a:t>22 March 2019</a:t>
             </a:fld>
             <a:endParaRPr lang="en-US"/>
           </a:p>
@@ -3003,7 +3003,7 @@
             <a:fld id="{D6EB2C22-3D65-435D-9A2D-35A61489EA27}" type="datetime3">
               <a:rPr lang="en-US" smtClean="0"/>
               <a:pPr/>
-              <a:t>14 March 2019</a:t>
+              <a:t>22 March 2019</a:t>
             </a:fld>
             <a:endParaRPr lang="en-US"/>
           </a:p>
@@ -3226,7 +3226,7 @@
             <a:fld id="{2ECC0AC6-A0B5-4ADF-B745-250ADF97C92C}" type="datetime3">
               <a:rPr lang="en-US" smtClean="0"/>
               <a:pPr/>
-              <a:t>14 March 2019</a:t>
+              <a:t>22 March 2019</a:t>
             </a:fld>
             <a:endParaRPr lang="en-US" dirty="0"/>
           </a:p>
@@ -3727,7 +3727,7 @@
             <a:fld id="{461CA89B-73E9-4634-906A-372D7DAAEC88}" type="datetime3">
               <a:rPr lang="en-US" smtClean="0"/>
               <a:pPr/>
-              <a:t>14 March 2019</a:t>
+              <a:t>22 March 2019</a:t>
             </a:fld>
             <a:endParaRPr lang="en-US"/>
           </a:p>
@@ -3966,7 +3966,7 @@
             <a:fld id="{43EB6444-05C2-4DB9-99E3-3024D2735779}" type="datetime3">
               <a:rPr lang="en-US" smtClean="0"/>
               <a:pPr/>
-              <a:t>14 March 2019</a:t>
+              <a:t>22 March 2019</a:t>
             </a:fld>
             <a:endParaRPr lang="en-US"/>
           </a:p>
@@ -4104,7 +4104,7 @@
             <a:fld id="{43EB6444-05C2-4DB9-99E3-3024D2735779}" type="datetime3">
               <a:rPr lang="en-US" smtClean="0"/>
               <a:pPr/>
-              <a:t>14 March 2019</a:t>
+              <a:t>22 March 2019</a:t>
             </a:fld>
             <a:endParaRPr lang="en-US"/>
           </a:p>
@@ -4422,7 +4422,7 @@
             <a:fld id="{43EB6444-05C2-4DB9-99E3-3024D2735779}" type="datetime3">
               <a:rPr lang="en-US" smtClean="0"/>
               <a:pPr/>
-              <a:t>14 March 2019</a:t>
+              <a:t>22 March 2019</a:t>
             </a:fld>
             <a:endParaRPr lang="en-US"/>
           </a:p>
@@ -4521,41 +4521,15 @@
             <a:pPr lvl="1"/>
             <a:r>
               <a:rPr lang="en-US" dirty="0" smtClean="0"/>
-              <a:t>xyz.png 		    </a:t>
-            </a:r>
+              <a:t>xyz.png 		    A_orig_17.png</a:t>
+            </a:r>
+          </a:p>
+          <a:p>
+            <a:pPr lvl="1"/>
             <a:r>
               <a:rPr lang="en-US" dirty="0" smtClean="0"/>
-              <a:t>A_orig_17.png</a:t>
-            </a:r>
-            <a:endParaRPr lang="en-US" dirty="0" smtClean="0"/>
-          </a:p>
-          <a:p>
-            <a:pPr lvl="1"/>
-            <a:r>
-              <a:rPr lang="en-US" dirty="0" smtClean="0"/>
-              <a:t>Also gives an </a:t>
-            </a:r>
-            <a:r>
-              <a:rPr lang="en-US" dirty="0" smtClean="0"/>
-              <a:t>analysis </a:t>
-            </a:r>
-            <a:r>
-              <a:rPr lang="en-US" dirty="0" smtClean="0"/>
-              <a:t>of the </a:t>
-            </a:r>
-            <a:r>
-              <a:rPr lang="en-US" dirty="0" smtClean="0"/>
-              <a:t>count </a:t>
-            </a:r>
-            <a:r>
-              <a:rPr lang="en-US" dirty="0" smtClean="0"/>
-              <a:t>of </a:t>
-            </a:r>
-            <a:r>
-              <a:rPr lang="en-US" dirty="0" smtClean="0"/>
-              <a:t>dataset</a:t>
-            </a:r>
-            <a:endParaRPr lang="en-US" dirty="0" smtClean="0"/>
+              <a:t>Also gives an analysis of the count of dataset</a:t>
+            </a:r>
           </a:p>
         </p:txBody>
       </p:sp>
@@ -4813,7 +4787,7 @@
             <a:fld id="{43EB6444-05C2-4DB9-99E3-3024D2735779}" type="datetime3">
               <a:rPr lang="en-US" smtClean="0"/>
               <a:pPr/>
-              <a:t>14 March 2019</a:t>
+              <a:t>22 March 2019</a:t>
             </a:fld>
             <a:endParaRPr lang="en-US"/>
           </a:p>
@@ -4917,13 +4891,8 @@
             </a:pPr>
             <a:r>
               <a:rPr lang="en-US" sz="1800" dirty="0" smtClean="0"/>
-              <a:t>RGB </a:t>
-            </a:r>
-            <a:r>
-              <a:rPr lang="en-US" sz="1800" dirty="0" smtClean="0"/>
-              <a:t>to Grey , </a:t>
-            </a:r>
-            <a:endParaRPr lang="en-US" sz="1800" dirty="0" smtClean="0"/>
+              <a:t>RGB to Grey , </a:t>
+            </a:r>
           </a:p>
           <a:p>
             <a:pPr marL="800100" lvl="1" indent="-342900">
@@ -4942,7 +4911,6 @@
               <a:rPr lang="en-US" sz="1800" dirty="0" smtClean="0"/>
               <a:t>, </a:t>
             </a:r>
-            <a:endParaRPr lang="en-US" sz="1800" dirty="0" smtClean="0"/>
           </a:p>
           <a:p>
             <a:pPr marL="800100" lvl="1" indent="-342900">
@@ -4951,11 +4919,7 @@
             </a:pPr>
             <a:r>
               <a:rPr lang="en-US" sz="1800" dirty="0" smtClean="0"/>
-              <a:t>Boundary </a:t>
-            </a:r>
-            <a:r>
-              <a:rPr lang="en-US" sz="1800" dirty="0" smtClean="0"/>
-              <a:t>Box cropping</a:t>
+              <a:t>Boundary Box cropping</a:t>
             </a:r>
           </a:p>
         </p:txBody>
@@ -5223,7 +5187,7 @@
             <a:fld id="{43EB6444-05C2-4DB9-99E3-3024D2735779}" type="datetime3">
               <a:rPr lang="en-US" smtClean="0"/>
               <a:pPr/>
-              <a:t>14 March 2019</a:t>
+              <a:t>22 March 2019</a:t>
             </a:fld>
             <a:endParaRPr lang="en-US"/>
           </a:p>
@@ -5302,58 +5266,33 @@
               <a:rPr lang="en-US" sz="2000" b="1" dirty="0" smtClean="0"/>
               <a:t>NormalFeat.py</a:t>
             </a:r>
-            <a:endParaRPr lang="en-US" sz="2000" b="1" dirty="0" smtClean="0"/>
           </a:p>
           <a:p>
             <a:pPr marL="514350" lvl="1"/>
             <a:r>
               <a:rPr lang="en-US" sz="1800" dirty="0" smtClean="0"/>
               <a:t>This function extracts </a:t>
-            </a:r>
-            <a:r>
-              <a:rPr lang="en-US" sz="1800" dirty="0" smtClean="0"/>
-              <a:t/>
             </a:r>
             <a:br>
               <a:rPr lang="en-US" sz="1800" dirty="0" smtClean="0"/>
             </a:br>
             <a:r>
               <a:rPr lang="en-US" sz="1800" dirty="0" smtClean="0"/>
-              <a:t>features </a:t>
-            </a:r>
-            <a:r>
-              <a:rPr lang="en-US" sz="1800" dirty="0" smtClean="0"/>
-              <a:t>of the signature </a:t>
-            </a:r>
-            <a:r>
-              <a:rPr lang="en-US" sz="1800" dirty="0" smtClean="0"/>
-              <a:t/>
+              <a:t>features of the signature </a:t>
             </a:r>
             <a:br>
               <a:rPr lang="en-US" sz="1800" dirty="0" smtClean="0"/>
             </a:br>
             <a:r>
               <a:rPr lang="en-US" sz="1800" dirty="0" smtClean="0"/>
-              <a:t>from </a:t>
-            </a:r>
-            <a:r>
-              <a:rPr lang="en-US" sz="1800" dirty="0" smtClean="0"/>
-              <a:t>the </a:t>
-            </a:r>
-            <a:r>
-              <a:rPr lang="en-US" sz="1800" dirty="0" smtClean="0"/>
-              <a:t>pre-processed </a:t>
+              <a:t>from the pre-processed </a:t>
             </a:r>
             <a:br>
               <a:rPr lang="en-US" sz="1800" dirty="0" smtClean="0"/>
             </a:br>
             <a:r>
               <a:rPr lang="en-US" sz="1800" dirty="0" smtClean="0"/>
-              <a:t>images</a:t>
-            </a:r>
-            <a:r>
-              <a:rPr lang="en-US" sz="1800" dirty="0" smtClean="0"/>
-              <a:t>.</a:t>
+              <a:t>images.</a:t>
             </a:r>
           </a:p>
           <a:p>
@@ -5468,11 +5407,7 @@
             </a:r>
             <a:r>
               <a:rPr lang="en-US" sz="1600" dirty="0"/>
-              <a:t>: </a:t>
-            </a:r>
-            <a:r>
-              <a:rPr lang="en-US" sz="1600" dirty="0"/>
-              <a:t>quantify an image based on </a:t>
+              <a:t>: quantify an image based on </a:t>
             </a:r>
             <a:r>
               <a:rPr lang="en-US" sz="1600" dirty="0" smtClean="0"/>
@@ -5738,7 +5673,7 @@
             <a:fld id="{43EB6444-05C2-4DB9-99E3-3024D2735779}" type="datetime3">
               <a:rPr lang="en-US" smtClean="0"/>
               <a:pPr/>
-              <a:t>14 March 2019</a:t>
+              <a:t>22 March 2019</a:t>
             </a:fld>
             <a:endParaRPr lang="en-US"/>
           </a:p>
@@ -6285,7 +6220,7 @@
             <a:fld id="{43EB6444-05C2-4DB9-99E3-3024D2735779}" type="datetime3">
               <a:rPr lang="en-US" smtClean="0"/>
               <a:pPr/>
-              <a:t>14 March 2019</a:t>
+              <a:t>22 March 2019</a:t>
             </a:fld>
             <a:endParaRPr lang="en-US"/>
           </a:p>
@@ -6364,63 +6299,26 @@
               <a:rPr lang="en-US" sz="2000" b="1" dirty="0" smtClean="0"/>
               <a:t>LbpFeat.py</a:t>
             </a:r>
-            <a:endParaRPr lang="en-US" sz="2000" b="1" dirty="0" smtClean="0"/>
           </a:p>
           <a:p>
             <a:pPr marL="457200" lvl="1"/>
             <a:r>
               <a:rPr lang="en-US" sz="1700" dirty="0" smtClean="0"/>
-              <a:t>This function extracts </a:t>
-            </a:r>
-            <a:r>
-              <a:rPr lang="en-US" sz="1700" dirty="0" smtClean="0"/>
-              <a:t>texture </a:t>
+              <a:t>This function extracts texture </a:t>
             </a:r>
             <a:br>
               <a:rPr lang="en-US" sz="1700" dirty="0" smtClean="0"/>
             </a:br>
             <a:r>
               <a:rPr lang="en-US" sz="1700" dirty="0" smtClean="0"/>
-              <a:t>based </a:t>
-            </a:r>
-            <a:r>
-              <a:rPr lang="en-US" sz="1700" dirty="0" smtClean="0"/>
-              <a:t>features </a:t>
-            </a:r>
-            <a:r>
-              <a:rPr lang="en-US" sz="1700" dirty="0" smtClean="0"/>
-              <a:t>of </a:t>
-            </a:r>
-            <a:r>
-              <a:rPr lang="en-US" sz="1700" dirty="0" smtClean="0"/>
-              <a:t>the </a:t>
-            </a:r>
-            <a:r>
-              <a:rPr lang="en-US" sz="1700" dirty="0" smtClean="0"/>
-              <a:t>signature </a:t>
+              <a:t>based features of the signature </a:t>
             </a:r>
             <a:br>
               <a:rPr lang="en-US" sz="1700" dirty="0" smtClean="0"/>
             </a:br>
             <a:r>
               <a:rPr lang="en-US" sz="1700" dirty="0" smtClean="0"/>
-              <a:t>from </a:t>
-            </a:r>
-            <a:r>
-              <a:rPr lang="en-US" sz="1700" dirty="0" smtClean="0"/>
-              <a:t>the </a:t>
-            </a:r>
-            <a:r>
-              <a:rPr lang="en-US" sz="1700" dirty="0" smtClean="0"/>
-              <a:t>LBP </a:t>
-            </a:r>
-            <a:r>
-              <a:rPr lang="en-US" sz="1700" dirty="0" smtClean="0"/>
-              <a:t>images</a:t>
-            </a:r>
-            <a:r>
-              <a:rPr lang="en-US" sz="1700" dirty="0" smtClean="0"/>
-              <a:t>.</a:t>
+              <a:t>from the LBP images.</a:t>
             </a:r>
           </a:p>
           <a:p>
@@ -6764,7 +6662,7 @@
             <a:fld id="{43EB6444-05C2-4DB9-99E3-3024D2735779}" type="datetime3">
               <a:rPr lang="en-US" smtClean="0"/>
               <a:pPr/>
-              <a:t>14 March 2019</a:t>
+              <a:t>22 March 2019</a:t>
             </a:fld>
             <a:endParaRPr lang="en-US"/>
           </a:p>
@@ -6843,7 +6741,6 @@
               <a:rPr lang="en-US" sz="2000" b="1" dirty="0" smtClean="0"/>
               <a:t>Classification.py</a:t>
             </a:r>
-            <a:endParaRPr lang="en-US" sz="2000" b="1" dirty="0" smtClean="0"/>
           </a:p>
           <a:p>
             <a:pPr marL="571500" lvl="1" indent="-228600">
@@ -6853,11 +6750,7 @@
             </a:pPr>
             <a:r>
               <a:rPr lang="en-US" sz="1800" dirty="0" smtClean="0"/>
-              <a:t>This python file contains KNN classification function which classifies the given test data to a </a:t>
-            </a:r>
-            <a:r>
-              <a:rPr lang="en-US" sz="1800" dirty="0" smtClean="0"/>
-              <a:t>class.</a:t>
+              <a:t>This python file contains KNN classification function which classifies the given test data to a class.</a:t>
             </a:r>
             <a:endParaRPr lang="en-US" sz="1800" dirty="0"/>
           </a:p>
@@ -6879,7 +6772,6 @@
               <a:rPr lang="en-US" sz="1800" dirty="0" smtClean="0"/>
               <a:t> is given to the test data vector.</a:t>
             </a:r>
-            <a:endParaRPr lang="en-US" sz="1800" dirty="0" smtClean="0"/>
           </a:p>
         </p:txBody>
       </p:sp>
@@ -6990,7 +6882,7 @@
         </p:blipFill>
         <p:spPr bwMode="auto">
           <a:xfrm>
-            <a:off x="2779588" y="3415364"/>
+            <a:off x="2732603" y="3419667"/>
             <a:ext cx="3197408" cy="2961729"/>
           </a:xfrm>
           <a:prstGeom prst="rect">
@@ -7137,7 +7029,7 @@
             <a:fld id="{43EB6444-05C2-4DB9-99E3-3024D2735779}" type="datetime3">
               <a:rPr lang="en-US" smtClean="0"/>
               <a:pPr/>
-              <a:t>14 March 2019</a:t>
+              <a:t>22 March 2019</a:t>
             </a:fld>
             <a:endParaRPr lang="en-US"/>
           </a:p>
@@ -7216,9 +7108,12 @@
               <a:rPr lang="en-US" sz="2000" b="1" dirty="0" smtClean="0"/>
               <a:t>Evaluation.py</a:t>
             </a:r>
-            <a:endParaRPr lang="en-US" sz="2000" b="1" dirty="0" smtClean="0"/>
-          </a:p>
-          <a:p>
+          </a:p>
+          <a:p>
+            <a:pPr>
+              <a:buFont typeface="Wingdings" panose="05000000000000000000" pitchFamily="2" charset="2"/>
+              <a:buChar char="§"/>
+            </a:pPr>
             <a:r>
               <a:rPr lang="en-GB" sz="1600" dirty="0" smtClean="0"/>
               <a:t>The </a:t>
@@ -7230,13 +7125,17 @@
             <a:endParaRPr lang="en-US" sz="1100" dirty="0"/>
           </a:p>
           <a:p>
+            <a:pPr>
+              <a:buFont typeface="Wingdings" panose="05000000000000000000" pitchFamily="2" charset="2"/>
+              <a:buChar char="§"/>
+            </a:pPr>
             <a:r>
               <a:rPr lang="en-GB" sz="1600" dirty="0"/>
               <a:t>In our experimentation, we find our accuracy to be highest with </a:t>
             </a:r>
             <a:r>
               <a:rPr lang="en-GB" sz="1600" dirty="0" smtClean="0"/>
-              <a:t>85.66% </a:t>
+              <a:t>84.62% </a:t>
             </a:r>
             <a:r>
               <a:rPr lang="en-GB" sz="1600" dirty="0"/>
@@ -7336,55 +7235,6 @@
       </p:sp>
       <p:pic>
         <p:nvPicPr>
-          <p:cNvPr id="5122" name="Picture 2" descr="https://raw.githubusercontent.com/TeeeJaey/SignatureVerifier/master/evaluationUI.JPG"/>
-          <p:cNvPicPr>
-            <a:picLocks noChangeAspect="1" noChangeArrowheads="1"/>
-          </p:cNvPicPr>
-          <p:nvPr/>
-        </p:nvPicPr>
-        <p:blipFill>
-          <a:blip r:embed="rId3">
-            <a:extLst>
-              <a:ext uri="{28A0092B-C50C-407E-A947-70E740481C1C}">
-                <a14:useLocalDpi xmlns:a14="http://schemas.microsoft.com/office/drawing/2010/main" val="0"/>
-              </a:ext>
-            </a:extLst>
-          </a:blip>
-          <a:srcRect/>
-          <a:stretch>
-            <a:fillRect/>
-          </a:stretch>
-        </p:blipFill>
-        <p:spPr bwMode="auto">
-          <a:xfrm>
-            <a:off x="2822824" y="4149833"/>
-            <a:ext cx="2998824" cy="2136543"/>
-          </a:xfrm>
-          <a:prstGeom prst="rect">
-            <a:avLst/>
-          </a:prstGeom>
-          <a:noFill/>
-          <a:ln>
-            <a:solidFill>
-              <a:schemeClr val="tx2">
-                <a:lumMod val="60000"/>
-                <a:lumOff val="40000"/>
-              </a:schemeClr>
-            </a:solidFill>
-          </a:ln>
-          <a:extLst>
-            <a:ext uri="{909E8E84-426E-40DD-AFC4-6F175D3DCCD1}">
-              <a14:hiddenFill xmlns:a14="http://schemas.microsoft.com/office/drawing/2010/main">
-                <a:solidFill>
-                  <a:srgbClr val="FFFFFF"/>
-                </a:solidFill>
-              </a14:hiddenFill>
-            </a:ext>
-          </a:extLst>
-        </p:spPr>
-      </p:pic>
-      <p:pic>
-        <p:nvPicPr>
           <p:cNvPr id="14" name="Picture 13"/>
           <p:cNvPicPr>
             <a:picLocks noChangeAspect="1"/>
@@ -7392,7 +7242,7 @@
           <p:nvPr/>
         </p:nvPicPr>
         <p:blipFill>
-          <a:blip r:embed="rId4"/>
+          <a:blip r:embed="rId3"/>
           <a:stretch>
             <a:fillRect/>
           </a:stretch>
@@ -7411,6 +7261,34 @@
                 <a:lumMod val="60000"/>
                 <a:lumOff val="40000"/>
               </a:schemeClr>
+            </a:solidFill>
+          </a:ln>
+        </p:spPr>
+      </p:pic>
+      <p:pic>
+        <p:nvPicPr>
+          <p:cNvPr id="7" name="Picture 6"/>
+          <p:cNvPicPr>
+            <a:picLocks noChangeAspect="1"/>
+          </p:cNvPicPr>
+          <p:nvPr/>
+        </p:nvPicPr>
+        <p:blipFill rotWithShape="1">
+          <a:blip r:embed="rId4"/>
+          <a:srcRect t="6"/>
+          <a:stretch/>
+        </p:blipFill>
+        <p:spPr>
+          <a:xfrm>
+            <a:off x="2793729" y="4114800"/>
+            <a:ext cx="3038475" cy="2171576"/>
+          </a:xfrm>
+          <a:prstGeom prst="rect">
+            <a:avLst/>
+          </a:prstGeom>
+          <a:ln>
+            <a:solidFill>
+              <a:schemeClr val="accent1"/>
             </a:solidFill>
           </a:ln>
         </p:spPr>
@@ -7500,7 +7378,7 @@
             <a:fld id="{43EB6444-05C2-4DB9-99E3-3024D2735779}" type="datetime3">
               <a:rPr lang="en-US" smtClean="0"/>
               <a:pPr/>
-              <a:t>14 March 2019</a:t>
+              <a:t>22 March 2019</a:t>
             </a:fld>
             <a:endParaRPr lang="en-US"/>
           </a:p>
@@ -7881,7 +7759,7 @@
             <a:fld id="{43EB6444-05C2-4DB9-99E3-3024D2735779}" type="datetime3">
               <a:rPr lang="en-US" smtClean="0"/>
               <a:pPr/>
-              <a:t>14 March 2019</a:t>
+              <a:t>22 March 2019</a:t>
             </a:fld>
             <a:endParaRPr lang="en-US"/>
           </a:p>
@@ -8017,7 +7895,7 @@
             <a:fld id="{43EB6444-05C2-4DB9-99E3-3024D2735779}" type="datetime3">
               <a:rPr lang="en-US" smtClean="0"/>
               <a:pPr/>
-              <a:t>14 March 2019</a:t>
+              <a:t>22 March 2019</a:t>
             </a:fld>
             <a:endParaRPr lang="en-US"/>
           </a:p>
@@ -8149,7 +8027,7 @@
             <a:fld id="{43EB6444-05C2-4DB9-99E3-3024D2735779}" type="datetime3">
               <a:rPr lang="en-US" smtClean="0"/>
               <a:pPr/>
-              <a:t>15 March 2019</a:t>
+              <a:t>22 March 2019</a:t>
             </a:fld>
             <a:endParaRPr lang="en-US"/>
           </a:p>
@@ -8218,8 +8096,8 @@
         </p:blipFill>
         <p:spPr>
           <a:xfrm>
-            <a:off x="762000" y="762000"/>
-            <a:ext cx="7805584" cy="5562600"/>
+            <a:off x="258914" y="236450"/>
+            <a:ext cx="8622747" cy="6144946"/>
           </a:xfrm>
           <a:prstGeom prst="rect">
             <a:avLst/>
@@ -8241,6 +8119,13 @@
   <p:clrMapOvr>
     <a:masterClrMapping/>
   </p:clrMapOvr>
+  <p:timing>
+    <p:tnLst>
+      <p:par>
+        <p:cTn id="1" dur="indefinite" restart="never" nodeType="tmRoot"/>
+      </p:par>
+    </p:tnLst>
+  </p:timing>
 </p:sld>
 </file>
 
@@ -9009,7 +8894,7 @@
             <a:fld id="{43EB6444-05C2-4DB9-99E3-3024D2735779}" type="datetime3">
               <a:rPr lang="en-US" smtClean="0"/>
               <a:pPr/>
-              <a:t>14 March 2019</a:t>
+              <a:t>22 March 2019</a:t>
             </a:fld>
             <a:endParaRPr lang="en-US"/>
           </a:p>
@@ -10070,7 +9955,7 @@
             <a:fld id="{43EB6444-05C2-4DB9-99E3-3024D2735779}" type="datetime3">
               <a:rPr lang="en-US" smtClean="0"/>
               <a:pPr/>
-              <a:t>14 March 2019</a:t>
+              <a:t>22 March 2019</a:t>
             </a:fld>
             <a:endParaRPr lang="en-US"/>
           </a:p>
@@ -10896,7 +10781,7 @@
             <a:fld id="{43EB6444-05C2-4DB9-99E3-3024D2735779}" type="datetime3">
               <a:rPr lang="en-US" smtClean="0"/>
               <a:pPr/>
-              <a:t>14 March 2019</a:t>
+              <a:t>22 March 2019</a:t>
             </a:fld>
             <a:endParaRPr lang="en-US"/>
           </a:p>
@@ -11547,7 +11432,7 @@
             <a:fld id="{43EB6444-05C2-4DB9-99E3-3024D2735779}" type="datetime3">
               <a:rPr lang="en-US" smtClean="0"/>
               <a:pPr/>
-              <a:t>14 March 2019</a:t>
+              <a:t>22 March 2019</a:t>
             </a:fld>
             <a:endParaRPr lang="en-US"/>
           </a:p>
@@ -11757,7 +11642,7 @@
             <a:fld id="{43EB6444-05C2-4DB9-99E3-3024D2735779}" type="datetime3">
               <a:rPr lang="en-US" smtClean="0"/>
               <a:pPr/>
-              <a:t>14 March 2019</a:t>
+              <a:t>22 March 2019</a:t>
             </a:fld>
             <a:endParaRPr lang="en-US"/>
           </a:p>
@@ -11882,8 +11767,8 @@
         </p:nvSpPr>
         <p:spPr>
           <a:xfrm>
-            <a:off x="1179388" y="2209800"/>
-            <a:ext cx="6781800" cy="3657600"/>
+            <a:off x="1179389" y="2209800"/>
+            <a:ext cx="6669211" cy="3657600"/>
           </a:xfrm>
         </p:spPr>
         <p:txBody>
@@ -11906,7 +11791,15 @@
                   <a:srgbClr val="FF0000"/>
                 </a:solidFill>
               </a:rPr>
-              <a:t>whether </a:t>
+              <a:t>whether a particular </a:t>
+            </a:r>
+            <a:r>
+              <a:rPr lang="en-US" dirty="0">
+                <a:solidFill>
+                  <a:srgbClr val="FF0000"/>
+                </a:solidFill>
+              </a:rPr>
+              <a:t>signature </a:t>
             </a:r>
             <a:r>
               <a:rPr lang="en-US" dirty="0" smtClean="0">
@@ -11914,22 +11807,6 @@
                   <a:srgbClr val="FF0000"/>
                 </a:solidFill>
               </a:rPr>
-              <a:t>a particular </a:t>
-            </a:r>
-            <a:r>
-              <a:rPr lang="en-US" dirty="0">
-                <a:solidFill>
-                  <a:srgbClr val="FF0000"/>
-                </a:solidFill>
-              </a:rPr>
-              <a:t>signature </a:t>
-            </a:r>
-            <a:r>
-              <a:rPr lang="en-US" dirty="0" smtClean="0">
-                <a:solidFill>
-                  <a:srgbClr val="FF0000"/>
-                </a:solidFill>
-              </a:rPr>
               <a:t>is genuine or forged</a:t>
             </a:r>
             <a:r>
@@ -11944,21 +11821,8 @@
           <a:p>
             <a:r>
               <a:rPr lang="en-US" dirty="0" smtClean="0"/>
-              <a:t>System would take as input signature images and tell </a:t>
-            </a:r>
-            <a:r>
-              <a:rPr lang="en-US" dirty="0" smtClean="0"/>
-              <a:t>us, If </a:t>
-            </a:r>
-            <a:r>
-              <a:rPr lang="en-US" dirty="0" smtClean="0"/>
-              <a:t>the signature is forged or </a:t>
-            </a:r>
-            <a:r>
-              <a:rPr lang="en-US" dirty="0" smtClean="0"/>
-              <a:t>genuine</a:t>
-            </a:r>
-            <a:endParaRPr lang="en-US" dirty="0" smtClean="0"/>
+              <a:t>System would take as input signature images and tell us, If the signature is forged or genuine</a:t>
+            </a:r>
           </a:p>
         </p:txBody>
       </p:sp>
@@ -11980,7 +11844,7 @@
             <a:fld id="{43EB6444-05C2-4DB9-99E3-3024D2735779}" type="datetime3">
               <a:rPr lang="en-US" smtClean="0"/>
               <a:pPr/>
-              <a:t>14 March 2019</a:t>
+              <a:t>22 March 2019</a:t>
             </a:fld>
             <a:endParaRPr lang="en-US"/>
           </a:p>
@@ -12117,7 +11981,7 @@
             <a:fld id="{43EB6444-05C2-4DB9-99E3-3024D2735779}" type="datetime3">
               <a:rPr lang="en-US" smtClean="0"/>
               <a:pPr/>
-              <a:t>14 March 2019</a:t>
+              <a:t>22 March 2019</a:t>
             </a:fld>
             <a:endParaRPr lang="en-US"/>
           </a:p>
@@ -12290,7 +12154,7 @@
           <a:graphicData uri="http://schemas.openxmlformats.org/presentationml/2006/ole">
             <mc:AlternateContent xmlns:mc="http://schemas.openxmlformats.org/markup-compatibility/2006">
               <mc:Choice xmlns:v="urn:schemas-microsoft-com:vml" Requires="v">
-                <p:oleObj spid="_x0000_s1309" name="Worksheet" showAsIcon="1" r:id="rId3" imgW="914400" imgH="792360" progId="Excel.Sheet.12">
+                <p:oleObj spid="_x0000_s1319" name="Worksheet" showAsIcon="1" r:id="rId3" imgW="914400" imgH="792360" progId="Excel.Sheet.12">
                   <p:embed/>
                 </p:oleObj>
               </mc:Choice>
@@ -12390,7 +12254,7 @@
             <a:fld id="{43EB6444-05C2-4DB9-99E3-3024D2735779}" type="datetime3">
               <a:rPr lang="en-US" sz="1100" smtClean="0"/>
               <a:pPr/>
-              <a:t>14 March 2019</a:t>
+              <a:t>22 March 2019</a:t>
             </a:fld>
             <a:endParaRPr lang="en-US" sz="1100"/>
           </a:p>
@@ -12647,7 +12511,7 @@
             <a:fld id="{43EB6444-05C2-4DB9-99E3-3024D2735779}" type="datetime3">
               <a:rPr lang="en-US" smtClean="0"/>
               <a:pPr/>
-              <a:t>14 March 2019</a:t>
+              <a:t>22 March 2019</a:t>
             </a:fld>
             <a:endParaRPr lang="en-US"/>
           </a:p>
@@ -13161,7 +13025,7 @@
             <a:fld id="{43EB6444-05C2-4DB9-99E3-3024D2735779}" type="datetime3">
               <a:rPr lang="en-US" smtClean="0"/>
               <a:pPr/>
-              <a:t>14 March 2019</a:t>
+              <a:t>22 March 2019</a:t>
             </a:fld>
             <a:endParaRPr lang="en-US"/>
           </a:p>
@@ -13713,11 +13577,7 @@
           <a:p>
             <a:r>
               <a:rPr lang="en-US" sz="2000" b="1" dirty="0" smtClean="0"/>
-              <a:t>Python </a:t>
-            </a:r>
-            <a:r>
-              <a:rPr lang="en-US" sz="2000" b="1" dirty="0" smtClean="0"/>
-              <a:t>libraries</a:t>
+              <a:t>Python libraries</a:t>
             </a:r>
             <a:endParaRPr lang="en-US" sz="2000" dirty="0"/>
           </a:p>
@@ -13731,21 +13591,8 @@
             </a:r>
             <a:r>
               <a:rPr lang="en-US" sz="2000" dirty="0" smtClean="0"/>
-              <a:t> </a:t>
-            </a:r>
-            <a:r>
-              <a:rPr lang="en-US" sz="2000" dirty="0" smtClean="0"/>
-              <a:t>Using </a:t>
-            </a:r>
-            <a:r>
-              <a:rPr lang="en-US" sz="2000" dirty="0" smtClean="0"/>
-              <a:t>number of libraries, which are easy to install &amp; import</a:t>
-            </a:r>
-            <a:r>
-              <a:rPr lang="en-US" sz="2000" dirty="0" smtClean="0"/>
-              <a:t>..</a:t>
-            </a:r>
-            <a:endParaRPr lang="en-US" sz="2000" dirty="0" smtClean="0"/>
+              <a:t> Using number of libraries, which are easy to install &amp; import..</a:t>
+            </a:r>
           </a:p>
         </p:txBody>
       </p:sp>
@@ -13767,7 +13614,7 @@
             <a:fld id="{43EB6444-05C2-4DB9-99E3-3024D2735779}" type="datetime3">
               <a:rPr lang="en-US" smtClean="0"/>
               <a:pPr/>
-              <a:t>14 March 2019</a:t>
+              <a:t>22 March 2019</a:t>
             </a:fld>
             <a:endParaRPr lang="en-US"/>
           </a:p>
@@ -15271,7 +15118,7 @@
             <a:fld id="{43EB6444-05C2-4DB9-99E3-3024D2735779}" type="datetime3">
               <a:rPr lang="en-US" smtClean="0"/>
               <a:pPr/>
-              <a:t>14 March 2019</a:t>
+              <a:t>22 March 2019</a:t>
             </a:fld>
             <a:endParaRPr lang="en-US"/>
           </a:p>
